--- a/Simple Calculator/presentation/My WPF notes.pptx
+++ b/Simple Calculator/presentation/My WPF notes.pptx
@@ -41,21 +41,34 @@
     <p:sldId id="290" r:id="rId35"/>
     <p:sldId id="291" r:id="rId36"/>
     <p:sldId id="271" r:id="rId37"/>
-    <p:sldId id="293" r:id="rId38"/>
-    <p:sldId id="294" r:id="rId39"/>
-    <p:sldId id="295" r:id="rId40"/>
-    <p:sldId id="296" r:id="rId41"/>
-    <p:sldId id="297" r:id="rId42"/>
-    <p:sldId id="298" r:id="rId43"/>
-    <p:sldId id="299" r:id="rId44"/>
-    <p:sldId id="300" r:id="rId45"/>
-    <p:sldId id="301" r:id="rId46"/>
-    <p:sldId id="302" r:id="rId47"/>
-    <p:sldId id="303" r:id="rId48"/>
-    <p:sldId id="304" r:id="rId49"/>
-    <p:sldId id="305" r:id="rId50"/>
-    <p:sldId id="306" r:id="rId51"/>
-    <p:sldId id="265" r:id="rId52"/>
+    <p:sldId id="294" r:id="rId38"/>
+    <p:sldId id="295" r:id="rId39"/>
+    <p:sldId id="296" r:id="rId40"/>
+    <p:sldId id="297" r:id="rId41"/>
+    <p:sldId id="298" r:id="rId42"/>
+    <p:sldId id="299" r:id="rId43"/>
+    <p:sldId id="300" r:id="rId44"/>
+    <p:sldId id="301" r:id="rId45"/>
+    <p:sldId id="302" r:id="rId46"/>
+    <p:sldId id="303" r:id="rId47"/>
+    <p:sldId id="304" r:id="rId48"/>
+    <p:sldId id="305" r:id="rId49"/>
+    <p:sldId id="306" r:id="rId50"/>
+    <p:sldId id="307" r:id="rId51"/>
+    <p:sldId id="308" r:id="rId52"/>
+    <p:sldId id="309" r:id="rId53"/>
+    <p:sldId id="310" r:id="rId54"/>
+    <p:sldId id="311" r:id="rId55"/>
+    <p:sldId id="312" r:id="rId56"/>
+    <p:sldId id="313" r:id="rId57"/>
+    <p:sldId id="314" r:id="rId58"/>
+    <p:sldId id="315" r:id="rId59"/>
+    <p:sldId id="316" r:id="rId60"/>
+    <p:sldId id="317" r:id="rId61"/>
+    <p:sldId id="318" r:id="rId62"/>
+    <p:sldId id="319" r:id="rId63"/>
+    <p:sldId id="320" r:id="rId64"/>
+    <p:sldId id="265" r:id="rId65"/>
   </p:sldIdLst>
   <p:sldSz cx="12192000" cy="6858000"/>
   <p:notesSz cx="6858000" cy="9144000"/>
@@ -154,6 +167,11 @@
       </a:defRPr>
     </a:lvl9pPr>
   </p:defaultTextStyle>
+  <p:extLst>
+    <p:ext uri="{EFAFB233-063F-42B5-8137-9DF3F51BA10A}">
+      <p15:sldGuideLst xmlns:p15="http://schemas.microsoft.com/office/powerpoint/2012/main"/>
+    </p:ext>
+  </p:extLst>
 </p:presentation>
 </file>
 
@@ -306,7 +324,7 @@
           <a:p>
             <a:fld id="{DB394F03-F7C0-40E5-A4C8-78AB2B9CA636}" type="datetimeFigureOut">
               <a:rPr lang="en-GB" smtClean="0"/>
-              <a:t>03/06/2025</a:t>
+              <a:t>05/06/2025</a:t>
             </a:fld>
             <a:endParaRPr lang="en-GB"/>
           </a:p>
@@ -506,7 +524,7 @@
           <a:p>
             <a:fld id="{DB394F03-F7C0-40E5-A4C8-78AB2B9CA636}" type="datetimeFigureOut">
               <a:rPr lang="en-GB" smtClean="0"/>
-              <a:t>03/06/2025</a:t>
+              <a:t>05/06/2025</a:t>
             </a:fld>
             <a:endParaRPr lang="en-GB"/>
           </a:p>
@@ -716,7 +734,7 @@
           <a:p>
             <a:fld id="{DB394F03-F7C0-40E5-A4C8-78AB2B9CA636}" type="datetimeFigureOut">
               <a:rPr lang="en-GB" smtClean="0"/>
-              <a:t>03/06/2025</a:t>
+              <a:t>05/06/2025</a:t>
             </a:fld>
             <a:endParaRPr lang="en-GB"/>
           </a:p>
@@ -916,7 +934,7 @@
           <a:p>
             <a:fld id="{DB394F03-F7C0-40E5-A4C8-78AB2B9CA636}" type="datetimeFigureOut">
               <a:rPr lang="en-GB" smtClean="0"/>
-              <a:t>03/06/2025</a:t>
+              <a:t>05/06/2025</a:t>
             </a:fld>
             <a:endParaRPr lang="en-GB"/>
           </a:p>
@@ -1192,7 +1210,7 @@
           <a:p>
             <a:fld id="{DB394F03-F7C0-40E5-A4C8-78AB2B9CA636}" type="datetimeFigureOut">
               <a:rPr lang="en-GB" smtClean="0"/>
-              <a:t>03/06/2025</a:t>
+              <a:t>05/06/2025</a:t>
             </a:fld>
             <a:endParaRPr lang="en-GB"/>
           </a:p>
@@ -1460,7 +1478,7 @@
           <a:p>
             <a:fld id="{DB394F03-F7C0-40E5-A4C8-78AB2B9CA636}" type="datetimeFigureOut">
               <a:rPr lang="en-GB" smtClean="0"/>
-              <a:t>03/06/2025</a:t>
+              <a:t>05/06/2025</a:t>
             </a:fld>
             <a:endParaRPr lang="en-GB"/>
           </a:p>
@@ -1875,7 +1893,7 @@
           <a:p>
             <a:fld id="{DB394F03-F7C0-40E5-A4C8-78AB2B9CA636}" type="datetimeFigureOut">
               <a:rPr lang="en-GB" smtClean="0"/>
-              <a:t>03/06/2025</a:t>
+              <a:t>05/06/2025</a:t>
             </a:fld>
             <a:endParaRPr lang="en-GB"/>
           </a:p>
@@ -2017,7 +2035,7 @@
           <a:p>
             <a:fld id="{DB394F03-F7C0-40E5-A4C8-78AB2B9CA636}" type="datetimeFigureOut">
               <a:rPr lang="en-GB" smtClean="0"/>
-              <a:t>03/06/2025</a:t>
+              <a:t>05/06/2025</a:t>
             </a:fld>
             <a:endParaRPr lang="en-GB"/>
           </a:p>
@@ -2130,7 +2148,7 @@
           <a:p>
             <a:fld id="{DB394F03-F7C0-40E5-A4C8-78AB2B9CA636}" type="datetimeFigureOut">
               <a:rPr lang="en-GB" smtClean="0"/>
-              <a:t>03/06/2025</a:t>
+              <a:t>05/06/2025</a:t>
             </a:fld>
             <a:endParaRPr lang="en-GB"/>
           </a:p>
@@ -2443,7 +2461,7 @@
           <a:p>
             <a:fld id="{DB394F03-F7C0-40E5-A4C8-78AB2B9CA636}" type="datetimeFigureOut">
               <a:rPr lang="en-GB" smtClean="0"/>
-              <a:t>03/06/2025</a:t>
+              <a:t>05/06/2025</a:t>
             </a:fld>
             <a:endParaRPr lang="en-GB"/>
           </a:p>
@@ -2732,7 +2750,7 @@
           <a:p>
             <a:fld id="{DB394F03-F7C0-40E5-A4C8-78AB2B9CA636}" type="datetimeFigureOut">
               <a:rPr lang="en-GB" smtClean="0"/>
-              <a:t>03/06/2025</a:t>
+              <a:t>05/06/2025</a:t>
             </a:fld>
             <a:endParaRPr lang="en-GB"/>
           </a:p>
@@ -2975,7 +2993,7 @@
           <a:p>
             <a:fld id="{DB394F03-F7C0-40E5-A4C8-78AB2B9CA636}" type="datetimeFigureOut">
               <a:rPr lang="en-GB" smtClean="0"/>
-              <a:t>03/06/2025</a:t>
+              <a:t>05/06/2025</a:t>
             </a:fld>
             <a:endParaRPr lang="en-GB"/>
           </a:p>
@@ -19217,7 +19235,7 @@
           </a:p>
           <a:p>
             <a:r>
-              <a:rPr lang="en-GB"/>
+              <a:rPr lang="en-GB" dirty="0"/>
               <a:t>(sender as Button). </a:t>
             </a:r>
           </a:p>
@@ -19259,6 +19277,1268 @@
           <a:chExt cx="0" cy="0"/>
         </a:xfrm>
       </p:grpSpPr>
+      <p:sp>
+        <p:nvSpPr>
+          <p:cNvPr id="2" name="TextBox 1">
+            <a:extLst>
+              <a:ext uri="{FF2B5EF4-FFF2-40B4-BE49-F238E27FC236}">
+                <a16:creationId xmlns:a16="http://schemas.microsoft.com/office/drawing/2014/main" id="{4DB55418-F02E-4651-615E-5F4700303CCB}"/>
+              </a:ext>
+            </a:extLst>
+          </p:cNvPr>
+          <p:cNvSpPr txBox="1"/>
+          <p:nvPr/>
+        </p:nvSpPr>
+        <p:spPr>
+          <a:xfrm>
+            <a:off x="150828" y="216816"/>
+            <a:ext cx="1571969" cy="369332"/>
+          </a:xfrm>
+          <a:prstGeom prst="rect">
+            <a:avLst/>
+          </a:prstGeom>
+          <a:noFill/>
+        </p:spPr>
+        <p:txBody>
+          <a:bodyPr wrap="none" rtlCol="0">
+            <a:spAutoFit/>
+          </a:bodyPr>
+          <a:lstStyle/>
+          <a:p>
+            <a:r>
+              <a:rPr lang="en-GB" dirty="0"/>
+              <a:t>Custom types</a:t>
+            </a:r>
+          </a:p>
+        </p:txBody>
+      </p:sp>
+      <p:sp>
+        <p:nvSpPr>
+          <p:cNvPr id="4" name="TextBox 3">
+            <a:extLst>
+              <a:ext uri="{FF2B5EF4-FFF2-40B4-BE49-F238E27FC236}">
+                <a16:creationId xmlns:a16="http://schemas.microsoft.com/office/drawing/2014/main" id="{619C3757-30CB-F1F6-01F6-48412757D9B9}"/>
+              </a:ext>
+            </a:extLst>
+          </p:cNvPr>
+          <p:cNvSpPr txBox="1"/>
+          <p:nvPr/>
+        </p:nvSpPr>
+        <p:spPr>
+          <a:xfrm>
+            <a:off x="366548" y="1625062"/>
+            <a:ext cx="6093372" cy="2031325"/>
+          </a:xfrm>
+          <a:prstGeom prst="rect">
+            <a:avLst/>
+          </a:prstGeom>
+          <a:noFill/>
+        </p:spPr>
+        <p:txBody>
+          <a:bodyPr wrap="square">
+            <a:spAutoFit/>
+          </a:bodyPr>
+          <a:lstStyle/>
+          <a:p>
+            <a:r>
+              <a:rPr lang="en-GB" sz="1800" dirty="0">
+                <a:solidFill>
+                  <a:srgbClr val="000000"/>
+                </a:solidFill>
+                <a:highlight>
+                  <a:srgbClr val="FFFFFF"/>
+                </a:highlight>
+                <a:latin typeface="Cascadia Mono" panose="020B0609020000020004" pitchFamily="49" charset="0"/>
+              </a:rPr>
+              <a:t> </a:t>
+            </a:r>
+            <a:r>
+              <a:rPr lang="en-GB" sz="1800" dirty="0">
+                <a:solidFill>
+                  <a:srgbClr val="0000FF"/>
+                </a:solidFill>
+                <a:highlight>
+                  <a:srgbClr val="FFFFFF"/>
+                </a:highlight>
+                <a:latin typeface="Cascadia Mono" panose="020B0609020000020004" pitchFamily="49" charset="0"/>
+              </a:rPr>
+              <a:t>public</a:t>
+            </a:r>
+            <a:r>
+              <a:rPr lang="en-GB" sz="1800" dirty="0">
+                <a:solidFill>
+                  <a:srgbClr val="000000"/>
+                </a:solidFill>
+                <a:highlight>
+                  <a:srgbClr val="FFFFFF"/>
+                </a:highlight>
+                <a:latin typeface="Cascadia Mono" panose="020B0609020000020004" pitchFamily="49" charset="0"/>
+              </a:rPr>
+              <a:t> </a:t>
+            </a:r>
+            <a:r>
+              <a:rPr lang="en-GB" sz="1800" dirty="0" err="1">
+                <a:solidFill>
+                  <a:srgbClr val="0000FF"/>
+                </a:solidFill>
+                <a:highlight>
+                  <a:srgbClr val="FFFFFF"/>
+                </a:highlight>
+                <a:latin typeface="Cascadia Mono" panose="020B0609020000020004" pitchFamily="49" charset="0"/>
+              </a:rPr>
+              <a:t>enum</a:t>
+            </a:r>
+            <a:r>
+              <a:rPr lang="en-GB" sz="1800" dirty="0">
+                <a:solidFill>
+                  <a:srgbClr val="000000"/>
+                </a:solidFill>
+                <a:highlight>
+                  <a:srgbClr val="FFFFFF"/>
+                </a:highlight>
+                <a:latin typeface="Cascadia Mono" panose="020B0609020000020004" pitchFamily="49" charset="0"/>
+              </a:rPr>
+              <a:t> </a:t>
+            </a:r>
+            <a:r>
+              <a:rPr lang="en-GB" sz="1800" dirty="0" err="1">
+                <a:solidFill>
+                  <a:srgbClr val="2B91AF"/>
+                </a:solidFill>
+                <a:highlight>
+                  <a:srgbClr val="FFFFFF"/>
+                </a:highlight>
+                <a:latin typeface="Cascadia Mono" panose="020B0609020000020004" pitchFamily="49" charset="0"/>
+              </a:rPr>
+              <a:t>SelectedOperator</a:t>
+            </a:r>
+            <a:r>
+              <a:rPr lang="en-GB" sz="1800" dirty="0">
+                <a:solidFill>
+                  <a:srgbClr val="000000"/>
+                </a:solidFill>
+                <a:highlight>
+                  <a:srgbClr val="FFFFFF"/>
+                </a:highlight>
+                <a:latin typeface="Cascadia Mono" panose="020B0609020000020004" pitchFamily="49" charset="0"/>
+              </a:rPr>
+              <a:t> </a:t>
+            </a:r>
+          </a:p>
+          <a:p>
+            <a:r>
+              <a:rPr lang="en-GB" sz="1800" dirty="0">
+                <a:solidFill>
+                  <a:srgbClr val="000000"/>
+                </a:solidFill>
+                <a:highlight>
+                  <a:srgbClr val="FFFFFF"/>
+                </a:highlight>
+                <a:latin typeface="Cascadia Mono" panose="020B0609020000020004" pitchFamily="49" charset="0"/>
+              </a:rPr>
+              <a:t>        {</a:t>
+            </a:r>
+          </a:p>
+          <a:p>
+            <a:r>
+              <a:rPr lang="en-GB" sz="1800" dirty="0">
+                <a:solidFill>
+                  <a:srgbClr val="000000"/>
+                </a:solidFill>
+                <a:highlight>
+                  <a:srgbClr val="FFFFFF"/>
+                </a:highlight>
+                <a:latin typeface="Cascadia Mono" panose="020B0609020000020004" pitchFamily="49" charset="0"/>
+              </a:rPr>
+              <a:t>            Addition,</a:t>
+            </a:r>
+          </a:p>
+          <a:p>
+            <a:r>
+              <a:rPr lang="en-GB" sz="1800" dirty="0">
+                <a:solidFill>
+                  <a:srgbClr val="000000"/>
+                </a:solidFill>
+                <a:highlight>
+                  <a:srgbClr val="FFFFFF"/>
+                </a:highlight>
+                <a:latin typeface="Cascadia Mono" panose="020B0609020000020004" pitchFamily="49" charset="0"/>
+              </a:rPr>
+              <a:t>            Substruction,</a:t>
+            </a:r>
+          </a:p>
+          <a:p>
+            <a:r>
+              <a:rPr lang="en-GB" sz="1800" dirty="0">
+                <a:solidFill>
+                  <a:srgbClr val="000000"/>
+                </a:solidFill>
+                <a:highlight>
+                  <a:srgbClr val="FFFFFF"/>
+                </a:highlight>
+                <a:latin typeface="Cascadia Mono" panose="020B0609020000020004" pitchFamily="49" charset="0"/>
+              </a:rPr>
+              <a:t>            Multiplication,</a:t>
+            </a:r>
+          </a:p>
+          <a:p>
+            <a:r>
+              <a:rPr lang="en-GB" sz="1800" dirty="0">
+                <a:solidFill>
+                  <a:srgbClr val="000000"/>
+                </a:solidFill>
+                <a:highlight>
+                  <a:srgbClr val="FFFFFF"/>
+                </a:highlight>
+                <a:latin typeface="Cascadia Mono" panose="020B0609020000020004" pitchFamily="49" charset="0"/>
+              </a:rPr>
+              <a:t>            Division</a:t>
+            </a:r>
+          </a:p>
+          <a:p>
+            <a:r>
+              <a:rPr lang="en-GB" sz="1800" dirty="0">
+                <a:solidFill>
+                  <a:srgbClr val="000000"/>
+                </a:solidFill>
+                <a:highlight>
+                  <a:srgbClr val="FFFFFF"/>
+                </a:highlight>
+                <a:latin typeface="Cascadia Mono" panose="020B0609020000020004" pitchFamily="49" charset="0"/>
+              </a:rPr>
+              <a:t>        }</a:t>
+            </a:r>
+            <a:endParaRPr lang="en-GB" dirty="0"/>
+          </a:p>
+        </p:txBody>
+      </p:sp>
+      <p:cxnSp>
+        <p:nvCxnSpPr>
+          <p:cNvPr id="6" name="Straight Arrow Connector 5">
+            <a:extLst>
+              <a:ext uri="{FF2B5EF4-FFF2-40B4-BE49-F238E27FC236}">
+                <a16:creationId xmlns:a16="http://schemas.microsoft.com/office/drawing/2014/main" id="{FC12A3A9-974F-552D-9B04-12F4AA88049B}"/>
+              </a:ext>
+            </a:extLst>
+          </p:cNvPr>
+          <p:cNvCxnSpPr/>
+          <p:nvPr/>
+        </p:nvCxnSpPr>
+        <p:spPr>
+          <a:xfrm flipH="1">
+            <a:off x="2017986" y="961697"/>
+            <a:ext cx="1395248" cy="663365"/>
+          </a:xfrm>
+          <a:prstGeom prst="straightConnector1">
+            <a:avLst/>
+          </a:prstGeom>
+          <a:ln>
+            <a:tailEnd type="triangle"/>
+          </a:ln>
+        </p:spPr>
+        <p:style>
+          <a:lnRef idx="2">
+            <a:schemeClr val="accent1"/>
+          </a:lnRef>
+          <a:fillRef idx="0">
+            <a:schemeClr val="accent1"/>
+          </a:fillRef>
+          <a:effectRef idx="1">
+            <a:schemeClr val="accent1"/>
+          </a:effectRef>
+          <a:fontRef idx="minor">
+            <a:schemeClr val="tx1"/>
+          </a:fontRef>
+        </p:style>
+      </p:cxnSp>
+      <p:sp>
+        <p:nvSpPr>
+          <p:cNvPr id="7" name="TextBox 6">
+            <a:extLst>
+              <a:ext uri="{FF2B5EF4-FFF2-40B4-BE49-F238E27FC236}">
+                <a16:creationId xmlns:a16="http://schemas.microsoft.com/office/drawing/2014/main" id="{E314CD1F-3AC9-A755-2CF1-2969DB9A9AFC}"/>
+              </a:ext>
+            </a:extLst>
+          </p:cNvPr>
+          <p:cNvSpPr txBox="1"/>
+          <p:nvPr/>
+        </p:nvSpPr>
+        <p:spPr>
+          <a:xfrm>
+            <a:off x="3502572" y="592365"/>
+            <a:ext cx="3324243" cy="369332"/>
+          </a:xfrm>
+          <a:prstGeom prst="rect">
+            <a:avLst/>
+          </a:prstGeom>
+          <a:noFill/>
+        </p:spPr>
+        <p:txBody>
+          <a:bodyPr wrap="none" rtlCol="0">
+            <a:spAutoFit/>
+          </a:bodyPr>
+          <a:lstStyle/>
+          <a:p>
+            <a:r>
+              <a:rPr lang="en-GB" dirty="0"/>
+              <a:t>New type of </a:t>
+            </a:r>
+            <a:r>
+              <a:rPr lang="en-GB" dirty="0" err="1"/>
+              <a:t>enum</a:t>
+            </a:r>
+            <a:r>
+              <a:rPr lang="en-GB" dirty="0"/>
+              <a:t> (enumerator)</a:t>
+            </a:r>
+          </a:p>
+        </p:txBody>
+      </p:sp>
+      <p:sp>
+        <p:nvSpPr>
+          <p:cNvPr id="9" name="TextBox 8">
+            <a:extLst>
+              <a:ext uri="{FF2B5EF4-FFF2-40B4-BE49-F238E27FC236}">
+                <a16:creationId xmlns:a16="http://schemas.microsoft.com/office/drawing/2014/main" id="{F00E829D-7071-D35D-F76B-1085B22B8C87}"/>
+              </a:ext>
+            </a:extLst>
+          </p:cNvPr>
+          <p:cNvSpPr txBox="1"/>
+          <p:nvPr/>
+        </p:nvSpPr>
+        <p:spPr>
+          <a:xfrm>
+            <a:off x="5732080" y="2939195"/>
+            <a:ext cx="6093372" cy="1200329"/>
+          </a:xfrm>
+          <a:prstGeom prst="rect">
+            <a:avLst/>
+          </a:prstGeom>
+          <a:noFill/>
+        </p:spPr>
+        <p:txBody>
+          <a:bodyPr wrap="square">
+            <a:spAutoFit/>
+          </a:bodyPr>
+          <a:lstStyle/>
+          <a:p>
+            <a:r>
+              <a:rPr lang="en-GB" sz="1800" dirty="0">
+                <a:solidFill>
+                  <a:srgbClr val="000000"/>
+                </a:solidFill>
+                <a:highlight>
+                  <a:srgbClr val="FFFFFF"/>
+                </a:highlight>
+                <a:latin typeface="Cascadia Mono" panose="020B0609020000020004" pitchFamily="49" charset="0"/>
+              </a:rPr>
+              <a:t> </a:t>
+            </a:r>
+            <a:r>
+              <a:rPr lang="en-GB" sz="1800" dirty="0">
+                <a:solidFill>
+                  <a:srgbClr val="0000FF"/>
+                </a:solidFill>
+                <a:highlight>
+                  <a:srgbClr val="FFFFFF"/>
+                </a:highlight>
+                <a:latin typeface="Cascadia Mono" panose="020B0609020000020004" pitchFamily="49" charset="0"/>
+              </a:rPr>
+              <a:t>public</a:t>
+            </a:r>
+            <a:r>
+              <a:rPr lang="en-GB" sz="1800" dirty="0">
+                <a:solidFill>
+                  <a:srgbClr val="000000"/>
+                </a:solidFill>
+                <a:highlight>
+                  <a:srgbClr val="FFFFFF"/>
+                </a:highlight>
+                <a:latin typeface="Cascadia Mono" panose="020B0609020000020004" pitchFamily="49" charset="0"/>
+              </a:rPr>
+              <a:t> </a:t>
+            </a:r>
+            <a:r>
+              <a:rPr lang="en-GB" sz="1800" dirty="0">
+                <a:solidFill>
+                  <a:srgbClr val="0000FF"/>
+                </a:solidFill>
+                <a:highlight>
+                  <a:srgbClr val="FFFFFF"/>
+                </a:highlight>
+                <a:latin typeface="Cascadia Mono" panose="020B0609020000020004" pitchFamily="49" charset="0"/>
+              </a:rPr>
+              <a:t>partial</a:t>
+            </a:r>
+            <a:r>
+              <a:rPr lang="en-GB" sz="1800" dirty="0">
+                <a:solidFill>
+                  <a:srgbClr val="000000"/>
+                </a:solidFill>
+                <a:highlight>
+                  <a:srgbClr val="FFFFFF"/>
+                </a:highlight>
+                <a:latin typeface="Cascadia Mono" panose="020B0609020000020004" pitchFamily="49" charset="0"/>
+              </a:rPr>
+              <a:t> </a:t>
+            </a:r>
+            <a:r>
+              <a:rPr lang="en-GB" sz="1800" dirty="0">
+                <a:solidFill>
+                  <a:srgbClr val="0000FF"/>
+                </a:solidFill>
+                <a:highlight>
+                  <a:srgbClr val="FFFFFF"/>
+                </a:highlight>
+                <a:latin typeface="Cascadia Mono" panose="020B0609020000020004" pitchFamily="49" charset="0"/>
+              </a:rPr>
+              <a:t>class</a:t>
+            </a:r>
+            <a:r>
+              <a:rPr lang="en-GB" sz="1800" dirty="0">
+                <a:solidFill>
+                  <a:srgbClr val="000000"/>
+                </a:solidFill>
+                <a:highlight>
+                  <a:srgbClr val="FFFFFF"/>
+                </a:highlight>
+                <a:latin typeface="Cascadia Mono" panose="020B0609020000020004" pitchFamily="49" charset="0"/>
+              </a:rPr>
+              <a:t> </a:t>
+            </a:r>
+            <a:r>
+              <a:rPr lang="en-GB" sz="1800" dirty="0" err="1">
+                <a:solidFill>
+                  <a:srgbClr val="2B91AF"/>
+                </a:solidFill>
+                <a:highlight>
+                  <a:srgbClr val="FFFFFF"/>
+                </a:highlight>
+                <a:latin typeface="Cascadia Mono" panose="020B0609020000020004" pitchFamily="49" charset="0"/>
+              </a:rPr>
+              <a:t>MainWindow</a:t>
+            </a:r>
+            <a:r>
+              <a:rPr lang="en-GB" sz="1800" dirty="0">
+                <a:solidFill>
+                  <a:srgbClr val="000000"/>
+                </a:solidFill>
+                <a:highlight>
+                  <a:srgbClr val="FFFFFF"/>
+                </a:highlight>
+                <a:latin typeface="Cascadia Mono" panose="020B0609020000020004" pitchFamily="49" charset="0"/>
+              </a:rPr>
+              <a:t> : </a:t>
+            </a:r>
+            <a:r>
+              <a:rPr lang="en-GB" sz="1800" dirty="0">
+                <a:solidFill>
+                  <a:srgbClr val="2B91AF"/>
+                </a:solidFill>
+                <a:highlight>
+                  <a:srgbClr val="FFFFFF"/>
+                </a:highlight>
+                <a:latin typeface="Cascadia Mono" panose="020B0609020000020004" pitchFamily="49" charset="0"/>
+              </a:rPr>
+              <a:t>Window</a:t>
+            </a:r>
+            <a:endParaRPr lang="en-GB" sz="1800" dirty="0">
+              <a:solidFill>
+                <a:srgbClr val="000000"/>
+              </a:solidFill>
+              <a:highlight>
+                <a:srgbClr val="FFFFFF"/>
+              </a:highlight>
+              <a:latin typeface="Cascadia Mono" panose="020B0609020000020004" pitchFamily="49" charset="0"/>
+            </a:endParaRPr>
+          </a:p>
+          <a:p>
+            <a:r>
+              <a:rPr lang="en-GB" sz="1800" dirty="0">
+                <a:solidFill>
+                  <a:srgbClr val="000000"/>
+                </a:solidFill>
+                <a:highlight>
+                  <a:srgbClr val="FFFFFF"/>
+                </a:highlight>
+                <a:latin typeface="Cascadia Mono" panose="020B0609020000020004" pitchFamily="49" charset="0"/>
+              </a:rPr>
+              <a:t>    {</a:t>
+            </a:r>
+          </a:p>
+          <a:p>
+            <a:r>
+              <a:rPr lang="en-GB" sz="1800" dirty="0">
+                <a:solidFill>
+                  <a:srgbClr val="000000"/>
+                </a:solidFill>
+                <a:highlight>
+                  <a:srgbClr val="FFFFFF"/>
+                </a:highlight>
+                <a:latin typeface="Cascadia Mono" panose="020B0609020000020004" pitchFamily="49" charset="0"/>
+              </a:rPr>
+              <a:t>        </a:t>
+            </a:r>
+            <a:r>
+              <a:rPr lang="en-GB" sz="1800" dirty="0">
+                <a:solidFill>
+                  <a:srgbClr val="0000FF"/>
+                </a:solidFill>
+                <a:highlight>
+                  <a:srgbClr val="FFFFFF"/>
+                </a:highlight>
+                <a:latin typeface="Cascadia Mono" panose="020B0609020000020004" pitchFamily="49" charset="0"/>
+              </a:rPr>
+              <a:t>double</a:t>
+            </a:r>
+            <a:r>
+              <a:rPr lang="en-GB" sz="1800" dirty="0">
+                <a:solidFill>
+                  <a:srgbClr val="000000"/>
+                </a:solidFill>
+                <a:highlight>
+                  <a:srgbClr val="FFFFFF"/>
+                </a:highlight>
+                <a:latin typeface="Cascadia Mono" panose="020B0609020000020004" pitchFamily="49" charset="0"/>
+              </a:rPr>
+              <a:t> </a:t>
+            </a:r>
+            <a:r>
+              <a:rPr lang="en-GB" sz="1800" dirty="0" err="1">
+                <a:solidFill>
+                  <a:srgbClr val="000000"/>
+                </a:solidFill>
+                <a:highlight>
+                  <a:srgbClr val="FFFFFF"/>
+                </a:highlight>
+                <a:latin typeface="Cascadia Mono" panose="020B0609020000020004" pitchFamily="49" charset="0"/>
+              </a:rPr>
+              <a:t>lastNumber</a:t>
+            </a:r>
+            <a:r>
+              <a:rPr lang="en-GB" sz="1800" dirty="0">
+                <a:solidFill>
+                  <a:srgbClr val="000000"/>
+                </a:solidFill>
+                <a:highlight>
+                  <a:srgbClr val="FFFFFF"/>
+                </a:highlight>
+                <a:latin typeface="Cascadia Mono" panose="020B0609020000020004" pitchFamily="49" charset="0"/>
+              </a:rPr>
+              <a:t>, result;</a:t>
+            </a:r>
+          </a:p>
+          <a:p>
+            <a:r>
+              <a:rPr lang="en-GB" sz="1800" dirty="0">
+                <a:solidFill>
+                  <a:srgbClr val="000000"/>
+                </a:solidFill>
+                <a:highlight>
+                  <a:srgbClr val="FFFFFF"/>
+                </a:highlight>
+                <a:latin typeface="Cascadia Mono" panose="020B0609020000020004" pitchFamily="49" charset="0"/>
+              </a:rPr>
+              <a:t>        </a:t>
+            </a:r>
+            <a:r>
+              <a:rPr lang="en-GB" sz="1800" dirty="0" err="1">
+                <a:solidFill>
+                  <a:srgbClr val="2B91AF"/>
+                </a:solidFill>
+                <a:highlight>
+                  <a:srgbClr val="FFFFFF"/>
+                </a:highlight>
+                <a:latin typeface="Cascadia Mono" panose="020B0609020000020004" pitchFamily="49" charset="0"/>
+              </a:rPr>
+              <a:t>SelectedOperator</a:t>
+            </a:r>
+            <a:r>
+              <a:rPr lang="en-GB" sz="1800" dirty="0">
+                <a:solidFill>
+                  <a:srgbClr val="000000"/>
+                </a:solidFill>
+                <a:highlight>
+                  <a:srgbClr val="FFFFFF"/>
+                </a:highlight>
+                <a:latin typeface="Cascadia Mono" panose="020B0609020000020004" pitchFamily="49" charset="0"/>
+              </a:rPr>
+              <a:t> </a:t>
+            </a:r>
+            <a:r>
+              <a:rPr lang="en-GB" sz="1800" dirty="0" err="1">
+                <a:solidFill>
+                  <a:srgbClr val="000000"/>
+                </a:solidFill>
+                <a:highlight>
+                  <a:srgbClr val="FFFFFF"/>
+                </a:highlight>
+                <a:latin typeface="Cascadia Mono" panose="020B0609020000020004" pitchFamily="49" charset="0"/>
+              </a:rPr>
+              <a:t>selectedOperator</a:t>
+            </a:r>
+            <a:r>
+              <a:rPr lang="en-GB" sz="1800" dirty="0">
+                <a:solidFill>
+                  <a:srgbClr val="000000"/>
+                </a:solidFill>
+                <a:highlight>
+                  <a:srgbClr val="FFFFFF"/>
+                </a:highlight>
+                <a:latin typeface="Cascadia Mono" panose="020B0609020000020004" pitchFamily="49" charset="0"/>
+              </a:rPr>
+              <a:t>;</a:t>
+            </a:r>
+            <a:endParaRPr lang="en-GB" dirty="0"/>
+          </a:p>
+        </p:txBody>
+      </p:sp>
+      <p:sp>
+        <p:nvSpPr>
+          <p:cNvPr id="11" name="TextBox 10">
+            <a:extLst>
+              <a:ext uri="{FF2B5EF4-FFF2-40B4-BE49-F238E27FC236}">
+                <a16:creationId xmlns:a16="http://schemas.microsoft.com/office/drawing/2014/main" id="{3C41516D-6525-5EAB-B6FA-C9EE103638A2}"/>
+              </a:ext>
+            </a:extLst>
+          </p:cNvPr>
+          <p:cNvSpPr txBox="1"/>
+          <p:nvPr/>
+        </p:nvSpPr>
+        <p:spPr>
+          <a:xfrm>
+            <a:off x="2715610" y="4695301"/>
+            <a:ext cx="6093372" cy="3416320"/>
+          </a:xfrm>
+          <a:prstGeom prst="rect">
+            <a:avLst/>
+          </a:prstGeom>
+          <a:noFill/>
+        </p:spPr>
+        <p:txBody>
+          <a:bodyPr wrap="square">
+            <a:spAutoFit/>
+          </a:bodyPr>
+          <a:lstStyle/>
+          <a:p>
+            <a:r>
+              <a:rPr lang="en-GB" sz="1800" dirty="0">
+                <a:solidFill>
+                  <a:srgbClr val="000000"/>
+                </a:solidFill>
+                <a:highlight>
+                  <a:srgbClr val="FFFFFF"/>
+                </a:highlight>
+                <a:latin typeface="Cascadia Mono" panose="020B0609020000020004" pitchFamily="49" charset="0"/>
+              </a:rPr>
+              <a:t> </a:t>
+            </a:r>
+            <a:r>
+              <a:rPr lang="en-GB" sz="1800" dirty="0">
+                <a:solidFill>
+                  <a:srgbClr val="0000FF"/>
+                </a:solidFill>
+                <a:highlight>
+                  <a:srgbClr val="FFFFFF"/>
+                </a:highlight>
+                <a:latin typeface="Cascadia Mono" panose="020B0609020000020004" pitchFamily="49" charset="0"/>
+              </a:rPr>
+              <a:t>if</a:t>
+            </a:r>
+            <a:r>
+              <a:rPr lang="en-GB" sz="1800" dirty="0">
+                <a:solidFill>
+                  <a:srgbClr val="000000"/>
+                </a:solidFill>
+                <a:highlight>
+                  <a:srgbClr val="FFFFFF"/>
+                </a:highlight>
+                <a:latin typeface="Cascadia Mono" panose="020B0609020000020004" pitchFamily="49" charset="0"/>
+              </a:rPr>
+              <a:t> (sender == </a:t>
+            </a:r>
+            <a:r>
+              <a:rPr lang="en-GB" sz="1800" dirty="0" err="1">
+                <a:solidFill>
+                  <a:srgbClr val="000000"/>
+                </a:solidFill>
+                <a:highlight>
+                  <a:srgbClr val="FFFFFF"/>
+                </a:highlight>
+                <a:latin typeface="Cascadia Mono" panose="020B0609020000020004" pitchFamily="49" charset="0"/>
+              </a:rPr>
+              <a:t>multiplyButton</a:t>
+            </a:r>
+            <a:r>
+              <a:rPr lang="en-GB" sz="1800" dirty="0">
+                <a:solidFill>
+                  <a:srgbClr val="000000"/>
+                </a:solidFill>
+                <a:highlight>
+                  <a:srgbClr val="FFFFFF"/>
+                </a:highlight>
+                <a:latin typeface="Cascadia Mono" panose="020B0609020000020004" pitchFamily="49" charset="0"/>
+              </a:rPr>
+              <a:t>)</a:t>
+            </a:r>
+          </a:p>
+          <a:p>
+            <a:r>
+              <a:rPr lang="en-GB" sz="1800" dirty="0">
+                <a:solidFill>
+                  <a:srgbClr val="000000"/>
+                </a:solidFill>
+                <a:highlight>
+                  <a:srgbClr val="FFFFFF"/>
+                </a:highlight>
+                <a:latin typeface="Cascadia Mono" panose="020B0609020000020004" pitchFamily="49" charset="0"/>
+              </a:rPr>
+              <a:t>                </a:t>
+            </a:r>
+            <a:r>
+              <a:rPr lang="en-GB" sz="1800" dirty="0" err="1">
+                <a:solidFill>
+                  <a:srgbClr val="000000"/>
+                </a:solidFill>
+                <a:highlight>
+                  <a:srgbClr val="FFFFFF"/>
+                </a:highlight>
+                <a:latin typeface="Cascadia Mono" panose="020B0609020000020004" pitchFamily="49" charset="0"/>
+              </a:rPr>
+              <a:t>selectedOperator</a:t>
+            </a:r>
+            <a:r>
+              <a:rPr lang="en-GB" sz="1800" dirty="0">
+                <a:solidFill>
+                  <a:srgbClr val="000000"/>
+                </a:solidFill>
+                <a:highlight>
+                  <a:srgbClr val="FFFFFF"/>
+                </a:highlight>
+                <a:latin typeface="Cascadia Mono" panose="020B0609020000020004" pitchFamily="49" charset="0"/>
+              </a:rPr>
+              <a:t> = </a:t>
+            </a:r>
+            <a:r>
+              <a:rPr lang="en-GB" sz="1800" dirty="0" err="1">
+                <a:solidFill>
+                  <a:srgbClr val="2B91AF"/>
+                </a:solidFill>
+                <a:highlight>
+                  <a:srgbClr val="FFFFFF"/>
+                </a:highlight>
+                <a:latin typeface="Cascadia Mono" panose="020B0609020000020004" pitchFamily="49" charset="0"/>
+              </a:rPr>
+              <a:t>SelectedOperator</a:t>
+            </a:r>
+            <a:r>
+              <a:rPr lang="en-GB" sz="1800" dirty="0" err="1">
+                <a:solidFill>
+                  <a:srgbClr val="000000"/>
+                </a:solidFill>
+                <a:highlight>
+                  <a:srgbClr val="FFFFFF"/>
+                </a:highlight>
+                <a:latin typeface="Cascadia Mono" panose="020B0609020000020004" pitchFamily="49" charset="0"/>
+              </a:rPr>
+              <a:t>.Multiplication</a:t>
+            </a:r>
+            <a:r>
+              <a:rPr lang="en-GB" sz="1800" dirty="0">
+                <a:solidFill>
+                  <a:srgbClr val="000000"/>
+                </a:solidFill>
+                <a:highlight>
+                  <a:srgbClr val="FFFFFF"/>
+                </a:highlight>
+                <a:latin typeface="Cascadia Mono" panose="020B0609020000020004" pitchFamily="49" charset="0"/>
+              </a:rPr>
+              <a:t>;</a:t>
+            </a:r>
+          </a:p>
+          <a:p>
+            <a:r>
+              <a:rPr lang="en-GB" sz="1800" dirty="0">
+                <a:solidFill>
+                  <a:srgbClr val="000000"/>
+                </a:solidFill>
+                <a:highlight>
+                  <a:srgbClr val="FFFFFF"/>
+                </a:highlight>
+                <a:latin typeface="Cascadia Mono" panose="020B0609020000020004" pitchFamily="49" charset="0"/>
+              </a:rPr>
+              <a:t>            </a:t>
+            </a:r>
+            <a:r>
+              <a:rPr lang="en-GB" sz="1800" dirty="0">
+                <a:solidFill>
+                  <a:srgbClr val="0000FF"/>
+                </a:solidFill>
+                <a:highlight>
+                  <a:srgbClr val="FFFFFF"/>
+                </a:highlight>
+                <a:latin typeface="Cascadia Mono" panose="020B0609020000020004" pitchFamily="49" charset="0"/>
+              </a:rPr>
+              <a:t>else</a:t>
+            </a:r>
+            <a:r>
+              <a:rPr lang="en-GB" sz="1800" dirty="0">
+                <a:solidFill>
+                  <a:srgbClr val="000000"/>
+                </a:solidFill>
+                <a:highlight>
+                  <a:srgbClr val="FFFFFF"/>
+                </a:highlight>
+                <a:latin typeface="Cascadia Mono" panose="020B0609020000020004" pitchFamily="49" charset="0"/>
+              </a:rPr>
+              <a:t> </a:t>
+            </a:r>
+            <a:r>
+              <a:rPr lang="en-GB" sz="1800" dirty="0">
+                <a:solidFill>
+                  <a:srgbClr val="0000FF"/>
+                </a:solidFill>
+                <a:highlight>
+                  <a:srgbClr val="FFFFFF"/>
+                </a:highlight>
+                <a:latin typeface="Cascadia Mono" panose="020B0609020000020004" pitchFamily="49" charset="0"/>
+              </a:rPr>
+              <a:t>if</a:t>
+            </a:r>
+            <a:r>
+              <a:rPr lang="en-GB" sz="1800" dirty="0">
+                <a:solidFill>
+                  <a:srgbClr val="000000"/>
+                </a:solidFill>
+                <a:highlight>
+                  <a:srgbClr val="FFFFFF"/>
+                </a:highlight>
+                <a:latin typeface="Cascadia Mono" panose="020B0609020000020004" pitchFamily="49" charset="0"/>
+              </a:rPr>
+              <a:t> (sender == </a:t>
+            </a:r>
+            <a:r>
+              <a:rPr lang="en-GB" sz="1800" dirty="0" err="1">
+                <a:solidFill>
+                  <a:srgbClr val="000000"/>
+                </a:solidFill>
+                <a:highlight>
+                  <a:srgbClr val="FFFFFF"/>
+                </a:highlight>
+                <a:latin typeface="Cascadia Mono" panose="020B0609020000020004" pitchFamily="49" charset="0"/>
+              </a:rPr>
+              <a:t>divideButton</a:t>
+            </a:r>
+            <a:r>
+              <a:rPr lang="en-GB" sz="1800" dirty="0">
+                <a:solidFill>
+                  <a:srgbClr val="000000"/>
+                </a:solidFill>
+                <a:highlight>
+                  <a:srgbClr val="FFFFFF"/>
+                </a:highlight>
+                <a:latin typeface="Cascadia Mono" panose="020B0609020000020004" pitchFamily="49" charset="0"/>
+              </a:rPr>
+              <a:t>)</a:t>
+            </a:r>
+          </a:p>
+          <a:p>
+            <a:r>
+              <a:rPr lang="en-GB" sz="1800" dirty="0">
+                <a:solidFill>
+                  <a:srgbClr val="000000"/>
+                </a:solidFill>
+                <a:highlight>
+                  <a:srgbClr val="FFFFFF"/>
+                </a:highlight>
+                <a:latin typeface="Cascadia Mono" panose="020B0609020000020004" pitchFamily="49" charset="0"/>
+              </a:rPr>
+              <a:t>                </a:t>
+            </a:r>
+            <a:r>
+              <a:rPr lang="en-GB" sz="1800" dirty="0" err="1">
+                <a:solidFill>
+                  <a:srgbClr val="000000"/>
+                </a:solidFill>
+                <a:highlight>
+                  <a:srgbClr val="FFFFFF"/>
+                </a:highlight>
+                <a:latin typeface="Cascadia Mono" panose="020B0609020000020004" pitchFamily="49" charset="0"/>
+              </a:rPr>
+              <a:t>selectedOperator</a:t>
+            </a:r>
+            <a:r>
+              <a:rPr lang="en-GB" sz="1800" dirty="0">
+                <a:solidFill>
+                  <a:srgbClr val="000000"/>
+                </a:solidFill>
+                <a:highlight>
+                  <a:srgbClr val="FFFFFF"/>
+                </a:highlight>
+                <a:latin typeface="Cascadia Mono" panose="020B0609020000020004" pitchFamily="49" charset="0"/>
+              </a:rPr>
+              <a:t> = </a:t>
+            </a:r>
+            <a:r>
+              <a:rPr lang="en-GB" sz="1800" dirty="0" err="1">
+                <a:solidFill>
+                  <a:srgbClr val="2B91AF"/>
+                </a:solidFill>
+                <a:highlight>
+                  <a:srgbClr val="FFFFFF"/>
+                </a:highlight>
+                <a:latin typeface="Cascadia Mono" panose="020B0609020000020004" pitchFamily="49" charset="0"/>
+              </a:rPr>
+              <a:t>SelectedOperator</a:t>
+            </a:r>
+            <a:r>
+              <a:rPr lang="en-GB" sz="1800" dirty="0" err="1">
+                <a:solidFill>
+                  <a:srgbClr val="000000"/>
+                </a:solidFill>
+                <a:highlight>
+                  <a:srgbClr val="FFFFFF"/>
+                </a:highlight>
+                <a:latin typeface="Cascadia Mono" panose="020B0609020000020004" pitchFamily="49" charset="0"/>
+              </a:rPr>
+              <a:t>.Division</a:t>
+            </a:r>
+            <a:r>
+              <a:rPr lang="en-GB" sz="1800" dirty="0">
+                <a:solidFill>
+                  <a:srgbClr val="000000"/>
+                </a:solidFill>
+                <a:highlight>
+                  <a:srgbClr val="FFFFFF"/>
+                </a:highlight>
+                <a:latin typeface="Cascadia Mono" panose="020B0609020000020004" pitchFamily="49" charset="0"/>
+              </a:rPr>
+              <a:t>;</a:t>
+            </a:r>
+          </a:p>
+          <a:p>
+            <a:r>
+              <a:rPr lang="en-GB" sz="1800" dirty="0">
+                <a:solidFill>
+                  <a:srgbClr val="000000"/>
+                </a:solidFill>
+                <a:highlight>
+                  <a:srgbClr val="FFFFFF"/>
+                </a:highlight>
+                <a:latin typeface="Cascadia Mono" panose="020B0609020000020004" pitchFamily="49" charset="0"/>
+              </a:rPr>
+              <a:t>            </a:t>
+            </a:r>
+            <a:r>
+              <a:rPr lang="en-GB" sz="1800" dirty="0">
+                <a:solidFill>
+                  <a:srgbClr val="0000FF"/>
+                </a:solidFill>
+                <a:highlight>
+                  <a:srgbClr val="FFFFFF"/>
+                </a:highlight>
+                <a:latin typeface="Cascadia Mono" panose="020B0609020000020004" pitchFamily="49" charset="0"/>
+              </a:rPr>
+              <a:t>else</a:t>
+            </a:r>
+            <a:r>
+              <a:rPr lang="en-GB" sz="1800" dirty="0">
+                <a:solidFill>
+                  <a:srgbClr val="000000"/>
+                </a:solidFill>
+                <a:highlight>
+                  <a:srgbClr val="FFFFFF"/>
+                </a:highlight>
+                <a:latin typeface="Cascadia Mono" panose="020B0609020000020004" pitchFamily="49" charset="0"/>
+              </a:rPr>
+              <a:t> </a:t>
+            </a:r>
+            <a:r>
+              <a:rPr lang="en-GB" sz="1800" dirty="0">
+                <a:solidFill>
+                  <a:srgbClr val="0000FF"/>
+                </a:solidFill>
+                <a:highlight>
+                  <a:srgbClr val="FFFFFF"/>
+                </a:highlight>
+                <a:latin typeface="Cascadia Mono" panose="020B0609020000020004" pitchFamily="49" charset="0"/>
+              </a:rPr>
+              <a:t>if</a:t>
+            </a:r>
+            <a:r>
+              <a:rPr lang="en-GB" sz="1800" dirty="0">
+                <a:solidFill>
+                  <a:srgbClr val="000000"/>
+                </a:solidFill>
+                <a:highlight>
+                  <a:srgbClr val="FFFFFF"/>
+                </a:highlight>
+                <a:latin typeface="Cascadia Mono" panose="020B0609020000020004" pitchFamily="49" charset="0"/>
+              </a:rPr>
+              <a:t> (sender == </a:t>
+            </a:r>
+            <a:r>
+              <a:rPr lang="en-GB" sz="1800" dirty="0" err="1">
+                <a:solidFill>
+                  <a:srgbClr val="000000"/>
+                </a:solidFill>
+                <a:highlight>
+                  <a:srgbClr val="FFFFFF"/>
+                </a:highlight>
+                <a:latin typeface="Cascadia Mono" panose="020B0609020000020004" pitchFamily="49" charset="0"/>
+              </a:rPr>
+              <a:t>minusButton</a:t>
+            </a:r>
+            <a:r>
+              <a:rPr lang="en-GB" sz="1800" dirty="0">
+                <a:solidFill>
+                  <a:srgbClr val="000000"/>
+                </a:solidFill>
+                <a:highlight>
+                  <a:srgbClr val="FFFFFF"/>
+                </a:highlight>
+                <a:latin typeface="Cascadia Mono" panose="020B0609020000020004" pitchFamily="49" charset="0"/>
+              </a:rPr>
+              <a:t>)</a:t>
+            </a:r>
+          </a:p>
+          <a:p>
+            <a:r>
+              <a:rPr lang="en-GB" sz="1800" dirty="0">
+                <a:solidFill>
+                  <a:srgbClr val="000000"/>
+                </a:solidFill>
+                <a:highlight>
+                  <a:srgbClr val="FFFFFF"/>
+                </a:highlight>
+                <a:latin typeface="Cascadia Mono" panose="020B0609020000020004" pitchFamily="49" charset="0"/>
+              </a:rPr>
+              <a:t>                </a:t>
+            </a:r>
+            <a:r>
+              <a:rPr lang="en-GB" sz="1800" dirty="0" err="1">
+                <a:solidFill>
+                  <a:srgbClr val="000000"/>
+                </a:solidFill>
+                <a:highlight>
+                  <a:srgbClr val="FFFFFF"/>
+                </a:highlight>
+                <a:latin typeface="Cascadia Mono" panose="020B0609020000020004" pitchFamily="49" charset="0"/>
+              </a:rPr>
+              <a:t>selectedOperator</a:t>
+            </a:r>
+            <a:r>
+              <a:rPr lang="en-GB" sz="1800" dirty="0">
+                <a:solidFill>
+                  <a:srgbClr val="000000"/>
+                </a:solidFill>
+                <a:highlight>
+                  <a:srgbClr val="FFFFFF"/>
+                </a:highlight>
+                <a:latin typeface="Cascadia Mono" panose="020B0609020000020004" pitchFamily="49" charset="0"/>
+              </a:rPr>
+              <a:t> = </a:t>
+            </a:r>
+            <a:r>
+              <a:rPr lang="en-GB" sz="1800" dirty="0" err="1">
+                <a:solidFill>
+                  <a:srgbClr val="2B91AF"/>
+                </a:solidFill>
+                <a:highlight>
+                  <a:srgbClr val="FFFFFF"/>
+                </a:highlight>
+                <a:latin typeface="Cascadia Mono" panose="020B0609020000020004" pitchFamily="49" charset="0"/>
+              </a:rPr>
+              <a:t>SelectedOperator</a:t>
+            </a:r>
+            <a:r>
+              <a:rPr lang="en-GB" sz="1800" dirty="0" err="1">
+                <a:solidFill>
+                  <a:srgbClr val="000000"/>
+                </a:solidFill>
+                <a:highlight>
+                  <a:srgbClr val="FFFFFF"/>
+                </a:highlight>
+                <a:latin typeface="Cascadia Mono" panose="020B0609020000020004" pitchFamily="49" charset="0"/>
+              </a:rPr>
+              <a:t>.Substruction</a:t>
+            </a:r>
+            <a:r>
+              <a:rPr lang="en-GB" sz="1800" dirty="0">
+                <a:solidFill>
+                  <a:srgbClr val="000000"/>
+                </a:solidFill>
+                <a:highlight>
+                  <a:srgbClr val="FFFFFF"/>
+                </a:highlight>
+                <a:latin typeface="Cascadia Mono" panose="020B0609020000020004" pitchFamily="49" charset="0"/>
+              </a:rPr>
+              <a:t>;</a:t>
+            </a:r>
+          </a:p>
+          <a:p>
+            <a:r>
+              <a:rPr lang="en-GB" sz="1800" dirty="0">
+                <a:solidFill>
+                  <a:srgbClr val="000000"/>
+                </a:solidFill>
+                <a:highlight>
+                  <a:srgbClr val="FFFFFF"/>
+                </a:highlight>
+                <a:latin typeface="Cascadia Mono" panose="020B0609020000020004" pitchFamily="49" charset="0"/>
+              </a:rPr>
+              <a:t>            </a:t>
+            </a:r>
+            <a:r>
+              <a:rPr lang="en-GB" sz="1800" dirty="0">
+                <a:solidFill>
+                  <a:srgbClr val="0000FF"/>
+                </a:solidFill>
+                <a:highlight>
+                  <a:srgbClr val="FFFFFF"/>
+                </a:highlight>
+                <a:latin typeface="Cascadia Mono" panose="020B0609020000020004" pitchFamily="49" charset="0"/>
+              </a:rPr>
+              <a:t>else</a:t>
+            </a:r>
+            <a:r>
+              <a:rPr lang="en-GB" sz="1800" dirty="0">
+                <a:solidFill>
+                  <a:srgbClr val="000000"/>
+                </a:solidFill>
+                <a:highlight>
+                  <a:srgbClr val="FFFFFF"/>
+                </a:highlight>
+                <a:latin typeface="Cascadia Mono" panose="020B0609020000020004" pitchFamily="49" charset="0"/>
+              </a:rPr>
+              <a:t> </a:t>
+            </a:r>
+            <a:r>
+              <a:rPr lang="en-GB" sz="1800" dirty="0">
+                <a:solidFill>
+                  <a:srgbClr val="0000FF"/>
+                </a:solidFill>
+                <a:highlight>
+                  <a:srgbClr val="FFFFFF"/>
+                </a:highlight>
+                <a:latin typeface="Cascadia Mono" panose="020B0609020000020004" pitchFamily="49" charset="0"/>
+              </a:rPr>
+              <a:t>if</a:t>
+            </a:r>
+            <a:r>
+              <a:rPr lang="en-GB" sz="1800" dirty="0">
+                <a:solidFill>
+                  <a:srgbClr val="000000"/>
+                </a:solidFill>
+                <a:highlight>
+                  <a:srgbClr val="FFFFFF"/>
+                </a:highlight>
+                <a:latin typeface="Cascadia Mono" panose="020B0609020000020004" pitchFamily="49" charset="0"/>
+              </a:rPr>
+              <a:t> (sender == </a:t>
+            </a:r>
+            <a:r>
+              <a:rPr lang="en-GB" sz="1800" dirty="0" err="1">
+                <a:solidFill>
+                  <a:srgbClr val="000000"/>
+                </a:solidFill>
+                <a:highlight>
+                  <a:srgbClr val="FFFFFF"/>
+                </a:highlight>
+                <a:latin typeface="Cascadia Mono" panose="020B0609020000020004" pitchFamily="49" charset="0"/>
+              </a:rPr>
+              <a:t>plusButton</a:t>
+            </a:r>
+            <a:r>
+              <a:rPr lang="en-GB" sz="1800" dirty="0">
+                <a:solidFill>
+                  <a:srgbClr val="000000"/>
+                </a:solidFill>
+                <a:highlight>
+                  <a:srgbClr val="FFFFFF"/>
+                </a:highlight>
+                <a:latin typeface="Cascadia Mono" panose="020B0609020000020004" pitchFamily="49" charset="0"/>
+              </a:rPr>
+              <a:t>)</a:t>
+            </a:r>
+          </a:p>
+          <a:p>
+            <a:r>
+              <a:rPr lang="en-GB" sz="1800" dirty="0">
+                <a:solidFill>
+                  <a:srgbClr val="000000"/>
+                </a:solidFill>
+                <a:highlight>
+                  <a:srgbClr val="FFFFFF"/>
+                </a:highlight>
+                <a:latin typeface="Cascadia Mono" panose="020B0609020000020004" pitchFamily="49" charset="0"/>
+              </a:rPr>
+              <a:t>                </a:t>
+            </a:r>
+            <a:r>
+              <a:rPr lang="en-GB" sz="1800" dirty="0" err="1">
+                <a:solidFill>
+                  <a:srgbClr val="000000"/>
+                </a:solidFill>
+                <a:highlight>
+                  <a:srgbClr val="FFFFFF"/>
+                </a:highlight>
+                <a:latin typeface="Cascadia Mono" panose="020B0609020000020004" pitchFamily="49" charset="0"/>
+              </a:rPr>
+              <a:t>selectedOperator</a:t>
+            </a:r>
+            <a:r>
+              <a:rPr lang="en-GB" sz="1800" dirty="0">
+                <a:solidFill>
+                  <a:srgbClr val="000000"/>
+                </a:solidFill>
+                <a:highlight>
+                  <a:srgbClr val="FFFFFF"/>
+                </a:highlight>
+                <a:latin typeface="Cascadia Mono" panose="020B0609020000020004" pitchFamily="49" charset="0"/>
+              </a:rPr>
+              <a:t> = </a:t>
+            </a:r>
+            <a:r>
+              <a:rPr lang="en-GB" sz="1800" dirty="0" err="1">
+                <a:solidFill>
+                  <a:srgbClr val="2B91AF"/>
+                </a:solidFill>
+                <a:highlight>
+                  <a:srgbClr val="FFFFFF"/>
+                </a:highlight>
+                <a:latin typeface="Cascadia Mono" panose="020B0609020000020004" pitchFamily="49" charset="0"/>
+              </a:rPr>
+              <a:t>SelectedOperator</a:t>
+            </a:r>
+            <a:r>
+              <a:rPr lang="en-GB" sz="1800" dirty="0" err="1">
+                <a:solidFill>
+                  <a:srgbClr val="000000"/>
+                </a:solidFill>
+                <a:highlight>
+                  <a:srgbClr val="FFFFFF"/>
+                </a:highlight>
+                <a:latin typeface="Cascadia Mono" panose="020B0609020000020004" pitchFamily="49" charset="0"/>
+              </a:rPr>
+              <a:t>.Addition</a:t>
+            </a:r>
+            <a:r>
+              <a:rPr lang="en-GB" sz="1800" dirty="0">
+                <a:solidFill>
+                  <a:srgbClr val="000000"/>
+                </a:solidFill>
+                <a:highlight>
+                  <a:srgbClr val="FFFFFF"/>
+                </a:highlight>
+                <a:latin typeface="Cascadia Mono" panose="020B0609020000020004" pitchFamily="49" charset="0"/>
+              </a:rPr>
+              <a:t>;</a:t>
+            </a:r>
+            <a:endParaRPr lang="en-GB" dirty="0"/>
+          </a:p>
+        </p:txBody>
+      </p:sp>
     </p:spTree>
     <p:extLst>
       <p:ext uri="{BB962C8B-B14F-4D97-AF65-F5344CB8AC3E}">
@@ -19295,6 +20575,123 @@
           <a:chExt cx="0" cy="0"/>
         </a:xfrm>
       </p:grpSpPr>
+      <p:sp>
+        <p:nvSpPr>
+          <p:cNvPr id="2" name="TextBox 1">
+            <a:extLst>
+              <a:ext uri="{FF2B5EF4-FFF2-40B4-BE49-F238E27FC236}">
+                <a16:creationId xmlns:a16="http://schemas.microsoft.com/office/drawing/2014/main" id="{41D6BD36-B372-AB8D-29A1-2B0B4E3EA4F1}"/>
+              </a:ext>
+            </a:extLst>
+          </p:cNvPr>
+          <p:cNvSpPr txBox="1"/>
+          <p:nvPr/>
+        </p:nvSpPr>
+        <p:spPr>
+          <a:xfrm>
+            <a:off x="150828" y="216816"/>
+            <a:ext cx="4363374" cy="923330"/>
+          </a:xfrm>
+          <a:prstGeom prst="rect">
+            <a:avLst/>
+          </a:prstGeom>
+          <a:noFill/>
+        </p:spPr>
+        <p:txBody>
+          <a:bodyPr wrap="none" rtlCol="0">
+            <a:spAutoFit/>
+          </a:bodyPr>
+          <a:lstStyle/>
+          <a:p>
+            <a:r>
+              <a:rPr lang="en-GB" dirty="0"/>
+              <a:t>Create a new project of type: Class Library</a:t>
+            </a:r>
+          </a:p>
+          <a:p>
+            <a:r>
+              <a:rPr lang="en-GB" dirty="0"/>
+              <a:t>Call it </a:t>
+            </a:r>
+            <a:r>
+              <a:rPr lang="en-GB" dirty="0" err="1"/>
+              <a:t>SupportClasses</a:t>
+            </a:r>
+            <a:endParaRPr lang="en-GB" dirty="0"/>
+          </a:p>
+          <a:p>
+            <a:r>
+              <a:rPr lang="en-GB" dirty="0"/>
+              <a:t>Create a class </a:t>
+            </a:r>
+            <a:r>
+              <a:rPr lang="en-GB" dirty="0" err="1"/>
+              <a:t>SimpleMath</a:t>
+            </a:r>
+            <a:endParaRPr lang="en-GB" dirty="0"/>
+          </a:p>
+        </p:txBody>
+      </p:sp>
+      <p:pic>
+        <p:nvPicPr>
+          <p:cNvPr id="4" name="Picture 3">
+            <a:extLst>
+              <a:ext uri="{FF2B5EF4-FFF2-40B4-BE49-F238E27FC236}">
+                <a16:creationId xmlns:a16="http://schemas.microsoft.com/office/drawing/2014/main" id="{E33A3B6C-B050-C165-7F7C-C716F6E96BCB}"/>
+              </a:ext>
+            </a:extLst>
+          </p:cNvPr>
+          <p:cNvPicPr>
+            <a:picLocks noChangeAspect="1"/>
+          </p:cNvPicPr>
+          <p:nvPr/>
+        </p:nvPicPr>
+        <p:blipFill>
+          <a:blip r:embed="rId2"/>
+          <a:stretch>
+            <a:fillRect/>
+          </a:stretch>
+        </p:blipFill>
+        <p:spPr>
+          <a:xfrm>
+            <a:off x="394060" y="1465842"/>
+            <a:ext cx="3458058" cy="5029902"/>
+          </a:xfrm>
+          <a:prstGeom prst="rect">
+            <a:avLst/>
+          </a:prstGeom>
+        </p:spPr>
+      </p:pic>
+      <p:pic>
+        <p:nvPicPr>
+          <p:cNvPr id="6" name="Picture 5">
+            <a:extLst>
+              <a:ext uri="{FF2B5EF4-FFF2-40B4-BE49-F238E27FC236}">
+                <a16:creationId xmlns:a16="http://schemas.microsoft.com/office/drawing/2014/main" id="{60DCB912-8B85-A40B-6E1E-BA5049027FBA}"/>
+              </a:ext>
+            </a:extLst>
+          </p:cNvPr>
+          <p:cNvPicPr>
+            <a:picLocks noChangeAspect="1"/>
+          </p:cNvPicPr>
+          <p:nvPr/>
+        </p:nvPicPr>
+        <p:blipFill>
+          <a:blip r:embed="rId3"/>
+          <a:stretch>
+            <a:fillRect/>
+          </a:stretch>
+        </p:blipFill>
+        <p:spPr>
+          <a:xfrm>
+            <a:off x="4666515" y="1465842"/>
+            <a:ext cx="3458058" cy="5020376"/>
+          </a:xfrm>
+          <a:prstGeom prst="rect">
+            <a:avLst/>
+          </a:prstGeom>
+        </p:spPr>
+      </p:pic>
     </p:spTree>
     <p:extLst>
       <p:ext uri="{BB962C8B-B14F-4D97-AF65-F5344CB8AC3E}">
@@ -19331,6 +20728,1078 @@
           <a:chExt cx="0" cy="0"/>
         </a:xfrm>
       </p:grpSpPr>
+      <p:sp>
+        <p:nvSpPr>
+          <p:cNvPr id="3" name="TextBox 2">
+            <a:extLst>
+              <a:ext uri="{FF2B5EF4-FFF2-40B4-BE49-F238E27FC236}">
+                <a16:creationId xmlns:a16="http://schemas.microsoft.com/office/drawing/2014/main" id="{3703F024-F139-D7AA-88A0-8192A566583D}"/>
+              </a:ext>
+            </a:extLst>
+          </p:cNvPr>
+          <p:cNvSpPr txBox="1"/>
+          <p:nvPr/>
+        </p:nvSpPr>
+        <p:spPr>
+          <a:xfrm>
+            <a:off x="716440" y="366623"/>
+            <a:ext cx="9169239" cy="5478423"/>
+          </a:xfrm>
+          <a:prstGeom prst="rect">
+            <a:avLst/>
+          </a:prstGeom>
+          <a:noFill/>
+        </p:spPr>
+        <p:txBody>
+          <a:bodyPr wrap="square">
+            <a:spAutoFit/>
+          </a:bodyPr>
+          <a:lstStyle/>
+          <a:p>
+            <a:r>
+              <a:rPr lang="en-GB" sz="1400" dirty="0">
+                <a:solidFill>
+                  <a:srgbClr val="0000FF"/>
+                </a:solidFill>
+                <a:highlight>
+                  <a:srgbClr val="FFFFFF"/>
+                </a:highlight>
+                <a:latin typeface="Cascadia Mono" panose="020B0609020000020004" pitchFamily="49" charset="0"/>
+              </a:rPr>
+              <a:t>namespace</a:t>
+            </a:r>
+            <a:r>
+              <a:rPr lang="en-GB" sz="1400" dirty="0">
+                <a:solidFill>
+                  <a:srgbClr val="000000"/>
+                </a:solidFill>
+                <a:highlight>
+                  <a:srgbClr val="FFFFFF"/>
+                </a:highlight>
+                <a:latin typeface="Cascadia Mono" panose="020B0609020000020004" pitchFamily="49" charset="0"/>
+              </a:rPr>
+              <a:t> </a:t>
+            </a:r>
+            <a:r>
+              <a:rPr lang="en-GB" sz="1400" dirty="0" err="1">
+                <a:solidFill>
+                  <a:srgbClr val="000000"/>
+                </a:solidFill>
+                <a:highlight>
+                  <a:srgbClr val="FFFFFF"/>
+                </a:highlight>
+                <a:latin typeface="Cascadia Mono" panose="020B0609020000020004" pitchFamily="49" charset="0"/>
+              </a:rPr>
+              <a:t>SupportClasses</a:t>
+            </a:r>
+            <a:endParaRPr lang="en-GB" sz="1400" dirty="0">
+              <a:solidFill>
+                <a:srgbClr val="000000"/>
+              </a:solidFill>
+              <a:highlight>
+                <a:srgbClr val="FFFFFF"/>
+              </a:highlight>
+              <a:latin typeface="Cascadia Mono" panose="020B0609020000020004" pitchFamily="49" charset="0"/>
+            </a:endParaRPr>
+          </a:p>
+          <a:p>
+            <a:r>
+              <a:rPr lang="en-GB" sz="1400" dirty="0">
+                <a:solidFill>
+                  <a:srgbClr val="000000"/>
+                </a:solidFill>
+                <a:highlight>
+                  <a:srgbClr val="FFFFFF"/>
+                </a:highlight>
+                <a:latin typeface="Cascadia Mono" panose="020B0609020000020004" pitchFamily="49" charset="0"/>
+              </a:rPr>
+              <a:t>{</a:t>
+            </a:r>
+          </a:p>
+          <a:p>
+            <a:r>
+              <a:rPr lang="en-GB" sz="1400" dirty="0">
+                <a:solidFill>
+                  <a:srgbClr val="000000"/>
+                </a:solidFill>
+                <a:highlight>
+                  <a:srgbClr val="FFFFFF"/>
+                </a:highlight>
+                <a:latin typeface="Cascadia Mono" panose="020B0609020000020004" pitchFamily="49" charset="0"/>
+              </a:rPr>
+              <a:t>    </a:t>
+            </a:r>
+            <a:r>
+              <a:rPr lang="en-GB" sz="1400" dirty="0">
+                <a:solidFill>
+                  <a:srgbClr val="0000FF"/>
+                </a:solidFill>
+                <a:highlight>
+                  <a:srgbClr val="FFFFFF"/>
+                </a:highlight>
+                <a:latin typeface="Cascadia Mono" panose="020B0609020000020004" pitchFamily="49" charset="0"/>
+              </a:rPr>
+              <a:t>public</a:t>
+            </a:r>
+            <a:r>
+              <a:rPr lang="en-GB" sz="1400" dirty="0">
+                <a:solidFill>
+                  <a:srgbClr val="000000"/>
+                </a:solidFill>
+                <a:highlight>
+                  <a:srgbClr val="FFFFFF"/>
+                </a:highlight>
+                <a:latin typeface="Cascadia Mono" panose="020B0609020000020004" pitchFamily="49" charset="0"/>
+              </a:rPr>
+              <a:t> </a:t>
+            </a:r>
+            <a:r>
+              <a:rPr lang="en-GB" sz="1400" dirty="0">
+                <a:solidFill>
+                  <a:srgbClr val="0000FF"/>
+                </a:solidFill>
+                <a:highlight>
+                  <a:srgbClr val="FFFFFF"/>
+                </a:highlight>
+                <a:latin typeface="Cascadia Mono" panose="020B0609020000020004" pitchFamily="49" charset="0"/>
+              </a:rPr>
+              <a:t>class</a:t>
+            </a:r>
+            <a:r>
+              <a:rPr lang="en-GB" sz="1400" dirty="0">
+                <a:solidFill>
+                  <a:srgbClr val="000000"/>
+                </a:solidFill>
+                <a:highlight>
+                  <a:srgbClr val="FFFFFF"/>
+                </a:highlight>
+                <a:latin typeface="Cascadia Mono" panose="020B0609020000020004" pitchFamily="49" charset="0"/>
+              </a:rPr>
+              <a:t> </a:t>
+            </a:r>
+            <a:r>
+              <a:rPr lang="en-GB" sz="1400" dirty="0" err="1">
+                <a:solidFill>
+                  <a:srgbClr val="2B91AF"/>
+                </a:solidFill>
+                <a:highlight>
+                  <a:srgbClr val="FFFFFF"/>
+                </a:highlight>
+                <a:latin typeface="Cascadia Mono" panose="020B0609020000020004" pitchFamily="49" charset="0"/>
+              </a:rPr>
+              <a:t>SimpleMath</a:t>
+            </a:r>
+            <a:endParaRPr lang="en-GB" sz="1400" dirty="0">
+              <a:solidFill>
+                <a:srgbClr val="000000"/>
+              </a:solidFill>
+              <a:highlight>
+                <a:srgbClr val="FFFFFF"/>
+              </a:highlight>
+              <a:latin typeface="Cascadia Mono" panose="020B0609020000020004" pitchFamily="49" charset="0"/>
+            </a:endParaRPr>
+          </a:p>
+          <a:p>
+            <a:r>
+              <a:rPr lang="en-GB" sz="1400" dirty="0">
+                <a:solidFill>
+                  <a:srgbClr val="000000"/>
+                </a:solidFill>
+                <a:highlight>
+                  <a:srgbClr val="FFFFFF"/>
+                </a:highlight>
+                <a:latin typeface="Cascadia Mono" panose="020B0609020000020004" pitchFamily="49" charset="0"/>
+              </a:rPr>
+              <a:t>    {</a:t>
+            </a:r>
+          </a:p>
+          <a:p>
+            <a:r>
+              <a:rPr lang="en-GB" sz="1400" dirty="0">
+                <a:solidFill>
+                  <a:srgbClr val="000000"/>
+                </a:solidFill>
+                <a:highlight>
+                  <a:srgbClr val="FFFFFF"/>
+                </a:highlight>
+                <a:latin typeface="Cascadia Mono" panose="020B0609020000020004" pitchFamily="49" charset="0"/>
+              </a:rPr>
+              <a:t>        </a:t>
+            </a:r>
+            <a:r>
+              <a:rPr lang="en-GB" sz="1400" dirty="0">
+                <a:solidFill>
+                  <a:srgbClr val="0000FF"/>
+                </a:solidFill>
+                <a:highlight>
+                  <a:srgbClr val="FFFFFF"/>
+                </a:highlight>
+                <a:latin typeface="Cascadia Mono" panose="020B0609020000020004" pitchFamily="49" charset="0"/>
+              </a:rPr>
+              <a:t>public</a:t>
+            </a:r>
+            <a:r>
+              <a:rPr lang="en-GB" sz="1400" dirty="0">
+                <a:solidFill>
+                  <a:srgbClr val="000000"/>
+                </a:solidFill>
+                <a:highlight>
+                  <a:srgbClr val="FFFFFF"/>
+                </a:highlight>
+                <a:latin typeface="Cascadia Mono" panose="020B0609020000020004" pitchFamily="49" charset="0"/>
+              </a:rPr>
+              <a:t> </a:t>
+            </a:r>
+            <a:r>
+              <a:rPr lang="en-GB" sz="1400" dirty="0">
+                <a:solidFill>
+                  <a:srgbClr val="0000FF"/>
+                </a:solidFill>
+                <a:highlight>
+                  <a:srgbClr val="FFFFFF"/>
+                </a:highlight>
+                <a:latin typeface="Cascadia Mono" panose="020B0609020000020004" pitchFamily="49" charset="0"/>
+              </a:rPr>
+              <a:t>static</a:t>
+            </a:r>
+            <a:r>
+              <a:rPr lang="en-GB" sz="1400" dirty="0">
+                <a:solidFill>
+                  <a:srgbClr val="000000"/>
+                </a:solidFill>
+                <a:highlight>
+                  <a:srgbClr val="FFFFFF"/>
+                </a:highlight>
+                <a:latin typeface="Cascadia Mono" panose="020B0609020000020004" pitchFamily="49" charset="0"/>
+              </a:rPr>
+              <a:t> </a:t>
+            </a:r>
+            <a:r>
+              <a:rPr lang="en-GB" sz="1400" dirty="0">
+                <a:solidFill>
+                  <a:srgbClr val="0000FF"/>
+                </a:solidFill>
+                <a:highlight>
+                  <a:srgbClr val="FFFFFF"/>
+                </a:highlight>
+                <a:latin typeface="Cascadia Mono" panose="020B0609020000020004" pitchFamily="49" charset="0"/>
+              </a:rPr>
+              <a:t>double</a:t>
+            </a:r>
+            <a:r>
+              <a:rPr lang="en-GB" sz="1400" dirty="0">
+                <a:solidFill>
+                  <a:srgbClr val="000000"/>
+                </a:solidFill>
+                <a:highlight>
+                  <a:srgbClr val="FFFFFF"/>
+                </a:highlight>
+                <a:latin typeface="Cascadia Mono" panose="020B0609020000020004" pitchFamily="49" charset="0"/>
+              </a:rPr>
+              <a:t> Add(</a:t>
+            </a:r>
+            <a:r>
+              <a:rPr lang="en-GB" sz="1400" dirty="0">
+                <a:solidFill>
+                  <a:srgbClr val="0000FF"/>
+                </a:solidFill>
+                <a:highlight>
+                  <a:srgbClr val="FFFFFF"/>
+                </a:highlight>
+                <a:latin typeface="Cascadia Mono" panose="020B0609020000020004" pitchFamily="49" charset="0"/>
+              </a:rPr>
+              <a:t>double</a:t>
+            </a:r>
+            <a:r>
+              <a:rPr lang="en-GB" sz="1400" dirty="0">
+                <a:solidFill>
+                  <a:srgbClr val="000000"/>
+                </a:solidFill>
+                <a:highlight>
+                  <a:srgbClr val="FFFFFF"/>
+                </a:highlight>
+                <a:latin typeface="Cascadia Mono" panose="020B0609020000020004" pitchFamily="49" charset="0"/>
+              </a:rPr>
+              <a:t> n1, </a:t>
+            </a:r>
+            <a:r>
+              <a:rPr lang="en-GB" sz="1400" dirty="0">
+                <a:solidFill>
+                  <a:srgbClr val="0000FF"/>
+                </a:solidFill>
+                <a:highlight>
+                  <a:srgbClr val="FFFFFF"/>
+                </a:highlight>
+                <a:latin typeface="Cascadia Mono" panose="020B0609020000020004" pitchFamily="49" charset="0"/>
+              </a:rPr>
+              <a:t>double</a:t>
+            </a:r>
+            <a:r>
+              <a:rPr lang="en-GB" sz="1400" dirty="0">
+                <a:solidFill>
+                  <a:srgbClr val="000000"/>
+                </a:solidFill>
+                <a:highlight>
+                  <a:srgbClr val="FFFFFF"/>
+                </a:highlight>
+                <a:latin typeface="Cascadia Mono" panose="020B0609020000020004" pitchFamily="49" charset="0"/>
+              </a:rPr>
+              <a:t> n2)</a:t>
+            </a:r>
+          </a:p>
+          <a:p>
+            <a:r>
+              <a:rPr lang="en-GB" sz="1400" dirty="0">
+                <a:solidFill>
+                  <a:srgbClr val="000000"/>
+                </a:solidFill>
+                <a:highlight>
+                  <a:srgbClr val="FFFFFF"/>
+                </a:highlight>
+                <a:latin typeface="Cascadia Mono" panose="020B0609020000020004" pitchFamily="49" charset="0"/>
+              </a:rPr>
+              <a:t>        { </a:t>
+            </a:r>
+          </a:p>
+          <a:p>
+            <a:r>
+              <a:rPr lang="en-GB" sz="1400" dirty="0">
+                <a:solidFill>
+                  <a:srgbClr val="000000"/>
+                </a:solidFill>
+                <a:highlight>
+                  <a:srgbClr val="FFFFFF"/>
+                </a:highlight>
+                <a:latin typeface="Cascadia Mono" panose="020B0609020000020004" pitchFamily="49" charset="0"/>
+              </a:rPr>
+              <a:t>            </a:t>
+            </a:r>
+            <a:r>
+              <a:rPr lang="en-GB" sz="1400" dirty="0">
+                <a:solidFill>
+                  <a:srgbClr val="0000FF"/>
+                </a:solidFill>
+                <a:highlight>
+                  <a:srgbClr val="FFFFFF"/>
+                </a:highlight>
+                <a:latin typeface="Cascadia Mono" panose="020B0609020000020004" pitchFamily="49" charset="0"/>
+              </a:rPr>
+              <a:t>return</a:t>
+            </a:r>
+            <a:r>
+              <a:rPr lang="en-GB" sz="1400" dirty="0">
+                <a:solidFill>
+                  <a:srgbClr val="000000"/>
+                </a:solidFill>
+                <a:highlight>
+                  <a:srgbClr val="FFFFFF"/>
+                </a:highlight>
+                <a:latin typeface="Cascadia Mono" panose="020B0609020000020004" pitchFamily="49" charset="0"/>
+              </a:rPr>
+              <a:t> n1 + n2; </a:t>
+            </a:r>
+          </a:p>
+          <a:p>
+            <a:r>
+              <a:rPr lang="en-GB" sz="1400" dirty="0">
+                <a:solidFill>
+                  <a:srgbClr val="000000"/>
+                </a:solidFill>
+                <a:highlight>
+                  <a:srgbClr val="FFFFFF"/>
+                </a:highlight>
+                <a:latin typeface="Cascadia Mono" panose="020B0609020000020004" pitchFamily="49" charset="0"/>
+              </a:rPr>
+              <a:t>        }</a:t>
+            </a:r>
+          </a:p>
+          <a:p>
+            <a:endParaRPr lang="en-GB" sz="1400" dirty="0">
+              <a:solidFill>
+                <a:srgbClr val="000000"/>
+              </a:solidFill>
+              <a:highlight>
+                <a:srgbClr val="FFFFFF"/>
+              </a:highlight>
+              <a:latin typeface="Cascadia Mono" panose="020B0609020000020004" pitchFamily="49" charset="0"/>
+            </a:endParaRPr>
+          </a:p>
+          <a:p>
+            <a:r>
+              <a:rPr lang="en-GB" sz="1400" dirty="0">
+                <a:solidFill>
+                  <a:srgbClr val="000000"/>
+                </a:solidFill>
+                <a:highlight>
+                  <a:srgbClr val="FFFFFF"/>
+                </a:highlight>
+                <a:latin typeface="Cascadia Mono" panose="020B0609020000020004" pitchFamily="49" charset="0"/>
+              </a:rPr>
+              <a:t>        </a:t>
+            </a:r>
+            <a:r>
+              <a:rPr lang="en-GB" sz="1400" dirty="0">
+                <a:solidFill>
+                  <a:srgbClr val="0000FF"/>
+                </a:solidFill>
+                <a:highlight>
+                  <a:srgbClr val="FFFFFF"/>
+                </a:highlight>
+                <a:latin typeface="Cascadia Mono" panose="020B0609020000020004" pitchFamily="49" charset="0"/>
+              </a:rPr>
+              <a:t>public</a:t>
+            </a:r>
+            <a:r>
+              <a:rPr lang="en-GB" sz="1400" dirty="0">
+                <a:solidFill>
+                  <a:srgbClr val="000000"/>
+                </a:solidFill>
+                <a:highlight>
+                  <a:srgbClr val="FFFFFF"/>
+                </a:highlight>
+                <a:latin typeface="Cascadia Mono" panose="020B0609020000020004" pitchFamily="49" charset="0"/>
+              </a:rPr>
+              <a:t> </a:t>
+            </a:r>
+            <a:r>
+              <a:rPr lang="en-GB" sz="1400" dirty="0">
+                <a:solidFill>
+                  <a:srgbClr val="0000FF"/>
+                </a:solidFill>
+                <a:highlight>
+                  <a:srgbClr val="FFFFFF"/>
+                </a:highlight>
+                <a:latin typeface="Cascadia Mono" panose="020B0609020000020004" pitchFamily="49" charset="0"/>
+              </a:rPr>
+              <a:t>static</a:t>
+            </a:r>
+            <a:r>
+              <a:rPr lang="en-GB" sz="1400" dirty="0">
+                <a:solidFill>
+                  <a:srgbClr val="000000"/>
+                </a:solidFill>
+                <a:highlight>
+                  <a:srgbClr val="FFFFFF"/>
+                </a:highlight>
+                <a:latin typeface="Cascadia Mono" panose="020B0609020000020004" pitchFamily="49" charset="0"/>
+              </a:rPr>
+              <a:t> </a:t>
+            </a:r>
+            <a:r>
+              <a:rPr lang="en-GB" sz="1400" dirty="0">
+                <a:solidFill>
+                  <a:srgbClr val="0000FF"/>
+                </a:solidFill>
+                <a:highlight>
+                  <a:srgbClr val="FFFFFF"/>
+                </a:highlight>
+                <a:latin typeface="Cascadia Mono" panose="020B0609020000020004" pitchFamily="49" charset="0"/>
+              </a:rPr>
+              <a:t>double</a:t>
+            </a:r>
+            <a:r>
+              <a:rPr lang="en-GB" sz="1400" dirty="0">
+                <a:solidFill>
+                  <a:srgbClr val="000000"/>
+                </a:solidFill>
+                <a:highlight>
+                  <a:srgbClr val="FFFFFF"/>
+                </a:highlight>
+                <a:latin typeface="Cascadia Mono" panose="020B0609020000020004" pitchFamily="49" charset="0"/>
+              </a:rPr>
+              <a:t> Subtract(</a:t>
+            </a:r>
+            <a:r>
+              <a:rPr lang="en-GB" sz="1400" dirty="0">
+                <a:solidFill>
+                  <a:srgbClr val="0000FF"/>
+                </a:solidFill>
+                <a:highlight>
+                  <a:srgbClr val="FFFFFF"/>
+                </a:highlight>
+                <a:latin typeface="Cascadia Mono" panose="020B0609020000020004" pitchFamily="49" charset="0"/>
+              </a:rPr>
+              <a:t>double</a:t>
+            </a:r>
+            <a:r>
+              <a:rPr lang="en-GB" sz="1400" dirty="0">
+                <a:solidFill>
+                  <a:srgbClr val="000000"/>
+                </a:solidFill>
+                <a:highlight>
+                  <a:srgbClr val="FFFFFF"/>
+                </a:highlight>
+                <a:latin typeface="Cascadia Mono" panose="020B0609020000020004" pitchFamily="49" charset="0"/>
+              </a:rPr>
+              <a:t> n1, </a:t>
+            </a:r>
+            <a:r>
+              <a:rPr lang="en-GB" sz="1400" dirty="0">
+                <a:solidFill>
+                  <a:srgbClr val="0000FF"/>
+                </a:solidFill>
+                <a:highlight>
+                  <a:srgbClr val="FFFFFF"/>
+                </a:highlight>
+                <a:latin typeface="Cascadia Mono" panose="020B0609020000020004" pitchFamily="49" charset="0"/>
+              </a:rPr>
+              <a:t>double</a:t>
+            </a:r>
+            <a:r>
+              <a:rPr lang="en-GB" sz="1400" dirty="0">
+                <a:solidFill>
+                  <a:srgbClr val="000000"/>
+                </a:solidFill>
+                <a:highlight>
+                  <a:srgbClr val="FFFFFF"/>
+                </a:highlight>
+                <a:latin typeface="Cascadia Mono" panose="020B0609020000020004" pitchFamily="49" charset="0"/>
+              </a:rPr>
+              <a:t> n2) </a:t>
+            </a:r>
+          </a:p>
+          <a:p>
+            <a:r>
+              <a:rPr lang="en-GB" sz="1400" dirty="0">
+                <a:solidFill>
+                  <a:srgbClr val="000000"/>
+                </a:solidFill>
+                <a:highlight>
+                  <a:srgbClr val="FFFFFF"/>
+                </a:highlight>
+                <a:latin typeface="Cascadia Mono" panose="020B0609020000020004" pitchFamily="49" charset="0"/>
+              </a:rPr>
+              <a:t>        { </a:t>
+            </a:r>
+          </a:p>
+          <a:p>
+            <a:r>
+              <a:rPr lang="en-GB" sz="1400" dirty="0">
+                <a:solidFill>
+                  <a:srgbClr val="000000"/>
+                </a:solidFill>
+                <a:highlight>
+                  <a:srgbClr val="FFFFFF"/>
+                </a:highlight>
+                <a:latin typeface="Cascadia Mono" panose="020B0609020000020004" pitchFamily="49" charset="0"/>
+              </a:rPr>
+              <a:t>            </a:t>
+            </a:r>
+            <a:r>
+              <a:rPr lang="en-GB" sz="1400" dirty="0">
+                <a:solidFill>
+                  <a:srgbClr val="0000FF"/>
+                </a:solidFill>
+                <a:highlight>
+                  <a:srgbClr val="FFFFFF"/>
+                </a:highlight>
+                <a:latin typeface="Cascadia Mono" panose="020B0609020000020004" pitchFamily="49" charset="0"/>
+              </a:rPr>
+              <a:t>return</a:t>
+            </a:r>
+            <a:r>
+              <a:rPr lang="en-GB" sz="1400" dirty="0">
+                <a:solidFill>
+                  <a:srgbClr val="000000"/>
+                </a:solidFill>
+                <a:highlight>
+                  <a:srgbClr val="FFFFFF"/>
+                </a:highlight>
+                <a:latin typeface="Cascadia Mono" panose="020B0609020000020004" pitchFamily="49" charset="0"/>
+              </a:rPr>
+              <a:t> n1 - n2; </a:t>
+            </a:r>
+          </a:p>
+          <a:p>
+            <a:r>
+              <a:rPr lang="en-GB" sz="1400" dirty="0">
+                <a:solidFill>
+                  <a:srgbClr val="000000"/>
+                </a:solidFill>
+                <a:highlight>
+                  <a:srgbClr val="FFFFFF"/>
+                </a:highlight>
+                <a:latin typeface="Cascadia Mono" panose="020B0609020000020004" pitchFamily="49" charset="0"/>
+              </a:rPr>
+              <a:t>        }</a:t>
+            </a:r>
+          </a:p>
+          <a:p>
+            <a:endParaRPr lang="en-GB" sz="1400" dirty="0">
+              <a:solidFill>
+                <a:srgbClr val="000000"/>
+              </a:solidFill>
+              <a:highlight>
+                <a:srgbClr val="FFFFFF"/>
+              </a:highlight>
+              <a:latin typeface="Cascadia Mono" panose="020B0609020000020004" pitchFamily="49" charset="0"/>
+            </a:endParaRPr>
+          </a:p>
+          <a:p>
+            <a:r>
+              <a:rPr lang="en-GB" sz="1400" dirty="0">
+                <a:solidFill>
+                  <a:srgbClr val="000000"/>
+                </a:solidFill>
+                <a:highlight>
+                  <a:srgbClr val="FFFFFF"/>
+                </a:highlight>
+                <a:latin typeface="Cascadia Mono" panose="020B0609020000020004" pitchFamily="49" charset="0"/>
+              </a:rPr>
+              <a:t>        </a:t>
+            </a:r>
+            <a:r>
+              <a:rPr lang="en-GB" sz="1400" dirty="0">
+                <a:solidFill>
+                  <a:srgbClr val="0000FF"/>
+                </a:solidFill>
+                <a:highlight>
+                  <a:srgbClr val="FFFFFF"/>
+                </a:highlight>
+                <a:latin typeface="Cascadia Mono" panose="020B0609020000020004" pitchFamily="49" charset="0"/>
+              </a:rPr>
+              <a:t>public</a:t>
+            </a:r>
+            <a:r>
+              <a:rPr lang="en-GB" sz="1400" dirty="0">
+                <a:solidFill>
+                  <a:srgbClr val="000000"/>
+                </a:solidFill>
+                <a:highlight>
+                  <a:srgbClr val="FFFFFF"/>
+                </a:highlight>
+                <a:latin typeface="Cascadia Mono" panose="020B0609020000020004" pitchFamily="49" charset="0"/>
+              </a:rPr>
+              <a:t> </a:t>
+            </a:r>
+            <a:r>
+              <a:rPr lang="en-GB" sz="1400" dirty="0">
+                <a:solidFill>
+                  <a:srgbClr val="0000FF"/>
+                </a:solidFill>
+                <a:highlight>
+                  <a:srgbClr val="FFFFFF"/>
+                </a:highlight>
+                <a:latin typeface="Cascadia Mono" panose="020B0609020000020004" pitchFamily="49" charset="0"/>
+              </a:rPr>
+              <a:t>static</a:t>
+            </a:r>
+            <a:r>
+              <a:rPr lang="en-GB" sz="1400" dirty="0">
+                <a:solidFill>
+                  <a:srgbClr val="000000"/>
+                </a:solidFill>
+                <a:highlight>
+                  <a:srgbClr val="FFFFFF"/>
+                </a:highlight>
+                <a:latin typeface="Cascadia Mono" panose="020B0609020000020004" pitchFamily="49" charset="0"/>
+              </a:rPr>
+              <a:t> </a:t>
+            </a:r>
+            <a:r>
+              <a:rPr lang="en-GB" sz="1400" dirty="0">
+                <a:solidFill>
+                  <a:srgbClr val="0000FF"/>
+                </a:solidFill>
+                <a:highlight>
+                  <a:srgbClr val="FFFFFF"/>
+                </a:highlight>
+                <a:latin typeface="Cascadia Mono" panose="020B0609020000020004" pitchFamily="49" charset="0"/>
+              </a:rPr>
+              <a:t>double</a:t>
+            </a:r>
+            <a:r>
+              <a:rPr lang="en-GB" sz="1400" dirty="0">
+                <a:solidFill>
+                  <a:srgbClr val="000000"/>
+                </a:solidFill>
+                <a:highlight>
+                  <a:srgbClr val="FFFFFF"/>
+                </a:highlight>
+                <a:latin typeface="Cascadia Mono" panose="020B0609020000020004" pitchFamily="49" charset="0"/>
+              </a:rPr>
+              <a:t> Multiply(</a:t>
+            </a:r>
+            <a:r>
+              <a:rPr lang="en-GB" sz="1400" dirty="0">
+                <a:solidFill>
+                  <a:srgbClr val="0000FF"/>
+                </a:solidFill>
+                <a:highlight>
+                  <a:srgbClr val="FFFFFF"/>
+                </a:highlight>
+                <a:latin typeface="Cascadia Mono" panose="020B0609020000020004" pitchFamily="49" charset="0"/>
+              </a:rPr>
+              <a:t>double</a:t>
+            </a:r>
+            <a:r>
+              <a:rPr lang="en-GB" sz="1400" dirty="0">
+                <a:solidFill>
+                  <a:srgbClr val="000000"/>
+                </a:solidFill>
+                <a:highlight>
+                  <a:srgbClr val="FFFFFF"/>
+                </a:highlight>
+                <a:latin typeface="Cascadia Mono" panose="020B0609020000020004" pitchFamily="49" charset="0"/>
+              </a:rPr>
+              <a:t> n1, </a:t>
+            </a:r>
+            <a:r>
+              <a:rPr lang="en-GB" sz="1400" dirty="0">
+                <a:solidFill>
+                  <a:srgbClr val="0000FF"/>
+                </a:solidFill>
+                <a:highlight>
+                  <a:srgbClr val="FFFFFF"/>
+                </a:highlight>
+                <a:latin typeface="Cascadia Mono" panose="020B0609020000020004" pitchFamily="49" charset="0"/>
+              </a:rPr>
+              <a:t>double</a:t>
+            </a:r>
+            <a:r>
+              <a:rPr lang="en-GB" sz="1400" dirty="0">
+                <a:solidFill>
+                  <a:srgbClr val="000000"/>
+                </a:solidFill>
+                <a:highlight>
+                  <a:srgbClr val="FFFFFF"/>
+                </a:highlight>
+                <a:latin typeface="Cascadia Mono" panose="020B0609020000020004" pitchFamily="49" charset="0"/>
+              </a:rPr>
+              <a:t> n2) </a:t>
+            </a:r>
+          </a:p>
+          <a:p>
+            <a:r>
+              <a:rPr lang="en-GB" sz="1400" dirty="0">
+                <a:solidFill>
+                  <a:srgbClr val="000000"/>
+                </a:solidFill>
+                <a:highlight>
+                  <a:srgbClr val="FFFFFF"/>
+                </a:highlight>
+                <a:latin typeface="Cascadia Mono" panose="020B0609020000020004" pitchFamily="49" charset="0"/>
+              </a:rPr>
+              <a:t>        { </a:t>
+            </a:r>
+          </a:p>
+          <a:p>
+            <a:r>
+              <a:rPr lang="en-GB" sz="1400" dirty="0">
+                <a:solidFill>
+                  <a:srgbClr val="000000"/>
+                </a:solidFill>
+                <a:highlight>
+                  <a:srgbClr val="FFFFFF"/>
+                </a:highlight>
+                <a:latin typeface="Cascadia Mono" panose="020B0609020000020004" pitchFamily="49" charset="0"/>
+              </a:rPr>
+              <a:t>            </a:t>
+            </a:r>
+            <a:r>
+              <a:rPr lang="en-GB" sz="1400" dirty="0">
+                <a:solidFill>
+                  <a:srgbClr val="0000FF"/>
+                </a:solidFill>
+                <a:highlight>
+                  <a:srgbClr val="FFFFFF"/>
+                </a:highlight>
+                <a:latin typeface="Cascadia Mono" panose="020B0609020000020004" pitchFamily="49" charset="0"/>
+              </a:rPr>
+              <a:t>return</a:t>
+            </a:r>
+            <a:r>
+              <a:rPr lang="en-GB" sz="1400" dirty="0">
+                <a:solidFill>
+                  <a:srgbClr val="000000"/>
+                </a:solidFill>
+                <a:highlight>
+                  <a:srgbClr val="FFFFFF"/>
+                </a:highlight>
+                <a:latin typeface="Cascadia Mono" panose="020B0609020000020004" pitchFamily="49" charset="0"/>
+              </a:rPr>
+              <a:t> (n1 * n2); </a:t>
+            </a:r>
+          </a:p>
+          <a:p>
+            <a:r>
+              <a:rPr lang="en-GB" sz="1400" dirty="0">
+                <a:solidFill>
+                  <a:srgbClr val="000000"/>
+                </a:solidFill>
+                <a:highlight>
+                  <a:srgbClr val="FFFFFF"/>
+                </a:highlight>
+                <a:latin typeface="Cascadia Mono" panose="020B0609020000020004" pitchFamily="49" charset="0"/>
+              </a:rPr>
+              <a:t>        }</a:t>
+            </a:r>
+          </a:p>
+          <a:p>
+            <a:endParaRPr lang="en-GB" sz="1400" dirty="0">
+              <a:solidFill>
+                <a:srgbClr val="000000"/>
+              </a:solidFill>
+              <a:highlight>
+                <a:srgbClr val="FFFFFF"/>
+              </a:highlight>
+              <a:latin typeface="Cascadia Mono" panose="020B0609020000020004" pitchFamily="49" charset="0"/>
+            </a:endParaRPr>
+          </a:p>
+          <a:p>
+            <a:r>
+              <a:rPr lang="fr-FR" sz="1400" dirty="0">
+                <a:solidFill>
+                  <a:srgbClr val="000000"/>
+                </a:solidFill>
+                <a:highlight>
+                  <a:srgbClr val="FFFFFF"/>
+                </a:highlight>
+                <a:latin typeface="Cascadia Mono" panose="020B0609020000020004" pitchFamily="49" charset="0"/>
+              </a:rPr>
+              <a:t>        </a:t>
+            </a:r>
+            <a:r>
+              <a:rPr lang="fr-FR" sz="1400" dirty="0">
+                <a:solidFill>
+                  <a:srgbClr val="0000FF"/>
+                </a:solidFill>
+                <a:highlight>
+                  <a:srgbClr val="FFFFFF"/>
+                </a:highlight>
+                <a:latin typeface="Cascadia Mono" panose="020B0609020000020004" pitchFamily="49" charset="0"/>
+              </a:rPr>
+              <a:t>public</a:t>
+            </a:r>
+            <a:r>
+              <a:rPr lang="fr-FR" sz="1400" dirty="0">
+                <a:solidFill>
+                  <a:srgbClr val="000000"/>
+                </a:solidFill>
+                <a:highlight>
+                  <a:srgbClr val="FFFFFF"/>
+                </a:highlight>
+                <a:latin typeface="Cascadia Mono" panose="020B0609020000020004" pitchFamily="49" charset="0"/>
+              </a:rPr>
+              <a:t> </a:t>
+            </a:r>
+            <a:r>
+              <a:rPr lang="fr-FR" sz="1400" dirty="0" err="1">
+                <a:solidFill>
+                  <a:srgbClr val="0000FF"/>
+                </a:solidFill>
+                <a:highlight>
+                  <a:srgbClr val="FFFFFF"/>
+                </a:highlight>
+                <a:latin typeface="Cascadia Mono" panose="020B0609020000020004" pitchFamily="49" charset="0"/>
+              </a:rPr>
+              <a:t>static</a:t>
+            </a:r>
+            <a:r>
+              <a:rPr lang="fr-FR" sz="1400" dirty="0">
+                <a:solidFill>
+                  <a:srgbClr val="000000"/>
+                </a:solidFill>
+                <a:highlight>
+                  <a:srgbClr val="FFFFFF"/>
+                </a:highlight>
+                <a:latin typeface="Cascadia Mono" panose="020B0609020000020004" pitchFamily="49" charset="0"/>
+              </a:rPr>
+              <a:t> </a:t>
+            </a:r>
+            <a:r>
+              <a:rPr lang="fr-FR" sz="1400" dirty="0">
+                <a:solidFill>
+                  <a:srgbClr val="0000FF"/>
+                </a:solidFill>
+                <a:highlight>
+                  <a:srgbClr val="FFFFFF"/>
+                </a:highlight>
+                <a:latin typeface="Cascadia Mono" panose="020B0609020000020004" pitchFamily="49" charset="0"/>
+              </a:rPr>
+              <a:t>double</a:t>
+            </a:r>
+            <a:r>
+              <a:rPr lang="fr-FR" sz="1400" dirty="0">
+                <a:solidFill>
+                  <a:srgbClr val="000000"/>
+                </a:solidFill>
+                <a:highlight>
+                  <a:srgbClr val="FFFFFF"/>
+                </a:highlight>
+                <a:latin typeface="Cascadia Mono" panose="020B0609020000020004" pitchFamily="49" charset="0"/>
+              </a:rPr>
+              <a:t> </a:t>
+            </a:r>
+            <a:r>
+              <a:rPr lang="fr-FR" sz="1400" dirty="0" err="1">
+                <a:solidFill>
+                  <a:srgbClr val="000000"/>
+                </a:solidFill>
+                <a:highlight>
+                  <a:srgbClr val="FFFFFF"/>
+                </a:highlight>
+                <a:latin typeface="Cascadia Mono" panose="020B0609020000020004" pitchFamily="49" charset="0"/>
+              </a:rPr>
+              <a:t>Divide</a:t>
+            </a:r>
+            <a:r>
+              <a:rPr lang="fr-FR" sz="1400" dirty="0">
+                <a:solidFill>
+                  <a:srgbClr val="000000"/>
+                </a:solidFill>
+                <a:highlight>
+                  <a:srgbClr val="FFFFFF"/>
+                </a:highlight>
+                <a:latin typeface="Cascadia Mono" panose="020B0609020000020004" pitchFamily="49" charset="0"/>
+              </a:rPr>
+              <a:t>(</a:t>
+            </a:r>
+            <a:r>
+              <a:rPr lang="fr-FR" sz="1400" dirty="0">
+                <a:solidFill>
+                  <a:srgbClr val="0000FF"/>
+                </a:solidFill>
+                <a:highlight>
+                  <a:srgbClr val="FFFFFF"/>
+                </a:highlight>
+                <a:latin typeface="Cascadia Mono" panose="020B0609020000020004" pitchFamily="49" charset="0"/>
+              </a:rPr>
+              <a:t>double</a:t>
+            </a:r>
+            <a:r>
+              <a:rPr lang="fr-FR" sz="1400" dirty="0">
+                <a:solidFill>
+                  <a:srgbClr val="000000"/>
+                </a:solidFill>
+                <a:highlight>
+                  <a:srgbClr val="FFFFFF"/>
+                </a:highlight>
+                <a:latin typeface="Cascadia Mono" panose="020B0609020000020004" pitchFamily="49" charset="0"/>
+              </a:rPr>
+              <a:t> n1, </a:t>
+            </a:r>
+            <a:r>
+              <a:rPr lang="fr-FR" sz="1400" dirty="0">
+                <a:solidFill>
+                  <a:srgbClr val="0000FF"/>
+                </a:solidFill>
+                <a:highlight>
+                  <a:srgbClr val="FFFFFF"/>
+                </a:highlight>
+                <a:latin typeface="Cascadia Mono" panose="020B0609020000020004" pitchFamily="49" charset="0"/>
+              </a:rPr>
+              <a:t>double</a:t>
+            </a:r>
+            <a:r>
+              <a:rPr lang="fr-FR" sz="1400" dirty="0">
+                <a:solidFill>
+                  <a:srgbClr val="000000"/>
+                </a:solidFill>
+                <a:highlight>
+                  <a:srgbClr val="FFFFFF"/>
+                </a:highlight>
+                <a:latin typeface="Cascadia Mono" panose="020B0609020000020004" pitchFamily="49" charset="0"/>
+              </a:rPr>
+              <a:t> n2)</a:t>
+            </a:r>
+          </a:p>
+          <a:p>
+            <a:r>
+              <a:rPr lang="en-GB" sz="1400" dirty="0">
+                <a:solidFill>
+                  <a:srgbClr val="000000"/>
+                </a:solidFill>
+                <a:highlight>
+                  <a:srgbClr val="FFFFFF"/>
+                </a:highlight>
+                <a:latin typeface="Cascadia Mono" panose="020B0609020000020004" pitchFamily="49" charset="0"/>
+              </a:rPr>
+              <a:t>        {</a:t>
+            </a:r>
+          </a:p>
+          <a:p>
+            <a:r>
+              <a:rPr lang="en-GB" sz="1400" dirty="0">
+                <a:solidFill>
+                  <a:srgbClr val="000000"/>
+                </a:solidFill>
+                <a:highlight>
+                  <a:srgbClr val="FFFFFF"/>
+                </a:highlight>
+                <a:latin typeface="Cascadia Mono" panose="020B0609020000020004" pitchFamily="49" charset="0"/>
+              </a:rPr>
+              <a:t>            </a:t>
+            </a:r>
+            <a:r>
+              <a:rPr lang="en-GB" sz="1400" dirty="0">
+                <a:solidFill>
+                  <a:srgbClr val="0000FF"/>
+                </a:solidFill>
+                <a:highlight>
+                  <a:srgbClr val="FFFFFF"/>
+                </a:highlight>
+                <a:latin typeface="Cascadia Mono" panose="020B0609020000020004" pitchFamily="49" charset="0"/>
+              </a:rPr>
+              <a:t>return</a:t>
+            </a:r>
+            <a:r>
+              <a:rPr lang="en-GB" sz="1400" dirty="0">
+                <a:solidFill>
+                  <a:srgbClr val="000000"/>
+                </a:solidFill>
+                <a:highlight>
+                  <a:srgbClr val="FFFFFF"/>
+                </a:highlight>
+                <a:latin typeface="Cascadia Mono" panose="020B0609020000020004" pitchFamily="49" charset="0"/>
+              </a:rPr>
+              <a:t> (n1 / n2);</a:t>
+            </a:r>
+          </a:p>
+          <a:p>
+            <a:r>
+              <a:rPr lang="en-GB" sz="1400" dirty="0">
+                <a:solidFill>
+                  <a:srgbClr val="000000"/>
+                </a:solidFill>
+                <a:highlight>
+                  <a:srgbClr val="FFFFFF"/>
+                </a:highlight>
+                <a:latin typeface="Cascadia Mono" panose="020B0609020000020004" pitchFamily="49" charset="0"/>
+              </a:rPr>
+              <a:t>        }</a:t>
+            </a:r>
+          </a:p>
+          <a:p>
+            <a:r>
+              <a:rPr lang="en-GB" sz="1400" dirty="0">
+                <a:solidFill>
+                  <a:srgbClr val="000000"/>
+                </a:solidFill>
+                <a:highlight>
+                  <a:srgbClr val="FFFFFF"/>
+                </a:highlight>
+                <a:latin typeface="Cascadia Mono" panose="020B0609020000020004" pitchFamily="49" charset="0"/>
+              </a:rPr>
+              <a:t>    }</a:t>
+            </a:r>
+          </a:p>
+          <a:p>
+            <a:r>
+              <a:rPr lang="en-GB" sz="1400" dirty="0">
+                <a:solidFill>
+                  <a:srgbClr val="000000"/>
+                </a:solidFill>
+                <a:highlight>
+                  <a:srgbClr val="FFFFFF"/>
+                </a:highlight>
+                <a:latin typeface="Cascadia Mono" panose="020B0609020000020004" pitchFamily="49" charset="0"/>
+              </a:rPr>
+              <a:t>}</a:t>
+            </a:r>
+          </a:p>
+        </p:txBody>
+      </p:sp>
     </p:spTree>
     <p:extLst>
       <p:ext uri="{BB962C8B-B14F-4D97-AF65-F5344CB8AC3E}">
@@ -19367,6 +21836,1620 @@
           <a:chExt cx="0" cy="0"/>
         </a:xfrm>
       </p:grpSpPr>
+      <p:sp>
+        <p:nvSpPr>
+          <p:cNvPr id="2" name="TextBox 1">
+            <a:extLst>
+              <a:ext uri="{FF2B5EF4-FFF2-40B4-BE49-F238E27FC236}">
+                <a16:creationId xmlns:a16="http://schemas.microsoft.com/office/drawing/2014/main" id="{09032289-BFAB-517A-58F2-68CDBBC3D05C}"/>
+              </a:ext>
+            </a:extLst>
+          </p:cNvPr>
+          <p:cNvSpPr txBox="1"/>
+          <p:nvPr/>
+        </p:nvSpPr>
+        <p:spPr>
+          <a:xfrm>
+            <a:off x="150828" y="216816"/>
+            <a:ext cx="3827843" cy="369332"/>
+          </a:xfrm>
+          <a:prstGeom prst="rect">
+            <a:avLst/>
+          </a:prstGeom>
+          <a:noFill/>
+        </p:spPr>
+        <p:txBody>
+          <a:bodyPr wrap="none" rtlCol="0">
+            <a:spAutoFit/>
+          </a:bodyPr>
+          <a:lstStyle/>
+          <a:p>
+            <a:r>
+              <a:rPr lang="en-GB" dirty="0"/>
+              <a:t>Implementing the </a:t>
+            </a:r>
+            <a:r>
+              <a:rPr lang="en-GB" dirty="0" err="1"/>
+              <a:t>SimpleMath</a:t>
+            </a:r>
+            <a:r>
+              <a:rPr lang="en-GB" dirty="0"/>
+              <a:t> class:</a:t>
+            </a:r>
+          </a:p>
+        </p:txBody>
+      </p:sp>
+      <p:sp>
+        <p:nvSpPr>
+          <p:cNvPr id="4" name="TextBox 3">
+            <a:extLst>
+              <a:ext uri="{FF2B5EF4-FFF2-40B4-BE49-F238E27FC236}">
+                <a16:creationId xmlns:a16="http://schemas.microsoft.com/office/drawing/2014/main" id="{F8113C4C-D59A-AB9C-1D71-C6136208DC91}"/>
+              </a:ext>
+            </a:extLst>
+          </p:cNvPr>
+          <p:cNvSpPr txBox="1"/>
+          <p:nvPr/>
+        </p:nvSpPr>
+        <p:spPr>
+          <a:xfrm>
+            <a:off x="396240" y="969000"/>
+            <a:ext cx="9865360" cy="2585323"/>
+          </a:xfrm>
+          <a:prstGeom prst="rect">
+            <a:avLst/>
+          </a:prstGeom>
+          <a:noFill/>
+        </p:spPr>
+        <p:txBody>
+          <a:bodyPr wrap="square">
+            <a:spAutoFit/>
+          </a:bodyPr>
+          <a:lstStyle/>
+          <a:p>
+            <a:r>
+              <a:rPr lang="en-GB" sz="1800" dirty="0">
+                <a:solidFill>
+                  <a:srgbClr val="000000"/>
+                </a:solidFill>
+                <a:highlight>
+                  <a:srgbClr val="FFFFFF"/>
+                </a:highlight>
+                <a:latin typeface="Cascadia Mono" panose="020B0609020000020004" pitchFamily="49" charset="0"/>
+              </a:rPr>
+              <a:t> </a:t>
+            </a:r>
+            <a:r>
+              <a:rPr lang="en-GB" sz="1800" dirty="0">
+                <a:solidFill>
+                  <a:srgbClr val="0000FF"/>
+                </a:solidFill>
+                <a:highlight>
+                  <a:srgbClr val="FFFFFF"/>
+                </a:highlight>
+                <a:latin typeface="Cascadia Mono" panose="020B0609020000020004" pitchFamily="49" charset="0"/>
+              </a:rPr>
+              <a:t>public</a:t>
+            </a:r>
+            <a:r>
+              <a:rPr lang="en-GB" sz="1800" dirty="0">
+                <a:solidFill>
+                  <a:srgbClr val="000000"/>
+                </a:solidFill>
+                <a:highlight>
+                  <a:srgbClr val="FFFFFF"/>
+                </a:highlight>
+                <a:latin typeface="Cascadia Mono" panose="020B0609020000020004" pitchFamily="49" charset="0"/>
+              </a:rPr>
+              <a:t> </a:t>
+            </a:r>
+            <a:r>
+              <a:rPr lang="en-GB" sz="1800" dirty="0" err="1">
+                <a:solidFill>
+                  <a:srgbClr val="2B91AF"/>
+                </a:solidFill>
+                <a:highlight>
+                  <a:srgbClr val="FFFFFF"/>
+                </a:highlight>
+                <a:latin typeface="Cascadia Mono" panose="020B0609020000020004" pitchFamily="49" charset="0"/>
+              </a:rPr>
+              <a:t>MainWindow</a:t>
+            </a:r>
+            <a:r>
+              <a:rPr lang="en-GB" sz="1800" dirty="0">
+                <a:solidFill>
+                  <a:srgbClr val="000000"/>
+                </a:solidFill>
+                <a:highlight>
+                  <a:srgbClr val="FFFFFF"/>
+                </a:highlight>
+                <a:latin typeface="Cascadia Mono" panose="020B0609020000020004" pitchFamily="49" charset="0"/>
+              </a:rPr>
+              <a:t>()</a:t>
+            </a:r>
+          </a:p>
+          <a:p>
+            <a:r>
+              <a:rPr lang="en-GB" sz="1800" dirty="0">
+                <a:solidFill>
+                  <a:srgbClr val="000000"/>
+                </a:solidFill>
+                <a:highlight>
+                  <a:srgbClr val="FFFFFF"/>
+                </a:highlight>
+                <a:latin typeface="Cascadia Mono" panose="020B0609020000020004" pitchFamily="49" charset="0"/>
+              </a:rPr>
+              <a:t>       {</a:t>
+            </a:r>
+          </a:p>
+          <a:p>
+            <a:r>
+              <a:rPr lang="en-GB" sz="1800" dirty="0">
+                <a:solidFill>
+                  <a:srgbClr val="000000"/>
+                </a:solidFill>
+                <a:highlight>
+                  <a:srgbClr val="FFFFFF"/>
+                </a:highlight>
+                <a:latin typeface="Cascadia Mono" panose="020B0609020000020004" pitchFamily="49" charset="0"/>
+              </a:rPr>
+              <a:t>           </a:t>
+            </a:r>
+            <a:r>
+              <a:rPr lang="en-GB" sz="1800" dirty="0" err="1">
+                <a:solidFill>
+                  <a:srgbClr val="000000"/>
+                </a:solidFill>
+                <a:highlight>
+                  <a:srgbClr val="FFFFFF"/>
+                </a:highlight>
+                <a:latin typeface="Cascadia Mono" panose="020B0609020000020004" pitchFamily="49" charset="0"/>
+              </a:rPr>
+              <a:t>InitializeComponent</a:t>
+            </a:r>
+            <a:r>
+              <a:rPr lang="en-GB" sz="1800" dirty="0">
+                <a:solidFill>
+                  <a:srgbClr val="000000"/>
+                </a:solidFill>
+                <a:highlight>
+                  <a:srgbClr val="FFFFFF"/>
+                </a:highlight>
+                <a:latin typeface="Cascadia Mono" panose="020B0609020000020004" pitchFamily="49" charset="0"/>
+              </a:rPr>
+              <a:t>();</a:t>
+            </a:r>
+          </a:p>
+          <a:p>
+            <a:r>
+              <a:rPr lang="en-GB" sz="1800" dirty="0">
+                <a:solidFill>
+                  <a:srgbClr val="000000"/>
+                </a:solidFill>
+                <a:highlight>
+                  <a:srgbClr val="FFFFFF"/>
+                </a:highlight>
+                <a:latin typeface="Cascadia Mono" panose="020B0609020000020004" pitchFamily="49" charset="0"/>
+              </a:rPr>
+              <a:t>           </a:t>
+            </a:r>
+            <a:r>
+              <a:rPr lang="en-GB" sz="1800" dirty="0" err="1">
+                <a:solidFill>
+                  <a:srgbClr val="000000"/>
+                </a:solidFill>
+                <a:highlight>
+                  <a:srgbClr val="FFFFFF"/>
+                </a:highlight>
+                <a:latin typeface="Cascadia Mono" panose="020B0609020000020004" pitchFamily="49" charset="0"/>
+              </a:rPr>
+              <a:t>acButton.Click</a:t>
+            </a:r>
+            <a:r>
+              <a:rPr lang="en-GB" sz="1800" dirty="0">
+                <a:solidFill>
+                  <a:srgbClr val="000000"/>
+                </a:solidFill>
+                <a:highlight>
+                  <a:srgbClr val="FFFFFF"/>
+                </a:highlight>
+                <a:latin typeface="Cascadia Mono" panose="020B0609020000020004" pitchFamily="49" charset="0"/>
+              </a:rPr>
+              <a:t> += </a:t>
+            </a:r>
+            <a:r>
+              <a:rPr lang="en-GB" sz="1800" dirty="0" err="1">
+                <a:solidFill>
+                  <a:srgbClr val="000000"/>
+                </a:solidFill>
+                <a:highlight>
+                  <a:srgbClr val="FFFFFF"/>
+                </a:highlight>
+                <a:latin typeface="Cascadia Mono" panose="020B0609020000020004" pitchFamily="49" charset="0"/>
+              </a:rPr>
+              <a:t>AcButton_Click</a:t>
+            </a:r>
+            <a:r>
+              <a:rPr lang="en-GB" sz="1800" dirty="0">
+                <a:solidFill>
+                  <a:srgbClr val="000000"/>
+                </a:solidFill>
+                <a:highlight>
+                  <a:srgbClr val="FFFFFF"/>
+                </a:highlight>
+                <a:latin typeface="Cascadia Mono" panose="020B0609020000020004" pitchFamily="49" charset="0"/>
+              </a:rPr>
+              <a:t>;</a:t>
+            </a:r>
+          </a:p>
+          <a:p>
+            <a:r>
+              <a:rPr lang="en-GB" sz="1800" dirty="0">
+                <a:solidFill>
+                  <a:srgbClr val="000000"/>
+                </a:solidFill>
+                <a:highlight>
+                  <a:srgbClr val="FFFFFF"/>
+                </a:highlight>
+                <a:latin typeface="Cascadia Mono" panose="020B0609020000020004" pitchFamily="49" charset="0"/>
+              </a:rPr>
+              <a:t>           </a:t>
+            </a:r>
+            <a:r>
+              <a:rPr lang="en-GB" sz="1800" dirty="0" err="1">
+                <a:solidFill>
+                  <a:srgbClr val="000000"/>
+                </a:solidFill>
+                <a:highlight>
+                  <a:srgbClr val="FFFFFF"/>
+                </a:highlight>
+                <a:latin typeface="Cascadia Mono" panose="020B0609020000020004" pitchFamily="49" charset="0"/>
+              </a:rPr>
+              <a:t>negativeButton.Click</a:t>
+            </a:r>
+            <a:r>
+              <a:rPr lang="en-GB" sz="1800" dirty="0">
+                <a:solidFill>
+                  <a:srgbClr val="000000"/>
+                </a:solidFill>
+                <a:highlight>
+                  <a:srgbClr val="FFFFFF"/>
+                </a:highlight>
+                <a:latin typeface="Cascadia Mono" panose="020B0609020000020004" pitchFamily="49" charset="0"/>
+              </a:rPr>
+              <a:t> += </a:t>
+            </a:r>
+            <a:r>
+              <a:rPr lang="en-GB" sz="1800" dirty="0" err="1">
+                <a:solidFill>
+                  <a:srgbClr val="000000"/>
+                </a:solidFill>
+                <a:highlight>
+                  <a:srgbClr val="FFFFFF"/>
+                </a:highlight>
+                <a:latin typeface="Cascadia Mono" panose="020B0609020000020004" pitchFamily="49" charset="0"/>
+              </a:rPr>
+              <a:t>NegativeButton_Click</a:t>
+            </a:r>
+            <a:r>
+              <a:rPr lang="en-GB" sz="1800" dirty="0">
+                <a:solidFill>
+                  <a:srgbClr val="000000"/>
+                </a:solidFill>
+                <a:highlight>
+                  <a:srgbClr val="FFFFFF"/>
+                </a:highlight>
+                <a:latin typeface="Cascadia Mono" panose="020B0609020000020004" pitchFamily="49" charset="0"/>
+              </a:rPr>
+              <a:t>;</a:t>
+            </a:r>
+          </a:p>
+          <a:p>
+            <a:r>
+              <a:rPr lang="en-GB" sz="1800" dirty="0">
+                <a:solidFill>
+                  <a:srgbClr val="000000"/>
+                </a:solidFill>
+                <a:highlight>
+                  <a:srgbClr val="FFFFFF"/>
+                </a:highlight>
+                <a:latin typeface="Cascadia Mono" panose="020B0609020000020004" pitchFamily="49" charset="0"/>
+              </a:rPr>
+              <a:t>           </a:t>
+            </a:r>
+            <a:r>
+              <a:rPr lang="en-GB" sz="1800" dirty="0" err="1">
+                <a:solidFill>
+                  <a:srgbClr val="000000"/>
+                </a:solidFill>
+                <a:highlight>
+                  <a:srgbClr val="FFFFFF"/>
+                </a:highlight>
+                <a:latin typeface="Cascadia Mono" panose="020B0609020000020004" pitchFamily="49" charset="0"/>
+              </a:rPr>
+              <a:t>percentageButton.Click</a:t>
+            </a:r>
+            <a:r>
+              <a:rPr lang="en-GB" sz="1800" dirty="0">
+                <a:solidFill>
+                  <a:srgbClr val="000000"/>
+                </a:solidFill>
+                <a:highlight>
+                  <a:srgbClr val="FFFFFF"/>
+                </a:highlight>
+                <a:latin typeface="Cascadia Mono" panose="020B0609020000020004" pitchFamily="49" charset="0"/>
+              </a:rPr>
+              <a:t> += </a:t>
+            </a:r>
+            <a:r>
+              <a:rPr lang="en-GB" sz="1800" dirty="0" err="1">
+                <a:solidFill>
+                  <a:srgbClr val="000000"/>
+                </a:solidFill>
+                <a:highlight>
+                  <a:srgbClr val="FFFFFF"/>
+                </a:highlight>
+                <a:latin typeface="Cascadia Mono" panose="020B0609020000020004" pitchFamily="49" charset="0"/>
+              </a:rPr>
+              <a:t>PercentageButton_Click</a:t>
+            </a:r>
+            <a:r>
+              <a:rPr lang="en-GB" sz="1800" dirty="0">
+                <a:solidFill>
+                  <a:srgbClr val="000000"/>
+                </a:solidFill>
+                <a:highlight>
+                  <a:srgbClr val="FFFFFF"/>
+                </a:highlight>
+                <a:latin typeface="Cascadia Mono" panose="020B0609020000020004" pitchFamily="49" charset="0"/>
+              </a:rPr>
+              <a:t>;</a:t>
+            </a:r>
+          </a:p>
+          <a:p>
+            <a:r>
+              <a:rPr lang="en-GB" sz="1800" dirty="0">
+                <a:solidFill>
+                  <a:srgbClr val="000000"/>
+                </a:solidFill>
+                <a:highlight>
+                  <a:srgbClr val="FFFFFF"/>
+                </a:highlight>
+                <a:latin typeface="Cascadia Mono" panose="020B0609020000020004" pitchFamily="49" charset="0"/>
+              </a:rPr>
+              <a:t>           </a:t>
+            </a:r>
+            <a:r>
+              <a:rPr lang="en-GB" sz="1800" dirty="0" err="1">
+                <a:solidFill>
+                  <a:srgbClr val="000000"/>
+                </a:solidFill>
+                <a:highlight>
+                  <a:srgbClr val="FFFF00"/>
+                </a:highlight>
+                <a:latin typeface="Cascadia Mono" panose="020B0609020000020004" pitchFamily="49" charset="0"/>
+              </a:rPr>
+              <a:t>equalButton.Click</a:t>
+            </a:r>
+            <a:r>
+              <a:rPr lang="en-GB" sz="1800" dirty="0">
+                <a:solidFill>
+                  <a:srgbClr val="000000"/>
+                </a:solidFill>
+                <a:highlight>
+                  <a:srgbClr val="FFFF00"/>
+                </a:highlight>
+                <a:latin typeface="Cascadia Mono" panose="020B0609020000020004" pitchFamily="49" charset="0"/>
+              </a:rPr>
+              <a:t> += </a:t>
+            </a:r>
+            <a:r>
+              <a:rPr lang="en-GB" sz="1800" dirty="0" err="1">
+                <a:solidFill>
+                  <a:srgbClr val="000000"/>
+                </a:solidFill>
+                <a:highlight>
+                  <a:srgbClr val="FFFF00"/>
+                </a:highlight>
+                <a:latin typeface="Cascadia Mono" panose="020B0609020000020004" pitchFamily="49" charset="0"/>
+              </a:rPr>
+              <a:t>EqualButton_Click</a:t>
+            </a:r>
+            <a:r>
+              <a:rPr lang="en-GB" sz="1800" dirty="0">
+                <a:solidFill>
+                  <a:srgbClr val="000000"/>
+                </a:solidFill>
+                <a:highlight>
+                  <a:srgbClr val="FFFF00"/>
+                </a:highlight>
+                <a:latin typeface="Cascadia Mono" panose="020B0609020000020004" pitchFamily="49" charset="0"/>
+              </a:rPr>
+              <a:t>;</a:t>
+            </a:r>
+          </a:p>
+          <a:p>
+            <a:r>
+              <a:rPr lang="en-GB" sz="1800" dirty="0">
+                <a:solidFill>
+                  <a:srgbClr val="000000"/>
+                </a:solidFill>
+                <a:highlight>
+                  <a:srgbClr val="FFFFFF"/>
+                </a:highlight>
+                <a:latin typeface="Cascadia Mono" panose="020B0609020000020004" pitchFamily="49" charset="0"/>
+              </a:rPr>
+              <a:t>            </a:t>
+            </a:r>
+          </a:p>
+          <a:p>
+            <a:r>
+              <a:rPr lang="en-GB" sz="1800" dirty="0">
+                <a:solidFill>
+                  <a:srgbClr val="000000"/>
+                </a:solidFill>
+                <a:highlight>
+                  <a:srgbClr val="FFFFFF"/>
+                </a:highlight>
+                <a:latin typeface="Cascadia Mono" panose="020B0609020000020004" pitchFamily="49" charset="0"/>
+              </a:rPr>
+              <a:t>       }</a:t>
+            </a:r>
+            <a:endParaRPr lang="en-GB" dirty="0"/>
+          </a:p>
+        </p:txBody>
+      </p:sp>
+      <p:sp>
+        <p:nvSpPr>
+          <p:cNvPr id="6" name="TextBox 5">
+            <a:extLst>
+              <a:ext uri="{FF2B5EF4-FFF2-40B4-BE49-F238E27FC236}">
+                <a16:creationId xmlns:a16="http://schemas.microsoft.com/office/drawing/2014/main" id="{A584E15B-9890-722F-7F8B-E2479FF2C87B}"/>
+              </a:ext>
+            </a:extLst>
+          </p:cNvPr>
+          <p:cNvSpPr txBox="1"/>
+          <p:nvPr/>
+        </p:nvSpPr>
+        <p:spPr>
+          <a:xfrm>
+            <a:off x="1024645" y="3937175"/>
+            <a:ext cx="14520153" cy="6186309"/>
+          </a:xfrm>
+          <a:prstGeom prst="rect">
+            <a:avLst/>
+          </a:prstGeom>
+          <a:noFill/>
+        </p:spPr>
+        <p:txBody>
+          <a:bodyPr wrap="square">
+            <a:spAutoFit/>
+          </a:bodyPr>
+          <a:lstStyle/>
+          <a:p>
+            <a:r>
+              <a:rPr lang="en-GB" sz="1800" dirty="0">
+                <a:solidFill>
+                  <a:srgbClr val="0000FF"/>
+                </a:solidFill>
+                <a:highlight>
+                  <a:srgbClr val="FFFFFF"/>
+                </a:highlight>
+                <a:latin typeface="Cascadia Mono" panose="020B0609020000020004" pitchFamily="49" charset="0"/>
+              </a:rPr>
+              <a:t>private</a:t>
+            </a:r>
+            <a:r>
+              <a:rPr lang="en-GB" sz="1800" dirty="0">
+                <a:solidFill>
+                  <a:srgbClr val="000000"/>
+                </a:solidFill>
+                <a:highlight>
+                  <a:srgbClr val="FFFFFF"/>
+                </a:highlight>
+                <a:latin typeface="Cascadia Mono" panose="020B0609020000020004" pitchFamily="49" charset="0"/>
+              </a:rPr>
+              <a:t> </a:t>
+            </a:r>
+            <a:r>
+              <a:rPr lang="en-GB" sz="1800" dirty="0">
+                <a:solidFill>
+                  <a:srgbClr val="0000FF"/>
+                </a:solidFill>
+                <a:highlight>
+                  <a:srgbClr val="FFFFFF"/>
+                </a:highlight>
+                <a:latin typeface="Cascadia Mono" panose="020B0609020000020004" pitchFamily="49" charset="0"/>
+              </a:rPr>
+              <a:t>void</a:t>
+            </a:r>
+            <a:r>
+              <a:rPr lang="en-GB" sz="1800" dirty="0">
+                <a:solidFill>
+                  <a:srgbClr val="000000"/>
+                </a:solidFill>
+                <a:highlight>
+                  <a:srgbClr val="FFFFFF"/>
+                </a:highlight>
+                <a:latin typeface="Cascadia Mono" panose="020B0609020000020004" pitchFamily="49" charset="0"/>
+              </a:rPr>
+              <a:t> </a:t>
+            </a:r>
+            <a:r>
+              <a:rPr lang="en-GB" sz="1800" dirty="0" err="1">
+                <a:solidFill>
+                  <a:srgbClr val="000000"/>
+                </a:solidFill>
+                <a:highlight>
+                  <a:srgbClr val="FFFFFF"/>
+                </a:highlight>
+                <a:latin typeface="Cascadia Mono" panose="020B0609020000020004" pitchFamily="49" charset="0"/>
+              </a:rPr>
+              <a:t>EqualButton_Click</a:t>
+            </a:r>
+            <a:r>
+              <a:rPr lang="en-GB" sz="1800" dirty="0">
+                <a:solidFill>
+                  <a:srgbClr val="000000"/>
+                </a:solidFill>
+                <a:highlight>
+                  <a:srgbClr val="FFFFFF"/>
+                </a:highlight>
+                <a:latin typeface="Cascadia Mono" panose="020B0609020000020004" pitchFamily="49" charset="0"/>
+              </a:rPr>
+              <a:t>(</a:t>
+            </a:r>
+            <a:r>
+              <a:rPr lang="en-GB" sz="1800" dirty="0">
+                <a:solidFill>
+                  <a:srgbClr val="0000FF"/>
+                </a:solidFill>
+                <a:highlight>
+                  <a:srgbClr val="FFFFFF"/>
+                </a:highlight>
+                <a:latin typeface="Cascadia Mono" panose="020B0609020000020004" pitchFamily="49" charset="0"/>
+              </a:rPr>
+              <a:t>object</a:t>
+            </a:r>
+            <a:r>
+              <a:rPr lang="en-GB" sz="1800" dirty="0">
+                <a:solidFill>
+                  <a:srgbClr val="000000"/>
+                </a:solidFill>
+                <a:highlight>
+                  <a:srgbClr val="FFFFFF"/>
+                </a:highlight>
+                <a:latin typeface="Cascadia Mono" panose="020B0609020000020004" pitchFamily="49" charset="0"/>
+              </a:rPr>
+              <a:t> sender, </a:t>
+            </a:r>
+            <a:r>
+              <a:rPr lang="en-GB" sz="1800" dirty="0" err="1">
+                <a:solidFill>
+                  <a:srgbClr val="2B91AF"/>
+                </a:solidFill>
+                <a:highlight>
+                  <a:srgbClr val="FFFFFF"/>
+                </a:highlight>
+                <a:latin typeface="Cascadia Mono" panose="020B0609020000020004" pitchFamily="49" charset="0"/>
+              </a:rPr>
+              <a:t>RoutedEventArgs</a:t>
+            </a:r>
+            <a:r>
+              <a:rPr lang="en-GB" sz="1800" dirty="0">
+                <a:solidFill>
+                  <a:srgbClr val="000000"/>
+                </a:solidFill>
+                <a:highlight>
+                  <a:srgbClr val="FFFFFF"/>
+                </a:highlight>
+                <a:latin typeface="Cascadia Mono" panose="020B0609020000020004" pitchFamily="49" charset="0"/>
+              </a:rPr>
+              <a:t> e)</a:t>
+            </a:r>
+          </a:p>
+          <a:p>
+            <a:r>
+              <a:rPr lang="en-GB" sz="1800" dirty="0">
+                <a:solidFill>
+                  <a:srgbClr val="000000"/>
+                </a:solidFill>
+                <a:highlight>
+                  <a:srgbClr val="FFFFFF"/>
+                </a:highlight>
+                <a:latin typeface="Cascadia Mono" panose="020B0609020000020004" pitchFamily="49" charset="0"/>
+              </a:rPr>
+              <a:t>{</a:t>
+            </a:r>
+          </a:p>
+          <a:p>
+            <a:r>
+              <a:rPr lang="en-GB" sz="1800" dirty="0">
+                <a:solidFill>
+                  <a:srgbClr val="000000"/>
+                </a:solidFill>
+                <a:highlight>
+                  <a:srgbClr val="FFFFFF"/>
+                </a:highlight>
+                <a:latin typeface="Cascadia Mono" panose="020B0609020000020004" pitchFamily="49" charset="0"/>
+              </a:rPr>
+              <a:t>    </a:t>
+            </a:r>
+            <a:r>
+              <a:rPr lang="en-GB" sz="1800" dirty="0">
+                <a:solidFill>
+                  <a:srgbClr val="0000FF"/>
+                </a:solidFill>
+                <a:highlight>
+                  <a:srgbClr val="FFFFFF"/>
+                </a:highlight>
+                <a:latin typeface="Cascadia Mono" panose="020B0609020000020004" pitchFamily="49" charset="0"/>
+              </a:rPr>
+              <a:t>double</a:t>
+            </a:r>
+            <a:r>
+              <a:rPr lang="en-GB" sz="1800" dirty="0">
+                <a:solidFill>
+                  <a:srgbClr val="000000"/>
+                </a:solidFill>
+                <a:highlight>
+                  <a:srgbClr val="FFFFFF"/>
+                </a:highlight>
+                <a:latin typeface="Cascadia Mono" panose="020B0609020000020004" pitchFamily="49" charset="0"/>
+              </a:rPr>
+              <a:t> </a:t>
+            </a:r>
+            <a:r>
+              <a:rPr lang="en-GB" sz="1800" dirty="0" err="1">
+                <a:solidFill>
+                  <a:srgbClr val="000000"/>
+                </a:solidFill>
+                <a:highlight>
+                  <a:srgbClr val="FFFFFF"/>
+                </a:highlight>
+                <a:latin typeface="Cascadia Mono" panose="020B0609020000020004" pitchFamily="49" charset="0"/>
+              </a:rPr>
+              <a:t>newNumber</a:t>
+            </a:r>
+            <a:r>
+              <a:rPr lang="en-GB" sz="1800" dirty="0">
+                <a:solidFill>
+                  <a:srgbClr val="000000"/>
+                </a:solidFill>
+                <a:highlight>
+                  <a:srgbClr val="FFFFFF"/>
+                </a:highlight>
+                <a:latin typeface="Cascadia Mono" panose="020B0609020000020004" pitchFamily="49" charset="0"/>
+              </a:rPr>
+              <a:t>;</a:t>
+            </a:r>
+          </a:p>
+          <a:p>
+            <a:endParaRPr lang="en-GB" sz="1800" dirty="0">
+              <a:solidFill>
+                <a:srgbClr val="000000"/>
+              </a:solidFill>
+              <a:highlight>
+                <a:srgbClr val="FFFFFF"/>
+              </a:highlight>
+              <a:latin typeface="Cascadia Mono" panose="020B0609020000020004" pitchFamily="49" charset="0"/>
+            </a:endParaRPr>
+          </a:p>
+          <a:p>
+            <a:r>
+              <a:rPr lang="en-GB" sz="1800" dirty="0">
+                <a:solidFill>
+                  <a:srgbClr val="000000"/>
+                </a:solidFill>
+                <a:highlight>
+                  <a:srgbClr val="FFFFFF"/>
+                </a:highlight>
+                <a:latin typeface="Cascadia Mono" panose="020B0609020000020004" pitchFamily="49" charset="0"/>
+              </a:rPr>
+              <a:t>    </a:t>
+            </a:r>
+            <a:r>
+              <a:rPr lang="en-GB" sz="1800" dirty="0">
+                <a:solidFill>
+                  <a:srgbClr val="0000FF"/>
+                </a:solidFill>
+                <a:highlight>
+                  <a:srgbClr val="FFFFFF"/>
+                </a:highlight>
+                <a:latin typeface="Cascadia Mono" panose="020B0609020000020004" pitchFamily="49" charset="0"/>
+              </a:rPr>
+              <a:t>if</a:t>
+            </a:r>
+            <a:r>
+              <a:rPr lang="en-GB" sz="1800" dirty="0">
+                <a:solidFill>
+                  <a:srgbClr val="000000"/>
+                </a:solidFill>
+                <a:highlight>
+                  <a:srgbClr val="FFFFFF"/>
+                </a:highlight>
+                <a:latin typeface="Cascadia Mono" panose="020B0609020000020004" pitchFamily="49" charset="0"/>
+              </a:rPr>
+              <a:t> (</a:t>
+            </a:r>
+            <a:r>
+              <a:rPr lang="en-GB" sz="1800" dirty="0" err="1">
+                <a:solidFill>
+                  <a:srgbClr val="0000FF"/>
+                </a:solidFill>
+                <a:highlight>
+                  <a:srgbClr val="FFFFFF"/>
+                </a:highlight>
+                <a:latin typeface="Cascadia Mono" panose="020B0609020000020004" pitchFamily="49" charset="0"/>
+              </a:rPr>
+              <a:t>double</a:t>
+            </a:r>
+            <a:r>
+              <a:rPr lang="en-GB" sz="1800" dirty="0" err="1">
+                <a:solidFill>
+                  <a:srgbClr val="000000"/>
+                </a:solidFill>
+                <a:highlight>
+                  <a:srgbClr val="FFFFFF"/>
+                </a:highlight>
+                <a:latin typeface="Cascadia Mono" panose="020B0609020000020004" pitchFamily="49" charset="0"/>
+              </a:rPr>
+              <a:t>.TryParse</a:t>
+            </a:r>
+            <a:r>
+              <a:rPr lang="en-GB" sz="1800" dirty="0">
+                <a:solidFill>
+                  <a:srgbClr val="000000"/>
+                </a:solidFill>
+                <a:highlight>
+                  <a:srgbClr val="FFFFFF"/>
+                </a:highlight>
+                <a:latin typeface="Cascadia Mono" panose="020B0609020000020004" pitchFamily="49" charset="0"/>
+              </a:rPr>
+              <a:t>(</a:t>
+            </a:r>
+            <a:r>
+              <a:rPr lang="en-GB" sz="1800" dirty="0" err="1">
+                <a:solidFill>
+                  <a:srgbClr val="000000"/>
+                </a:solidFill>
+                <a:highlight>
+                  <a:srgbClr val="FFFFFF"/>
+                </a:highlight>
+                <a:latin typeface="Cascadia Mono" panose="020B0609020000020004" pitchFamily="49" charset="0"/>
+              </a:rPr>
+              <a:t>resultLabel.Content.ToString</a:t>
+            </a:r>
+            <a:r>
+              <a:rPr lang="en-GB" sz="1800" dirty="0">
+                <a:solidFill>
+                  <a:srgbClr val="000000"/>
+                </a:solidFill>
+                <a:highlight>
+                  <a:srgbClr val="FFFFFF"/>
+                </a:highlight>
+                <a:latin typeface="Cascadia Mono" panose="020B0609020000020004" pitchFamily="49" charset="0"/>
+              </a:rPr>
+              <a:t>(), </a:t>
+            </a:r>
+            <a:r>
+              <a:rPr lang="en-GB" sz="1800" dirty="0">
+                <a:solidFill>
+                  <a:srgbClr val="0000FF"/>
+                </a:solidFill>
+                <a:highlight>
+                  <a:srgbClr val="FFFFFF"/>
+                </a:highlight>
+                <a:latin typeface="Cascadia Mono" panose="020B0609020000020004" pitchFamily="49" charset="0"/>
+              </a:rPr>
+              <a:t>out</a:t>
+            </a:r>
+            <a:r>
+              <a:rPr lang="en-GB" sz="1800" dirty="0">
+                <a:solidFill>
+                  <a:srgbClr val="000000"/>
+                </a:solidFill>
+                <a:highlight>
+                  <a:srgbClr val="FFFFFF"/>
+                </a:highlight>
+                <a:latin typeface="Cascadia Mono" panose="020B0609020000020004" pitchFamily="49" charset="0"/>
+              </a:rPr>
+              <a:t> </a:t>
+            </a:r>
+            <a:r>
+              <a:rPr lang="en-GB" sz="1800" dirty="0" err="1">
+                <a:solidFill>
+                  <a:srgbClr val="000000"/>
+                </a:solidFill>
+                <a:highlight>
+                  <a:srgbClr val="FFFFFF"/>
+                </a:highlight>
+                <a:latin typeface="Cascadia Mono" panose="020B0609020000020004" pitchFamily="49" charset="0"/>
+              </a:rPr>
+              <a:t>newNumber</a:t>
+            </a:r>
+            <a:r>
+              <a:rPr lang="en-GB" sz="1800" dirty="0">
+                <a:solidFill>
+                  <a:srgbClr val="000000"/>
+                </a:solidFill>
+                <a:highlight>
+                  <a:srgbClr val="FFFFFF"/>
+                </a:highlight>
+                <a:latin typeface="Cascadia Mono" panose="020B0609020000020004" pitchFamily="49" charset="0"/>
+              </a:rPr>
+              <a:t>)) </a:t>
+            </a:r>
+          </a:p>
+          <a:p>
+            <a:r>
+              <a:rPr lang="en-GB" sz="1800" dirty="0">
+                <a:solidFill>
+                  <a:srgbClr val="000000"/>
+                </a:solidFill>
+                <a:highlight>
+                  <a:srgbClr val="FFFFFF"/>
+                </a:highlight>
+                <a:latin typeface="Cascadia Mono" panose="020B0609020000020004" pitchFamily="49" charset="0"/>
+              </a:rPr>
+              <a:t>    {</a:t>
+            </a:r>
+          </a:p>
+          <a:p>
+            <a:r>
+              <a:rPr lang="en-GB" sz="1800" dirty="0">
+                <a:solidFill>
+                  <a:srgbClr val="000000"/>
+                </a:solidFill>
+                <a:highlight>
+                  <a:srgbClr val="FFFFFF"/>
+                </a:highlight>
+                <a:latin typeface="Cascadia Mono" panose="020B0609020000020004" pitchFamily="49" charset="0"/>
+              </a:rPr>
+              <a:t>        </a:t>
+            </a:r>
+            <a:r>
+              <a:rPr lang="en-GB" sz="1800" dirty="0">
+                <a:solidFill>
+                  <a:srgbClr val="0000FF"/>
+                </a:solidFill>
+                <a:highlight>
+                  <a:srgbClr val="FFFFFF"/>
+                </a:highlight>
+                <a:latin typeface="Cascadia Mono" panose="020B0609020000020004" pitchFamily="49" charset="0"/>
+              </a:rPr>
+              <a:t>switch</a:t>
+            </a:r>
+            <a:r>
+              <a:rPr lang="en-GB" sz="1800" dirty="0">
+                <a:solidFill>
+                  <a:srgbClr val="000000"/>
+                </a:solidFill>
+                <a:highlight>
+                  <a:srgbClr val="FFFFFF"/>
+                </a:highlight>
+                <a:latin typeface="Cascadia Mono" panose="020B0609020000020004" pitchFamily="49" charset="0"/>
+              </a:rPr>
+              <a:t> (</a:t>
+            </a:r>
+            <a:r>
+              <a:rPr lang="en-GB" sz="1800" dirty="0" err="1">
+                <a:solidFill>
+                  <a:srgbClr val="000000"/>
+                </a:solidFill>
+                <a:highlight>
+                  <a:srgbClr val="FFFFFF"/>
+                </a:highlight>
+                <a:latin typeface="Cascadia Mono" panose="020B0609020000020004" pitchFamily="49" charset="0"/>
+              </a:rPr>
+              <a:t>selectedOperator</a:t>
+            </a:r>
+            <a:r>
+              <a:rPr lang="en-GB" sz="1800" dirty="0">
+                <a:solidFill>
+                  <a:srgbClr val="000000"/>
+                </a:solidFill>
+                <a:highlight>
+                  <a:srgbClr val="FFFFFF"/>
+                </a:highlight>
+                <a:latin typeface="Cascadia Mono" panose="020B0609020000020004" pitchFamily="49" charset="0"/>
+              </a:rPr>
+              <a:t>)</a:t>
+            </a:r>
+          </a:p>
+          <a:p>
+            <a:r>
+              <a:rPr lang="en-GB" sz="1800" dirty="0">
+                <a:solidFill>
+                  <a:srgbClr val="000000"/>
+                </a:solidFill>
+                <a:highlight>
+                  <a:srgbClr val="FFFFFF"/>
+                </a:highlight>
+                <a:latin typeface="Cascadia Mono" panose="020B0609020000020004" pitchFamily="49" charset="0"/>
+              </a:rPr>
+              <a:t>        { </a:t>
+            </a:r>
+          </a:p>
+          <a:p>
+            <a:r>
+              <a:rPr lang="en-GB" sz="1800" dirty="0">
+                <a:solidFill>
+                  <a:srgbClr val="000000"/>
+                </a:solidFill>
+                <a:highlight>
+                  <a:srgbClr val="FFFFFF"/>
+                </a:highlight>
+                <a:latin typeface="Cascadia Mono" panose="020B0609020000020004" pitchFamily="49" charset="0"/>
+              </a:rPr>
+              <a:t>            </a:t>
+            </a:r>
+            <a:r>
+              <a:rPr lang="en-GB" sz="1800" dirty="0">
+                <a:solidFill>
+                  <a:srgbClr val="0000FF"/>
+                </a:solidFill>
+                <a:highlight>
+                  <a:srgbClr val="FFFFFF"/>
+                </a:highlight>
+                <a:latin typeface="Cascadia Mono" panose="020B0609020000020004" pitchFamily="49" charset="0"/>
+              </a:rPr>
+              <a:t>case</a:t>
+            </a:r>
+            <a:r>
+              <a:rPr lang="en-GB" sz="1800" dirty="0">
+                <a:solidFill>
+                  <a:srgbClr val="000000"/>
+                </a:solidFill>
+                <a:highlight>
+                  <a:srgbClr val="FFFFFF"/>
+                </a:highlight>
+                <a:latin typeface="Cascadia Mono" panose="020B0609020000020004" pitchFamily="49" charset="0"/>
+              </a:rPr>
+              <a:t> </a:t>
+            </a:r>
+            <a:r>
+              <a:rPr lang="en-GB" sz="1800" dirty="0" err="1">
+                <a:solidFill>
+                  <a:srgbClr val="2B91AF"/>
+                </a:solidFill>
+                <a:highlight>
+                  <a:srgbClr val="FFFFFF"/>
+                </a:highlight>
+                <a:latin typeface="Cascadia Mono" panose="020B0609020000020004" pitchFamily="49" charset="0"/>
+              </a:rPr>
+              <a:t>SelectedOperator</a:t>
+            </a:r>
+            <a:r>
+              <a:rPr lang="en-GB" sz="1800" dirty="0" err="1">
+                <a:solidFill>
+                  <a:srgbClr val="000000"/>
+                </a:solidFill>
+                <a:highlight>
+                  <a:srgbClr val="FFFFFF"/>
+                </a:highlight>
+                <a:latin typeface="Cascadia Mono" panose="020B0609020000020004" pitchFamily="49" charset="0"/>
+              </a:rPr>
+              <a:t>.Addition</a:t>
+            </a:r>
+            <a:r>
+              <a:rPr lang="en-GB" sz="1800" dirty="0">
+                <a:solidFill>
+                  <a:srgbClr val="000000"/>
+                </a:solidFill>
+                <a:highlight>
+                  <a:srgbClr val="FFFFFF"/>
+                </a:highlight>
+                <a:latin typeface="Cascadia Mono" panose="020B0609020000020004" pitchFamily="49" charset="0"/>
+              </a:rPr>
+              <a:t>:</a:t>
+            </a:r>
+          </a:p>
+          <a:p>
+            <a:r>
+              <a:rPr lang="en-GB" sz="1800" dirty="0">
+                <a:solidFill>
+                  <a:srgbClr val="000000"/>
+                </a:solidFill>
+                <a:highlight>
+                  <a:srgbClr val="FFFFFF"/>
+                </a:highlight>
+                <a:latin typeface="Cascadia Mono" panose="020B0609020000020004" pitchFamily="49" charset="0"/>
+              </a:rPr>
+              <a:t>                result = </a:t>
+            </a:r>
+            <a:r>
+              <a:rPr lang="en-GB" sz="1800" dirty="0" err="1">
+                <a:solidFill>
+                  <a:srgbClr val="000000"/>
+                </a:solidFill>
+                <a:highlight>
+                  <a:srgbClr val="FFFFFF"/>
+                </a:highlight>
+                <a:latin typeface="Cascadia Mono" panose="020B0609020000020004" pitchFamily="49" charset="0"/>
+              </a:rPr>
+              <a:t>SupportClasses.</a:t>
+            </a:r>
+            <a:r>
+              <a:rPr lang="en-GB" sz="1800" dirty="0" err="1">
+                <a:solidFill>
+                  <a:srgbClr val="2B91AF"/>
+                </a:solidFill>
+                <a:highlight>
+                  <a:srgbClr val="FFFFFF"/>
+                </a:highlight>
+                <a:latin typeface="Cascadia Mono" panose="020B0609020000020004" pitchFamily="49" charset="0"/>
+              </a:rPr>
+              <a:t>SimpleMath</a:t>
+            </a:r>
+            <a:r>
+              <a:rPr lang="en-GB" sz="1800" dirty="0" err="1">
+                <a:solidFill>
+                  <a:srgbClr val="000000"/>
+                </a:solidFill>
+                <a:highlight>
+                  <a:srgbClr val="FFFFFF"/>
+                </a:highlight>
+                <a:latin typeface="Cascadia Mono" panose="020B0609020000020004" pitchFamily="49" charset="0"/>
+              </a:rPr>
+              <a:t>.Add</a:t>
+            </a:r>
+            <a:r>
+              <a:rPr lang="en-GB" sz="1800" dirty="0">
+                <a:solidFill>
+                  <a:srgbClr val="000000"/>
+                </a:solidFill>
+                <a:highlight>
+                  <a:srgbClr val="FFFFFF"/>
+                </a:highlight>
+                <a:latin typeface="Cascadia Mono" panose="020B0609020000020004" pitchFamily="49" charset="0"/>
+              </a:rPr>
+              <a:t>(</a:t>
+            </a:r>
+            <a:r>
+              <a:rPr lang="en-GB" sz="1800" dirty="0" err="1">
+                <a:solidFill>
+                  <a:srgbClr val="000000"/>
+                </a:solidFill>
+                <a:highlight>
+                  <a:srgbClr val="FFFFFF"/>
+                </a:highlight>
+                <a:latin typeface="Cascadia Mono" panose="020B0609020000020004" pitchFamily="49" charset="0"/>
+              </a:rPr>
+              <a:t>lastNumber</a:t>
+            </a:r>
+            <a:r>
+              <a:rPr lang="en-GB" sz="1800" dirty="0">
+                <a:solidFill>
+                  <a:srgbClr val="000000"/>
+                </a:solidFill>
+                <a:highlight>
+                  <a:srgbClr val="FFFFFF"/>
+                </a:highlight>
+                <a:latin typeface="Cascadia Mono" panose="020B0609020000020004" pitchFamily="49" charset="0"/>
+              </a:rPr>
+              <a:t>, </a:t>
+            </a:r>
+            <a:r>
+              <a:rPr lang="en-GB" sz="1800" dirty="0" err="1">
+                <a:solidFill>
+                  <a:srgbClr val="000000"/>
+                </a:solidFill>
+                <a:highlight>
+                  <a:srgbClr val="FFFFFF"/>
+                </a:highlight>
+                <a:latin typeface="Cascadia Mono" panose="020B0609020000020004" pitchFamily="49" charset="0"/>
+              </a:rPr>
+              <a:t>newNumber</a:t>
+            </a:r>
+            <a:r>
+              <a:rPr lang="en-GB" sz="1800" dirty="0">
+                <a:solidFill>
+                  <a:srgbClr val="000000"/>
+                </a:solidFill>
+                <a:highlight>
+                  <a:srgbClr val="FFFFFF"/>
+                </a:highlight>
+                <a:latin typeface="Cascadia Mono" panose="020B0609020000020004" pitchFamily="49" charset="0"/>
+              </a:rPr>
+              <a:t>);</a:t>
+            </a:r>
+          </a:p>
+          <a:p>
+            <a:r>
+              <a:rPr lang="en-GB" sz="1800" dirty="0">
+                <a:solidFill>
+                  <a:srgbClr val="000000"/>
+                </a:solidFill>
+                <a:highlight>
+                  <a:srgbClr val="FFFFFF"/>
+                </a:highlight>
+                <a:latin typeface="Cascadia Mono" panose="020B0609020000020004" pitchFamily="49" charset="0"/>
+              </a:rPr>
+              <a:t>                </a:t>
+            </a:r>
+            <a:r>
+              <a:rPr lang="en-GB" sz="1800" dirty="0">
+                <a:solidFill>
+                  <a:srgbClr val="0000FF"/>
+                </a:solidFill>
+                <a:highlight>
+                  <a:srgbClr val="FFFFFF"/>
+                </a:highlight>
+                <a:latin typeface="Cascadia Mono" panose="020B0609020000020004" pitchFamily="49" charset="0"/>
+              </a:rPr>
+              <a:t>break</a:t>
+            </a:r>
+            <a:r>
+              <a:rPr lang="en-GB" sz="1800" dirty="0">
+                <a:solidFill>
+                  <a:srgbClr val="000000"/>
+                </a:solidFill>
+                <a:highlight>
+                  <a:srgbClr val="FFFFFF"/>
+                </a:highlight>
+                <a:latin typeface="Cascadia Mono" panose="020B0609020000020004" pitchFamily="49" charset="0"/>
+              </a:rPr>
+              <a:t>;</a:t>
+            </a:r>
+          </a:p>
+          <a:p>
+            <a:r>
+              <a:rPr lang="en-GB" sz="1800" dirty="0">
+                <a:solidFill>
+                  <a:srgbClr val="000000"/>
+                </a:solidFill>
+                <a:highlight>
+                  <a:srgbClr val="FFFFFF"/>
+                </a:highlight>
+                <a:latin typeface="Cascadia Mono" panose="020B0609020000020004" pitchFamily="49" charset="0"/>
+              </a:rPr>
+              <a:t>            </a:t>
+            </a:r>
+            <a:r>
+              <a:rPr lang="en-GB" sz="1800" dirty="0">
+                <a:solidFill>
+                  <a:srgbClr val="0000FF"/>
+                </a:solidFill>
+                <a:highlight>
+                  <a:srgbClr val="FFFFFF"/>
+                </a:highlight>
+                <a:latin typeface="Cascadia Mono" panose="020B0609020000020004" pitchFamily="49" charset="0"/>
+              </a:rPr>
+              <a:t>case</a:t>
+            </a:r>
+            <a:r>
+              <a:rPr lang="en-GB" sz="1800" dirty="0">
+                <a:solidFill>
+                  <a:srgbClr val="000000"/>
+                </a:solidFill>
+                <a:highlight>
+                  <a:srgbClr val="FFFFFF"/>
+                </a:highlight>
+                <a:latin typeface="Cascadia Mono" panose="020B0609020000020004" pitchFamily="49" charset="0"/>
+              </a:rPr>
+              <a:t> </a:t>
+            </a:r>
+            <a:r>
+              <a:rPr lang="en-GB" sz="1800" dirty="0" err="1">
+                <a:solidFill>
+                  <a:srgbClr val="2B91AF"/>
+                </a:solidFill>
+                <a:highlight>
+                  <a:srgbClr val="FFFFFF"/>
+                </a:highlight>
+                <a:latin typeface="Cascadia Mono" panose="020B0609020000020004" pitchFamily="49" charset="0"/>
+              </a:rPr>
+              <a:t>SelectedOperator</a:t>
+            </a:r>
+            <a:r>
+              <a:rPr lang="en-GB" sz="1800" dirty="0" err="1">
+                <a:solidFill>
+                  <a:srgbClr val="000000"/>
+                </a:solidFill>
+                <a:highlight>
+                  <a:srgbClr val="FFFFFF"/>
+                </a:highlight>
+                <a:latin typeface="Cascadia Mono" panose="020B0609020000020004" pitchFamily="49" charset="0"/>
+              </a:rPr>
+              <a:t>.Substruction</a:t>
+            </a:r>
+            <a:r>
+              <a:rPr lang="en-GB" sz="1800" dirty="0">
+                <a:solidFill>
+                  <a:srgbClr val="000000"/>
+                </a:solidFill>
+                <a:highlight>
+                  <a:srgbClr val="FFFFFF"/>
+                </a:highlight>
+                <a:latin typeface="Cascadia Mono" panose="020B0609020000020004" pitchFamily="49" charset="0"/>
+              </a:rPr>
+              <a:t>:</a:t>
+            </a:r>
+          </a:p>
+          <a:p>
+            <a:r>
+              <a:rPr lang="en-GB" sz="1800" dirty="0">
+                <a:solidFill>
+                  <a:srgbClr val="000000"/>
+                </a:solidFill>
+                <a:highlight>
+                  <a:srgbClr val="FFFFFF"/>
+                </a:highlight>
+                <a:latin typeface="Cascadia Mono" panose="020B0609020000020004" pitchFamily="49" charset="0"/>
+              </a:rPr>
+              <a:t>                </a:t>
+            </a:r>
+            <a:r>
+              <a:rPr lang="en-GB" sz="1800" dirty="0">
+                <a:solidFill>
+                  <a:srgbClr val="0000FF"/>
+                </a:solidFill>
+                <a:highlight>
+                  <a:srgbClr val="FFFFFF"/>
+                </a:highlight>
+                <a:latin typeface="Cascadia Mono" panose="020B0609020000020004" pitchFamily="49" charset="0"/>
+              </a:rPr>
+              <a:t>break</a:t>
+            </a:r>
+            <a:r>
+              <a:rPr lang="en-GB" sz="1800" dirty="0">
+                <a:solidFill>
+                  <a:srgbClr val="000000"/>
+                </a:solidFill>
+                <a:highlight>
+                  <a:srgbClr val="FFFFFF"/>
+                </a:highlight>
+                <a:latin typeface="Cascadia Mono" panose="020B0609020000020004" pitchFamily="49" charset="0"/>
+              </a:rPr>
+              <a:t>;</a:t>
+            </a:r>
+          </a:p>
+          <a:p>
+            <a:r>
+              <a:rPr lang="en-GB" sz="1800" dirty="0">
+                <a:solidFill>
+                  <a:srgbClr val="000000"/>
+                </a:solidFill>
+                <a:highlight>
+                  <a:srgbClr val="FFFFFF"/>
+                </a:highlight>
+                <a:latin typeface="Cascadia Mono" panose="020B0609020000020004" pitchFamily="49" charset="0"/>
+              </a:rPr>
+              <a:t>            </a:t>
+            </a:r>
+            <a:r>
+              <a:rPr lang="en-GB" sz="1800" dirty="0">
+                <a:solidFill>
+                  <a:srgbClr val="0000FF"/>
+                </a:solidFill>
+                <a:highlight>
+                  <a:srgbClr val="FFFFFF"/>
+                </a:highlight>
+                <a:latin typeface="Cascadia Mono" panose="020B0609020000020004" pitchFamily="49" charset="0"/>
+              </a:rPr>
+              <a:t>case</a:t>
+            </a:r>
+            <a:r>
+              <a:rPr lang="en-GB" sz="1800" dirty="0">
+                <a:solidFill>
+                  <a:srgbClr val="000000"/>
+                </a:solidFill>
+                <a:highlight>
+                  <a:srgbClr val="FFFFFF"/>
+                </a:highlight>
+                <a:latin typeface="Cascadia Mono" panose="020B0609020000020004" pitchFamily="49" charset="0"/>
+              </a:rPr>
+              <a:t> </a:t>
+            </a:r>
+            <a:r>
+              <a:rPr lang="en-GB" sz="1800" dirty="0" err="1">
+                <a:solidFill>
+                  <a:srgbClr val="2B91AF"/>
+                </a:solidFill>
+                <a:highlight>
+                  <a:srgbClr val="FFFFFF"/>
+                </a:highlight>
+                <a:latin typeface="Cascadia Mono" panose="020B0609020000020004" pitchFamily="49" charset="0"/>
+              </a:rPr>
+              <a:t>SelectedOperator</a:t>
+            </a:r>
+            <a:r>
+              <a:rPr lang="en-GB" sz="1800" dirty="0" err="1">
+                <a:solidFill>
+                  <a:srgbClr val="000000"/>
+                </a:solidFill>
+                <a:highlight>
+                  <a:srgbClr val="FFFFFF"/>
+                </a:highlight>
+                <a:latin typeface="Cascadia Mono" panose="020B0609020000020004" pitchFamily="49" charset="0"/>
+              </a:rPr>
+              <a:t>.Multiplication</a:t>
+            </a:r>
+            <a:r>
+              <a:rPr lang="en-GB" sz="1800" dirty="0">
+                <a:solidFill>
+                  <a:srgbClr val="000000"/>
+                </a:solidFill>
+                <a:highlight>
+                  <a:srgbClr val="FFFFFF"/>
+                </a:highlight>
+                <a:latin typeface="Cascadia Mono" panose="020B0609020000020004" pitchFamily="49" charset="0"/>
+              </a:rPr>
+              <a:t>:</a:t>
+            </a:r>
+          </a:p>
+          <a:p>
+            <a:r>
+              <a:rPr lang="en-GB" sz="1800" dirty="0">
+                <a:solidFill>
+                  <a:srgbClr val="000000"/>
+                </a:solidFill>
+                <a:highlight>
+                  <a:srgbClr val="FFFFFF"/>
+                </a:highlight>
+                <a:latin typeface="Cascadia Mono" panose="020B0609020000020004" pitchFamily="49" charset="0"/>
+              </a:rPr>
+              <a:t>                </a:t>
+            </a:r>
+            <a:r>
+              <a:rPr lang="en-GB" sz="1800" dirty="0">
+                <a:solidFill>
+                  <a:srgbClr val="0000FF"/>
+                </a:solidFill>
+                <a:highlight>
+                  <a:srgbClr val="FFFFFF"/>
+                </a:highlight>
+                <a:latin typeface="Cascadia Mono" panose="020B0609020000020004" pitchFamily="49" charset="0"/>
+              </a:rPr>
+              <a:t>break</a:t>
+            </a:r>
+            <a:r>
+              <a:rPr lang="en-GB" sz="1800" dirty="0">
+                <a:solidFill>
+                  <a:srgbClr val="000000"/>
+                </a:solidFill>
+                <a:highlight>
+                  <a:srgbClr val="FFFFFF"/>
+                </a:highlight>
+                <a:latin typeface="Cascadia Mono" panose="020B0609020000020004" pitchFamily="49" charset="0"/>
+              </a:rPr>
+              <a:t>;</a:t>
+            </a:r>
+          </a:p>
+          <a:p>
+            <a:r>
+              <a:rPr lang="en-GB" sz="1800" dirty="0">
+                <a:solidFill>
+                  <a:srgbClr val="000000"/>
+                </a:solidFill>
+                <a:highlight>
+                  <a:srgbClr val="FFFFFF"/>
+                </a:highlight>
+                <a:latin typeface="Cascadia Mono" panose="020B0609020000020004" pitchFamily="49" charset="0"/>
+              </a:rPr>
+              <a:t>            </a:t>
+            </a:r>
+            <a:r>
+              <a:rPr lang="en-GB" sz="1800" dirty="0">
+                <a:solidFill>
+                  <a:srgbClr val="0000FF"/>
+                </a:solidFill>
+                <a:highlight>
+                  <a:srgbClr val="FFFFFF"/>
+                </a:highlight>
+                <a:latin typeface="Cascadia Mono" panose="020B0609020000020004" pitchFamily="49" charset="0"/>
+              </a:rPr>
+              <a:t>case</a:t>
+            </a:r>
+            <a:r>
+              <a:rPr lang="en-GB" sz="1800" dirty="0">
+                <a:solidFill>
+                  <a:srgbClr val="000000"/>
+                </a:solidFill>
+                <a:highlight>
+                  <a:srgbClr val="FFFFFF"/>
+                </a:highlight>
+                <a:latin typeface="Cascadia Mono" panose="020B0609020000020004" pitchFamily="49" charset="0"/>
+              </a:rPr>
+              <a:t> </a:t>
+            </a:r>
+            <a:r>
+              <a:rPr lang="en-GB" sz="1800" dirty="0" err="1">
+                <a:solidFill>
+                  <a:srgbClr val="2B91AF"/>
+                </a:solidFill>
+                <a:highlight>
+                  <a:srgbClr val="FFFFFF"/>
+                </a:highlight>
+                <a:latin typeface="Cascadia Mono" panose="020B0609020000020004" pitchFamily="49" charset="0"/>
+              </a:rPr>
+              <a:t>SelectedOperator</a:t>
+            </a:r>
+            <a:r>
+              <a:rPr lang="en-GB" sz="1800" dirty="0" err="1">
+                <a:solidFill>
+                  <a:srgbClr val="000000"/>
+                </a:solidFill>
+                <a:highlight>
+                  <a:srgbClr val="FFFFFF"/>
+                </a:highlight>
+                <a:latin typeface="Cascadia Mono" panose="020B0609020000020004" pitchFamily="49" charset="0"/>
+              </a:rPr>
+              <a:t>.Division</a:t>
+            </a:r>
+            <a:r>
+              <a:rPr lang="en-GB" sz="1800" dirty="0">
+                <a:solidFill>
+                  <a:srgbClr val="000000"/>
+                </a:solidFill>
+                <a:highlight>
+                  <a:srgbClr val="FFFFFF"/>
+                </a:highlight>
+                <a:latin typeface="Cascadia Mono" panose="020B0609020000020004" pitchFamily="49" charset="0"/>
+              </a:rPr>
+              <a:t>:</a:t>
+            </a:r>
+          </a:p>
+          <a:p>
+            <a:r>
+              <a:rPr lang="en-GB" sz="1800" dirty="0">
+                <a:solidFill>
+                  <a:srgbClr val="000000"/>
+                </a:solidFill>
+                <a:highlight>
+                  <a:srgbClr val="FFFFFF"/>
+                </a:highlight>
+                <a:latin typeface="Cascadia Mono" panose="020B0609020000020004" pitchFamily="49" charset="0"/>
+              </a:rPr>
+              <a:t>                </a:t>
+            </a:r>
+            <a:r>
+              <a:rPr lang="en-GB" sz="1800" dirty="0">
+                <a:solidFill>
+                  <a:srgbClr val="0000FF"/>
+                </a:solidFill>
+                <a:highlight>
+                  <a:srgbClr val="FFFFFF"/>
+                </a:highlight>
+                <a:latin typeface="Cascadia Mono" panose="020B0609020000020004" pitchFamily="49" charset="0"/>
+              </a:rPr>
+              <a:t>break</a:t>
+            </a:r>
+            <a:r>
+              <a:rPr lang="en-GB" sz="1800" dirty="0">
+                <a:solidFill>
+                  <a:srgbClr val="000000"/>
+                </a:solidFill>
+                <a:highlight>
+                  <a:srgbClr val="FFFFFF"/>
+                </a:highlight>
+                <a:latin typeface="Cascadia Mono" panose="020B0609020000020004" pitchFamily="49" charset="0"/>
+              </a:rPr>
+              <a:t>;</a:t>
+            </a:r>
+          </a:p>
+          <a:p>
+            <a:r>
+              <a:rPr lang="en-GB" sz="1800" dirty="0">
+                <a:solidFill>
+                  <a:srgbClr val="000000"/>
+                </a:solidFill>
+                <a:highlight>
+                  <a:srgbClr val="FFFFFF"/>
+                </a:highlight>
+                <a:latin typeface="Cascadia Mono" panose="020B0609020000020004" pitchFamily="49" charset="0"/>
+              </a:rPr>
+              <a:t>            </a:t>
+            </a:r>
+            <a:r>
+              <a:rPr lang="en-GB" sz="1800" dirty="0">
+                <a:solidFill>
+                  <a:srgbClr val="0000FF"/>
+                </a:solidFill>
+                <a:highlight>
+                  <a:srgbClr val="FFFFFF"/>
+                </a:highlight>
+                <a:latin typeface="Cascadia Mono" panose="020B0609020000020004" pitchFamily="49" charset="0"/>
+              </a:rPr>
+              <a:t>default</a:t>
+            </a:r>
+            <a:r>
+              <a:rPr lang="en-GB" sz="1800" dirty="0">
+                <a:solidFill>
+                  <a:srgbClr val="000000"/>
+                </a:solidFill>
+                <a:highlight>
+                  <a:srgbClr val="FFFFFF"/>
+                </a:highlight>
+                <a:latin typeface="Cascadia Mono" panose="020B0609020000020004" pitchFamily="49" charset="0"/>
+              </a:rPr>
+              <a:t>:</a:t>
+            </a:r>
+          </a:p>
+          <a:p>
+            <a:r>
+              <a:rPr lang="en-GB" sz="1800" dirty="0">
+                <a:solidFill>
+                  <a:srgbClr val="000000"/>
+                </a:solidFill>
+                <a:highlight>
+                  <a:srgbClr val="FFFFFF"/>
+                </a:highlight>
+                <a:latin typeface="Cascadia Mono" panose="020B0609020000020004" pitchFamily="49" charset="0"/>
+              </a:rPr>
+              <a:t>                </a:t>
+            </a:r>
+            <a:r>
+              <a:rPr lang="en-GB" sz="1800" dirty="0">
+                <a:solidFill>
+                  <a:srgbClr val="0000FF"/>
+                </a:solidFill>
+                <a:highlight>
+                  <a:srgbClr val="FFFFFF"/>
+                </a:highlight>
+                <a:latin typeface="Cascadia Mono" panose="020B0609020000020004" pitchFamily="49" charset="0"/>
+              </a:rPr>
+              <a:t>break</a:t>
+            </a:r>
+            <a:r>
+              <a:rPr lang="en-GB" sz="1800" dirty="0">
+                <a:solidFill>
+                  <a:srgbClr val="000000"/>
+                </a:solidFill>
+                <a:highlight>
+                  <a:srgbClr val="FFFFFF"/>
+                </a:highlight>
+                <a:latin typeface="Cascadia Mono" panose="020B0609020000020004" pitchFamily="49" charset="0"/>
+              </a:rPr>
+              <a:t>;</a:t>
+            </a:r>
+          </a:p>
+          <a:p>
+            <a:r>
+              <a:rPr lang="en-GB" sz="1800" dirty="0">
+                <a:solidFill>
+                  <a:srgbClr val="000000"/>
+                </a:solidFill>
+                <a:highlight>
+                  <a:srgbClr val="FFFFFF"/>
+                </a:highlight>
+                <a:latin typeface="Cascadia Mono" panose="020B0609020000020004" pitchFamily="49" charset="0"/>
+              </a:rPr>
+              <a:t>        }</a:t>
+            </a:r>
+          </a:p>
+          <a:p>
+            <a:r>
+              <a:rPr lang="en-GB" sz="1800" dirty="0">
+                <a:solidFill>
+                  <a:srgbClr val="000000"/>
+                </a:solidFill>
+                <a:highlight>
+                  <a:srgbClr val="FFFFFF"/>
+                </a:highlight>
+                <a:latin typeface="Cascadia Mono" panose="020B0609020000020004" pitchFamily="49" charset="0"/>
+              </a:rPr>
+              <a:t>    }</a:t>
+            </a:r>
+          </a:p>
+          <a:p>
+            <a:r>
+              <a:rPr lang="en-GB" sz="1800" dirty="0">
+                <a:solidFill>
+                  <a:srgbClr val="000000"/>
+                </a:solidFill>
+                <a:highlight>
+                  <a:srgbClr val="FFFFFF"/>
+                </a:highlight>
+                <a:latin typeface="Cascadia Mono" panose="020B0609020000020004" pitchFamily="49" charset="0"/>
+              </a:rPr>
+              <a:t>}</a:t>
+            </a:r>
+            <a:endParaRPr lang="en-GB" dirty="0"/>
+          </a:p>
+        </p:txBody>
+      </p:sp>
     </p:spTree>
     <p:extLst>
       <p:ext uri="{BB962C8B-B14F-4D97-AF65-F5344CB8AC3E}">
@@ -19403,6 +23486,812 @@
           <a:chExt cx="0" cy="0"/>
         </a:xfrm>
       </p:grpSpPr>
+      <p:sp>
+        <p:nvSpPr>
+          <p:cNvPr id="2" name="TextBox 1">
+            <a:extLst>
+              <a:ext uri="{FF2B5EF4-FFF2-40B4-BE49-F238E27FC236}">
+                <a16:creationId xmlns:a16="http://schemas.microsoft.com/office/drawing/2014/main" id="{C4BF7EFC-3C21-9063-D115-C8D3E7930539}"/>
+              </a:ext>
+            </a:extLst>
+          </p:cNvPr>
+          <p:cNvSpPr txBox="1"/>
+          <p:nvPr/>
+        </p:nvSpPr>
+        <p:spPr>
+          <a:xfrm>
+            <a:off x="447472" y="642026"/>
+            <a:ext cx="2286203" cy="646331"/>
+          </a:xfrm>
+          <a:prstGeom prst="rect">
+            <a:avLst/>
+          </a:prstGeom>
+          <a:noFill/>
+        </p:spPr>
+        <p:txBody>
+          <a:bodyPr wrap="none" rtlCol="0">
+            <a:spAutoFit/>
+          </a:bodyPr>
+          <a:lstStyle/>
+          <a:p>
+            <a:r>
+              <a:rPr lang="en-GB" dirty="0"/>
+              <a:t>Add dot click handler</a:t>
+            </a:r>
+          </a:p>
+          <a:p>
+            <a:endParaRPr lang="en-GB" dirty="0"/>
+          </a:p>
+        </p:txBody>
+      </p:sp>
+      <p:sp>
+        <p:nvSpPr>
+          <p:cNvPr id="4" name="TextBox 3">
+            <a:extLst>
+              <a:ext uri="{FF2B5EF4-FFF2-40B4-BE49-F238E27FC236}">
+                <a16:creationId xmlns:a16="http://schemas.microsoft.com/office/drawing/2014/main" id="{1EEA0309-368D-8896-7792-37018BAF4581}"/>
+              </a:ext>
+            </a:extLst>
+          </p:cNvPr>
+          <p:cNvSpPr txBox="1"/>
+          <p:nvPr/>
+        </p:nvSpPr>
+        <p:spPr>
+          <a:xfrm>
+            <a:off x="5345349" y="2501605"/>
+            <a:ext cx="6099242" cy="3693319"/>
+          </a:xfrm>
+          <a:prstGeom prst="rect">
+            <a:avLst/>
+          </a:prstGeom>
+          <a:noFill/>
+        </p:spPr>
+        <p:txBody>
+          <a:bodyPr wrap="square">
+            <a:spAutoFit/>
+          </a:bodyPr>
+          <a:lstStyle/>
+          <a:p>
+            <a:r>
+              <a:rPr lang="en-GB" sz="1800">
+                <a:solidFill>
+                  <a:srgbClr val="000000"/>
+                </a:solidFill>
+                <a:highlight>
+                  <a:srgbClr val="FFFFFF"/>
+                </a:highlight>
+                <a:latin typeface="Cascadia Mono" panose="020B0609020000020004" pitchFamily="49" charset="0"/>
+              </a:rPr>
+              <a:t> </a:t>
+            </a:r>
+            <a:r>
+              <a:rPr lang="en-GB" sz="1800">
+                <a:solidFill>
+                  <a:srgbClr val="0000FF"/>
+                </a:solidFill>
+                <a:highlight>
+                  <a:srgbClr val="FFFFFF"/>
+                </a:highlight>
+                <a:latin typeface="Cascadia Mono" panose="020B0609020000020004" pitchFamily="49" charset="0"/>
+              </a:rPr>
+              <a:t>private</a:t>
+            </a:r>
+            <a:r>
+              <a:rPr lang="en-GB" sz="1800">
+                <a:solidFill>
+                  <a:srgbClr val="000000"/>
+                </a:solidFill>
+                <a:highlight>
+                  <a:srgbClr val="FFFFFF"/>
+                </a:highlight>
+                <a:latin typeface="Cascadia Mono" panose="020B0609020000020004" pitchFamily="49" charset="0"/>
+              </a:rPr>
+              <a:t> </a:t>
+            </a:r>
+            <a:r>
+              <a:rPr lang="en-GB" sz="1800">
+                <a:solidFill>
+                  <a:srgbClr val="0000FF"/>
+                </a:solidFill>
+                <a:highlight>
+                  <a:srgbClr val="FFFFFF"/>
+                </a:highlight>
+                <a:latin typeface="Cascadia Mono" panose="020B0609020000020004" pitchFamily="49" charset="0"/>
+              </a:rPr>
+              <a:t>void</a:t>
+            </a:r>
+            <a:r>
+              <a:rPr lang="en-GB" sz="1800">
+                <a:solidFill>
+                  <a:srgbClr val="000000"/>
+                </a:solidFill>
+                <a:highlight>
+                  <a:srgbClr val="FFFFFF"/>
+                </a:highlight>
+                <a:latin typeface="Cascadia Mono" panose="020B0609020000020004" pitchFamily="49" charset="0"/>
+              </a:rPr>
+              <a:t> dotButton_Click(</a:t>
+            </a:r>
+            <a:r>
+              <a:rPr lang="en-GB" sz="1800">
+                <a:solidFill>
+                  <a:srgbClr val="0000FF"/>
+                </a:solidFill>
+                <a:highlight>
+                  <a:srgbClr val="FFFFFF"/>
+                </a:highlight>
+                <a:latin typeface="Cascadia Mono" panose="020B0609020000020004" pitchFamily="49" charset="0"/>
+              </a:rPr>
+              <a:t>object</a:t>
+            </a:r>
+            <a:r>
+              <a:rPr lang="en-GB" sz="1800">
+                <a:solidFill>
+                  <a:srgbClr val="000000"/>
+                </a:solidFill>
+                <a:highlight>
+                  <a:srgbClr val="FFFFFF"/>
+                </a:highlight>
+                <a:latin typeface="Cascadia Mono" panose="020B0609020000020004" pitchFamily="49" charset="0"/>
+              </a:rPr>
+              <a:t> sender, </a:t>
+            </a:r>
+            <a:r>
+              <a:rPr lang="en-GB" sz="1800">
+                <a:solidFill>
+                  <a:srgbClr val="2B91AF"/>
+                </a:solidFill>
+                <a:highlight>
+                  <a:srgbClr val="FFFFFF"/>
+                </a:highlight>
+                <a:latin typeface="Cascadia Mono" panose="020B0609020000020004" pitchFamily="49" charset="0"/>
+              </a:rPr>
+              <a:t>RoutedEventArgs</a:t>
+            </a:r>
+            <a:r>
+              <a:rPr lang="en-GB" sz="1800">
+                <a:solidFill>
+                  <a:srgbClr val="000000"/>
+                </a:solidFill>
+                <a:highlight>
+                  <a:srgbClr val="FFFFFF"/>
+                </a:highlight>
+                <a:latin typeface="Cascadia Mono" panose="020B0609020000020004" pitchFamily="49" charset="0"/>
+              </a:rPr>
+              <a:t> e)</a:t>
+            </a:r>
+          </a:p>
+          <a:p>
+            <a:r>
+              <a:rPr lang="en-GB" sz="1800">
+                <a:solidFill>
+                  <a:srgbClr val="000000"/>
+                </a:solidFill>
+                <a:highlight>
+                  <a:srgbClr val="FFFFFF"/>
+                </a:highlight>
+                <a:latin typeface="Cascadia Mono" panose="020B0609020000020004" pitchFamily="49" charset="0"/>
+              </a:rPr>
+              <a:t>       {</a:t>
+            </a:r>
+          </a:p>
+          <a:p>
+            <a:r>
+              <a:rPr lang="en-GB" sz="1800">
+                <a:solidFill>
+                  <a:srgbClr val="000000"/>
+                </a:solidFill>
+                <a:highlight>
+                  <a:srgbClr val="FFFFFF"/>
+                </a:highlight>
+                <a:latin typeface="Cascadia Mono" panose="020B0609020000020004" pitchFamily="49" charset="0"/>
+              </a:rPr>
+              <a:t>           </a:t>
+            </a:r>
+            <a:r>
+              <a:rPr lang="en-GB" sz="1800">
+                <a:solidFill>
+                  <a:srgbClr val="0000FF"/>
+                </a:solidFill>
+                <a:highlight>
+                  <a:srgbClr val="FFFFFF"/>
+                </a:highlight>
+                <a:latin typeface="Cascadia Mono" panose="020B0609020000020004" pitchFamily="49" charset="0"/>
+              </a:rPr>
+              <a:t>if</a:t>
+            </a:r>
+            <a:r>
+              <a:rPr lang="en-GB" sz="1800">
+                <a:solidFill>
+                  <a:srgbClr val="000000"/>
+                </a:solidFill>
+                <a:highlight>
+                  <a:srgbClr val="FFFFFF"/>
+                </a:highlight>
+                <a:latin typeface="Cascadia Mono" panose="020B0609020000020004" pitchFamily="49" charset="0"/>
+              </a:rPr>
+              <a:t> (resultLabel.Content.ToString().Contains(</a:t>
+            </a:r>
+            <a:r>
+              <a:rPr lang="en-GB" sz="1800">
+                <a:solidFill>
+                  <a:srgbClr val="A31515"/>
+                </a:solidFill>
+                <a:highlight>
+                  <a:srgbClr val="FFFFFF"/>
+                </a:highlight>
+                <a:latin typeface="Cascadia Mono" panose="020B0609020000020004" pitchFamily="49" charset="0"/>
+              </a:rPr>
+              <a:t>"."</a:t>
+            </a:r>
+            <a:r>
+              <a:rPr lang="en-GB" sz="1800">
+                <a:solidFill>
+                  <a:srgbClr val="000000"/>
+                </a:solidFill>
+                <a:highlight>
+                  <a:srgbClr val="FFFFFF"/>
+                </a:highlight>
+                <a:latin typeface="Cascadia Mono" panose="020B0609020000020004" pitchFamily="49" charset="0"/>
+              </a:rPr>
+              <a:t>))</a:t>
+            </a:r>
+          </a:p>
+          <a:p>
+            <a:r>
+              <a:rPr lang="en-GB" sz="1800">
+                <a:solidFill>
+                  <a:srgbClr val="000000"/>
+                </a:solidFill>
+                <a:highlight>
+                  <a:srgbClr val="FFFFFF"/>
+                </a:highlight>
+                <a:latin typeface="Cascadia Mono" panose="020B0609020000020004" pitchFamily="49" charset="0"/>
+              </a:rPr>
+              <a:t>           {</a:t>
+            </a:r>
+          </a:p>
+          <a:p>
+            <a:r>
+              <a:rPr lang="en-GB" sz="1800">
+                <a:solidFill>
+                  <a:srgbClr val="000000"/>
+                </a:solidFill>
+                <a:highlight>
+                  <a:srgbClr val="FFFFFF"/>
+                </a:highlight>
+                <a:latin typeface="Cascadia Mono" panose="020B0609020000020004" pitchFamily="49" charset="0"/>
+              </a:rPr>
+              <a:t>               </a:t>
+            </a:r>
+            <a:r>
+              <a:rPr lang="en-GB" sz="1800">
+                <a:solidFill>
+                  <a:srgbClr val="008000"/>
+                </a:solidFill>
+                <a:highlight>
+                  <a:srgbClr val="FFFFFF"/>
+                </a:highlight>
+                <a:latin typeface="Cascadia Mono" panose="020B0609020000020004" pitchFamily="49" charset="0"/>
+              </a:rPr>
+              <a:t>// Do nothing</a:t>
+            </a:r>
+          </a:p>
+          <a:p>
+            <a:r>
+              <a:rPr lang="en-GB" sz="1800">
+                <a:solidFill>
+                  <a:srgbClr val="000000"/>
+                </a:solidFill>
+                <a:highlight>
+                  <a:srgbClr val="FFFFFF"/>
+                </a:highlight>
+                <a:latin typeface="Cascadia Mono" panose="020B0609020000020004" pitchFamily="49" charset="0"/>
+              </a:rPr>
+              <a:t>           }</a:t>
+            </a:r>
+          </a:p>
+          <a:p>
+            <a:endParaRPr lang="en-GB" sz="1800">
+              <a:solidFill>
+                <a:srgbClr val="000000"/>
+              </a:solidFill>
+              <a:highlight>
+                <a:srgbClr val="FFFFFF"/>
+              </a:highlight>
+              <a:latin typeface="Cascadia Mono" panose="020B0609020000020004" pitchFamily="49" charset="0"/>
+            </a:endParaRPr>
+          </a:p>
+          <a:p>
+            <a:r>
+              <a:rPr lang="en-GB" sz="1800">
+                <a:solidFill>
+                  <a:srgbClr val="000000"/>
+                </a:solidFill>
+                <a:highlight>
+                  <a:srgbClr val="FFFFFF"/>
+                </a:highlight>
+                <a:latin typeface="Cascadia Mono" panose="020B0609020000020004" pitchFamily="49" charset="0"/>
+              </a:rPr>
+              <a:t>           resultLabel.Content = </a:t>
+            </a:r>
+            <a:r>
+              <a:rPr lang="en-GB" sz="1800">
+                <a:solidFill>
+                  <a:srgbClr val="A31515"/>
+                </a:solidFill>
+                <a:highlight>
+                  <a:srgbClr val="FFFFFF"/>
+                </a:highlight>
+                <a:latin typeface="Cascadia Mono" panose="020B0609020000020004" pitchFamily="49" charset="0"/>
+              </a:rPr>
+              <a:t>$"</a:t>
+            </a:r>
+            <a:r>
+              <a:rPr lang="en-GB" sz="1800">
+                <a:solidFill>
+                  <a:srgbClr val="000000"/>
+                </a:solidFill>
+                <a:highlight>
+                  <a:srgbClr val="FFFFFF"/>
+                </a:highlight>
+                <a:latin typeface="Cascadia Mono" panose="020B0609020000020004" pitchFamily="49" charset="0"/>
+              </a:rPr>
+              <a:t>{resultLabel.Content}</a:t>
+            </a:r>
+            <a:r>
+              <a:rPr lang="en-GB" sz="1800">
+                <a:solidFill>
+                  <a:srgbClr val="A31515"/>
+                </a:solidFill>
+                <a:highlight>
+                  <a:srgbClr val="FFFFFF"/>
+                </a:highlight>
+                <a:latin typeface="Cascadia Mono" panose="020B0609020000020004" pitchFamily="49" charset="0"/>
+              </a:rPr>
+              <a:t>."</a:t>
+            </a:r>
+            <a:r>
+              <a:rPr lang="en-GB" sz="1800">
+                <a:solidFill>
+                  <a:srgbClr val="000000"/>
+                </a:solidFill>
+                <a:highlight>
+                  <a:srgbClr val="FFFFFF"/>
+                </a:highlight>
+                <a:latin typeface="Cascadia Mono" panose="020B0609020000020004" pitchFamily="49" charset="0"/>
+              </a:rPr>
+              <a:t>;</a:t>
+            </a:r>
+          </a:p>
+          <a:p>
+            <a:r>
+              <a:rPr lang="en-GB" sz="1800">
+                <a:solidFill>
+                  <a:srgbClr val="000000"/>
+                </a:solidFill>
+                <a:highlight>
+                  <a:srgbClr val="FFFFFF"/>
+                </a:highlight>
+                <a:latin typeface="Cascadia Mono" panose="020B0609020000020004" pitchFamily="49" charset="0"/>
+              </a:rPr>
+              <a:t>       }</a:t>
+            </a:r>
+            <a:endParaRPr lang="en-GB" dirty="0"/>
+          </a:p>
+        </p:txBody>
+      </p:sp>
+      <p:sp>
+        <p:nvSpPr>
+          <p:cNvPr id="6" name="TextBox 5">
+            <a:extLst>
+              <a:ext uri="{FF2B5EF4-FFF2-40B4-BE49-F238E27FC236}">
+                <a16:creationId xmlns:a16="http://schemas.microsoft.com/office/drawing/2014/main" id="{7575954A-045C-4E67-EEC4-877B2C170682}"/>
+              </a:ext>
+            </a:extLst>
+          </p:cNvPr>
+          <p:cNvSpPr txBox="1"/>
+          <p:nvPr/>
+        </p:nvSpPr>
+        <p:spPr>
+          <a:xfrm>
+            <a:off x="-2864796" y="2593938"/>
+            <a:ext cx="6099242" cy="1754326"/>
+          </a:xfrm>
+          <a:prstGeom prst="rect">
+            <a:avLst/>
+          </a:prstGeom>
+          <a:noFill/>
+        </p:spPr>
+        <p:txBody>
+          <a:bodyPr wrap="square">
+            <a:spAutoFit/>
+          </a:bodyPr>
+          <a:lstStyle/>
+          <a:p>
+            <a:r>
+              <a:rPr lang="en-GB" sz="1800" dirty="0">
+                <a:solidFill>
+                  <a:srgbClr val="000000"/>
+                </a:solidFill>
+                <a:highlight>
+                  <a:srgbClr val="FFFFFF"/>
+                </a:highlight>
+                <a:latin typeface="Cascadia Mono" panose="020B0609020000020004" pitchFamily="49" charset="0"/>
+              </a:rPr>
+              <a:t> </a:t>
+            </a:r>
+            <a:r>
+              <a:rPr lang="en-GB" sz="1800" dirty="0">
+                <a:solidFill>
+                  <a:srgbClr val="0000FF"/>
+                </a:solidFill>
+                <a:highlight>
+                  <a:srgbClr val="FFFFFF"/>
+                </a:highlight>
+                <a:latin typeface="Cascadia Mono" panose="020B0609020000020004" pitchFamily="49" charset="0"/>
+              </a:rPr>
+              <a:t>&lt;</a:t>
+            </a:r>
+            <a:r>
+              <a:rPr lang="en-GB" sz="1800" dirty="0">
+                <a:solidFill>
+                  <a:srgbClr val="A31515"/>
+                </a:solidFill>
+                <a:highlight>
+                  <a:srgbClr val="FFFFFF"/>
+                </a:highlight>
+                <a:latin typeface="Cascadia Mono" panose="020B0609020000020004" pitchFamily="49" charset="0"/>
+              </a:rPr>
+              <a:t>Button</a:t>
+            </a:r>
+            <a:r>
+              <a:rPr lang="en-GB" sz="1800" dirty="0">
+                <a:solidFill>
+                  <a:srgbClr val="FF0000"/>
+                </a:solidFill>
+                <a:highlight>
+                  <a:srgbClr val="FFFFFF"/>
+                </a:highlight>
+                <a:latin typeface="Cascadia Mono" panose="020B0609020000020004" pitchFamily="49" charset="0"/>
+              </a:rPr>
+              <a:t> x</a:t>
+            </a:r>
+            <a:r>
+              <a:rPr lang="en-GB" sz="1800" dirty="0">
+                <a:solidFill>
+                  <a:srgbClr val="0000FF"/>
+                </a:solidFill>
+                <a:highlight>
+                  <a:srgbClr val="FFFFFF"/>
+                </a:highlight>
+                <a:latin typeface="Cascadia Mono" panose="020B0609020000020004" pitchFamily="49" charset="0"/>
+              </a:rPr>
+              <a:t>:</a:t>
+            </a:r>
+            <a:r>
+              <a:rPr lang="en-GB" sz="1800" dirty="0">
+                <a:solidFill>
+                  <a:srgbClr val="FF0000"/>
+                </a:solidFill>
+                <a:highlight>
+                  <a:srgbClr val="FFFFFF"/>
+                </a:highlight>
+                <a:latin typeface="Cascadia Mono" panose="020B0609020000020004" pitchFamily="49" charset="0"/>
+              </a:rPr>
+              <a:t>Name</a:t>
+            </a:r>
+            <a:r>
+              <a:rPr lang="en-GB" sz="1800" dirty="0">
+                <a:solidFill>
+                  <a:srgbClr val="0000FF"/>
+                </a:solidFill>
+                <a:highlight>
+                  <a:srgbClr val="FFFFFF"/>
+                </a:highlight>
+                <a:latin typeface="Cascadia Mono" panose="020B0609020000020004" pitchFamily="49" charset="0"/>
+              </a:rPr>
+              <a:t>="dotButton"</a:t>
+            </a:r>
+            <a:endParaRPr lang="en-GB" sz="1800" dirty="0">
+              <a:solidFill>
+                <a:srgbClr val="000000"/>
+              </a:solidFill>
+              <a:highlight>
+                <a:srgbClr val="FFFFFF"/>
+              </a:highlight>
+              <a:latin typeface="Cascadia Mono" panose="020B0609020000020004" pitchFamily="49" charset="0"/>
+            </a:endParaRPr>
+          </a:p>
+          <a:p>
+            <a:r>
+              <a:rPr lang="en-GB" sz="1800" dirty="0">
+                <a:solidFill>
+                  <a:srgbClr val="000000"/>
+                </a:solidFill>
+                <a:highlight>
+                  <a:srgbClr val="FFFFFF"/>
+                </a:highlight>
+                <a:latin typeface="Cascadia Mono" panose="020B0609020000020004" pitchFamily="49" charset="0"/>
+              </a:rPr>
+              <a:t>               </a:t>
+            </a:r>
+            <a:r>
+              <a:rPr lang="en-GB" sz="1800" dirty="0">
+                <a:solidFill>
+                  <a:srgbClr val="FF0000"/>
+                </a:solidFill>
+                <a:highlight>
+                  <a:srgbClr val="FFFFFF"/>
+                </a:highlight>
+                <a:latin typeface="Cascadia Mono" panose="020B0609020000020004" pitchFamily="49" charset="0"/>
+              </a:rPr>
+              <a:t> Content</a:t>
+            </a:r>
+            <a:r>
+              <a:rPr lang="en-GB" sz="1800" dirty="0">
+                <a:solidFill>
+                  <a:srgbClr val="0000FF"/>
+                </a:solidFill>
+                <a:highlight>
+                  <a:srgbClr val="FFFFFF"/>
+                </a:highlight>
+                <a:latin typeface="Cascadia Mono" panose="020B0609020000020004" pitchFamily="49" charset="0"/>
+              </a:rPr>
+              <a:t>="."</a:t>
+            </a:r>
+            <a:endParaRPr lang="en-GB" sz="1800" dirty="0">
+              <a:solidFill>
+                <a:srgbClr val="000000"/>
+              </a:solidFill>
+              <a:highlight>
+                <a:srgbClr val="FFFFFF"/>
+              </a:highlight>
+              <a:latin typeface="Cascadia Mono" panose="020B0609020000020004" pitchFamily="49" charset="0"/>
+            </a:endParaRPr>
+          </a:p>
+          <a:p>
+            <a:r>
+              <a:rPr lang="en-GB" sz="1800" dirty="0">
+                <a:solidFill>
+                  <a:srgbClr val="000000"/>
+                </a:solidFill>
+                <a:highlight>
+                  <a:srgbClr val="FFFFFF"/>
+                </a:highlight>
+                <a:latin typeface="Cascadia Mono" panose="020B0609020000020004" pitchFamily="49" charset="0"/>
+              </a:rPr>
+              <a:t>               </a:t>
+            </a:r>
+            <a:r>
+              <a:rPr lang="en-GB" sz="1800" dirty="0">
+                <a:solidFill>
+                  <a:srgbClr val="FF0000"/>
+                </a:solidFill>
+                <a:highlight>
+                  <a:srgbClr val="FFFFFF"/>
+                </a:highlight>
+                <a:latin typeface="Cascadia Mono" panose="020B0609020000020004" pitchFamily="49" charset="0"/>
+              </a:rPr>
+              <a:t> Margin</a:t>
+            </a:r>
+            <a:r>
+              <a:rPr lang="en-GB" sz="1800" dirty="0">
+                <a:solidFill>
+                  <a:srgbClr val="0000FF"/>
+                </a:solidFill>
+                <a:highlight>
+                  <a:srgbClr val="FFFFFF"/>
+                </a:highlight>
+                <a:latin typeface="Cascadia Mono" panose="020B0609020000020004" pitchFamily="49" charset="0"/>
+              </a:rPr>
+              <a:t>="5"</a:t>
+            </a:r>
+            <a:endParaRPr lang="en-GB" sz="1800" dirty="0">
+              <a:solidFill>
+                <a:srgbClr val="000000"/>
+              </a:solidFill>
+              <a:highlight>
+                <a:srgbClr val="FFFFFF"/>
+              </a:highlight>
+              <a:latin typeface="Cascadia Mono" panose="020B0609020000020004" pitchFamily="49" charset="0"/>
+            </a:endParaRPr>
+          </a:p>
+          <a:p>
+            <a:r>
+              <a:rPr lang="en-GB" sz="1800" dirty="0">
+                <a:solidFill>
+                  <a:srgbClr val="000000"/>
+                </a:solidFill>
+                <a:highlight>
+                  <a:srgbClr val="FFFFFF"/>
+                </a:highlight>
+                <a:latin typeface="Cascadia Mono" panose="020B0609020000020004" pitchFamily="49" charset="0"/>
+              </a:rPr>
+              <a:t>               </a:t>
+            </a:r>
+            <a:r>
+              <a:rPr lang="en-GB" sz="1800" dirty="0">
+                <a:solidFill>
+                  <a:srgbClr val="FF0000"/>
+                </a:solidFill>
+                <a:highlight>
+                  <a:srgbClr val="FFFFFF"/>
+                </a:highlight>
+                <a:latin typeface="Cascadia Mono" panose="020B0609020000020004" pitchFamily="49" charset="0"/>
+              </a:rPr>
+              <a:t> </a:t>
+            </a:r>
+            <a:r>
+              <a:rPr lang="en-GB" sz="1800" dirty="0" err="1">
+                <a:solidFill>
+                  <a:srgbClr val="FF0000"/>
+                </a:solidFill>
+                <a:highlight>
+                  <a:srgbClr val="FFFFFF"/>
+                </a:highlight>
+                <a:latin typeface="Cascadia Mono" panose="020B0609020000020004" pitchFamily="49" charset="0"/>
+              </a:rPr>
+              <a:t>Grid.Row</a:t>
+            </a:r>
+            <a:r>
+              <a:rPr lang="en-GB" sz="1800" dirty="0">
+                <a:solidFill>
+                  <a:srgbClr val="0000FF"/>
+                </a:solidFill>
+                <a:highlight>
+                  <a:srgbClr val="FFFFFF"/>
+                </a:highlight>
+                <a:latin typeface="Cascadia Mono" panose="020B0609020000020004" pitchFamily="49" charset="0"/>
+              </a:rPr>
+              <a:t>="5"</a:t>
+            </a:r>
+            <a:endParaRPr lang="en-GB" sz="1800" dirty="0">
+              <a:solidFill>
+                <a:srgbClr val="000000"/>
+              </a:solidFill>
+              <a:highlight>
+                <a:srgbClr val="FFFFFF"/>
+              </a:highlight>
+              <a:latin typeface="Cascadia Mono" panose="020B0609020000020004" pitchFamily="49" charset="0"/>
+            </a:endParaRPr>
+          </a:p>
+          <a:p>
+            <a:r>
+              <a:rPr lang="en-GB" sz="1800" dirty="0">
+                <a:solidFill>
+                  <a:srgbClr val="000000"/>
+                </a:solidFill>
+                <a:highlight>
+                  <a:srgbClr val="FFFFFF"/>
+                </a:highlight>
+                <a:latin typeface="Cascadia Mono" panose="020B0609020000020004" pitchFamily="49" charset="0"/>
+              </a:rPr>
+              <a:t>               </a:t>
+            </a:r>
+            <a:r>
+              <a:rPr lang="en-GB" sz="1800" dirty="0">
+                <a:solidFill>
+                  <a:srgbClr val="FF0000"/>
+                </a:solidFill>
+                <a:highlight>
+                  <a:srgbClr val="FFFFFF"/>
+                </a:highlight>
+                <a:latin typeface="Cascadia Mono" panose="020B0609020000020004" pitchFamily="49" charset="0"/>
+              </a:rPr>
+              <a:t> </a:t>
+            </a:r>
+            <a:r>
+              <a:rPr lang="en-GB" sz="1800" dirty="0" err="1">
+                <a:solidFill>
+                  <a:srgbClr val="FF0000"/>
+                </a:solidFill>
+                <a:highlight>
+                  <a:srgbClr val="FFFFFF"/>
+                </a:highlight>
+                <a:latin typeface="Cascadia Mono" panose="020B0609020000020004" pitchFamily="49" charset="0"/>
+              </a:rPr>
+              <a:t>Grid.Column</a:t>
+            </a:r>
+            <a:r>
+              <a:rPr lang="en-GB" sz="1800" dirty="0">
+                <a:solidFill>
+                  <a:srgbClr val="0000FF"/>
+                </a:solidFill>
+                <a:highlight>
+                  <a:srgbClr val="FFFFFF"/>
+                </a:highlight>
+                <a:latin typeface="Cascadia Mono" panose="020B0609020000020004" pitchFamily="49" charset="0"/>
+              </a:rPr>
+              <a:t>="2"</a:t>
+            </a:r>
+            <a:endParaRPr lang="en-GB" sz="1800" dirty="0">
+              <a:solidFill>
+                <a:srgbClr val="000000"/>
+              </a:solidFill>
+              <a:highlight>
+                <a:srgbClr val="FFFFFF"/>
+              </a:highlight>
+              <a:latin typeface="Cascadia Mono" panose="020B0609020000020004" pitchFamily="49" charset="0"/>
+            </a:endParaRPr>
+          </a:p>
+          <a:p>
+            <a:r>
+              <a:rPr lang="en-GB" sz="1800" dirty="0">
+                <a:solidFill>
+                  <a:srgbClr val="000000"/>
+                </a:solidFill>
+                <a:highlight>
+                  <a:srgbClr val="FFFF00"/>
+                </a:highlight>
+                <a:latin typeface="Cascadia Mono" panose="020B0609020000020004" pitchFamily="49" charset="0"/>
+              </a:rPr>
+              <a:t>               </a:t>
+            </a:r>
+            <a:r>
+              <a:rPr lang="en-GB" sz="1800" dirty="0">
+                <a:solidFill>
+                  <a:srgbClr val="FF0000"/>
+                </a:solidFill>
+                <a:highlight>
+                  <a:srgbClr val="FFFF00"/>
+                </a:highlight>
+                <a:latin typeface="Cascadia Mono" panose="020B0609020000020004" pitchFamily="49" charset="0"/>
+              </a:rPr>
+              <a:t> Click</a:t>
+            </a:r>
+            <a:r>
+              <a:rPr lang="en-GB" sz="1800" dirty="0">
+                <a:solidFill>
+                  <a:srgbClr val="0000FF"/>
+                </a:solidFill>
+                <a:highlight>
+                  <a:srgbClr val="FFFF00"/>
+                </a:highlight>
+                <a:latin typeface="Cascadia Mono" panose="020B0609020000020004" pitchFamily="49" charset="0"/>
+              </a:rPr>
+              <a:t>="</a:t>
+            </a:r>
+            <a:r>
+              <a:rPr lang="en-GB" sz="1800" dirty="0" err="1">
+                <a:solidFill>
+                  <a:srgbClr val="0000FF"/>
+                </a:solidFill>
+                <a:highlight>
+                  <a:srgbClr val="FFFF00"/>
+                </a:highlight>
+                <a:latin typeface="Cascadia Mono" panose="020B0609020000020004" pitchFamily="49" charset="0"/>
+              </a:rPr>
+              <a:t>dotButton_Click</a:t>
+            </a:r>
+            <a:r>
+              <a:rPr lang="en-GB" sz="1800" dirty="0">
+                <a:solidFill>
+                  <a:srgbClr val="0000FF"/>
+                </a:solidFill>
+                <a:highlight>
+                  <a:srgbClr val="FFFF00"/>
+                </a:highlight>
+                <a:latin typeface="Cascadia Mono" panose="020B0609020000020004" pitchFamily="49" charset="0"/>
+              </a:rPr>
+              <a:t>"</a:t>
+            </a:r>
+            <a:r>
+              <a:rPr lang="en-GB" sz="1800" dirty="0">
+                <a:solidFill>
+                  <a:srgbClr val="0000FF"/>
+                </a:solidFill>
+                <a:highlight>
+                  <a:srgbClr val="FFFFFF"/>
+                </a:highlight>
+                <a:latin typeface="Cascadia Mono" panose="020B0609020000020004" pitchFamily="49" charset="0"/>
+              </a:rPr>
+              <a:t>/&gt;</a:t>
+            </a:r>
+            <a:endParaRPr lang="en-GB" dirty="0"/>
+          </a:p>
+        </p:txBody>
+      </p:sp>
     </p:spTree>
     <p:extLst>
       <p:ext uri="{BB962C8B-B14F-4D97-AF65-F5344CB8AC3E}">
@@ -19417,625 +24306,6 @@
 </file>
 
 <file path=ppt/slides/slide37.xml><?xml version="1.0" encoding="utf-8"?>
-<p:sld xmlns:a="http://schemas.openxmlformats.org/drawingml/2006/main" xmlns:r="http://schemas.openxmlformats.org/officeDocument/2006/relationships" xmlns:p="http://schemas.openxmlformats.org/presentationml/2006/main">
-  <p:cSld>
-    <p:spTree>
-      <p:nvGrpSpPr>
-        <p:cNvPr id="1" name="">
-          <a:extLst>
-            <a:ext uri="{FF2B5EF4-FFF2-40B4-BE49-F238E27FC236}">
-              <a16:creationId xmlns:a16="http://schemas.microsoft.com/office/drawing/2014/main" id="{CE57F114-9E75-6B96-A6E8-8A05DA4AF8E5}"/>
-            </a:ext>
-          </a:extLst>
-        </p:cNvPr>
-        <p:cNvGrpSpPr/>
-        <p:nvPr/>
-      </p:nvGrpSpPr>
-      <p:grpSpPr>
-        <a:xfrm>
-          <a:off x="0" y="0"/>
-          <a:ext cx="0" cy="0"/>
-          <a:chOff x="0" y="0"/>
-          <a:chExt cx="0" cy="0"/>
-        </a:xfrm>
-      </p:grpSpPr>
-      <p:sp>
-        <p:nvSpPr>
-          <p:cNvPr id="4" name="TextBox 3">
-            <a:extLst>
-              <a:ext uri="{FF2B5EF4-FFF2-40B4-BE49-F238E27FC236}">
-                <a16:creationId xmlns:a16="http://schemas.microsoft.com/office/drawing/2014/main" id="{0EA88745-7B3F-6EE0-C6AB-D502E9B6AAB6}"/>
-              </a:ext>
-            </a:extLst>
-          </p:cNvPr>
-          <p:cNvSpPr txBox="1"/>
-          <p:nvPr/>
-        </p:nvSpPr>
-        <p:spPr>
-          <a:xfrm>
-            <a:off x="171162" y="141402"/>
-            <a:ext cx="7596526" cy="923330"/>
-          </a:xfrm>
-          <a:prstGeom prst="rect">
-            <a:avLst/>
-          </a:prstGeom>
-          <a:noFill/>
-        </p:spPr>
-        <p:txBody>
-          <a:bodyPr wrap="square" rtlCol="0">
-            <a:spAutoFit/>
-          </a:bodyPr>
-          <a:lstStyle/>
-          <a:p>
-            <a:r>
-              <a:rPr lang="en-GB" dirty="0"/>
-              <a:t>Create a new Event handler directly from C#</a:t>
-            </a:r>
-          </a:p>
-          <a:p>
-            <a:endParaRPr lang="en-GB" dirty="0"/>
-          </a:p>
-          <a:p>
-            <a:r>
-              <a:rPr lang="en-GB" dirty="0"/>
-              <a:t> </a:t>
-            </a:r>
-          </a:p>
-        </p:txBody>
-      </p:sp>
-      <p:pic>
-        <p:nvPicPr>
-          <p:cNvPr id="7" name="Picture 6">
-            <a:extLst>
-              <a:ext uri="{FF2B5EF4-FFF2-40B4-BE49-F238E27FC236}">
-                <a16:creationId xmlns:a16="http://schemas.microsoft.com/office/drawing/2014/main" id="{7AE0A1AF-5A1B-EEDC-73EF-AB545B3A2AA8}"/>
-              </a:ext>
-            </a:extLst>
-          </p:cNvPr>
-          <p:cNvPicPr>
-            <a:picLocks noChangeAspect="1"/>
-          </p:cNvPicPr>
-          <p:nvPr/>
-        </p:nvPicPr>
-        <p:blipFill>
-          <a:blip r:embed="rId2"/>
-          <a:stretch>
-            <a:fillRect/>
-          </a:stretch>
-        </p:blipFill>
-        <p:spPr>
-          <a:xfrm>
-            <a:off x="337830" y="703232"/>
-            <a:ext cx="5106113" cy="2076740"/>
-          </a:xfrm>
-          <a:prstGeom prst="rect">
-            <a:avLst/>
-          </a:prstGeom>
-        </p:spPr>
-      </p:pic>
-      <p:pic>
-        <p:nvPicPr>
-          <p:cNvPr id="9" name="Picture 8">
-            <a:extLst>
-              <a:ext uri="{FF2B5EF4-FFF2-40B4-BE49-F238E27FC236}">
-                <a16:creationId xmlns:a16="http://schemas.microsoft.com/office/drawing/2014/main" id="{5D824739-E760-71AA-79EC-F8A762256937}"/>
-              </a:ext>
-            </a:extLst>
-          </p:cNvPr>
-          <p:cNvPicPr>
-            <a:picLocks noChangeAspect="1"/>
-          </p:cNvPicPr>
-          <p:nvPr/>
-        </p:nvPicPr>
-        <p:blipFill>
-          <a:blip r:embed="rId3"/>
-          <a:stretch>
-            <a:fillRect/>
-          </a:stretch>
-        </p:blipFill>
-        <p:spPr>
-          <a:xfrm>
-            <a:off x="1395252" y="3265759"/>
-            <a:ext cx="2991267" cy="571580"/>
-          </a:xfrm>
-          <a:prstGeom prst="rect">
-            <a:avLst/>
-          </a:prstGeom>
-        </p:spPr>
-      </p:pic>
-      <p:sp>
-        <p:nvSpPr>
-          <p:cNvPr id="11" name="TextBox 10">
-            <a:extLst>
-              <a:ext uri="{FF2B5EF4-FFF2-40B4-BE49-F238E27FC236}">
-                <a16:creationId xmlns:a16="http://schemas.microsoft.com/office/drawing/2014/main" id="{DDBE15A3-87D5-BABE-1D12-14FB4D67C33A}"/>
-              </a:ext>
-            </a:extLst>
-          </p:cNvPr>
-          <p:cNvSpPr txBox="1"/>
-          <p:nvPr/>
-        </p:nvSpPr>
-        <p:spPr>
-          <a:xfrm>
-            <a:off x="4904296" y="2860937"/>
-            <a:ext cx="6094428" cy="3139321"/>
-          </a:xfrm>
-          <a:prstGeom prst="rect">
-            <a:avLst/>
-          </a:prstGeom>
-          <a:noFill/>
-        </p:spPr>
-        <p:txBody>
-          <a:bodyPr wrap="square">
-            <a:spAutoFit/>
-          </a:bodyPr>
-          <a:lstStyle/>
-          <a:p>
-            <a:r>
-              <a:rPr lang="en-GB" sz="1800" dirty="0">
-                <a:solidFill>
-                  <a:srgbClr val="000000"/>
-                </a:solidFill>
-                <a:highlight>
-                  <a:srgbClr val="FFFFFF"/>
-                </a:highlight>
-                <a:latin typeface="Cascadia Mono" panose="020B0609020000020004" pitchFamily="49" charset="0"/>
-              </a:rPr>
-              <a:t> </a:t>
-            </a:r>
-            <a:r>
-              <a:rPr lang="en-GB" sz="1800" dirty="0">
-                <a:solidFill>
-                  <a:srgbClr val="0000FF"/>
-                </a:solidFill>
-                <a:highlight>
-                  <a:srgbClr val="FFFFFF"/>
-                </a:highlight>
-                <a:latin typeface="Cascadia Mono" panose="020B0609020000020004" pitchFamily="49" charset="0"/>
-              </a:rPr>
-              <a:t>public</a:t>
-            </a:r>
-            <a:r>
-              <a:rPr lang="en-GB" sz="1800" dirty="0">
-                <a:solidFill>
-                  <a:srgbClr val="000000"/>
-                </a:solidFill>
-                <a:highlight>
-                  <a:srgbClr val="FFFFFF"/>
-                </a:highlight>
-                <a:latin typeface="Cascadia Mono" panose="020B0609020000020004" pitchFamily="49" charset="0"/>
-              </a:rPr>
-              <a:t> </a:t>
-            </a:r>
-            <a:r>
-              <a:rPr lang="en-GB" sz="1800" dirty="0" err="1">
-                <a:solidFill>
-                  <a:srgbClr val="2B91AF"/>
-                </a:solidFill>
-                <a:highlight>
-                  <a:srgbClr val="FFFFFF"/>
-                </a:highlight>
-                <a:latin typeface="Cascadia Mono" panose="020B0609020000020004" pitchFamily="49" charset="0"/>
-              </a:rPr>
-              <a:t>MainWindow</a:t>
-            </a:r>
-            <a:r>
-              <a:rPr lang="en-GB" sz="1800" dirty="0">
-                <a:solidFill>
-                  <a:srgbClr val="000000"/>
-                </a:solidFill>
-                <a:highlight>
-                  <a:srgbClr val="FFFFFF"/>
-                </a:highlight>
-                <a:latin typeface="Cascadia Mono" panose="020B0609020000020004" pitchFamily="49" charset="0"/>
-              </a:rPr>
-              <a:t>()</a:t>
-            </a:r>
-          </a:p>
-          <a:p>
-            <a:r>
-              <a:rPr lang="en-GB" sz="1800" dirty="0">
-                <a:solidFill>
-                  <a:srgbClr val="000000"/>
-                </a:solidFill>
-                <a:highlight>
-                  <a:srgbClr val="FFFFFF"/>
-                </a:highlight>
-                <a:latin typeface="Cascadia Mono" panose="020B0609020000020004" pitchFamily="49" charset="0"/>
-              </a:rPr>
-              <a:t> {</a:t>
-            </a:r>
-          </a:p>
-          <a:p>
-            <a:r>
-              <a:rPr lang="en-GB" sz="1800" dirty="0">
-                <a:solidFill>
-                  <a:srgbClr val="000000"/>
-                </a:solidFill>
-                <a:highlight>
-                  <a:srgbClr val="FFFFFF"/>
-                </a:highlight>
-                <a:latin typeface="Cascadia Mono" panose="020B0609020000020004" pitchFamily="49" charset="0"/>
-              </a:rPr>
-              <a:t>     </a:t>
-            </a:r>
-            <a:r>
-              <a:rPr lang="en-GB" sz="1800" dirty="0" err="1">
-                <a:solidFill>
-                  <a:srgbClr val="000000"/>
-                </a:solidFill>
-                <a:highlight>
-                  <a:srgbClr val="FFFFFF"/>
-                </a:highlight>
-                <a:latin typeface="Cascadia Mono" panose="020B0609020000020004" pitchFamily="49" charset="0"/>
-              </a:rPr>
-              <a:t>InitializeComponent</a:t>
-            </a:r>
-            <a:r>
-              <a:rPr lang="en-GB" sz="1800" dirty="0">
-                <a:solidFill>
-                  <a:srgbClr val="000000"/>
-                </a:solidFill>
-                <a:highlight>
-                  <a:srgbClr val="FFFFFF"/>
-                </a:highlight>
-                <a:latin typeface="Cascadia Mono" panose="020B0609020000020004" pitchFamily="49" charset="0"/>
-              </a:rPr>
-              <a:t>();</a:t>
-            </a:r>
-          </a:p>
-          <a:p>
-            <a:r>
-              <a:rPr lang="en-GB" sz="1800" dirty="0">
-                <a:solidFill>
-                  <a:srgbClr val="000000"/>
-                </a:solidFill>
-                <a:highlight>
-                  <a:srgbClr val="FFFFFF"/>
-                </a:highlight>
-                <a:latin typeface="Cascadia Mono" panose="020B0609020000020004" pitchFamily="49" charset="0"/>
-              </a:rPr>
-              <a:t>     </a:t>
-            </a:r>
-            <a:r>
-              <a:rPr lang="en-GB" sz="1800" dirty="0" err="1">
-                <a:solidFill>
-                  <a:srgbClr val="000000"/>
-                </a:solidFill>
-                <a:highlight>
-                  <a:srgbClr val="FFFFFF"/>
-                </a:highlight>
-                <a:latin typeface="Cascadia Mono" panose="020B0609020000020004" pitchFamily="49" charset="0"/>
-              </a:rPr>
-              <a:t>acButton.Click</a:t>
-            </a:r>
-            <a:r>
-              <a:rPr lang="en-GB" sz="1800" dirty="0">
-                <a:solidFill>
-                  <a:srgbClr val="000000"/>
-                </a:solidFill>
-                <a:highlight>
-                  <a:srgbClr val="FFFFFF"/>
-                </a:highlight>
-                <a:latin typeface="Cascadia Mono" panose="020B0609020000020004" pitchFamily="49" charset="0"/>
-              </a:rPr>
-              <a:t> += </a:t>
-            </a:r>
-            <a:r>
-              <a:rPr lang="en-GB" sz="1800" dirty="0" err="1">
-                <a:solidFill>
-                  <a:srgbClr val="000000"/>
-                </a:solidFill>
-                <a:highlight>
-                  <a:srgbClr val="FFFFFF"/>
-                </a:highlight>
-                <a:latin typeface="Cascadia Mono" panose="020B0609020000020004" pitchFamily="49" charset="0"/>
-              </a:rPr>
-              <a:t>AcButton_Click</a:t>
-            </a:r>
-            <a:r>
-              <a:rPr lang="en-GB" sz="1800" dirty="0">
-                <a:solidFill>
-                  <a:srgbClr val="000000"/>
-                </a:solidFill>
-                <a:highlight>
-                  <a:srgbClr val="FFFFFF"/>
-                </a:highlight>
-                <a:latin typeface="Cascadia Mono" panose="020B0609020000020004" pitchFamily="49" charset="0"/>
-              </a:rPr>
-              <a:t>;</a:t>
-            </a:r>
-          </a:p>
-          <a:p>
-            <a:r>
-              <a:rPr lang="en-GB" sz="1800" dirty="0">
-                <a:solidFill>
-                  <a:srgbClr val="000000"/>
-                </a:solidFill>
-                <a:highlight>
-                  <a:srgbClr val="FFFFFF"/>
-                </a:highlight>
-                <a:latin typeface="Cascadia Mono" panose="020B0609020000020004" pitchFamily="49" charset="0"/>
-              </a:rPr>
-              <a:t> }</a:t>
-            </a:r>
-          </a:p>
-          <a:p>
-            <a:endParaRPr lang="en-GB" sz="1800" dirty="0">
-              <a:solidFill>
-                <a:srgbClr val="000000"/>
-              </a:solidFill>
-              <a:highlight>
-                <a:srgbClr val="FFFFFF"/>
-              </a:highlight>
-              <a:latin typeface="Cascadia Mono" panose="020B0609020000020004" pitchFamily="49" charset="0"/>
-            </a:endParaRPr>
-          </a:p>
-          <a:p>
-            <a:r>
-              <a:rPr lang="en-GB" sz="1800" dirty="0">
-                <a:solidFill>
-                  <a:srgbClr val="000000"/>
-                </a:solidFill>
-                <a:highlight>
-                  <a:srgbClr val="FFFFFF"/>
-                </a:highlight>
-                <a:latin typeface="Cascadia Mono" panose="020B0609020000020004" pitchFamily="49" charset="0"/>
-              </a:rPr>
-              <a:t> </a:t>
-            </a:r>
-            <a:r>
-              <a:rPr lang="en-GB" sz="1800" dirty="0">
-                <a:solidFill>
-                  <a:srgbClr val="0000FF"/>
-                </a:solidFill>
-                <a:highlight>
-                  <a:srgbClr val="FFFFFF"/>
-                </a:highlight>
-                <a:latin typeface="Cascadia Mono" panose="020B0609020000020004" pitchFamily="49" charset="0"/>
-              </a:rPr>
-              <a:t>private</a:t>
-            </a:r>
-            <a:r>
-              <a:rPr lang="en-GB" sz="1800" dirty="0">
-                <a:solidFill>
-                  <a:srgbClr val="000000"/>
-                </a:solidFill>
-                <a:highlight>
-                  <a:srgbClr val="FFFFFF"/>
-                </a:highlight>
-                <a:latin typeface="Cascadia Mono" panose="020B0609020000020004" pitchFamily="49" charset="0"/>
-              </a:rPr>
-              <a:t> </a:t>
-            </a:r>
-            <a:r>
-              <a:rPr lang="en-GB" sz="1800" dirty="0">
-                <a:solidFill>
-                  <a:srgbClr val="0000FF"/>
-                </a:solidFill>
-                <a:highlight>
-                  <a:srgbClr val="FFFFFF"/>
-                </a:highlight>
-                <a:latin typeface="Cascadia Mono" panose="020B0609020000020004" pitchFamily="49" charset="0"/>
-              </a:rPr>
-              <a:t>void</a:t>
-            </a:r>
-            <a:r>
-              <a:rPr lang="en-GB" sz="1800" dirty="0">
-                <a:solidFill>
-                  <a:srgbClr val="000000"/>
-                </a:solidFill>
-                <a:highlight>
-                  <a:srgbClr val="FFFFFF"/>
-                </a:highlight>
-                <a:latin typeface="Cascadia Mono" panose="020B0609020000020004" pitchFamily="49" charset="0"/>
-              </a:rPr>
-              <a:t> </a:t>
-            </a:r>
-            <a:r>
-              <a:rPr lang="en-GB" sz="1800" dirty="0" err="1">
-                <a:solidFill>
-                  <a:srgbClr val="000000"/>
-                </a:solidFill>
-                <a:highlight>
-                  <a:srgbClr val="FFFFFF"/>
-                </a:highlight>
-                <a:latin typeface="Cascadia Mono" panose="020B0609020000020004" pitchFamily="49" charset="0"/>
-              </a:rPr>
-              <a:t>AcButton_Click</a:t>
-            </a:r>
-            <a:r>
-              <a:rPr lang="en-GB" sz="1800" dirty="0">
-                <a:solidFill>
-                  <a:srgbClr val="000000"/>
-                </a:solidFill>
-                <a:highlight>
-                  <a:srgbClr val="FFFFFF"/>
-                </a:highlight>
-                <a:latin typeface="Cascadia Mono" panose="020B0609020000020004" pitchFamily="49" charset="0"/>
-              </a:rPr>
-              <a:t>(</a:t>
-            </a:r>
-            <a:r>
-              <a:rPr lang="en-GB" sz="1800" dirty="0">
-                <a:solidFill>
-                  <a:srgbClr val="0000FF"/>
-                </a:solidFill>
-                <a:highlight>
-                  <a:srgbClr val="FFFFFF"/>
-                </a:highlight>
-                <a:latin typeface="Cascadia Mono" panose="020B0609020000020004" pitchFamily="49" charset="0"/>
-              </a:rPr>
-              <a:t>object</a:t>
-            </a:r>
-            <a:r>
-              <a:rPr lang="en-GB" sz="1800" dirty="0">
-                <a:solidFill>
-                  <a:srgbClr val="000000"/>
-                </a:solidFill>
-                <a:highlight>
-                  <a:srgbClr val="FFFFFF"/>
-                </a:highlight>
-                <a:latin typeface="Cascadia Mono" panose="020B0609020000020004" pitchFamily="49" charset="0"/>
-              </a:rPr>
-              <a:t> sender, </a:t>
-            </a:r>
-            <a:r>
-              <a:rPr lang="en-GB" sz="1800" dirty="0" err="1">
-                <a:solidFill>
-                  <a:srgbClr val="2B91AF"/>
-                </a:solidFill>
-                <a:highlight>
-                  <a:srgbClr val="FFFFFF"/>
-                </a:highlight>
-                <a:latin typeface="Cascadia Mono" panose="020B0609020000020004" pitchFamily="49" charset="0"/>
-              </a:rPr>
-              <a:t>RoutedEventArgs</a:t>
-            </a:r>
-            <a:r>
-              <a:rPr lang="en-GB" sz="1800" dirty="0">
-                <a:solidFill>
-                  <a:srgbClr val="000000"/>
-                </a:solidFill>
-                <a:highlight>
-                  <a:srgbClr val="FFFFFF"/>
-                </a:highlight>
-                <a:latin typeface="Cascadia Mono" panose="020B0609020000020004" pitchFamily="49" charset="0"/>
-              </a:rPr>
-              <a:t> e)</a:t>
-            </a:r>
-          </a:p>
-          <a:p>
-            <a:r>
-              <a:rPr lang="en-GB" sz="1800" dirty="0">
-                <a:solidFill>
-                  <a:srgbClr val="000000"/>
-                </a:solidFill>
-                <a:highlight>
-                  <a:srgbClr val="FFFFFF"/>
-                </a:highlight>
-                <a:latin typeface="Cascadia Mono" panose="020B0609020000020004" pitchFamily="49" charset="0"/>
-              </a:rPr>
-              <a:t> {</a:t>
-            </a:r>
-          </a:p>
-          <a:p>
-            <a:r>
-              <a:rPr lang="en-GB" sz="1800" dirty="0">
-                <a:solidFill>
-                  <a:srgbClr val="000000"/>
-                </a:solidFill>
-                <a:highlight>
-                  <a:srgbClr val="FFFFFF"/>
-                </a:highlight>
-                <a:latin typeface="Cascadia Mono" panose="020B0609020000020004" pitchFamily="49" charset="0"/>
-              </a:rPr>
-              <a:t>     </a:t>
-            </a:r>
-            <a:r>
-              <a:rPr lang="en-GB" sz="1800" dirty="0">
-                <a:solidFill>
-                  <a:srgbClr val="0000FF"/>
-                </a:solidFill>
-                <a:highlight>
-                  <a:srgbClr val="FFFFFF"/>
-                </a:highlight>
-                <a:latin typeface="Cascadia Mono" panose="020B0609020000020004" pitchFamily="49" charset="0"/>
-              </a:rPr>
-              <a:t>throw</a:t>
-            </a:r>
-            <a:r>
-              <a:rPr lang="en-GB" sz="1800" dirty="0">
-                <a:solidFill>
-                  <a:srgbClr val="000000"/>
-                </a:solidFill>
-                <a:highlight>
-                  <a:srgbClr val="FFFFFF"/>
-                </a:highlight>
-                <a:latin typeface="Cascadia Mono" panose="020B0609020000020004" pitchFamily="49" charset="0"/>
-              </a:rPr>
-              <a:t> </a:t>
-            </a:r>
-            <a:r>
-              <a:rPr lang="en-GB" sz="1800" dirty="0">
-                <a:solidFill>
-                  <a:srgbClr val="0000FF"/>
-                </a:solidFill>
-                <a:highlight>
-                  <a:srgbClr val="FFFFFF"/>
-                </a:highlight>
-                <a:latin typeface="Cascadia Mono" panose="020B0609020000020004" pitchFamily="49" charset="0"/>
-              </a:rPr>
-              <a:t>new</a:t>
-            </a:r>
-            <a:r>
-              <a:rPr lang="en-GB" sz="1800" dirty="0">
-                <a:solidFill>
-                  <a:srgbClr val="000000"/>
-                </a:solidFill>
-                <a:highlight>
-                  <a:srgbClr val="FFFFFF"/>
-                </a:highlight>
-                <a:latin typeface="Cascadia Mono" panose="020B0609020000020004" pitchFamily="49" charset="0"/>
-              </a:rPr>
-              <a:t> </a:t>
-            </a:r>
-            <a:r>
-              <a:rPr lang="en-GB" sz="1800" dirty="0" err="1">
-                <a:solidFill>
-                  <a:srgbClr val="2B91AF"/>
-                </a:solidFill>
-                <a:highlight>
-                  <a:srgbClr val="FFFFFF"/>
-                </a:highlight>
-                <a:latin typeface="Cascadia Mono" panose="020B0609020000020004" pitchFamily="49" charset="0"/>
-              </a:rPr>
-              <a:t>NotImplementedException</a:t>
-            </a:r>
-            <a:r>
-              <a:rPr lang="en-GB" sz="1800" dirty="0">
-                <a:solidFill>
-                  <a:srgbClr val="000000"/>
-                </a:solidFill>
-                <a:highlight>
-                  <a:srgbClr val="FFFFFF"/>
-                </a:highlight>
-                <a:latin typeface="Cascadia Mono" panose="020B0609020000020004" pitchFamily="49" charset="0"/>
-              </a:rPr>
-              <a:t>();</a:t>
-            </a:r>
-          </a:p>
-          <a:p>
-            <a:r>
-              <a:rPr lang="en-GB" sz="1800" dirty="0">
-                <a:solidFill>
-                  <a:srgbClr val="000000"/>
-                </a:solidFill>
-                <a:highlight>
-                  <a:srgbClr val="FFFFFF"/>
-                </a:highlight>
-                <a:latin typeface="Cascadia Mono" panose="020B0609020000020004" pitchFamily="49" charset="0"/>
-              </a:rPr>
-              <a:t> }</a:t>
-            </a:r>
-            <a:endParaRPr lang="en-GB" dirty="0"/>
-          </a:p>
-        </p:txBody>
-      </p:sp>
-    </p:spTree>
-    <p:extLst>
-      <p:ext uri="{BB962C8B-B14F-4D97-AF65-F5344CB8AC3E}">
-        <p14:creationId xmlns:p14="http://schemas.microsoft.com/office/powerpoint/2010/main" val="314125477"/>
-      </p:ext>
-    </p:extLst>
-  </p:cSld>
-  <p:clrMapOvr>
-    <a:masterClrMapping/>
-  </p:clrMapOvr>
-</p:sld>
-</file>
-
-<file path=ppt/slides/slide38.xml><?xml version="1.0" encoding="utf-8"?>
 <p:sld xmlns:a="http://schemas.openxmlformats.org/drawingml/2006/main" xmlns:r="http://schemas.openxmlformats.org/officeDocument/2006/relationships" xmlns:p="http://schemas.openxmlformats.org/presentationml/2006/main">
   <p:cSld>
     <p:spTree>
@@ -20071,7 +24341,7 @@
 </p:sld>
 </file>
 
-<file path=ppt/slides/slide39.xml><?xml version="1.0" encoding="utf-8"?>
+<file path=ppt/slides/slide38.xml><?xml version="1.0" encoding="utf-8"?>
 <p:sld xmlns:a="http://schemas.openxmlformats.org/drawingml/2006/main" xmlns:r="http://schemas.openxmlformats.org/officeDocument/2006/relationships" xmlns:p="http://schemas.openxmlformats.org/presentationml/2006/main">
   <p:cSld>
     <p:spTree>
@@ -20098,6 +24368,42 @@
     <p:extLst>
       <p:ext uri="{BB962C8B-B14F-4D97-AF65-F5344CB8AC3E}">
         <p14:creationId xmlns:p14="http://schemas.microsoft.com/office/powerpoint/2010/main" val="328016373"/>
+      </p:ext>
+    </p:extLst>
+  </p:cSld>
+  <p:clrMapOvr>
+    <a:masterClrMapping/>
+  </p:clrMapOvr>
+</p:sld>
+</file>
+
+<file path=ppt/slides/slide39.xml><?xml version="1.0" encoding="utf-8"?>
+<p:sld xmlns:a="http://schemas.openxmlformats.org/drawingml/2006/main" xmlns:r="http://schemas.openxmlformats.org/officeDocument/2006/relationships" xmlns:p="http://schemas.openxmlformats.org/presentationml/2006/main">
+  <p:cSld>
+    <p:spTree>
+      <p:nvGrpSpPr>
+        <p:cNvPr id="1" name="">
+          <a:extLst>
+            <a:ext uri="{FF2B5EF4-FFF2-40B4-BE49-F238E27FC236}">
+              <a16:creationId xmlns:a16="http://schemas.microsoft.com/office/drawing/2014/main" id="{B770D970-272B-B66C-4729-92F787C44E6B}"/>
+            </a:ext>
+          </a:extLst>
+        </p:cNvPr>
+        <p:cNvGrpSpPr/>
+        <p:nvPr/>
+      </p:nvGrpSpPr>
+      <p:grpSpPr>
+        <a:xfrm>
+          <a:off x="0" y="0"/>
+          <a:ext cx="0" cy="0"/>
+          <a:chOff x="0" y="0"/>
+          <a:chExt cx="0" cy="0"/>
+        </a:xfrm>
+      </p:grpSpPr>
+    </p:spTree>
+    <p:extLst>
+      <p:ext uri="{BB962C8B-B14F-4D97-AF65-F5344CB8AC3E}">
+        <p14:creationId xmlns:p14="http://schemas.microsoft.com/office/powerpoint/2010/main" val="197497467"/>
       </p:ext>
     </p:extLst>
   </p:cSld>
@@ -22432,42 +26738,6 @@
         <p:cNvPr id="1" name="">
           <a:extLst>
             <a:ext uri="{FF2B5EF4-FFF2-40B4-BE49-F238E27FC236}">
-              <a16:creationId xmlns:a16="http://schemas.microsoft.com/office/drawing/2014/main" id="{B770D970-272B-B66C-4729-92F787C44E6B}"/>
-            </a:ext>
-          </a:extLst>
-        </p:cNvPr>
-        <p:cNvGrpSpPr/>
-        <p:nvPr/>
-      </p:nvGrpSpPr>
-      <p:grpSpPr>
-        <a:xfrm>
-          <a:off x="0" y="0"/>
-          <a:ext cx="0" cy="0"/>
-          <a:chOff x="0" y="0"/>
-          <a:chExt cx="0" cy="0"/>
-        </a:xfrm>
-      </p:grpSpPr>
-    </p:spTree>
-    <p:extLst>
-      <p:ext uri="{BB962C8B-B14F-4D97-AF65-F5344CB8AC3E}">
-        <p14:creationId xmlns:p14="http://schemas.microsoft.com/office/powerpoint/2010/main" val="197497467"/>
-      </p:ext>
-    </p:extLst>
-  </p:cSld>
-  <p:clrMapOvr>
-    <a:masterClrMapping/>
-  </p:clrMapOvr>
-</p:sld>
-</file>
-
-<file path=ppt/slides/slide41.xml><?xml version="1.0" encoding="utf-8"?>
-<p:sld xmlns:a="http://schemas.openxmlformats.org/drawingml/2006/main" xmlns:r="http://schemas.openxmlformats.org/officeDocument/2006/relationships" xmlns:p="http://schemas.openxmlformats.org/presentationml/2006/main">
-  <p:cSld>
-    <p:spTree>
-      <p:nvGrpSpPr>
-        <p:cNvPr id="1" name="">
-          <a:extLst>
-            <a:ext uri="{FF2B5EF4-FFF2-40B4-BE49-F238E27FC236}">
               <a16:creationId xmlns:a16="http://schemas.microsoft.com/office/drawing/2014/main" id="{AB8ED957-5D18-FB02-5485-3F0CB1C08DCE}"/>
             </a:ext>
           </a:extLst>
@@ -22496,7 +26766,7 @@
 </p:sld>
 </file>
 
-<file path=ppt/slides/slide42.xml><?xml version="1.0" encoding="utf-8"?>
+<file path=ppt/slides/slide41.xml><?xml version="1.0" encoding="utf-8"?>
 <p:sld xmlns:a="http://schemas.openxmlformats.org/drawingml/2006/main" xmlns:r="http://schemas.openxmlformats.org/officeDocument/2006/relationships" xmlns:p="http://schemas.openxmlformats.org/presentationml/2006/main">
   <p:cSld>
     <p:spTree>
@@ -22532,7 +26802,7 @@
 </p:sld>
 </file>
 
-<file path=ppt/slides/slide43.xml><?xml version="1.0" encoding="utf-8"?>
+<file path=ppt/slides/slide42.xml><?xml version="1.0" encoding="utf-8"?>
 <p:sld xmlns:a="http://schemas.openxmlformats.org/drawingml/2006/main" xmlns:r="http://schemas.openxmlformats.org/officeDocument/2006/relationships" xmlns:p="http://schemas.openxmlformats.org/presentationml/2006/main">
   <p:cSld>
     <p:spTree>
@@ -22568,7 +26838,7 @@
 </p:sld>
 </file>
 
-<file path=ppt/slides/slide44.xml><?xml version="1.0" encoding="utf-8"?>
+<file path=ppt/slides/slide43.xml><?xml version="1.0" encoding="utf-8"?>
 <p:sld xmlns:a="http://schemas.openxmlformats.org/drawingml/2006/main" xmlns:r="http://schemas.openxmlformats.org/officeDocument/2006/relationships" xmlns:p="http://schemas.openxmlformats.org/presentationml/2006/main">
   <p:cSld>
     <p:spTree>
@@ -22604,7 +26874,7 @@
 </p:sld>
 </file>
 
-<file path=ppt/slides/slide45.xml><?xml version="1.0" encoding="utf-8"?>
+<file path=ppt/slides/slide44.xml><?xml version="1.0" encoding="utf-8"?>
 <p:sld xmlns:a="http://schemas.openxmlformats.org/drawingml/2006/main" xmlns:r="http://schemas.openxmlformats.org/officeDocument/2006/relationships" xmlns:p="http://schemas.openxmlformats.org/presentationml/2006/main">
   <p:cSld>
     <p:spTree>
@@ -22640,7 +26910,7 @@
 </p:sld>
 </file>
 
-<file path=ppt/slides/slide46.xml><?xml version="1.0" encoding="utf-8"?>
+<file path=ppt/slides/slide45.xml><?xml version="1.0" encoding="utf-8"?>
 <p:sld xmlns:a="http://schemas.openxmlformats.org/drawingml/2006/main" xmlns:r="http://schemas.openxmlformats.org/officeDocument/2006/relationships" xmlns:p="http://schemas.openxmlformats.org/presentationml/2006/main">
   <p:cSld>
     <p:spTree>
@@ -22676,7 +26946,7 @@
 </p:sld>
 </file>
 
-<file path=ppt/slides/slide47.xml><?xml version="1.0" encoding="utf-8"?>
+<file path=ppt/slides/slide46.xml><?xml version="1.0" encoding="utf-8"?>
 <p:sld xmlns:a="http://schemas.openxmlformats.org/drawingml/2006/main" xmlns:r="http://schemas.openxmlformats.org/officeDocument/2006/relationships" xmlns:p="http://schemas.openxmlformats.org/presentationml/2006/main">
   <p:cSld>
     <p:spTree>
@@ -22712,7 +26982,7 @@
 </p:sld>
 </file>
 
-<file path=ppt/slides/slide48.xml><?xml version="1.0" encoding="utf-8"?>
+<file path=ppt/slides/slide47.xml><?xml version="1.0" encoding="utf-8"?>
 <p:sld xmlns:a="http://schemas.openxmlformats.org/drawingml/2006/main" xmlns:r="http://schemas.openxmlformats.org/officeDocument/2006/relationships" xmlns:p="http://schemas.openxmlformats.org/presentationml/2006/main">
   <p:cSld>
     <p:spTree>
@@ -22748,7 +27018,7 @@
 </p:sld>
 </file>
 
-<file path=ppt/slides/slide49.xml><?xml version="1.0" encoding="utf-8"?>
+<file path=ppt/slides/slide48.xml><?xml version="1.0" encoding="utf-8"?>
 <p:sld xmlns:a="http://schemas.openxmlformats.org/drawingml/2006/main" xmlns:r="http://schemas.openxmlformats.org/officeDocument/2006/relationships" xmlns:p="http://schemas.openxmlformats.org/presentationml/2006/main">
   <p:cSld>
     <p:spTree>
@@ -22775,6 +27045,42 @@
     <p:extLst>
       <p:ext uri="{BB962C8B-B14F-4D97-AF65-F5344CB8AC3E}">
         <p14:creationId xmlns:p14="http://schemas.microsoft.com/office/powerpoint/2010/main" val="2342932528"/>
+      </p:ext>
+    </p:extLst>
+  </p:cSld>
+  <p:clrMapOvr>
+    <a:masterClrMapping/>
+  </p:clrMapOvr>
+</p:sld>
+</file>
+
+<file path=ppt/slides/slide49.xml><?xml version="1.0" encoding="utf-8"?>
+<p:sld xmlns:a="http://schemas.openxmlformats.org/drawingml/2006/main" xmlns:r="http://schemas.openxmlformats.org/officeDocument/2006/relationships" xmlns:p="http://schemas.openxmlformats.org/presentationml/2006/main">
+  <p:cSld>
+    <p:spTree>
+      <p:nvGrpSpPr>
+        <p:cNvPr id="1" name="">
+          <a:extLst>
+            <a:ext uri="{FF2B5EF4-FFF2-40B4-BE49-F238E27FC236}">
+              <a16:creationId xmlns:a16="http://schemas.microsoft.com/office/drawing/2014/main" id="{B5B62064-2CD9-E448-215B-BEF19B9673BF}"/>
+            </a:ext>
+          </a:extLst>
+        </p:cNvPr>
+        <p:cNvGrpSpPr/>
+        <p:nvPr/>
+      </p:nvGrpSpPr>
+      <p:grpSpPr>
+        <a:xfrm>
+          <a:off x="0" y="0"/>
+          <a:ext cx="0" cy="0"/>
+          <a:chOff x="0" y="0"/>
+          <a:chExt cx="0" cy="0"/>
+        </a:xfrm>
+      </p:grpSpPr>
+    </p:spTree>
+    <p:extLst>
+      <p:ext uri="{BB962C8B-B14F-4D97-AF65-F5344CB8AC3E}">
+        <p14:creationId xmlns:p14="http://schemas.microsoft.com/office/powerpoint/2010/main" val="2427306173"/>
       </p:ext>
     </p:extLst>
   </p:cSld>
@@ -22896,7 +27202,7 @@
         <p:cNvPr id="1" name="">
           <a:extLst>
             <a:ext uri="{FF2B5EF4-FFF2-40B4-BE49-F238E27FC236}">
-              <a16:creationId xmlns:a16="http://schemas.microsoft.com/office/drawing/2014/main" id="{B5B62064-2CD9-E448-215B-BEF19B9673BF}"/>
+              <a16:creationId xmlns:a16="http://schemas.microsoft.com/office/drawing/2014/main" id="{6DF8603D-EB4D-48FD-090D-348C5A59D755}"/>
             </a:ext>
           </a:extLst>
         </p:cNvPr>
@@ -22914,7 +27220,7 @@
     </p:spTree>
     <p:extLst>
       <p:ext uri="{BB962C8B-B14F-4D97-AF65-F5344CB8AC3E}">
-        <p14:creationId xmlns:p14="http://schemas.microsoft.com/office/powerpoint/2010/main" val="2427306173"/>
+        <p14:creationId xmlns:p14="http://schemas.microsoft.com/office/powerpoint/2010/main" val="1563950082"/>
       </p:ext>
     </p:extLst>
   </p:cSld>
@@ -22932,7 +27238,7 @@
         <p:cNvPr id="1" name="">
           <a:extLst>
             <a:ext uri="{FF2B5EF4-FFF2-40B4-BE49-F238E27FC236}">
-              <a16:creationId xmlns:a16="http://schemas.microsoft.com/office/drawing/2014/main" id="{2178818A-B099-81CB-4B08-11C890CA43FC}"/>
+              <a16:creationId xmlns:a16="http://schemas.microsoft.com/office/drawing/2014/main" id="{9563FF1B-3834-27C6-5FED-E9C83155A6C8}"/>
             </a:ext>
           </a:extLst>
         </p:cNvPr>
@@ -22950,7 +27256,295 @@
     </p:spTree>
     <p:extLst>
       <p:ext uri="{BB962C8B-B14F-4D97-AF65-F5344CB8AC3E}">
-        <p14:creationId xmlns:p14="http://schemas.microsoft.com/office/powerpoint/2010/main" val="2657083058"/>
+        <p14:creationId xmlns:p14="http://schemas.microsoft.com/office/powerpoint/2010/main" val="3836482188"/>
+      </p:ext>
+    </p:extLst>
+  </p:cSld>
+  <p:clrMapOvr>
+    <a:masterClrMapping/>
+  </p:clrMapOvr>
+</p:sld>
+</file>
+
+<file path=ppt/slides/slide52.xml><?xml version="1.0" encoding="utf-8"?>
+<p:sld xmlns:a="http://schemas.openxmlformats.org/drawingml/2006/main" xmlns:r="http://schemas.openxmlformats.org/officeDocument/2006/relationships" xmlns:p="http://schemas.openxmlformats.org/presentationml/2006/main">
+  <p:cSld>
+    <p:spTree>
+      <p:nvGrpSpPr>
+        <p:cNvPr id="1" name="">
+          <a:extLst>
+            <a:ext uri="{FF2B5EF4-FFF2-40B4-BE49-F238E27FC236}">
+              <a16:creationId xmlns:a16="http://schemas.microsoft.com/office/drawing/2014/main" id="{05FA19BA-82BE-C3F1-AE70-09CB67050F79}"/>
+            </a:ext>
+          </a:extLst>
+        </p:cNvPr>
+        <p:cNvGrpSpPr/>
+        <p:nvPr/>
+      </p:nvGrpSpPr>
+      <p:grpSpPr>
+        <a:xfrm>
+          <a:off x="0" y="0"/>
+          <a:ext cx="0" cy="0"/>
+          <a:chOff x="0" y="0"/>
+          <a:chExt cx="0" cy="0"/>
+        </a:xfrm>
+      </p:grpSpPr>
+    </p:spTree>
+    <p:extLst>
+      <p:ext uri="{BB962C8B-B14F-4D97-AF65-F5344CB8AC3E}">
+        <p14:creationId xmlns:p14="http://schemas.microsoft.com/office/powerpoint/2010/main" val="2913444913"/>
+      </p:ext>
+    </p:extLst>
+  </p:cSld>
+  <p:clrMapOvr>
+    <a:masterClrMapping/>
+  </p:clrMapOvr>
+</p:sld>
+</file>
+
+<file path=ppt/slides/slide53.xml><?xml version="1.0" encoding="utf-8"?>
+<p:sld xmlns:a="http://schemas.openxmlformats.org/drawingml/2006/main" xmlns:r="http://schemas.openxmlformats.org/officeDocument/2006/relationships" xmlns:p="http://schemas.openxmlformats.org/presentationml/2006/main">
+  <p:cSld>
+    <p:spTree>
+      <p:nvGrpSpPr>
+        <p:cNvPr id="1" name="">
+          <a:extLst>
+            <a:ext uri="{FF2B5EF4-FFF2-40B4-BE49-F238E27FC236}">
+              <a16:creationId xmlns:a16="http://schemas.microsoft.com/office/drawing/2014/main" id="{B5693AAA-B870-F84A-6E2D-59DE66DAF8A2}"/>
+            </a:ext>
+          </a:extLst>
+        </p:cNvPr>
+        <p:cNvGrpSpPr/>
+        <p:nvPr/>
+      </p:nvGrpSpPr>
+      <p:grpSpPr>
+        <a:xfrm>
+          <a:off x="0" y="0"/>
+          <a:ext cx="0" cy="0"/>
+          <a:chOff x="0" y="0"/>
+          <a:chExt cx="0" cy="0"/>
+        </a:xfrm>
+      </p:grpSpPr>
+    </p:spTree>
+    <p:extLst>
+      <p:ext uri="{BB962C8B-B14F-4D97-AF65-F5344CB8AC3E}">
+        <p14:creationId xmlns:p14="http://schemas.microsoft.com/office/powerpoint/2010/main" val="1608036721"/>
+      </p:ext>
+    </p:extLst>
+  </p:cSld>
+  <p:clrMapOvr>
+    <a:masterClrMapping/>
+  </p:clrMapOvr>
+</p:sld>
+</file>
+
+<file path=ppt/slides/slide54.xml><?xml version="1.0" encoding="utf-8"?>
+<p:sld xmlns:a="http://schemas.openxmlformats.org/drawingml/2006/main" xmlns:r="http://schemas.openxmlformats.org/officeDocument/2006/relationships" xmlns:p="http://schemas.openxmlformats.org/presentationml/2006/main">
+  <p:cSld>
+    <p:spTree>
+      <p:nvGrpSpPr>
+        <p:cNvPr id="1" name="">
+          <a:extLst>
+            <a:ext uri="{FF2B5EF4-FFF2-40B4-BE49-F238E27FC236}">
+              <a16:creationId xmlns:a16="http://schemas.microsoft.com/office/drawing/2014/main" id="{21C8B8B4-08C5-1E0A-3E80-EB08F804E690}"/>
+            </a:ext>
+          </a:extLst>
+        </p:cNvPr>
+        <p:cNvGrpSpPr/>
+        <p:nvPr/>
+      </p:nvGrpSpPr>
+      <p:grpSpPr>
+        <a:xfrm>
+          <a:off x="0" y="0"/>
+          <a:ext cx="0" cy="0"/>
+          <a:chOff x="0" y="0"/>
+          <a:chExt cx="0" cy="0"/>
+        </a:xfrm>
+      </p:grpSpPr>
+    </p:spTree>
+    <p:extLst>
+      <p:ext uri="{BB962C8B-B14F-4D97-AF65-F5344CB8AC3E}">
+        <p14:creationId xmlns:p14="http://schemas.microsoft.com/office/powerpoint/2010/main" val="1523588834"/>
+      </p:ext>
+    </p:extLst>
+  </p:cSld>
+  <p:clrMapOvr>
+    <a:masterClrMapping/>
+  </p:clrMapOvr>
+</p:sld>
+</file>
+
+<file path=ppt/slides/slide55.xml><?xml version="1.0" encoding="utf-8"?>
+<p:sld xmlns:a="http://schemas.openxmlformats.org/drawingml/2006/main" xmlns:r="http://schemas.openxmlformats.org/officeDocument/2006/relationships" xmlns:p="http://schemas.openxmlformats.org/presentationml/2006/main">
+  <p:cSld>
+    <p:spTree>
+      <p:nvGrpSpPr>
+        <p:cNvPr id="1" name="">
+          <a:extLst>
+            <a:ext uri="{FF2B5EF4-FFF2-40B4-BE49-F238E27FC236}">
+              <a16:creationId xmlns:a16="http://schemas.microsoft.com/office/drawing/2014/main" id="{85813804-667F-1F8C-7372-238B7A8F280B}"/>
+            </a:ext>
+          </a:extLst>
+        </p:cNvPr>
+        <p:cNvGrpSpPr/>
+        <p:nvPr/>
+      </p:nvGrpSpPr>
+      <p:grpSpPr>
+        <a:xfrm>
+          <a:off x="0" y="0"/>
+          <a:ext cx="0" cy="0"/>
+          <a:chOff x="0" y="0"/>
+          <a:chExt cx="0" cy="0"/>
+        </a:xfrm>
+      </p:grpSpPr>
+    </p:spTree>
+    <p:extLst>
+      <p:ext uri="{BB962C8B-B14F-4D97-AF65-F5344CB8AC3E}">
+        <p14:creationId xmlns:p14="http://schemas.microsoft.com/office/powerpoint/2010/main" val="3489298507"/>
+      </p:ext>
+    </p:extLst>
+  </p:cSld>
+  <p:clrMapOvr>
+    <a:masterClrMapping/>
+  </p:clrMapOvr>
+</p:sld>
+</file>
+
+<file path=ppt/slides/slide56.xml><?xml version="1.0" encoding="utf-8"?>
+<p:sld xmlns:a="http://schemas.openxmlformats.org/drawingml/2006/main" xmlns:r="http://schemas.openxmlformats.org/officeDocument/2006/relationships" xmlns:p="http://schemas.openxmlformats.org/presentationml/2006/main">
+  <p:cSld>
+    <p:spTree>
+      <p:nvGrpSpPr>
+        <p:cNvPr id="1" name="">
+          <a:extLst>
+            <a:ext uri="{FF2B5EF4-FFF2-40B4-BE49-F238E27FC236}">
+              <a16:creationId xmlns:a16="http://schemas.microsoft.com/office/drawing/2014/main" id="{77E994DB-0726-F725-7EBD-0EFEBD414D17}"/>
+            </a:ext>
+          </a:extLst>
+        </p:cNvPr>
+        <p:cNvGrpSpPr/>
+        <p:nvPr/>
+      </p:nvGrpSpPr>
+      <p:grpSpPr>
+        <a:xfrm>
+          <a:off x="0" y="0"/>
+          <a:ext cx="0" cy="0"/>
+          <a:chOff x="0" y="0"/>
+          <a:chExt cx="0" cy="0"/>
+        </a:xfrm>
+      </p:grpSpPr>
+    </p:spTree>
+    <p:extLst>
+      <p:ext uri="{BB962C8B-B14F-4D97-AF65-F5344CB8AC3E}">
+        <p14:creationId xmlns:p14="http://schemas.microsoft.com/office/powerpoint/2010/main" val="3294038917"/>
+      </p:ext>
+    </p:extLst>
+  </p:cSld>
+  <p:clrMapOvr>
+    <a:masterClrMapping/>
+  </p:clrMapOvr>
+</p:sld>
+</file>
+
+<file path=ppt/slides/slide57.xml><?xml version="1.0" encoding="utf-8"?>
+<p:sld xmlns:a="http://schemas.openxmlformats.org/drawingml/2006/main" xmlns:r="http://schemas.openxmlformats.org/officeDocument/2006/relationships" xmlns:p="http://schemas.openxmlformats.org/presentationml/2006/main">
+  <p:cSld>
+    <p:spTree>
+      <p:nvGrpSpPr>
+        <p:cNvPr id="1" name="">
+          <a:extLst>
+            <a:ext uri="{FF2B5EF4-FFF2-40B4-BE49-F238E27FC236}">
+              <a16:creationId xmlns:a16="http://schemas.microsoft.com/office/drawing/2014/main" id="{39780B5E-FC2D-4AC3-EC14-8FFEE68D76DF}"/>
+            </a:ext>
+          </a:extLst>
+        </p:cNvPr>
+        <p:cNvGrpSpPr/>
+        <p:nvPr/>
+      </p:nvGrpSpPr>
+      <p:grpSpPr>
+        <a:xfrm>
+          <a:off x="0" y="0"/>
+          <a:ext cx="0" cy="0"/>
+          <a:chOff x="0" y="0"/>
+          <a:chExt cx="0" cy="0"/>
+        </a:xfrm>
+      </p:grpSpPr>
+    </p:spTree>
+    <p:extLst>
+      <p:ext uri="{BB962C8B-B14F-4D97-AF65-F5344CB8AC3E}">
+        <p14:creationId xmlns:p14="http://schemas.microsoft.com/office/powerpoint/2010/main" val="1792257701"/>
+      </p:ext>
+    </p:extLst>
+  </p:cSld>
+  <p:clrMapOvr>
+    <a:masterClrMapping/>
+  </p:clrMapOvr>
+</p:sld>
+</file>
+
+<file path=ppt/slides/slide58.xml><?xml version="1.0" encoding="utf-8"?>
+<p:sld xmlns:a="http://schemas.openxmlformats.org/drawingml/2006/main" xmlns:r="http://schemas.openxmlformats.org/officeDocument/2006/relationships" xmlns:p="http://schemas.openxmlformats.org/presentationml/2006/main">
+  <p:cSld>
+    <p:spTree>
+      <p:nvGrpSpPr>
+        <p:cNvPr id="1" name="">
+          <a:extLst>
+            <a:ext uri="{FF2B5EF4-FFF2-40B4-BE49-F238E27FC236}">
+              <a16:creationId xmlns:a16="http://schemas.microsoft.com/office/drawing/2014/main" id="{AB4D8EC5-5B6C-F7C6-7C2E-FB6E0552D824}"/>
+            </a:ext>
+          </a:extLst>
+        </p:cNvPr>
+        <p:cNvGrpSpPr/>
+        <p:nvPr/>
+      </p:nvGrpSpPr>
+      <p:grpSpPr>
+        <a:xfrm>
+          <a:off x="0" y="0"/>
+          <a:ext cx="0" cy="0"/>
+          <a:chOff x="0" y="0"/>
+          <a:chExt cx="0" cy="0"/>
+        </a:xfrm>
+      </p:grpSpPr>
+    </p:spTree>
+    <p:extLst>
+      <p:ext uri="{BB962C8B-B14F-4D97-AF65-F5344CB8AC3E}">
+        <p14:creationId xmlns:p14="http://schemas.microsoft.com/office/powerpoint/2010/main" val="741412790"/>
+      </p:ext>
+    </p:extLst>
+  </p:cSld>
+  <p:clrMapOvr>
+    <a:masterClrMapping/>
+  </p:clrMapOvr>
+</p:sld>
+</file>
+
+<file path=ppt/slides/slide59.xml><?xml version="1.0" encoding="utf-8"?>
+<p:sld xmlns:a="http://schemas.openxmlformats.org/drawingml/2006/main" xmlns:r="http://schemas.openxmlformats.org/officeDocument/2006/relationships" xmlns:p="http://schemas.openxmlformats.org/presentationml/2006/main">
+  <p:cSld>
+    <p:spTree>
+      <p:nvGrpSpPr>
+        <p:cNvPr id="1" name="">
+          <a:extLst>
+            <a:ext uri="{FF2B5EF4-FFF2-40B4-BE49-F238E27FC236}">
+              <a16:creationId xmlns:a16="http://schemas.microsoft.com/office/drawing/2014/main" id="{83509686-ABE6-B741-B294-0F71E7515B1E}"/>
+            </a:ext>
+          </a:extLst>
+        </p:cNvPr>
+        <p:cNvGrpSpPr/>
+        <p:nvPr/>
+      </p:nvGrpSpPr>
+      <p:grpSpPr>
+        <a:xfrm>
+          <a:off x="0" y="0"/>
+          <a:ext cx="0" cy="0"/>
+          <a:chOff x="0" y="0"/>
+          <a:chExt cx="0" cy="0"/>
+        </a:xfrm>
+      </p:grpSpPr>
+    </p:spTree>
+    <p:extLst>
+      <p:ext uri="{BB962C8B-B14F-4D97-AF65-F5344CB8AC3E}">
+        <p14:creationId xmlns:p14="http://schemas.microsoft.com/office/powerpoint/2010/main" val="1191397179"/>
       </p:ext>
     </p:extLst>
   </p:cSld>
@@ -24143,6 +28737,186 @@
     <p:extLst>
       <p:ext uri="{BB962C8B-B14F-4D97-AF65-F5344CB8AC3E}">
         <p14:creationId xmlns:p14="http://schemas.microsoft.com/office/powerpoint/2010/main" val="2732111323"/>
+      </p:ext>
+    </p:extLst>
+  </p:cSld>
+  <p:clrMapOvr>
+    <a:masterClrMapping/>
+  </p:clrMapOvr>
+</p:sld>
+</file>
+
+<file path=ppt/slides/slide60.xml><?xml version="1.0" encoding="utf-8"?>
+<p:sld xmlns:a="http://schemas.openxmlformats.org/drawingml/2006/main" xmlns:r="http://schemas.openxmlformats.org/officeDocument/2006/relationships" xmlns:p="http://schemas.openxmlformats.org/presentationml/2006/main">
+  <p:cSld>
+    <p:spTree>
+      <p:nvGrpSpPr>
+        <p:cNvPr id="1" name="">
+          <a:extLst>
+            <a:ext uri="{FF2B5EF4-FFF2-40B4-BE49-F238E27FC236}">
+              <a16:creationId xmlns:a16="http://schemas.microsoft.com/office/drawing/2014/main" id="{56CA16B2-F81F-188E-F855-428A419EB64A}"/>
+            </a:ext>
+          </a:extLst>
+        </p:cNvPr>
+        <p:cNvGrpSpPr/>
+        <p:nvPr/>
+      </p:nvGrpSpPr>
+      <p:grpSpPr>
+        <a:xfrm>
+          <a:off x="0" y="0"/>
+          <a:ext cx="0" cy="0"/>
+          <a:chOff x="0" y="0"/>
+          <a:chExt cx="0" cy="0"/>
+        </a:xfrm>
+      </p:grpSpPr>
+    </p:spTree>
+    <p:extLst>
+      <p:ext uri="{BB962C8B-B14F-4D97-AF65-F5344CB8AC3E}">
+        <p14:creationId xmlns:p14="http://schemas.microsoft.com/office/powerpoint/2010/main" val="2617053569"/>
+      </p:ext>
+    </p:extLst>
+  </p:cSld>
+  <p:clrMapOvr>
+    <a:masterClrMapping/>
+  </p:clrMapOvr>
+</p:sld>
+</file>
+
+<file path=ppt/slides/slide61.xml><?xml version="1.0" encoding="utf-8"?>
+<p:sld xmlns:a="http://schemas.openxmlformats.org/drawingml/2006/main" xmlns:r="http://schemas.openxmlformats.org/officeDocument/2006/relationships" xmlns:p="http://schemas.openxmlformats.org/presentationml/2006/main">
+  <p:cSld>
+    <p:spTree>
+      <p:nvGrpSpPr>
+        <p:cNvPr id="1" name="">
+          <a:extLst>
+            <a:ext uri="{FF2B5EF4-FFF2-40B4-BE49-F238E27FC236}">
+              <a16:creationId xmlns:a16="http://schemas.microsoft.com/office/drawing/2014/main" id="{807EFBCF-0F93-F831-5C65-BC0541622315}"/>
+            </a:ext>
+          </a:extLst>
+        </p:cNvPr>
+        <p:cNvGrpSpPr/>
+        <p:nvPr/>
+      </p:nvGrpSpPr>
+      <p:grpSpPr>
+        <a:xfrm>
+          <a:off x="0" y="0"/>
+          <a:ext cx="0" cy="0"/>
+          <a:chOff x="0" y="0"/>
+          <a:chExt cx="0" cy="0"/>
+        </a:xfrm>
+      </p:grpSpPr>
+    </p:spTree>
+    <p:extLst>
+      <p:ext uri="{BB962C8B-B14F-4D97-AF65-F5344CB8AC3E}">
+        <p14:creationId xmlns:p14="http://schemas.microsoft.com/office/powerpoint/2010/main" val="376757893"/>
+      </p:ext>
+    </p:extLst>
+  </p:cSld>
+  <p:clrMapOvr>
+    <a:masterClrMapping/>
+  </p:clrMapOvr>
+</p:sld>
+</file>
+
+<file path=ppt/slides/slide62.xml><?xml version="1.0" encoding="utf-8"?>
+<p:sld xmlns:a="http://schemas.openxmlformats.org/drawingml/2006/main" xmlns:r="http://schemas.openxmlformats.org/officeDocument/2006/relationships" xmlns:p="http://schemas.openxmlformats.org/presentationml/2006/main">
+  <p:cSld>
+    <p:spTree>
+      <p:nvGrpSpPr>
+        <p:cNvPr id="1" name="">
+          <a:extLst>
+            <a:ext uri="{FF2B5EF4-FFF2-40B4-BE49-F238E27FC236}">
+              <a16:creationId xmlns:a16="http://schemas.microsoft.com/office/drawing/2014/main" id="{9373CE33-62F2-A825-0905-421F5911205B}"/>
+            </a:ext>
+          </a:extLst>
+        </p:cNvPr>
+        <p:cNvGrpSpPr/>
+        <p:nvPr/>
+      </p:nvGrpSpPr>
+      <p:grpSpPr>
+        <a:xfrm>
+          <a:off x="0" y="0"/>
+          <a:ext cx="0" cy="0"/>
+          <a:chOff x="0" y="0"/>
+          <a:chExt cx="0" cy="0"/>
+        </a:xfrm>
+      </p:grpSpPr>
+    </p:spTree>
+    <p:extLst>
+      <p:ext uri="{BB962C8B-B14F-4D97-AF65-F5344CB8AC3E}">
+        <p14:creationId xmlns:p14="http://schemas.microsoft.com/office/powerpoint/2010/main" val="3427438105"/>
+      </p:ext>
+    </p:extLst>
+  </p:cSld>
+  <p:clrMapOvr>
+    <a:masterClrMapping/>
+  </p:clrMapOvr>
+</p:sld>
+</file>
+
+<file path=ppt/slides/slide63.xml><?xml version="1.0" encoding="utf-8"?>
+<p:sld xmlns:a="http://schemas.openxmlformats.org/drawingml/2006/main" xmlns:r="http://schemas.openxmlformats.org/officeDocument/2006/relationships" xmlns:p="http://schemas.openxmlformats.org/presentationml/2006/main">
+  <p:cSld>
+    <p:spTree>
+      <p:nvGrpSpPr>
+        <p:cNvPr id="1" name="">
+          <a:extLst>
+            <a:ext uri="{FF2B5EF4-FFF2-40B4-BE49-F238E27FC236}">
+              <a16:creationId xmlns:a16="http://schemas.microsoft.com/office/drawing/2014/main" id="{156836AF-DF10-9DF6-FE26-7615D3AF7379}"/>
+            </a:ext>
+          </a:extLst>
+        </p:cNvPr>
+        <p:cNvGrpSpPr/>
+        <p:nvPr/>
+      </p:nvGrpSpPr>
+      <p:grpSpPr>
+        <a:xfrm>
+          <a:off x="0" y="0"/>
+          <a:ext cx="0" cy="0"/>
+          <a:chOff x="0" y="0"/>
+          <a:chExt cx="0" cy="0"/>
+        </a:xfrm>
+      </p:grpSpPr>
+    </p:spTree>
+    <p:extLst>
+      <p:ext uri="{BB962C8B-B14F-4D97-AF65-F5344CB8AC3E}">
+        <p14:creationId xmlns:p14="http://schemas.microsoft.com/office/powerpoint/2010/main" val="1870840379"/>
+      </p:ext>
+    </p:extLst>
+  </p:cSld>
+  <p:clrMapOvr>
+    <a:masterClrMapping/>
+  </p:clrMapOvr>
+</p:sld>
+</file>
+
+<file path=ppt/slides/slide64.xml><?xml version="1.0" encoding="utf-8"?>
+<p:sld xmlns:a="http://schemas.openxmlformats.org/drawingml/2006/main" xmlns:r="http://schemas.openxmlformats.org/officeDocument/2006/relationships" xmlns:p="http://schemas.openxmlformats.org/presentationml/2006/main">
+  <p:cSld>
+    <p:spTree>
+      <p:nvGrpSpPr>
+        <p:cNvPr id="1" name="">
+          <a:extLst>
+            <a:ext uri="{FF2B5EF4-FFF2-40B4-BE49-F238E27FC236}">
+              <a16:creationId xmlns:a16="http://schemas.microsoft.com/office/drawing/2014/main" id="{2178818A-B099-81CB-4B08-11C890CA43FC}"/>
+            </a:ext>
+          </a:extLst>
+        </p:cNvPr>
+        <p:cNvGrpSpPr/>
+        <p:nvPr/>
+      </p:nvGrpSpPr>
+      <p:grpSpPr>
+        <a:xfrm>
+          <a:off x="0" y="0"/>
+          <a:ext cx="0" cy="0"/>
+          <a:chOff x="0" y="0"/>
+          <a:chExt cx="0" cy="0"/>
+        </a:xfrm>
+      </p:grpSpPr>
+    </p:spTree>
+    <p:extLst>
+      <p:ext uri="{BB962C8B-B14F-4D97-AF65-F5344CB8AC3E}">
+        <p14:creationId xmlns:p14="http://schemas.microsoft.com/office/powerpoint/2010/main" val="2657083058"/>
       </p:ext>
     </p:extLst>
   </p:cSld>

--- a/Simple Calculator/presentation/My WPF notes.pptx
+++ b/Simple Calculator/presentation/My WPF notes.pptx
@@ -24328,6 +24328,979 @@
           <a:chExt cx="0" cy="0"/>
         </a:xfrm>
       </p:grpSpPr>
+      <p:sp>
+        <p:nvSpPr>
+          <p:cNvPr id="3" name="TextBox 2">
+            <a:extLst>
+              <a:ext uri="{FF2B5EF4-FFF2-40B4-BE49-F238E27FC236}">
+                <a16:creationId xmlns:a16="http://schemas.microsoft.com/office/drawing/2014/main" id="{0C99FA52-D74E-32DA-1112-84A838551FAD}"/>
+              </a:ext>
+            </a:extLst>
+          </p:cNvPr>
+          <p:cNvSpPr txBox="1"/>
+          <p:nvPr/>
+        </p:nvSpPr>
+        <p:spPr>
+          <a:xfrm>
+            <a:off x="0" y="844579"/>
+            <a:ext cx="13601699" cy="2031325"/>
+          </a:xfrm>
+          <a:prstGeom prst="rect">
+            <a:avLst/>
+          </a:prstGeom>
+          <a:noFill/>
+        </p:spPr>
+        <p:txBody>
+          <a:bodyPr wrap="square">
+            <a:spAutoFit/>
+          </a:bodyPr>
+          <a:lstStyle/>
+          <a:p>
+            <a:r>
+              <a:rPr lang="en-GB" sz="1800" dirty="0">
+                <a:solidFill>
+                  <a:srgbClr val="000000"/>
+                </a:solidFill>
+                <a:highlight>
+                  <a:srgbClr val="FFFFFF"/>
+                </a:highlight>
+                <a:latin typeface="Cascadia Mono" panose="020B0609020000020004" pitchFamily="49" charset="0"/>
+              </a:rPr>
+              <a:t> </a:t>
+            </a:r>
+            <a:r>
+              <a:rPr lang="en-GB" sz="1800" dirty="0">
+                <a:solidFill>
+                  <a:srgbClr val="0000FF"/>
+                </a:solidFill>
+                <a:highlight>
+                  <a:srgbClr val="FFFFFF"/>
+                </a:highlight>
+                <a:latin typeface="Cascadia Mono" panose="020B0609020000020004" pitchFamily="49" charset="0"/>
+              </a:rPr>
+              <a:t>case</a:t>
+            </a:r>
+            <a:r>
+              <a:rPr lang="en-GB" sz="1800" dirty="0">
+                <a:solidFill>
+                  <a:srgbClr val="000000"/>
+                </a:solidFill>
+                <a:highlight>
+                  <a:srgbClr val="FFFFFF"/>
+                </a:highlight>
+                <a:latin typeface="Cascadia Mono" panose="020B0609020000020004" pitchFamily="49" charset="0"/>
+              </a:rPr>
+              <a:t> </a:t>
+            </a:r>
+            <a:r>
+              <a:rPr lang="en-GB" sz="1800" dirty="0" err="1">
+                <a:solidFill>
+                  <a:srgbClr val="2B91AF"/>
+                </a:solidFill>
+                <a:highlight>
+                  <a:srgbClr val="FFFFFF"/>
+                </a:highlight>
+                <a:latin typeface="Cascadia Mono" panose="020B0609020000020004" pitchFamily="49" charset="0"/>
+              </a:rPr>
+              <a:t>SelectedOperator</a:t>
+            </a:r>
+            <a:r>
+              <a:rPr lang="en-GB" sz="1800" dirty="0" err="1">
+                <a:solidFill>
+                  <a:srgbClr val="000000"/>
+                </a:solidFill>
+                <a:highlight>
+                  <a:srgbClr val="FFFFFF"/>
+                </a:highlight>
+                <a:latin typeface="Cascadia Mono" panose="020B0609020000020004" pitchFamily="49" charset="0"/>
+              </a:rPr>
+              <a:t>.Division</a:t>
+            </a:r>
+            <a:r>
+              <a:rPr lang="en-GB" sz="1800" dirty="0">
+                <a:solidFill>
+                  <a:srgbClr val="000000"/>
+                </a:solidFill>
+                <a:highlight>
+                  <a:srgbClr val="FFFFFF"/>
+                </a:highlight>
+                <a:latin typeface="Cascadia Mono" panose="020B0609020000020004" pitchFamily="49" charset="0"/>
+              </a:rPr>
+              <a:t>:</a:t>
+            </a:r>
+          </a:p>
+          <a:p>
+            <a:pPr lvl="1"/>
+            <a:r>
+              <a:rPr lang="en-GB" dirty="0">
+                <a:solidFill>
+                  <a:srgbClr val="0000FF"/>
+                </a:solidFill>
+                <a:highlight>
+                  <a:srgbClr val="FFFFFF"/>
+                </a:highlight>
+                <a:latin typeface="Cascadia Mono" panose="020B0609020000020004" pitchFamily="49" charset="0"/>
+              </a:rPr>
+              <a:t>if</a:t>
+            </a:r>
+            <a:r>
+              <a:rPr lang="en-GB" dirty="0">
+                <a:solidFill>
+                  <a:srgbClr val="000000"/>
+                </a:solidFill>
+                <a:highlight>
+                  <a:srgbClr val="FFFFFF"/>
+                </a:highlight>
+                <a:latin typeface="Cascadia Mono" panose="020B0609020000020004" pitchFamily="49" charset="0"/>
+              </a:rPr>
+              <a:t> (</a:t>
+            </a:r>
+            <a:r>
+              <a:rPr lang="en-GB" dirty="0" err="1">
+                <a:solidFill>
+                  <a:srgbClr val="000000"/>
+                </a:solidFill>
+                <a:highlight>
+                  <a:srgbClr val="FFFFFF"/>
+                </a:highlight>
+                <a:latin typeface="Cascadia Mono" panose="020B0609020000020004" pitchFamily="49" charset="0"/>
+              </a:rPr>
+              <a:t>SupportClasses.</a:t>
+            </a:r>
+            <a:r>
+              <a:rPr lang="en-GB" dirty="0" err="1">
+                <a:solidFill>
+                  <a:srgbClr val="2B91AF"/>
+                </a:solidFill>
+                <a:highlight>
+                  <a:srgbClr val="FFFFFF"/>
+                </a:highlight>
+                <a:latin typeface="Cascadia Mono" panose="020B0609020000020004" pitchFamily="49" charset="0"/>
+              </a:rPr>
+              <a:t>SimpleMath</a:t>
+            </a:r>
+            <a:r>
+              <a:rPr lang="en-GB" dirty="0" err="1">
+                <a:solidFill>
+                  <a:srgbClr val="000000"/>
+                </a:solidFill>
+                <a:highlight>
+                  <a:srgbClr val="FFFFFF"/>
+                </a:highlight>
+                <a:latin typeface="Cascadia Mono" panose="020B0609020000020004" pitchFamily="49" charset="0"/>
+              </a:rPr>
+              <a:t>.Divide</a:t>
+            </a:r>
+            <a:r>
+              <a:rPr lang="en-GB" dirty="0">
+                <a:solidFill>
+                  <a:srgbClr val="000000"/>
+                </a:solidFill>
+                <a:highlight>
+                  <a:srgbClr val="FFFFFF"/>
+                </a:highlight>
+                <a:latin typeface="Cascadia Mono" panose="020B0609020000020004" pitchFamily="49" charset="0"/>
+              </a:rPr>
+              <a:t>(</a:t>
+            </a:r>
+            <a:r>
+              <a:rPr lang="en-GB" dirty="0" err="1">
+                <a:solidFill>
+                  <a:srgbClr val="000000"/>
+                </a:solidFill>
+                <a:highlight>
+                  <a:srgbClr val="FFFFFF"/>
+                </a:highlight>
+                <a:latin typeface="Cascadia Mono" panose="020B0609020000020004" pitchFamily="49" charset="0"/>
+              </a:rPr>
+              <a:t>lastNumber</a:t>
+            </a:r>
+            <a:r>
+              <a:rPr lang="en-GB" dirty="0">
+                <a:solidFill>
+                  <a:srgbClr val="000000"/>
+                </a:solidFill>
+                <a:highlight>
+                  <a:srgbClr val="FFFFFF"/>
+                </a:highlight>
+                <a:latin typeface="Cascadia Mono" panose="020B0609020000020004" pitchFamily="49" charset="0"/>
+              </a:rPr>
+              <a:t>, </a:t>
+            </a:r>
+            <a:r>
+              <a:rPr lang="en-GB" dirty="0" err="1">
+                <a:solidFill>
+                  <a:srgbClr val="000000"/>
+                </a:solidFill>
+                <a:highlight>
+                  <a:srgbClr val="FFFFFF"/>
+                </a:highlight>
+                <a:latin typeface="Cascadia Mono" panose="020B0609020000020004" pitchFamily="49" charset="0"/>
+              </a:rPr>
+              <a:t>newNumber</a:t>
+            </a:r>
+            <a:r>
+              <a:rPr lang="en-GB" dirty="0">
+                <a:solidFill>
+                  <a:srgbClr val="000000"/>
+                </a:solidFill>
+                <a:highlight>
+                  <a:srgbClr val="FFFFFF"/>
+                </a:highlight>
+                <a:latin typeface="Cascadia Mono" panose="020B0609020000020004" pitchFamily="49" charset="0"/>
+              </a:rPr>
+              <a:t>, </a:t>
+            </a:r>
+            <a:r>
+              <a:rPr lang="en-GB" dirty="0">
+                <a:solidFill>
+                  <a:srgbClr val="0000FF"/>
+                </a:solidFill>
+                <a:highlight>
+                  <a:srgbClr val="FFFFFF"/>
+                </a:highlight>
+                <a:latin typeface="Cascadia Mono" panose="020B0609020000020004" pitchFamily="49" charset="0"/>
+              </a:rPr>
+              <a:t>out</a:t>
+            </a:r>
+            <a:r>
+              <a:rPr lang="en-GB" dirty="0">
+                <a:solidFill>
+                  <a:srgbClr val="000000"/>
+                </a:solidFill>
+                <a:highlight>
+                  <a:srgbClr val="FFFFFF"/>
+                </a:highlight>
+                <a:latin typeface="Cascadia Mono" panose="020B0609020000020004" pitchFamily="49" charset="0"/>
+              </a:rPr>
+              <a:t> result) == 999)</a:t>
+            </a:r>
+          </a:p>
+          <a:p>
+            <a:r>
+              <a:rPr lang="en-GB" sz="1800" dirty="0">
+                <a:solidFill>
+                  <a:srgbClr val="000000"/>
+                </a:solidFill>
+                <a:highlight>
+                  <a:srgbClr val="FFFFFF"/>
+                </a:highlight>
+                <a:latin typeface="Cascadia Mono" panose="020B0609020000020004" pitchFamily="49" charset="0"/>
+              </a:rPr>
+              <a:t>   {</a:t>
+            </a:r>
+          </a:p>
+          <a:p>
+            <a:r>
+              <a:rPr lang="en-GB" sz="1800" dirty="0">
+                <a:solidFill>
+                  <a:srgbClr val="2B91AF"/>
+                </a:solidFill>
+                <a:highlight>
+                  <a:srgbClr val="FFFFFF"/>
+                </a:highlight>
+                <a:latin typeface="Cascadia Mono" panose="020B0609020000020004" pitchFamily="49" charset="0"/>
+              </a:rPr>
+              <a:t>	</a:t>
+            </a:r>
+            <a:r>
+              <a:rPr lang="en-GB" sz="1800" dirty="0" err="1">
+                <a:solidFill>
+                  <a:srgbClr val="2B91AF"/>
+                </a:solidFill>
+                <a:highlight>
+                  <a:srgbClr val="FFFFFF"/>
+                </a:highlight>
+                <a:latin typeface="Cascadia Mono" panose="020B0609020000020004" pitchFamily="49" charset="0"/>
+              </a:rPr>
+              <a:t>MessageBox</a:t>
+            </a:r>
+            <a:r>
+              <a:rPr lang="en-GB" sz="1800" dirty="0" err="1">
+                <a:solidFill>
+                  <a:srgbClr val="000000"/>
+                </a:solidFill>
+                <a:highlight>
+                  <a:srgbClr val="FFFFFF"/>
+                </a:highlight>
+                <a:latin typeface="Cascadia Mono" panose="020B0609020000020004" pitchFamily="49" charset="0"/>
+              </a:rPr>
+              <a:t>.Show</a:t>
+            </a:r>
+            <a:r>
+              <a:rPr lang="en-GB" sz="1800" dirty="0">
+                <a:solidFill>
+                  <a:srgbClr val="000000"/>
+                </a:solidFill>
+                <a:highlight>
+                  <a:srgbClr val="FFFFFF"/>
+                </a:highlight>
+                <a:latin typeface="Cascadia Mono" panose="020B0609020000020004" pitchFamily="49" charset="0"/>
+              </a:rPr>
+              <a:t>(</a:t>
+            </a:r>
+            <a:r>
+              <a:rPr lang="en-GB" sz="1800" dirty="0">
+                <a:solidFill>
+                  <a:srgbClr val="A31515"/>
+                </a:solidFill>
+                <a:highlight>
+                  <a:srgbClr val="FFFFFF"/>
+                </a:highlight>
+                <a:latin typeface="Cascadia Mono" panose="020B0609020000020004" pitchFamily="49" charset="0"/>
+              </a:rPr>
+              <a:t>"Division by 0 is not supported"</a:t>
+            </a:r>
+            <a:r>
+              <a:rPr lang="en-GB" sz="1800" dirty="0">
+                <a:solidFill>
+                  <a:srgbClr val="000000"/>
+                </a:solidFill>
+                <a:highlight>
+                  <a:srgbClr val="FFFFFF"/>
+                </a:highlight>
+                <a:latin typeface="Cascadia Mono" panose="020B0609020000020004" pitchFamily="49" charset="0"/>
+              </a:rPr>
+              <a:t>, </a:t>
+            </a:r>
+            <a:r>
+              <a:rPr lang="en-GB" sz="1800" dirty="0">
+                <a:solidFill>
+                  <a:srgbClr val="A31515"/>
+                </a:solidFill>
+                <a:highlight>
+                  <a:srgbClr val="FFFFFF"/>
+                </a:highlight>
+                <a:latin typeface="Cascadia Mono" panose="020B0609020000020004" pitchFamily="49" charset="0"/>
+              </a:rPr>
+              <a:t>"Wrong operation"</a:t>
+            </a:r>
+            <a:r>
+              <a:rPr lang="en-GB" sz="1800" dirty="0">
+                <a:solidFill>
+                  <a:srgbClr val="000000"/>
+                </a:solidFill>
+                <a:highlight>
+                  <a:srgbClr val="FFFFFF"/>
+                </a:highlight>
+                <a:latin typeface="Cascadia Mono" panose="020B0609020000020004" pitchFamily="49" charset="0"/>
+              </a:rPr>
+              <a:t>, </a:t>
+            </a:r>
+            <a:r>
+              <a:rPr lang="en-GB" sz="1800" dirty="0" err="1">
+                <a:solidFill>
+                  <a:srgbClr val="2B91AF"/>
+                </a:solidFill>
+                <a:highlight>
+                  <a:srgbClr val="FFFFFF"/>
+                </a:highlight>
+                <a:latin typeface="Cascadia Mono" panose="020B0609020000020004" pitchFamily="49" charset="0"/>
+              </a:rPr>
+              <a:t>MessageBoxButton</a:t>
+            </a:r>
+            <a:r>
+              <a:rPr lang="en-GB" sz="1800" dirty="0" err="1">
+                <a:solidFill>
+                  <a:srgbClr val="000000"/>
+                </a:solidFill>
+                <a:highlight>
+                  <a:srgbClr val="FFFFFF"/>
+                </a:highlight>
+                <a:latin typeface="Cascadia Mono" panose="020B0609020000020004" pitchFamily="49" charset="0"/>
+              </a:rPr>
+              <a:t>.OK</a:t>
+            </a:r>
+            <a:r>
+              <a:rPr lang="en-GB" sz="1800" dirty="0">
+                <a:solidFill>
+                  <a:srgbClr val="000000"/>
+                </a:solidFill>
+                <a:highlight>
+                  <a:srgbClr val="FFFFFF"/>
+                </a:highlight>
+                <a:latin typeface="Cascadia Mono" panose="020B0609020000020004" pitchFamily="49" charset="0"/>
+              </a:rPr>
+              <a:t>, </a:t>
+            </a:r>
+            <a:r>
+              <a:rPr lang="en-GB" sz="1800" dirty="0" err="1">
+                <a:solidFill>
+                  <a:srgbClr val="2B91AF"/>
+                </a:solidFill>
+                <a:highlight>
+                  <a:srgbClr val="FFFFFF"/>
+                </a:highlight>
+                <a:latin typeface="Cascadia Mono" panose="020B0609020000020004" pitchFamily="49" charset="0"/>
+              </a:rPr>
+              <a:t>MessageBoxImage</a:t>
+            </a:r>
+            <a:r>
+              <a:rPr lang="en-GB" sz="1800" dirty="0" err="1">
+                <a:solidFill>
+                  <a:srgbClr val="000000"/>
+                </a:solidFill>
+                <a:highlight>
+                  <a:srgbClr val="FFFFFF"/>
+                </a:highlight>
+                <a:latin typeface="Cascadia Mono" panose="020B0609020000020004" pitchFamily="49" charset="0"/>
+              </a:rPr>
+              <a:t>.Error</a:t>
+            </a:r>
+            <a:r>
+              <a:rPr lang="en-GB" sz="1800" dirty="0">
+                <a:solidFill>
+                  <a:srgbClr val="000000"/>
+                </a:solidFill>
+                <a:highlight>
+                  <a:srgbClr val="FFFFFF"/>
+                </a:highlight>
+                <a:latin typeface="Cascadia Mono" panose="020B0609020000020004" pitchFamily="49" charset="0"/>
+              </a:rPr>
+              <a:t>);</a:t>
+            </a:r>
+          </a:p>
+          <a:p>
+            <a:r>
+              <a:rPr lang="en-GB" dirty="0">
+                <a:solidFill>
+                  <a:srgbClr val="000000"/>
+                </a:solidFill>
+                <a:highlight>
+                  <a:srgbClr val="FFFFFF"/>
+                </a:highlight>
+                <a:latin typeface="Cascadia Mono" panose="020B0609020000020004" pitchFamily="49" charset="0"/>
+              </a:rPr>
+              <a:t>	}</a:t>
+            </a:r>
+          </a:p>
+          <a:p>
+            <a:r>
+              <a:rPr lang="en-GB" sz="1800" dirty="0">
+                <a:solidFill>
+                  <a:srgbClr val="0000FF"/>
+                </a:solidFill>
+                <a:highlight>
+                  <a:srgbClr val="FFFFFF"/>
+                </a:highlight>
+                <a:latin typeface="Cascadia Mono" panose="020B0609020000020004" pitchFamily="49" charset="0"/>
+              </a:rPr>
+              <a:t>	break</a:t>
+            </a:r>
+            <a:r>
+              <a:rPr lang="en-GB" sz="1800" dirty="0">
+                <a:solidFill>
+                  <a:srgbClr val="000000"/>
+                </a:solidFill>
+                <a:highlight>
+                  <a:srgbClr val="FFFFFF"/>
+                </a:highlight>
+                <a:latin typeface="Cascadia Mono" panose="020B0609020000020004" pitchFamily="49" charset="0"/>
+              </a:rPr>
+              <a:t>;</a:t>
+            </a:r>
+            <a:endParaRPr lang="en-GB" dirty="0"/>
+          </a:p>
+        </p:txBody>
+      </p:sp>
+      <p:sp>
+        <p:nvSpPr>
+          <p:cNvPr id="5" name="TextBox 4">
+            <a:extLst>
+              <a:ext uri="{FF2B5EF4-FFF2-40B4-BE49-F238E27FC236}">
+                <a16:creationId xmlns:a16="http://schemas.microsoft.com/office/drawing/2014/main" id="{4B828F12-3740-48DD-2A61-AD6B45F4DA5D}"/>
+              </a:ext>
+            </a:extLst>
+          </p:cNvPr>
+          <p:cNvSpPr txBox="1"/>
+          <p:nvPr/>
+        </p:nvSpPr>
+        <p:spPr>
+          <a:xfrm>
+            <a:off x="772223" y="3255024"/>
+            <a:ext cx="11070372" cy="3416320"/>
+          </a:xfrm>
+          <a:prstGeom prst="rect">
+            <a:avLst/>
+          </a:prstGeom>
+          <a:noFill/>
+        </p:spPr>
+        <p:txBody>
+          <a:bodyPr wrap="square">
+            <a:spAutoFit/>
+          </a:bodyPr>
+          <a:lstStyle/>
+          <a:p>
+            <a:r>
+              <a:rPr lang="en-GB" sz="1800" dirty="0">
+                <a:solidFill>
+                  <a:srgbClr val="000000"/>
+                </a:solidFill>
+                <a:highlight>
+                  <a:srgbClr val="FFFFFF"/>
+                </a:highlight>
+                <a:latin typeface="Cascadia Mono" panose="020B0609020000020004" pitchFamily="49" charset="0"/>
+              </a:rPr>
+              <a:t> </a:t>
+            </a:r>
+            <a:r>
+              <a:rPr lang="en-GB" sz="1800" dirty="0">
+                <a:solidFill>
+                  <a:srgbClr val="0000FF"/>
+                </a:solidFill>
+                <a:highlight>
+                  <a:srgbClr val="FFFFFF"/>
+                </a:highlight>
+                <a:latin typeface="Cascadia Mono" panose="020B0609020000020004" pitchFamily="49" charset="0"/>
+              </a:rPr>
+              <a:t>public</a:t>
+            </a:r>
+            <a:r>
+              <a:rPr lang="en-GB" sz="1800" dirty="0">
+                <a:solidFill>
+                  <a:srgbClr val="000000"/>
+                </a:solidFill>
+                <a:highlight>
+                  <a:srgbClr val="FFFFFF"/>
+                </a:highlight>
+                <a:latin typeface="Cascadia Mono" panose="020B0609020000020004" pitchFamily="49" charset="0"/>
+              </a:rPr>
+              <a:t> </a:t>
+            </a:r>
+            <a:r>
+              <a:rPr lang="en-GB" sz="1800" dirty="0">
+                <a:solidFill>
+                  <a:srgbClr val="0000FF"/>
+                </a:solidFill>
+                <a:highlight>
+                  <a:srgbClr val="FFFFFF"/>
+                </a:highlight>
+                <a:latin typeface="Cascadia Mono" panose="020B0609020000020004" pitchFamily="49" charset="0"/>
+              </a:rPr>
+              <a:t>static</a:t>
+            </a:r>
+            <a:r>
+              <a:rPr lang="en-GB" sz="1800" dirty="0">
+                <a:solidFill>
+                  <a:srgbClr val="000000"/>
+                </a:solidFill>
+                <a:highlight>
+                  <a:srgbClr val="FFFFFF"/>
+                </a:highlight>
+                <a:latin typeface="Cascadia Mono" panose="020B0609020000020004" pitchFamily="49" charset="0"/>
+              </a:rPr>
+              <a:t> </a:t>
+            </a:r>
+            <a:r>
+              <a:rPr lang="en-GB" sz="1800" dirty="0">
+                <a:solidFill>
+                  <a:srgbClr val="0000FF"/>
+                </a:solidFill>
+                <a:highlight>
+                  <a:srgbClr val="FFFFFF"/>
+                </a:highlight>
+                <a:latin typeface="Cascadia Mono" panose="020B0609020000020004" pitchFamily="49" charset="0"/>
+              </a:rPr>
+              <a:t>int</a:t>
+            </a:r>
+            <a:r>
+              <a:rPr lang="en-GB" sz="1800" dirty="0">
+                <a:solidFill>
+                  <a:srgbClr val="000000"/>
+                </a:solidFill>
+                <a:highlight>
+                  <a:srgbClr val="FFFFFF"/>
+                </a:highlight>
+                <a:latin typeface="Cascadia Mono" panose="020B0609020000020004" pitchFamily="49" charset="0"/>
+              </a:rPr>
+              <a:t> Divide(</a:t>
+            </a:r>
+            <a:r>
+              <a:rPr lang="en-GB" sz="1800" dirty="0">
+                <a:solidFill>
+                  <a:srgbClr val="0000FF"/>
+                </a:solidFill>
+                <a:highlight>
+                  <a:srgbClr val="FFFFFF"/>
+                </a:highlight>
+                <a:latin typeface="Cascadia Mono" panose="020B0609020000020004" pitchFamily="49" charset="0"/>
+              </a:rPr>
+              <a:t>double</a:t>
+            </a:r>
+            <a:r>
+              <a:rPr lang="en-GB" sz="1800" dirty="0">
+                <a:solidFill>
+                  <a:srgbClr val="000000"/>
+                </a:solidFill>
+                <a:highlight>
+                  <a:srgbClr val="FFFFFF"/>
+                </a:highlight>
+                <a:latin typeface="Cascadia Mono" panose="020B0609020000020004" pitchFamily="49" charset="0"/>
+              </a:rPr>
+              <a:t> n1, </a:t>
+            </a:r>
+            <a:r>
+              <a:rPr lang="en-GB" sz="1800" dirty="0">
+                <a:solidFill>
+                  <a:srgbClr val="0000FF"/>
+                </a:solidFill>
+                <a:highlight>
+                  <a:srgbClr val="FFFFFF"/>
+                </a:highlight>
+                <a:latin typeface="Cascadia Mono" panose="020B0609020000020004" pitchFamily="49" charset="0"/>
+              </a:rPr>
+              <a:t>double</a:t>
+            </a:r>
+            <a:r>
+              <a:rPr lang="en-GB" sz="1800" dirty="0">
+                <a:solidFill>
+                  <a:srgbClr val="000000"/>
+                </a:solidFill>
+                <a:highlight>
+                  <a:srgbClr val="FFFFFF"/>
+                </a:highlight>
+                <a:latin typeface="Cascadia Mono" panose="020B0609020000020004" pitchFamily="49" charset="0"/>
+              </a:rPr>
+              <a:t> n2, </a:t>
+            </a:r>
+            <a:r>
+              <a:rPr lang="en-GB" sz="1800" dirty="0">
+                <a:solidFill>
+                  <a:srgbClr val="0000FF"/>
+                </a:solidFill>
+                <a:highlight>
+                  <a:srgbClr val="FFFFFF"/>
+                </a:highlight>
+                <a:latin typeface="Cascadia Mono" panose="020B0609020000020004" pitchFamily="49" charset="0"/>
+              </a:rPr>
+              <a:t>out</a:t>
+            </a:r>
+            <a:r>
+              <a:rPr lang="en-GB" sz="1800" dirty="0">
+                <a:solidFill>
+                  <a:srgbClr val="000000"/>
+                </a:solidFill>
+                <a:highlight>
+                  <a:srgbClr val="FFFFFF"/>
+                </a:highlight>
+                <a:latin typeface="Cascadia Mono" panose="020B0609020000020004" pitchFamily="49" charset="0"/>
+              </a:rPr>
+              <a:t> </a:t>
+            </a:r>
+            <a:r>
+              <a:rPr lang="en-GB" sz="1800" dirty="0">
+                <a:solidFill>
+                  <a:srgbClr val="0000FF"/>
+                </a:solidFill>
+                <a:highlight>
+                  <a:srgbClr val="FFFFFF"/>
+                </a:highlight>
+                <a:latin typeface="Cascadia Mono" panose="020B0609020000020004" pitchFamily="49" charset="0"/>
+              </a:rPr>
+              <a:t>double</a:t>
+            </a:r>
+            <a:r>
+              <a:rPr lang="en-GB" sz="1800" dirty="0">
+                <a:solidFill>
+                  <a:srgbClr val="000000"/>
+                </a:solidFill>
+                <a:highlight>
+                  <a:srgbClr val="FFFFFF"/>
+                </a:highlight>
+                <a:latin typeface="Cascadia Mono" panose="020B0609020000020004" pitchFamily="49" charset="0"/>
+              </a:rPr>
+              <a:t> result)</a:t>
+            </a:r>
+          </a:p>
+          <a:p>
+            <a:r>
+              <a:rPr lang="en-GB" sz="1800" dirty="0">
+                <a:solidFill>
+                  <a:srgbClr val="000000"/>
+                </a:solidFill>
+                <a:highlight>
+                  <a:srgbClr val="FFFFFF"/>
+                </a:highlight>
+                <a:latin typeface="Cascadia Mono" panose="020B0609020000020004" pitchFamily="49" charset="0"/>
+              </a:rPr>
+              <a:t>        {</a:t>
+            </a:r>
+          </a:p>
+          <a:p>
+            <a:r>
+              <a:rPr lang="en-GB" sz="1800" dirty="0">
+                <a:solidFill>
+                  <a:srgbClr val="000000"/>
+                </a:solidFill>
+                <a:highlight>
+                  <a:srgbClr val="FFFFFF"/>
+                </a:highlight>
+                <a:latin typeface="Cascadia Mono" panose="020B0609020000020004" pitchFamily="49" charset="0"/>
+              </a:rPr>
+              <a:t>            </a:t>
+            </a:r>
+            <a:r>
+              <a:rPr lang="en-GB" sz="1800" dirty="0">
+                <a:solidFill>
+                  <a:srgbClr val="0000FF"/>
+                </a:solidFill>
+                <a:highlight>
+                  <a:srgbClr val="FFFFFF"/>
+                </a:highlight>
+                <a:latin typeface="Cascadia Mono" panose="020B0609020000020004" pitchFamily="49" charset="0"/>
+              </a:rPr>
+              <a:t>if</a:t>
+            </a:r>
+            <a:r>
+              <a:rPr lang="en-GB" sz="1800" dirty="0">
+                <a:solidFill>
+                  <a:srgbClr val="000000"/>
+                </a:solidFill>
+                <a:highlight>
+                  <a:srgbClr val="FFFFFF"/>
+                </a:highlight>
+                <a:latin typeface="Cascadia Mono" panose="020B0609020000020004" pitchFamily="49" charset="0"/>
+              </a:rPr>
+              <a:t> (n2 == 0) </a:t>
+            </a:r>
+          </a:p>
+          <a:p>
+            <a:r>
+              <a:rPr lang="en-GB" sz="1800" dirty="0">
+                <a:solidFill>
+                  <a:srgbClr val="000000"/>
+                </a:solidFill>
+                <a:highlight>
+                  <a:srgbClr val="FFFFFF"/>
+                </a:highlight>
+                <a:latin typeface="Cascadia Mono" panose="020B0609020000020004" pitchFamily="49" charset="0"/>
+              </a:rPr>
+              <a:t>            {</a:t>
+            </a:r>
+          </a:p>
+          <a:p>
+            <a:r>
+              <a:rPr lang="en-GB" sz="1800" dirty="0">
+                <a:solidFill>
+                  <a:srgbClr val="000000"/>
+                </a:solidFill>
+                <a:highlight>
+                  <a:srgbClr val="FFFFFF"/>
+                </a:highlight>
+                <a:latin typeface="Cascadia Mono" panose="020B0609020000020004" pitchFamily="49" charset="0"/>
+              </a:rPr>
+              <a:t>                result = 0;</a:t>
+            </a:r>
+          </a:p>
+          <a:p>
+            <a:r>
+              <a:rPr lang="en-GB" sz="1800" dirty="0">
+                <a:solidFill>
+                  <a:srgbClr val="000000"/>
+                </a:solidFill>
+                <a:highlight>
+                  <a:srgbClr val="FFFFFF"/>
+                </a:highlight>
+                <a:latin typeface="Cascadia Mono" panose="020B0609020000020004" pitchFamily="49" charset="0"/>
+              </a:rPr>
+              <a:t>                </a:t>
+            </a:r>
+            <a:r>
+              <a:rPr lang="en-GB" sz="1800" dirty="0">
+                <a:solidFill>
+                  <a:srgbClr val="0000FF"/>
+                </a:solidFill>
+                <a:highlight>
+                  <a:srgbClr val="FFFFFF"/>
+                </a:highlight>
+                <a:latin typeface="Cascadia Mono" panose="020B0609020000020004" pitchFamily="49" charset="0"/>
+              </a:rPr>
+              <a:t>return</a:t>
+            </a:r>
+            <a:r>
+              <a:rPr lang="en-GB" sz="1800" dirty="0">
+                <a:solidFill>
+                  <a:srgbClr val="000000"/>
+                </a:solidFill>
+                <a:highlight>
+                  <a:srgbClr val="FFFFFF"/>
+                </a:highlight>
+                <a:latin typeface="Cascadia Mono" panose="020B0609020000020004" pitchFamily="49" charset="0"/>
+              </a:rPr>
+              <a:t> 999;</a:t>
+            </a:r>
+          </a:p>
+          <a:p>
+            <a:r>
+              <a:rPr lang="en-GB" sz="1800" dirty="0">
+                <a:solidFill>
+                  <a:srgbClr val="000000"/>
+                </a:solidFill>
+                <a:highlight>
+                  <a:srgbClr val="FFFFFF"/>
+                </a:highlight>
+                <a:latin typeface="Cascadia Mono" panose="020B0609020000020004" pitchFamily="49" charset="0"/>
+              </a:rPr>
+              <a:t>            }</a:t>
+            </a:r>
+          </a:p>
+          <a:p>
+            <a:r>
+              <a:rPr lang="en-GB" sz="1800" dirty="0">
+                <a:solidFill>
+                  <a:srgbClr val="000000"/>
+                </a:solidFill>
+                <a:highlight>
+                  <a:srgbClr val="FFFFFF"/>
+                </a:highlight>
+                <a:latin typeface="Cascadia Mono" panose="020B0609020000020004" pitchFamily="49" charset="0"/>
+              </a:rPr>
+              <a:t>            </a:t>
+            </a:r>
+            <a:r>
+              <a:rPr lang="en-GB" sz="1800" dirty="0">
+                <a:solidFill>
+                  <a:srgbClr val="0000FF"/>
+                </a:solidFill>
+                <a:highlight>
+                  <a:srgbClr val="FFFFFF"/>
+                </a:highlight>
+                <a:latin typeface="Cascadia Mono" panose="020B0609020000020004" pitchFamily="49" charset="0"/>
+              </a:rPr>
+              <a:t>else</a:t>
+            </a:r>
+            <a:endParaRPr lang="en-GB" sz="1800" dirty="0">
+              <a:solidFill>
+                <a:srgbClr val="000000"/>
+              </a:solidFill>
+              <a:highlight>
+                <a:srgbClr val="FFFFFF"/>
+              </a:highlight>
+              <a:latin typeface="Cascadia Mono" panose="020B0609020000020004" pitchFamily="49" charset="0"/>
+            </a:endParaRPr>
+          </a:p>
+          <a:p>
+            <a:r>
+              <a:rPr lang="en-GB" sz="1800" dirty="0">
+                <a:solidFill>
+                  <a:srgbClr val="000000"/>
+                </a:solidFill>
+                <a:highlight>
+                  <a:srgbClr val="FFFFFF"/>
+                </a:highlight>
+                <a:latin typeface="Cascadia Mono" panose="020B0609020000020004" pitchFamily="49" charset="0"/>
+              </a:rPr>
+              <a:t>                result = (n1 / n2);</a:t>
+            </a:r>
+          </a:p>
+          <a:p>
+            <a:endParaRPr lang="en-GB" sz="1800" dirty="0">
+              <a:solidFill>
+                <a:srgbClr val="000000"/>
+              </a:solidFill>
+              <a:highlight>
+                <a:srgbClr val="FFFFFF"/>
+              </a:highlight>
+              <a:latin typeface="Cascadia Mono" panose="020B0609020000020004" pitchFamily="49" charset="0"/>
+            </a:endParaRPr>
+          </a:p>
+          <a:p>
+            <a:r>
+              <a:rPr lang="en-GB" sz="1800" dirty="0">
+                <a:solidFill>
+                  <a:srgbClr val="000000"/>
+                </a:solidFill>
+                <a:highlight>
+                  <a:srgbClr val="FFFFFF"/>
+                </a:highlight>
+                <a:latin typeface="Cascadia Mono" panose="020B0609020000020004" pitchFamily="49" charset="0"/>
+              </a:rPr>
+              <a:t>            </a:t>
+            </a:r>
+            <a:r>
+              <a:rPr lang="en-GB" sz="1800" dirty="0">
+                <a:solidFill>
+                  <a:srgbClr val="0000FF"/>
+                </a:solidFill>
+                <a:highlight>
+                  <a:srgbClr val="FFFFFF"/>
+                </a:highlight>
+                <a:latin typeface="Cascadia Mono" panose="020B0609020000020004" pitchFamily="49" charset="0"/>
+              </a:rPr>
+              <a:t>return</a:t>
+            </a:r>
+            <a:r>
+              <a:rPr lang="en-GB" sz="1800" dirty="0">
+                <a:solidFill>
+                  <a:srgbClr val="000000"/>
+                </a:solidFill>
+                <a:highlight>
+                  <a:srgbClr val="FFFFFF"/>
+                </a:highlight>
+                <a:latin typeface="Cascadia Mono" panose="020B0609020000020004" pitchFamily="49" charset="0"/>
+              </a:rPr>
+              <a:t> 0;</a:t>
+            </a:r>
+          </a:p>
+          <a:p>
+            <a:r>
+              <a:rPr lang="en-GB" sz="1800" dirty="0">
+                <a:solidFill>
+                  <a:srgbClr val="000000"/>
+                </a:solidFill>
+                <a:highlight>
+                  <a:srgbClr val="FFFFFF"/>
+                </a:highlight>
+                <a:latin typeface="Cascadia Mono" panose="020B0609020000020004" pitchFamily="49" charset="0"/>
+              </a:rPr>
+              <a:t>        }</a:t>
+            </a:r>
+            <a:endParaRPr lang="en-GB" dirty="0"/>
+          </a:p>
+        </p:txBody>
+      </p:sp>
+      <p:sp>
+        <p:nvSpPr>
+          <p:cNvPr id="6" name="TextBox 5">
+            <a:extLst>
+              <a:ext uri="{FF2B5EF4-FFF2-40B4-BE49-F238E27FC236}">
+                <a16:creationId xmlns:a16="http://schemas.microsoft.com/office/drawing/2014/main" id="{01E169DE-1989-9B28-8E06-877E2B157F88}"/>
+              </a:ext>
+            </a:extLst>
+          </p:cNvPr>
+          <p:cNvSpPr txBox="1"/>
+          <p:nvPr/>
+        </p:nvSpPr>
+        <p:spPr>
+          <a:xfrm>
+            <a:off x="246750" y="186656"/>
+            <a:ext cx="1546642" cy="646331"/>
+          </a:xfrm>
+          <a:prstGeom prst="rect">
+            <a:avLst/>
+          </a:prstGeom>
+          <a:noFill/>
+        </p:spPr>
+        <p:txBody>
+          <a:bodyPr wrap="none" rtlCol="0">
+            <a:spAutoFit/>
+          </a:bodyPr>
+          <a:lstStyle/>
+          <a:p>
+            <a:r>
+              <a:rPr lang="en-GB" dirty="0" err="1"/>
+              <a:t>MessageBox</a:t>
+            </a:r>
+            <a:r>
+              <a:rPr lang="en-GB" dirty="0"/>
+              <a:t> :</a:t>
+            </a:r>
+          </a:p>
+          <a:p>
+            <a:endParaRPr lang="en-GB" dirty="0"/>
+          </a:p>
+        </p:txBody>
+      </p:sp>
     </p:spTree>
     <p:extLst>
       <p:ext uri="{BB962C8B-B14F-4D97-AF65-F5344CB8AC3E}">
@@ -24364,6 +25337,44 @@
           <a:chExt cx="0" cy="0"/>
         </a:xfrm>
       </p:grpSpPr>
+      <p:sp>
+        <p:nvSpPr>
+          <p:cNvPr id="2" name="TextBox 1">
+            <a:extLst>
+              <a:ext uri="{FF2B5EF4-FFF2-40B4-BE49-F238E27FC236}">
+                <a16:creationId xmlns:a16="http://schemas.microsoft.com/office/drawing/2014/main" id="{9E79FB44-8193-320A-94CA-FD62CDAD187D}"/>
+              </a:ext>
+            </a:extLst>
+          </p:cNvPr>
+          <p:cNvSpPr txBox="1"/>
+          <p:nvPr/>
+        </p:nvSpPr>
+        <p:spPr>
+          <a:xfrm>
+            <a:off x="4653970" y="2604249"/>
+            <a:ext cx="2884059" cy="2123658"/>
+          </a:xfrm>
+          <a:prstGeom prst="rect">
+            <a:avLst/>
+          </a:prstGeom>
+          <a:noFill/>
+        </p:spPr>
+        <p:txBody>
+          <a:bodyPr wrap="none" rtlCol="0">
+            <a:spAutoFit/>
+          </a:bodyPr>
+          <a:lstStyle/>
+          <a:p>
+            <a:r>
+              <a:rPr lang="en-GB" sz="6600" dirty="0"/>
+              <a:t>STYLES</a:t>
+            </a:r>
+          </a:p>
+          <a:p>
+            <a:endParaRPr lang="en-GB" sz="6600" dirty="0"/>
+          </a:p>
+        </p:txBody>
+      </p:sp>
     </p:spTree>
     <p:extLst>
       <p:ext uri="{BB962C8B-B14F-4D97-AF65-F5344CB8AC3E}">
@@ -24400,6 +25411,1128 @@
           <a:chExt cx="0" cy="0"/>
         </a:xfrm>
       </p:grpSpPr>
+      <p:sp>
+        <p:nvSpPr>
+          <p:cNvPr id="3" name="TextBox 2">
+            <a:extLst>
+              <a:ext uri="{FF2B5EF4-FFF2-40B4-BE49-F238E27FC236}">
+                <a16:creationId xmlns:a16="http://schemas.microsoft.com/office/drawing/2014/main" id="{A7FAC737-FFD2-AC2B-9483-63DA6B097BDA}"/>
+              </a:ext>
+            </a:extLst>
+          </p:cNvPr>
+          <p:cNvSpPr txBox="1"/>
+          <p:nvPr/>
+        </p:nvSpPr>
+        <p:spPr>
+          <a:xfrm>
+            <a:off x="5377676" y="235946"/>
+            <a:ext cx="6094140" cy="2862322"/>
+          </a:xfrm>
+          <a:prstGeom prst="rect">
+            <a:avLst/>
+          </a:prstGeom>
+          <a:noFill/>
+        </p:spPr>
+        <p:txBody>
+          <a:bodyPr wrap="square">
+            <a:spAutoFit/>
+          </a:bodyPr>
+          <a:lstStyle/>
+          <a:p>
+            <a:r>
+              <a:rPr lang="en-GB" sz="1800" dirty="0">
+                <a:solidFill>
+                  <a:srgbClr val="000000"/>
+                </a:solidFill>
+                <a:highlight>
+                  <a:srgbClr val="FFFFFF"/>
+                </a:highlight>
+                <a:latin typeface="Cascadia Mono" panose="020B0609020000020004" pitchFamily="49" charset="0"/>
+              </a:rPr>
+              <a:t> </a:t>
+            </a:r>
+            <a:r>
+              <a:rPr lang="en-GB" sz="1800" dirty="0">
+                <a:solidFill>
+                  <a:srgbClr val="0000FF"/>
+                </a:solidFill>
+                <a:highlight>
+                  <a:srgbClr val="FFFFFF"/>
+                </a:highlight>
+                <a:latin typeface="Cascadia Mono" panose="020B0609020000020004" pitchFamily="49" charset="0"/>
+              </a:rPr>
+              <a:t>&lt;</a:t>
+            </a:r>
+            <a:r>
+              <a:rPr lang="en-GB" sz="1800" dirty="0">
+                <a:solidFill>
+                  <a:srgbClr val="A31515"/>
+                </a:solidFill>
+                <a:highlight>
+                  <a:srgbClr val="FFFFFF"/>
+                </a:highlight>
+                <a:latin typeface="Cascadia Mono" panose="020B0609020000020004" pitchFamily="49" charset="0"/>
+              </a:rPr>
+              <a:t>Button</a:t>
+            </a:r>
+            <a:r>
+              <a:rPr lang="en-GB" sz="1800" dirty="0">
+                <a:solidFill>
+                  <a:srgbClr val="FF0000"/>
+                </a:solidFill>
+                <a:highlight>
+                  <a:srgbClr val="FFFFFF"/>
+                </a:highlight>
+                <a:latin typeface="Cascadia Mono" panose="020B0609020000020004" pitchFamily="49" charset="0"/>
+              </a:rPr>
+              <a:t> x</a:t>
+            </a:r>
+            <a:r>
+              <a:rPr lang="en-GB" sz="1800" dirty="0">
+                <a:solidFill>
+                  <a:srgbClr val="0000FF"/>
+                </a:solidFill>
+                <a:highlight>
+                  <a:srgbClr val="FFFFFF"/>
+                </a:highlight>
+                <a:latin typeface="Cascadia Mono" panose="020B0609020000020004" pitchFamily="49" charset="0"/>
+              </a:rPr>
+              <a:t>:</a:t>
+            </a:r>
+            <a:r>
+              <a:rPr lang="en-GB" sz="1800" dirty="0">
+                <a:solidFill>
+                  <a:srgbClr val="FF0000"/>
+                </a:solidFill>
+                <a:highlight>
+                  <a:srgbClr val="FFFFFF"/>
+                </a:highlight>
+                <a:latin typeface="Cascadia Mono" panose="020B0609020000020004" pitchFamily="49" charset="0"/>
+              </a:rPr>
+              <a:t>Name</a:t>
+            </a:r>
+            <a:r>
+              <a:rPr lang="en-GB" sz="1800" dirty="0">
+                <a:solidFill>
+                  <a:srgbClr val="0000FF"/>
+                </a:solidFill>
+                <a:highlight>
+                  <a:srgbClr val="FFFFFF"/>
+                </a:highlight>
+                <a:latin typeface="Cascadia Mono" panose="020B0609020000020004" pitchFamily="49" charset="0"/>
+              </a:rPr>
+              <a:t>="plusButton"</a:t>
+            </a:r>
+            <a:endParaRPr lang="en-GB" sz="1800" dirty="0">
+              <a:solidFill>
+                <a:srgbClr val="000000"/>
+              </a:solidFill>
+              <a:highlight>
+                <a:srgbClr val="FFFFFF"/>
+              </a:highlight>
+              <a:latin typeface="Cascadia Mono" panose="020B0609020000020004" pitchFamily="49" charset="0"/>
+            </a:endParaRPr>
+          </a:p>
+          <a:p>
+            <a:r>
+              <a:rPr lang="en-GB" sz="1800" dirty="0">
+                <a:solidFill>
+                  <a:srgbClr val="000000"/>
+                </a:solidFill>
+                <a:highlight>
+                  <a:srgbClr val="FFFFFF"/>
+                </a:highlight>
+                <a:latin typeface="Cascadia Mono" panose="020B0609020000020004" pitchFamily="49" charset="0"/>
+              </a:rPr>
+              <a:t>               </a:t>
+            </a:r>
+            <a:r>
+              <a:rPr lang="en-GB" sz="1800" dirty="0">
+                <a:solidFill>
+                  <a:srgbClr val="FF0000"/>
+                </a:solidFill>
+                <a:highlight>
+                  <a:srgbClr val="FFFFFF"/>
+                </a:highlight>
+                <a:latin typeface="Cascadia Mono" panose="020B0609020000020004" pitchFamily="49" charset="0"/>
+              </a:rPr>
+              <a:t> Content</a:t>
+            </a:r>
+            <a:r>
+              <a:rPr lang="en-GB" sz="1800" dirty="0">
+                <a:solidFill>
+                  <a:srgbClr val="0000FF"/>
+                </a:solidFill>
+                <a:highlight>
+                  <a:srgbClr val="FFFFFF"/>
+                </a:highlight>
+                <a:latin typeface="Cascadia Mono" panose="020B0609020000020004" pitchFamily="49" charset="0"/>
+              </a:rPr>
+              <a:t>="+"</a:t>
+            </a:r>
+            <a:endParaRPr lang="en-GB" sz="1800" dirty="0">
+              <a:solidFill>
+                <a:srgbClr val="000000"/>
+              </a:solidFill>
+              <a:highlight>
+                <a:srgbClr val="FFFFFF"/>
+              </a:highlight>
+              <a:latin typeface="Cascadia Mono" panose="020B0609020000020004" pitchFamily="49" charset="0"/>
+            </a:endParaRPr>
+          </a:p>
+          <a:p>
+            <a:r>
+              <a:rPr lang="en-GB" sz="1800" dirty="0">
+                <a:solidFill>
+                  <a:srgbClr val="000000"/>
+                </a:solidFill>
+                <a:highlight>
+                  <a:srgbClr val="FFFFFF"/>
+                </a:highlight>
+                <a:latin typeface="Cascadia Mono" panose="020B0609020000020004" pitchFamily="49" charset="0"/>
+              </a:rPr>
+              <a:t>               </a:t>
+            </a:r>
+            <a:r>
+              <a:rPr lang="en-GB" sz="1800" dirty="0">
+                <a:solidFill>
+                  <a:srgbClr val="FF0000"/>
+                </a:solidFill>
+                <a:highlight>
+                  <a:srgbClr val="FFFFFF"/>
+                </a:highlight>
+                <a:latin typeface="Cascadia Mono" panose="020B0609020000020004" pitchFamily="49" charset="0"/>
+              </a:rPr>
+              <a:t> Margin</a:t>
+            </a:r>
+            <a:r>
+              <a:rPr lang="en-GB" sz="1800" dirty="0">
+                <a:solidFill>
+                  <a:srgbClr val="0000FF"/>
+                </a:solidFill>
+                <a:highlight>
+                  <a:srgbClr val="FFFFFF"/>
+                </a:highlight>
+                <a:latin typeface="Cascadia Mono" panose="020B0609020000020004" pitchFamily="49" charset="0"/>
+              </a:rPr>
+              <a:t>="5"</a:t>
+            </a:r>
+            <a:endParaRPr lang="en-GB" sz="1800" dirty="0">
+              <a:solidFill>
+                <a:srgbClr val="000000"/>
+              </a:solidFill>
+              <a:highlight>
+                <a:srgbClr val="FFFFFF"/>
+              </a:highlight>
+              <a:latin typeface="Cascadia Mono" panose="020B0609020000020004" pitchFamily="49" charset="0"/>
+            </a:endParaRPr>
+          </a:p>
+          <a:p>
+            <a:r>
+              <a:rPr lang="en-GB" sz="1800" dirty="0">
+                <a:solidFill>
+                  <a:srgbClr val="000000"/>
+                </a:solidFill>
+                <a:highlight>
+                  <a:srgbClr val="FFFFFF"/>
+                </a:highlight>
+                <a:latin typeface="Cascadia Mono" panose="020B0609020000020004" pitchFamily="49" charset="0"/>
+              </a:rPr>
+              <a:t>               </a:t>
+            </a:r>
+            <a:r>
+              <a:rPr lang="en-GB" sz="1800" dirty="0">
+                <a:solidFill>
+                  <a:srgbClr val="FF0000"/>
+                </a:solidFill>
+                <a:highlight>
+                  <a:srgbClr val="FFFFFF"/>
+                </a:highlight>
+                <a:latin typeface="Cascadia Mono" panose="020B0609020000020004" pitchFamily="49" charset="0"/>
+              </a:rPr>
+              <a:t> </a:t>
+            </a:r>
+            <a:r>
+              <a:rPr lang="en-GB" sz="1800" dirty="0" err="1">
+                <a:solidFill>
+                  <a:srgbClr val="FF0000"/>
+                </a:solidFill>
+                <a:highlight>
+                  <a:srgbClr val="FFFFFF"/>
+                </a:highlight>
+                <a:latin typeface="Cascadia Mono" panose="020B0609020000020004" pitchFamily="49" charset="0"/>
+              </a:rPr>
+              <a:t>Grid.Row</a:t>
+            </a:r>
+            <a:r>
+              <a:rPr lang="en-GB" sz="1800" dirty="0">
+                <a:solidFill>
+                  <a:srgbClr val="0000FF"/>
+                </a:solidFill>
+                <a:highlight>
+                  <a:srgbClr val="FFFFFF"/>
+                </a:highlight>
+                <a:latin typeface="Cascadia Mono" panose="020B0609020000020004" pitchFamily="49" charset="0"/>
+              </a:rPr>
+              <a:t>="4"</a:t>
+            </a:r>
+            <a:endParaRPr lang="en-GB" sz="1800" dirty="0">
+              <a:solidFill>
+                <a:srgbClr val="000000"/>
+              </a:solidFill>
+              <a:highlight>
+                <a:srgbClr val="FFFFFF"/>
+              </a:highlight>
+              <a:latin typeface="Cascadia Mono" panose="020B0609020000020004" pitchFamily="49" charset="0"/>
+            </a:endParaRPr>
+          </a:p>
+          <a:p>
+            <a:r>
+              <a:rPr lang="en-GB" sz="1800" dirty="0">
+                <a:solidFill>
+                  <a:srgbClr val="000000"/>
+                </a:solidFill>
+                <a:highlight>
+                  <a:srgbClr val="FFFFFF"/>
+                </a:highlight>
+                <a:latin typeface="Cascadia Mono" panose="020B0609020000020004" pitchFamily="49" charset="0"/>
+              </a:rPr>
+              <a:t>               </a:t>
+            </a:r>
+            <a:r>
+              <a:rPr lang="en-GB" sz="1800" dirty="0">
+                <a:solidFill>
+                  <a:srgbClr val="FF0000"/>
+                </a:solidFill>
+                <a:highlight>
+                  <a:srgbClr val="FFFFFF"/>
+                </a:highlight>
+                <a:latin typeface="Cascadia Mono" panose="020B0609020000020004" pitchFamily="49" charset="0"/>
+              </a:rPr>
+              <a:t> </a:t>
+            </a:r>
+            <a:r>
+              <a:rPr lang="en-GB" sz="1800" dirty="0" err="1">
+                <a:solidFill>
+                  <a:srgbClr val="FF0000"/>
+                </a:solidFill>
+                <a:highlight>
+                  <a:srgbClr val="FFFFFF"/>
+                </a:highlight>
+                <a:latin typeface="Cascadia Mono" panose="020B0609020000020004" pitchFamily="49" charset="0"/>
+              </a:rPr>
+              <a:t>Grid.Column</a:t>
+            </a:r>
+            <a:r>
+              <a:rPr lang="en-GB" sz="1800" dirty="0">
+                <a:solidFill>
+                  <a:srgbClr val="0000FF"/>
+                </a:solidFill>
+                <a:highlight>
+                  <a:srgbClr val="FFFFFF"/>
+                </a:highlight>
+                <a:latin typeface="Cascadia Mono" panose="020B0609020000020004" pitchFamily="49" charset="0"/>
+              </a:rPr>
+              <a:t>="3"</a:t>
+            </a:r>
+            <a:endParaRPr lang="en-GB" sz="1800" dirty="0">
+              <a:solidFill>
+                <a:srgbClr val="000000"/>
+              </a:solidFill>
+              <a:highlight>
+                <a:srgbClr val="FFFFFF"/>
+              </a:highlight>
+              <a:latin typeface="Cascadia Mono" panose="020B0609020000020004" pitchFamily="49" charset="0"/>
+            </a:endParaRPr>
+          </a:p>
+          <a:p>
+            <a:r>
+              <a:rPr lang="en-GB" sz="1800" dirty="0">
+                <a:solidFill>
+                  <a:srgbClr val="000000"/>
+                </a:solidFill>
+                <a:highlight>
+                  <a:srgbClr val="FFFFFF"/>
+                </a:highlight>
+                <a:latin typeface="Cascadia Mono" panose="020B0609020000020004" pitchFamily="49" charset="0"/>
+              </a:rPr>
+              <a:t>               </a:t>
+            </a:r>
+            <a:r>
+              <a:rPr lang="en-GB" sz="1800" dirty="0">
+                <a:solidFill>
+                  <a:srgbClr val="FF0000"/>
+                </a:solidFill>
+                <a:highlight>
+                  <a:srgbClr val="FFFFFF"/>
+                </a:highlight>
+                <a:latin typeface="Cascadia Mono" panose="020B0609020000020004" pitchFamily="49" charset="0"/>
+              </a:rPr>
+              <a:t> Click</a:t>
+            </a:r>
+            <a:r>
+              <a:rPr lang="en-GB" sz="1800" dirty="0">
+                <a:solidFill>
+                  <a:srgbClr val="0000FF"/>
+                </a:solidFill>
+                <a:highlight>
+                  <a:srgbClr val="FFFFFF"/>
+                </a:highlight>
+                <a:latin typeface="Cascadia Mono" panose="020B0609020000020004" pitchFamily="49" charset="0"/>
+              </a:rPr>
+              <a:t>="</a:t>
+            </a:r>
+            <a:r>
+              <a:rPr lang="en-GB" sz="1800" dirty="0" err="1">
+                <a:solidFill>
+                  <a:srgbClr val="0000FF"/>
+                </a:solidFill>
+                <a:highlight>
+                  <a:srgbClr val="FFFFFF"/>
+                </a:highlight>
+                <a:latin typeface="Cascadia Mono" panose="020B0609020000020004" pitchFamily="49" charset="0"/>
+              </a:rPr>
+              <a:t>OperationButton_Click</a:t>
+            </a:r>
+            <a:r>
+              <a:rPr lang="en-GB" sz="1800" dirty="0">
+                <a:solidFill>
+                  <a:srgbClr val="0000FF"/>
+                </a:solidFill>
+                <a:highlight>
+                  <a:srgbClr val="FFFFFF"/>
+                </a:highlight>
+                <a:latin typeface="Cascadia Mono" panose="020B0609020000020004" pitchFamily="49" charset="0"/>
+              </a:rPr>
+              <a:t>"</a:t>
+            </a:r>
+            <a:endParaRPr lang="en-GB" sz="1800" dirty="0">
+              <a:solidFill>
+                <a:srgbClr val="000000"/>
+              </a:solidFill>
+              <a:highlight>
+                <a:srgbClr val="FFFFFF"/>
+              </a:highlight>
+              <a:latin typeface="Cascadia Mono" panose="020B0609020000020004" pitchFamily="49" charset="0"/>
+            </a:endParaRPr>
+          </a:p>
+          <a:p>
+            <a:r>
+              <a:rPr lang="en-GB" sz="1800" dirty="0">
+                <a:solidFill>
+                  <a:srgbClr val="000000"/>
+                </a:solidFill>
+                <a:highlight>
+                  <a:srgbClr val="FFFFFF"/>
+                </a:highlight>
+                <a:latin typeface="Cascadia Mono" panose="020B0609020000020004" pitchFamily="49" charset="0"/>
+              </a:rPr>
+              <a:t>                </a:t>
+            </a:r>
+          </a:p>
+          <a:p>
+            <a:r>
+              <a:rPr lang="en-GB" sz="1800" dirty="0">
+                <a:solidFill>
+                  <a:srgbClr val="000000"/>
+                </a:solidFill>
+                <a:highlight>
+                  <a:srgbClr val="FFFFFF"/>
+                </a:highlight>
+                <a:latin typeface="Cascadia Mono" panose="020B0609020000020004" pitchFamily="49" charset="0"/>
+              </a:rPr>
+              <a:t>               </a:t>
+            </a:r>
+            <a:r>
+              <a:rPr lang="en-GB" sz="1800" dirty="0">
+                <a:solidFill>
+                  <a:srgbClr val="FF0000"/>
+                </a:solidFill>
+                <a:highlight>
+                  <a:srgbClr val="FFFFFF"/>
+                </a:highlight>
+                <a:latin typeface="Cascadia Mono" panose="020B0609020000020004" pitchFamily="49" charset="0"/>
+              </a:rPr>
+              <a:t> </a:t>
+            </a:r>
+            <a:r>
+              <a:rPr lang="en-GB" sz="1800" dirty="0">
+                <a:solidFill>
+                  <a:srgbClr val="FF0000"/>
+                </a:solidFill>
+                <a:highlight>
+                  <a:srgbClr val="FFFF00"/>
+                </a:highlight>
+                <a:latin typeface="Cascadia Mono" panose="020B0609020000020004" pitchFamily="49" charset="0"/>
+              </a:rPr>
+              <a:t>Background</a:t>
+            </a:r>
+            <a:r>
+              <a:rPr lang="en-GB" sz="1800" dirty="0">
+                <a:solidFill>
+                  <a:srgbClr val="0000FF"/>
+                </a:solidFill>
+                <a:highlight>
+                  <a:srgbClr val="FFFF00"/>
+                </a:highlight>
+                <a:latin typeface="Cascadia Mono" panose="020B0609020000020004" pitchFamily="49" charset="0"/>
+              </a:rPr>
+              <a:t>="Orange"</a:t>
+            </a:r>
+            <a:endParaRPr lang="en-GB" sz="1800" dirty="0">
+              <a:solidFill>
+                <a:srgbClr val="000000"/>
+              </a:solidFill>
+              <a:highlight>
+                <a:srgbClr val="FFFF00"/>
+              </a:highlight>
+              <a:latin typeface="Cascadia Mono" panose="020B0609020000020004" pitchFamily="49" charset="0"/>
+            </a:endParaRPr>
+          </a:p>
+          <a:p>
+            <a:r>
+              <a:rPr lang="en-GB" sz="1800" dirty="0">
+                <a:solidFill>
+                  <a:srgbClr val="000000"/>
+                </a:solidFill>
+                <a:highlight>
+                  <a:srgbClr val="FFFF00"/>
+                </a:highlight>
+                <a:latin typeface="Cascadia Mono" panose="020B0609020000020004" pitchFamily="49" charset="0"/>
+              </a:rPr>
+              <a:t>               </a:t>
+            </a:r>
+            <a:r>
+              <a:rPr lang="en-GB" sz="1800" dirty="0">
+                <a:solidFill>
+                  <a:srgbClr val="FF0000"/>
+                </a:solidFill>
+                <a:highlight>
+                  <a:srgbClr val="FFFF00"/>
+                </a:highlight>
+                <a:latin typeface="Cascadia Mono" panose="020B0609020000020004" pitchFamily="49" charset="0"/>
+              </a:rPr>
+              <a:t> Foreground</a:t>
+            </a:r>
+            <a:r>
+              <a:rPr lang="en-GB" sz="1800" dirty="0">
+                <a:solidFill>
+                  <a:srgbClr val="0000FF"/>
+                </a:solidFill>
+                <a:highlight>
+                  <a:srgbClr val="FFFF00"/>
+                </a:highlight>
+                <a:latin typeface="Cascadia Mono" panose="020B0609020000020004" pitchFamily="49" charset="0"/>
+              </a:rPr>
+              <a:t>="White"</a:t>
+            </a:r>
+            <a:r>
+              <a:rPr lang="en-GB" sz="1800" dirty="0">
+                <a:solidFill>
+                  <a:srgbClr val="0000FF"/>
+                </a:solidFill>
+                <a:highlight>
+                  <a:srgbClr val="FFFFFF"/>
+                </a:highlight>
+                <a:latin typeface="Cascadia Mono" panose="020B0609020000020004" pitchFamily="49" charset="0"/>
+              </a:rPr>
+              <a:t>/&gt;</a:t>
+            </a:r>
+            <a:endParaRPr lang="en-GB" dirty="0"/>
+          </a:p>
+        </p:txBody>
+      </p:sp>
+      <p:pic>
+        <p:nvPicPr>
+          <p:cNvPr id="5" name="Picture 4">
+            <a:extLst>
+              <a:ext uri="{FF2B5EF4-FFF2-40B4-BE49-F238E27FC236}">
+                <a16:creationId xmlns:a16="http://schemas.microsoft.com/office/drawing/2014/main" id="{5C15EDF1-46C9-A0FF-4031-0CA591B88298}"/>
+              </a:ext>
+            </a:extLst>
+          </p:cNvPr>
+          <p:cNvPicPr>
+            <a:picLocks noChangeAspect="1"/>
+          </p:cNvPicPr>
+          <p:nvPr/>
+        </p:nvPicPr>
+        <p:blipFill>
+          <a:blip r:embed="rId2"/>
+          <a:stretch>
+            <a:fillRect/>
+          </a:stretch>
+        </p:blipFill>
+        <p:spPr>
+          <a:xfrm>
+            <a:off x="-3650906" y="329757"/>
+            <a:ext cx="3734321" cy="5029902"/>
+          </a:xfrm>
+          <a:prstGeom prst="rect">
+            <a:avLst/>
+          </a:prstGeom>
+        </p:spPr>
+      </p:pic>
+      <p:sp>
+        <p:nvSpPr>
+          <p:cNvPr id="7" name="TextBox 6">
+            <a:extLst>
+              <a:ext uri="{FF2B5EF4-FFF2-40B4-BE49-F238E27FC236}">
+                <a16:creationId xmlns:a16="http://schemas.microsoft.com/office/drawing/2014/main" id="{24D853CC-F4C4-0401-06FA-608B94964E20}"/>
+              </a:ext>
+            </a:extLst>
+          </p:cNvPr>
+          <p:cNvSpPr txBox="1"/>
+          <p:nvPr/>
+        </p:nvSpPr>
+        <p:spPr>
+          <a:xfrm>
+            <a:off x="5255013" y="3898232"/>
+            <a:ext cx="6094140" cy="2585323"/>
+          </a:xfrm>
+          <a:prstGeom prst="rect">
+            <a:avLst/>
+          </a:prstGeom>
+          <a:noFill/>
+        </p:spPr>
+        <p:txBody>
+          <a:bodyPr wrap="square">
+            <a:spAutoFit/>
+          </a:bodyPr>
+          <a:lstStyle/>
+          <a:p>
+            <a:r>
+              <a:rPr lang="en-GB" sz="1800" dirty="0">
+                <a:solidFill>
+                  <a:srgbClr val="000000"/>
+                </a:solidFill>
+                <a:highlight>
+                  <a:srgbClr val="FFFFFF"/>
+                </a:highlight>
+                <a:latin typeface="Cascadia Mono" panose="020B0609020000020004" pitchFamily="49" charset="0"/>
+              </a:rPr>
+              <a:t> </a:t>
+            </a:r>
+            <a:r>
+              <a:rPr lang="en-GB" sz="1800" dirty="0">
+                <a:solidFill>
+                  <a:srgbClr val="0000FF"/>
+                </a:solidFill>
+                <a:highlight>
+                  <a:srgbClr val="FFFFFF"/>
+                </a:highlight>
+                <a:latin typeface="Cascadia Mono" panose="020B0609020000020004" pitchFamily="49" charset="0"/>
+              </a:rPr>
+              <a:t>&lt;</a:t>
+            </a:r>
+            <a:r>
+              <a:rPr lang="en-GB" sz="1800" dirty="0">
+                <a:solidFill>
+                  <a:srgbClr val="A31515"/>
+                </a:solidFill>
+                <a:highlight>
+                  <a:srgbClr val="FFFFFF"/>
+                </a:highlight>
+                <a:latin typeface="Cascadia Mono" panose="020B0609020000020004" pitchFamily="49" charset="0"/>
+              </a:rPr>
+              <a:t>Button</a:t>
+            </a:r>
+            <a:r>
+              <a:rPr lang="en-GB" sz="1800" dirty="0">
+                <a:solidFill>
+                  <a:srgbClr val="FF0000"/>
+                </a:solidFill>
+                <a:highlight>
+                  <a:srgbClr val="FFFFFF"/>
+                </a:highlight>
+                <a:latin typeface="Cascadia Mono" panose="020B0609020000020004" pitchFamily="49" charset="0"/>
+              </a:rPr>
+              <a:t> x</a:t>
+            </a:r>
+            <a:r>
+              <a:rPr lang="en-GB" sz="1800" dirty="0">
+                <a:solidFill>
+                  <a:srgbClr val="0000FF"/>
+                </a:solidFill>
+                <a:highlight>
+                  <a:srgbClr val="FFFFFF"/>
+                </a:highlight>
+                <a:latin typeface="Cascadia Mono" panose="020B0609020000020004" pitchFamily="49" charset="0"/>
+              </a:rPr>
+              <a:t>:</a:t>
+            </a:r>
+            <a:r>
+              <a:rPr lang="en-GB" sz="1800" dirty="0">
+                <a:solidFill>
+                  <a:srgbClr val="FF0000"/>
+                </a:solidFill>
+                <a:highlight>
+                  <a:srgbClr val="FFFFFF"/>
+                </a:highlight>
+                <a:latin typeface="Cascadia Mono" panose="020B0609020000020004" pitchFamily="49" charset="0"/>
+              </a:rPr>
+              <a:t>Name</a:t>
+            </a:r>
+            <a:r>
+              <a:rPr lang="en-GB" sz="1800" dirty="0">
+                <a:solidFill>
+                  <a:srgbClr val="0000FF"/>
+                </a:solidFill>
+                <a:highlight>
+                  <a:srgbClr val="FFFFFF"/>
+                </a:highlight>
+                <a:latin typeface="Cascadia Mono" panose="020B0609020000020004" pitchFamily="49" charset="0"/>
+              </a:rPr>
+              <a:t>="nineButton"</a:t>
+            </a:r>
+            <a:endParaRPr lang="en-GB" sz="1800" dirty="0">
+              <a:solidFill>
+                <a:srgbClr val="000000"/>
+              </a:solidFill>
+              <a:highlight>
+                <a:srgbClr val="FFFFFF"/>
+              </a:highlight>
+              <a:latin typeface="Cascadia Mono" panose="020B0609020000020004" pitchFamily="49" charset="0"/>
+            </a:endParaRPr>
+          </a:p>
+          <a:p>
+            <a:r>
+              <a:rPr lang="en-GB" sz="1800" dirty="0">
+                <a:solidFill>
+                  <a:srgbClr val="000000"/>
+                </a:solidFill>
+                <a:highlight>
+                  <a:srgbClr val="FFFFFF"/>
+                </a:highlight>
+                <a:latin typeface="Cascadia Mono" panose="020B0609020000020004" pitchFamily="49" charset="0"/>
+              </a:rPr>
+              <a:t>               </a:t>
+            </a:r>
+            <a:r>
+              <a:rPr lang="en-GB" sz="1800" dirty="0">
+                <a:solidFill>
+                  <a:srgbClr val="FF0000"/>
+                </a:solidFill>
+                <a:highlight>
+                  <a:srgbClr val="FFFFFF"/>
+                </a:highlight>
+                <a:latin typeface="Cascadia Mono" panose="020B0609020000020004" pitchFamily="49" charset="0"/>
+              </a:rPr>
+              <a:t> Content</a:t>
+            </a:r>
+            <a:r>
+              <a:rPr lang="en-GB" sz="1800" dirty="0">
+                <a:solidFill>
+                  <a:srgbClr val="0000FF"/>
+                </a:solidFill>
+                <a:highlight>
+                  <a:srgbClr val="FFFFFF"/>
+                </a:highlight>
+                <a:latin typeface="Cascadia Mono" panose="020B0609020000020004" pitchFamily="49" charset="0"/>
+              </a:rPr>
+              <a:t>="9"</a:t>
+            </a:r>
+            <a:endParaRPr lang="en-GB" sz="1800" dirty="0">
+              <a:solidFill>
+                <a:srgbClr val="000000"/>
+              </a:solidFill>
+              <a:highlight>
+                <a:srgbClr val="FFFFFF"/>
+              </a:highlight>
+              <a:latin typeface="Cascadia Mono" panose="020B0609020000020004" pitchFamily="49" charset="0"/>
+            </a:endParaRPr>
+          </a:p>
+          <a:p>
+            <a:r>
+              <a:rPr lang="en-GB" sz="1800" dirty="0">
+                <a:solidFill>
+                  <a:srgbClr val="000000"/>
+                </a:solidFill>
+                <a:highlight>
+                  <a:srgbClr val="FFFFFF"/>
+                </a:highlight>
+                <a:latin typeface="Cascadia Mono" panose="020B0609020000020004" pitchFamily="49" charset="0"/>
+              </a:rPr>
+              <a:t>               </a:t>
+            </a:r>
+            <a:r>
+              <a:rPr lang="en-GB" sz="1800" dirty="0">
+                <a:solidFill>
+                  <a:srgbClr val="FF0000"/>
+                </a:solidFill>
+                <a:highlight>
+                  <a:srgbClr val="FFFFFF"/>
+                </a:highlight>
+                <a:latin typeface="Cascadia Mono" panose="020B0609020000020004" pitchFamily="49" charset="0"/>
+              </a:rPr>
+              <a:t> Margin</a:t>
+            </a:r>
+            <a:r>
+              <a:rPr lang="en-GB" sz="1800" dirty="0">
+                <a:solidFill>
+                  <a:srgbClr val="0000FF"/>
+                </a:solidFill>
+                <a:highlight>
+                  <a:srgbClr val="FFFFFF"/>
+                </a:highlight>
+                <a:latin typeface="Cascadia Mono" panose="020B0609020000020004" pitchFamily="49" charset="0"/>
+              </a:rPr>
+              <a:t>="5"</a:t>
+            </a:r>
+            <a:endParaRPr lang="en-GB" sz="1800" dirty="0">
+              <a:solidFill>
+                <a:srgbClr val="000000"/>
+              </a:solidFill>
+              <a:highlight>
+                <a:srgbClr val="FFFFFF"/>
+              </a:highlight>
+              <a:latin typeface="Cascadia Mono" panose="020B0609020000020004" pitchFamily="49" charset="0"/>
+            </a:endParaRPr>
+          </a:p>
+          <a:p>
+            <a:r>
+              <a:rPr lang="en-GB" sz="1800" dirty="0">
+                <a:solidFill>
+                  <a:srgbClr val="000000"/>
+                </a:solidFill>
+                <a:highlight>
+                  <a:srgbClr val="FFFFFF"/>
+                </a:highlight>
+                <a:latin typeface="Cascadia Mono" panose="020B0609020000020004" pitchFamily="49" charset="0"/>
+              </a:rPr>
+              <a:t>               </a:t>
+            </a:r>
+            <a:r>
+              <a:rPr lang="en-GB" sz="1800" dirty="0">
+                <a:solidFill>
+                  <a:srgbClr val="FF0000"/>
+                </a:solidFill>
+                <a:highlight>
+                  <a:srgbClr val="FFFFFF"/>
+                </a:highlight>
+                <a:latin typeface="Cascadia Mono" panose="020B0609020000020004" pitchFamily="49" charset="0"/>
+              </a:rPr>
+              <a:t> </a:t>
+            </a:r>
+            <a:r>
+              <a:rPr lang="en-GB" sz="1800" dirty="0" err="1">
+                <a:solidFill>
+                  <a:srgbClr val="FF0000"/>
+                </a:solidFill>
+                <a:highlight>
+                  <a:srgbClr val="FFFFFF"/>
+                </a:highlight>
+                <a:latin typeface="Cascadia Mono" panose="020B0609020000020004" pitchFamily="49" charset="0"/>
+              </a:rPr>
+              <a:t>Grid.Row</a:t>
+            </a:r>
+            <a:r>
+              <a:rPr lang="en-GB" sz="1800" dirty="0">
+                <a:solidFill>
+                  <a:srgbClr val="0000FF"/>
+                </a:solidFill>
+                <a:highlight>
+                  <a:srgbClr val="FFFFFF"/>
+                </a:highlight>
+                <a:latin typeface="Cascadia Mono" panose="020B0609020000020004" pitchFamily="49" charset="0"/>
+              </a:rPr>
+              <a:t>="2"</a:t>
+            </a:r>
+            <a:endParaRPr lang="en-GB" sz="1800" dirty="0">
+              <a:solidFill>
+                <a:srgbClr val="000000"/>
+              </a:solidFill>
+              <a:highlight>
+                <a:srgbClr val="FFFFFF"/>
+              </a:highlight>
+              <a:latin typeface="Cascadia Mono" panose="020B0609020000020004" pitchFamily="49" charset="0"/>
+            </a:endParaRPr>
+          </a:p>
+          <a:p>
+            <a:r>
+              <a:rPr lang="en-GB" sz="1800" dirty="0">
+                <a:solidFill>
+                  <a:srgbClr val="000000"/>
+                </a:solidFill>
+                <a:highlight>
+                  <a:srgbClr val="FFFFFF"/>
+                </a:highlight>
+                <a:latin typeface="Cascadia Mono" panose="020B0609020000020004" pitchFamily="49" charset="0"/>
+              </a:rPr>
+              <a:t>               </a:t>
+            </a:r>
+            <a:r>
+              <a:rPr lang="en-GB" sz="1800" dirty="0">
+                <a:solidFill>
+                  <a:srgbClr val="FF0000"/>
+                </a:solidFill>
+                <a:highlight>
+                  <a:srgbClr val="FFFFFF"/>
+                </a:highlight>
+                <a:latin typeface="Cascadia Mono" panose="020B0609020000020004" pitchFamily="49" charset="0"/>
+              </a:rPr>
+              <a:t> </a:t>
+            </a:r>
+            <a:r>
+              <a:rPr lang="en-GB" sz="1800" dirty="0" err="1">
+                <a:solidFill>
+                  <a:srgbClr val="FF0000"/>
+                </a:solidFill>
+                <a:highlight>
+                  <a:srgbClr val="FFFFFF"/>
+                </a:highlight>
+                <a:latin typeface="Cascadia Mono" panose="020B0609020000020004" pitchFamily="49" charset="0"/>
+              </a:rPr>
+              <a:t>Grid.Column</a:t>
+            </a:r>
+            <a:r>
+              <a:rPr lang="en-GB" sz="1800" dirty="0">
+                <a:solidFill>
+                  <a:srgbClr val="0000FF"/>
+                </a:solidFill>
+                <a:highlight>
+                  <a:srgbClr val="FFFFFF"/>
+                </a:highlight>
+                <a:latin typeface="Cascadia Mono" panose="020B0609020000020004" pitchFamily="49" charset="0"/>
+              </a:rPr>
+              <a:t>="2"</a:t>
+            </a:r>
+            <a:endParaRPr lang="en-GB" sz="1800" dirty="0">
+              <a:solidFill>
+                <a:srgbClr val="000000"/>
+              </a:solidFill>
+              <a:highlight>
+                <a:srgbClr val="FFFFFF"/>
+              </a:highlight>
+              <a:latin typeface="Cascadia Mono" panose="020B0609020000020004" pitchFamily="49" charset="0"/>
+            </a:endParaRPr>
+          </a:p>
+          <a:p>
+            <a:r>
+              <a:rPr lang="en-GB" sz="1800" dirty="0">
+                <a:solidFill>
+                  <a:srgbClr val="000000"/>
+                </a:solidFill>
+                <a:highlight>
+                  <a:srgbClr val="FFFFFF"/>
+                </a:highlight>
+                <a:latin typeface="Cascadia Mono" panose="020B0609020000020004" pitchFamily="49" charset="0"/>
+              </a:rPr>
+              <a:t>               </a:t>
+            </a:r>
+            <a:r>
+              <a:rPr lang="en-GB" sz="1800" dirty="0">
+                <a:solidFill>
+                  <a:srgbClr val="FF0000"/>
+                </a:solidFill>
+                <a:highlight>
+                  <a:srgbClr val="FFFFFF"/>
+                </a:highlight>
+                <a:latin typeface="Cascadia Mono" panose="020B0609020000020004" pitchFamily="49" charset="0"/>
+              </a:rPr>
+              <a:t> Click</a:t>
+            </a:r>
+            <a:r>
+              <a:rPr lang="en-GB" sz="1800" dirty="0">
+                <a:solidFill>
+                  <a:srgbClr val="0000FF"/>
+                </a:solidFill>
+                <a:highlight>
+                  <a:srgbClr val="FFFFFF"/>
+                </a:highlight>
+                <a:latin typeface="Cascadia Mono" panose="020B0609020000020004" pitchFamily="49" charset="0"/>
+              </a:rPr>
+              <a:t>="</a:t>
+            </a:r>
+            <a:r>
+              <a:rPr lang="en-GB" sz="1800" dirty="0" err="1">
+                <a:solidFill>
+                  <a:srgbClr val="0000FF"/>
+                </a:solidFill>
+                <a:highlight>
+                  <a:srgbClr val="FFFFFF"/>
+                </a:highlight>
+                <a:latin typeface="Cascadia Mono" panose="020B0609020000020004" pitchFamily="49" charset="0"/>
+              </a:rPr>
+              <a:t>NumberButton_Click</a:t>
+            </a:r>
+            <a:r>
+              <a:rPr lang="en-GB" sz="1800" dirty="0">
+                <a:solidFill>
+                  <a:srgbClr val="0000FF"/>
+                </a:solidFill>
+                <a:highlight>
+                  <a:srgbClr val="FFFFFF"/>
+                </a:highlight>
+                <a:latin typeface="Cascadia Mono" panose="020B0609020000020004" pitchFamily="49" charset="0"/>
+              </a:rPr>
+              <a:t>"</a:t>
+            </a:r>
+            <a:endParaRPr lang="en-GB" sz="1800" dirty="0">
+              <a:solidFill>
+                <a:srgbClr val="000000"/>
+              </a:solidFill>
+              <a:highlight>
+                <a:srgbClr val="FFFFFF"/>
+              </a:highlight>
+              <a:latin typeface="Cascadia Mono" panose="020B0609020000020004" pitchFamily="49" charset="0"/>
+            </a:endParaRPr>
+          </a:p>
+          <a:p>
+            <a:r>
+              <a:rPr lang="en-GB" sz="1800" dirty="0">
+                <a:solidFill>
+                  <a:srgbClr val="000000"/>
+                </a:solidFill>
+                <a:highlight>
+                  <a:srgbClr val="FFFFFF"/>
+                </a:highlight>
+                <a:latin typeface="Cascadia Mono" panose="020B0609020000020004" pitchFamily="49" charset="0"/>
+              </a:rPr>
+              <a:t>                </a:t>
+            </a:r>
+          </a:p>
+          <a:p>
+            <a:r>
+              <a:rPr lang="en-GB" sz="1800" dirty="0">
+                <a:solidFill>
+                  <a:srgbClr val="000000"/>
+                </a:solidFill>
+                <a:highlight>
+                  <a:srgbClr val="FFFFFF"/>
+                </a:highlight>
+                <a:latin typeface="Cascadia Mono" panose="020B0609020000020004" pitchFamily="49" charset="0"/>
+              </a:rPr>
+              <a:t>               </a:t>
+            </a:r>
+            <a:r>
+              <a:rPr lang="en-GB" sz="1800" dirty="0">
+                <a:solidFill>
+                  <a:srgbClr val="FF0000"/>
+                </a:solidFill>
+                <a:highlight>
+                  <a:srgbClr val="FFFFFF"/>
+                </a:highlight>
+                <a:latin typeface="Cascadia Mono" panose="020B0609020000020004" pitchFamily="49" charset="0"/>
+              </a:rPr>
+              <a:t> </a:t>
+            </a:r>
+            <a:r>
+              <a:rPr lang="en-GB" sz="1800" dirty="0">
+                <a:solidFill>
+                  <a:srgbClr val="FF0000"/>
+                </a:solidFill>
+                <a:highlight>
+                  <a:srgbClr val="FFFF00"/>
+                </a:highlight>
+                <a:latin typeface="Cascadia Mono" panose="020B0609020000020004" pitchFamily="49" charset="0"/>
+              </a:rPr>
+              <a:t>Background</a:t>
+            </a:r>
+            <a:r>
+              <a:rPr lang="en-GB" sz="1800" dirty="0">
+                <a:solidFill>
+                  <a:srgbClr val="0000FF"/>
+                </a:solidFill>
+                <a:highlight>
+                  <a:srgbClr val="FFFF00"/>
+                </a:highlight>
+                <a:latin typeface="Cascadia Mono" panose="020B0609020000020004" pitchFamily="49" charset="0"/>
+              </a:rPr>
+              <a:t>="#444444"</a:t>
+            </a:r>
+            <a:endParaRPr lang="en-GB" sz="1800" dirty="0">
+              <a:solidFill>
+                <a:srgbClr val="000000"/>
+              </a:solidFill>
+              <a:highlight>
+                <a:srgbClr val="FFFF00"/>
+              </a:highlight>
+              <a:latin typeface="Cascadia Mono" panose="020B0609020000020004" pitchFamily="49" charset="0"/>
+            </a:endParaRPr>
+          </a:p>
+          <a:p>
+            <a:r>
+              <a:rPr lang="en-GB" sz="1800" dirty="0">
+                <a:solidFill>
+                  <a:srgbClr val="000000"/>
+                </a:solidFill>
+                <a:highlight>
+                  <a:srgbClr val="FFFF00"/>
+                </a:highlight>
+                <a:latin typeface="Cascadia Mono" panose="020B0609020000020004" pitchFamily="49" charset="0"/>
+              </a:rPr>
+              <a:t>               </a:t>
+            </a:r>
+            <a:r>
+              <a:rPr lang="en-GB" sz="1800" dirty="0">
+                <a:solidFill>
+                  <a:srgbClr val="FF0000"/>
+                </a:solidFill>
+                <a:highlight>
+                  <a:srgbClr val="FFFF00"/>
+                </a:highlight>
+                <a:latin typeface="Cascadia Mono" panose="020B0609020000020004" pitchFamily="49" charset="0"/>
+              </a:rPr>
+              <a:t> Foreground</a:t>
+            </a:r>
+            <a:r>
+              <a:rPr lang="en-GB" sz="1800" dirty="0">
+                <a:solidFill>
+                  <a:srgbClr val="0000FF"/>
+                </a:solidFill>
+                <a:highlight>
+                  <a:srgbClr val="FFFF00"/>
+                </a:highlight>
+                <a:latin typeface="Cascadia Mono" panose="020B0609020000020004" pitchFamily="49" charset="0"/>
+              </a:rPr>
+              <a:t>="white"</a:t>
+            </a:r>
+            <a:r>
+              <a:rPr lang="en-GB" sz="1800" dirty="0">
+                <a:solidFill>
+                  <a:srgbClr val="0000FF"/>
+                </a:solidFill>
+                <a:highlight>
+                  <a:srgbClr val="FFFFFF"/>
+                </a:highlight>
+                <a:latin typeface="Cascadia Mono" panose="020B0609020000020004" pitchFamily="49" charset="0"/>
+              </a:rPr>
+              <a:t>/&gt;</a:t>
+            </a:r>
+            <a:endParaRPr lang="en-GB" dirty="0"/>
+          </a:p>
+        </p:txBody>
+      </p:sp>
+      <p:pic>
+        <p:nvPicPr>
+          <p:cNvPr id="9" name="Picture 8">
+            <a:extLst>
+              <a:ext uri="{FF2B5EF4-FFF2-40B4-BE49-F238E27FC236}">
+                <a16:creationId xmlns:a16="http://schemas.microsoft.com/office/drawing/2014/main" id="{7FF08C14-62BD-988C-C84C-D050DA75E604}"/>
+              </a:ext>
+            </a:extLst>
+          </p:cNvPr>
+          <p:cNvPicPr>
+            <a:picLocks noChangeAspect="1"/>
+          </p:cNvPicPr>
+          <p:nvPr/>
+        </p:nvPicPr>
+        <p:blipFill>
+          <a:blip r:embed="rId3"/>
+          <a:stretch>
+            <a:fillRect/>
+          </a:stretch>
+        </p:blipFill>
+        <p:spPr>
+          <a:xfrm>
+            <a:off x="1077472" y="539336"/>
+            <a:ext cx="3629532" cy="4820323"/>
+          </a:xfrm>
+          <a:prstGeom prst="rect">
+            <a:avLst/>
+          </a:prstGeom>
+        </p:spPr>
+      </p:pic>
     </p:spTree>
     <p:extLst>
       <p:ext uri="{BB962C8B-B14F-4D97-AF65-F5344CB8AC3E}">
@@ -26753,6 +28886,3825 @@
           <a:chExt cx="0" cy="0"/>
         </a:xfrm>
       </p:grpSpPr>
+      <p:sp>
+        <p:nvSpPr>
+          <p:cNvPr id="2" name="TextBox 1">
+            <a:extLst>
+              <a:ext uri="{FF2B5EF4-FFF2-40B4-BE49-F238E27FC236}">
+                <a16:creationId xmlns:a16="http://schemas.microsoft.com/office/drawing/2014/main" id="{24EFEB33-F4D6-B4D3-6F68-6BA4E07D24D4}"/>
+              </a:ext>
+            </a:extLst>
+          </p:cNvPr>
+          <p:cNvSpPr txBox="1"/>
+          <p:nvPr/>
+        </p:nvSpPr>
+        <p:spPr>
+          <a:xfrm>
+            <a:off x="246750" y="186656"/>
+            <a:ext cx="1978747" cy="646331"/>
+          </a:xfrm>
+          <a:prstGeom prst="rect">
+            <a:avLst/>
+          </a:prstGeom>
+          <a:noFill/>
+        </p:spPr>
+        <p:txBody>
+          <a:bodyPr wrap="none" rtlCol="0">
+            <a:spAutoFit/>
+          </a:bodyPr>
+          <a:lstStyle/>
+          <a:p>
+            <a:r>
+              <a:rPr lang="en-GB" dirty="0"/>
+              <a:t>Static Resources:</a:t>
+            </a:r>
+          </a:p>
+          <a:p>
+            <a:endParaRPr lang="en-GB" dirty="0"/>
+          </a:p>
+        </p:txBody>
+      </p:sp>
+      <p:sp>
+        <p:nvSpPr>
+          <p:cNvPr id="4" name="TextBox 3">
+            <a:extLst>
+              <a:ext uri="{FF2B5EF4-FFF2-40B4-BE49-F238E27FC236}">
+                <a16:creationId xmlns:a16="http://schemas.microsoft.com/office/drawing/2014/main" id="{B94C1715-18D8-387A-6141-87878084CBC3}"/>
+              </a:ext>
+            </a:extLst>
+          </p:cNvPr>
+          <p:cNvSpPr txBox="1"/>
+          <p:nvPr/>
+        </p:nvSpPr>
+        <p:spPr>
+          <a:xfrm>
+            <a:off x="366548" y="832987"/>
+            <a:ext cx="7342790" cy="2862322"/>
+          </a:xfrm>
+          <a:prstGeom prst="rect">
+            <a:avLst/>
+          </a:prstGeom>
+          <a:noFill/>
+        </p:spPr>
+        <p:txBody>
+          <a:bodyPr wrap="square">
+            <a:spAutoFit/>
+          </a:bodyPr>
+          <a:lstStyle/>
+          <a:p>
+            <a:r>
+              <a:rPr lang="en-GB" sz="1200" dirty="0">
+                <a:solidFill>
+                  <a:srgbClr val="0000FF"/>
+                </a:solidFill>
+                <a:highlight>
+                  <a:srgbClr val="FFFFFF"/>
+                </a:highlight>
+                <a:latin typeface="Cascadia Mono" panose="020B0609020000020004" pitchFamily="49" charset="0"/>
+              </a:rPr>
+              <a:t>&lt;</a:t>
+            </a:r>
+            <a:r>
+              <a:rPr lang="en-GB" sz="1200" dirty="0">
+                <a:solidFill>
+                  <a:srgbClr val="A31515"/>
+                </a:solidFill>
+                <a:highlight>
+                  <a:srgbClr val="FFFFFF"/>
+                </a:highlight>
+                <a:latin typeface="Cascadia Mono" panose="020B0609020000020004" pitchFamily="49" charset="0"/>
+              </a:rPr>
+              <a:t>Window</a:t>
+            </a:r>
+            <a:r>
+              <a:rPr lang="en-GB" sz="1200" dirty="0">
+                <a:solidFill>
+                  <a:srgbClr val="FF0000"/>
+                </a:solidFill>
+                <a:highlight>
+                  <a:srgbClr val="FFFFFF"/>
+                </a:highlight>
+                <a:latin typeface="Cascadia Mono" panose="020B0609020000020004" pitchFamily="49" charset="0"/>
+              </a:rPr>
+              <a:t> x</a:t>
+            </a:r>
+            <a:r>
+              <a:rPr lang="en-GB" sz="1200" dirty="0">
+                <a:solidFill>
+                  <a:srgbClr val="0000FF"/>
+                </a:solidFill>
+                <a:highlight>
+                  <a:srgbClr val="FFFFFF"/>
+                </a:highlight>
+                <a:latin typeface="Cascadia Mono" panose="020B0609020000020004" pitchFamily="49" charset="0"/>
+              </a:rPr>
+              <a:t>:</a:t>
+            </a:r>
+            <a:r>
+              <a:rPr lang="en-GB" sz="1200" dirty="0">
+                <a:solidFill>
+                  <a:srgbClr val="FF0000"/>
+                </a:solidFill>
+                <a:highlight>
+                  <a:srgbClr val="FFFFFF"/>
+                </a:highlight>
+                <a:latin typeface="Cascadia Mono" panose="020B0609020000020004" pitchFamily="49" charset="0"/>
+              </a:rPr>
+              <a:t>Class</a:t>
+            </a:r>
+            <a:r>
+              <a:rPr lang="en-GB" sz="1200" dirty="0">
+                <a:solidFill>
+                  <a:srgbClr val="0000FF"/>
+                </a:solidFill>
+                <a:highlight>
+                  <a:srgbClr val="FFFFFF"/>
+                </a:highlight>
+                <a:latin typeface="Cascadia Mono" panose="020B0609020000020004" pitchFamily="49" charset="0"/>
+              </a:rPr>
+              <a:t>="Simple_Calculator.MainWindow"</a:t>
+            </a:r>
+            <a:endParaRPr lang="en-GB" sz="1200" dirty="0">
+              <a:solidFill>
+                <a:srgbClr val="000000"/>
+              </a:solidFill>
+              <a:highlight>
+                <a:srgbClr val="FFFFFF"/>
+              </a:highlight>
+              <a:latin typeface="Cascadia Mono" panose="020B0609020000020004" pitchFamily="49" charset="0"/>
+            </a:endParaRPr>
+          </a:p>
+          <a:p>
+            <a:r>
+              <a:rPr lang="en-GB" sz="1200" dirty="0">
+                <a:solidFill>
+                  <a:srgbClr val="000000"/>
+                </a:solidFill>
+                <a:highlight>
+                  <a:srgbClr val="FFFFFF"/>
+                </a:highlight>
+                <a:latin typeface="Cascadia Mono" panose="020B0609020000020004" pitchFamily="49" charset="0"/>
+              </a:rPr>
+              <a:t>       </a:t>
+            </a:r>
+            <a:r>
+              <a:rPr lang="en-GB" sz="1200" dirty="0">
+                <a:solidFill>
+                  <a:srgbClr val="FF0000"/>
+                </a:solidFill>
+                <a:highlight>
+                  <a:srgbClr val="FFFFFF"/>
+                </a:highlight>
+                <a:latin typeface="Cascadia Mono" panose="020B0609020000020004" pitchFamily="49" charset="0"/>
+              </a:rPr>
+              <a:t> </a:t>
+            </a:r>
+            <a:r>
+              <a:rPr lang="en-GB" sz="1200" dirty="0" err="1">
+                <a:solidFill>
+                  <a:srgbClr val="FF0000"/>
+                </a:solidFill>
+                <a:highlight>
+                  <a:srgbClr val="FFFFFF"/>
+                </a:highlight>
+                <a:latin typeface="Cascadia Mono" panose="020B0609020000020004" pitchFamily="49" charset="0"/>
+              </a:rPr>
+              <a:t>xmlns</a:t>
+            </a:r>
+            <a:r>
+              <a:rPr lang="en-GB" sz="1200" dirty="0">
+                <a:solidFill>
+                  <a:srgbClr val="0000FF"/>
+                </a:solidFill>
+                <a:highlight>
+                  <a:srgbClr val="FFFFFF"/>
+                </a:highlight>
+                <a:latin typeface="Cascadia Mono" panose="020B0609020000020004" pitchFamily="49" charset="0"/>
+              </a:rPr>
+              <a:t>="http://schemas.microsoft.com/</a:t>
+            </a:r>
+            <a:r>
+              <a:rPr lang="en-GB" sz="1200" dirty="0" err="1">
+                <a:solidFill>
+                  <a:srgbClr val="0000FF"/>
+                </a:solidFill>
+                <a:highlight>
+                  <a:srgbClr val="FFFFFF"/>
+                </a:highlight>
+                <a:latin typeface="Cascadia Mono" panose="020B0609020000020004" pitchFamily="49" charset="0"/>
+              </a:rPr>
+              <a:t>winfx</a:t>
+            </a:r>
+            <a:r>
+              <a:rPr lang="en-GB" sz="1200" dirty="0">
+                <a:solidFill>
+                  <a:srgbClr val="0000FF"/>
+                </a:solidFill>
+                <a:highlight>
+                  <a:srgbClr val="FFFFFF"/>
+                </a:highlight>
+                <a:latin typeface="Cascadia Mono" panose="020B0609020000020004" pitchFamily="49" charset="0"/>
+              </a:rPr>
+              <a:t>/2006/</a:t>
+            </a:r>
+            <a:r>
+              <a:rPr lang="en-GB" sz="1200" dirty="0" err="1">
+                <a:solidFill>
+                  <a:srgbClr val="0000FF"/>
+                </a:solidFill>
+                <a:highlight>
+                  <a:srgbClr val="FFFFFF"/>
+                </a:highlight>
+                <a:latin typeface="Cascadia Mono" panose="020B0609020000020004" pitchFamily="49" charset="0"/>
+              </a:rPr>
+              <a:t>xaml</a:t>
+            </a:r>
+            <a:r>
+              <a:rPr lang="en-GB" sz="1200" dirty="0">
+                <a:solidFill>
+                  <a:srgbClr val="0000FF"/>
+                </a:solidFill>
+                <a:highlight>
+                  <a:srgbClr val="FFFFFF"/>
+                </a:highlight>
+                <a:latin typeface="Cascadia Mono" panose="020B0609020000020004" pitchFamily="49" charset="0"/>
+              </a:rPr>
+              <a:t>/presentation"</a:t>
+            </a:r>
+            <a:endParaRPr lang="en-GB" sz="1200" dirty="0">
+              <a:solidFill>
+                <a:srgbClr val="000000"/>
+              </a:solidFill>
+              <a:highlight>
+                <a:srgbClr val="FFFFFF"/>
+              </a:highlight>
+              <a:latin typeface="Cascadia Mono" panose="020B0609020000020004" pitchFamily="49" charset="0"/>
+            </a:endParaRPr>
+          </a:p>
+          <a:p>
+            <a:r>
+              <a:rPr lang="en-GB" sz="1200" dirty="0">
+                <a:solidFill>
+                  <a:srgbClr val="000000"/>
+                </a:solidFill>
+                <a:highlight>
+                  <a:srgbClr val="FFFFFF"/>
+                </a:highlight>
+                <a:latin typeface="Cascadia Mono" panose="020B0609020000020004" pitchFamily="49" charset="0"/>
+              </a:rPr>
+              <a:t>       </a:t>
+            </a:r>
+            <a:r>
+              <a:rPr lang="en-GB" sz="1200" dirty="0">
+                <a:solidFill>
+                  <a:srgbClr val="FF0000"/>
+                </a:solidFill>
+                <a:highlight>
+                  <a:srgbClr val="FFFFFF"/>
+                </a:highlight>
+                <a:latin typeface="Cascadia Mono" panose="020B0609020000020004" pitchFamily="49" charset="0"/>
+              </a:rPr>
+              <a:t> </a:t>
+            </a:r>
+            <a:r>
+              <a:rPr lang="en-GB" sz="1200" dirty="0" err="1">
+                <a:solidFill>
+                  <a:srgbClr val="FF0000"/>
+                </a:solidFill>
+                <a:highlight>
+                  <a:srgbClr val="FFFFFF"/>
+                </a:highlight>
+                <a:latin typeface="Cascadia Mono" panose="020B0609020000020004" pitchFamily="49" charset="0"/>
+              </a:rPr>
+              <a:t>xmlns</a:t>
+            </a:r>
+            <a:r>
+              <a:rPr lang="en-GB" sz="1200" dirty="0" err="1">
+                <a:solidFill>
+                  <a:srgbClr val="0000FF"/>
+                </a:solidFill>
+                <a:highlight>
+                  <a:srgbClr val="FFFFFF"/>
+                </a:highlight>
+                <a:latin typeface="Cascadia Mono" panose="020B0609020000020004" pitchFamily="49" charset="0"/>
+              </a:rPr>
+              <a:t>:</a:t>
+            </a:r>
+            <a:r>
+              <a:rPr lang="en-GB" sz="1200" dirty="0" err="1">
+                <a:solidFill>
+                  <a:srgbClr val="FF0000"/>
+                </a:solidFill>
+                <a:highlight>
+                  <a:srgbClr val="FFFFFF"/>
+                </a:highlight>
+                <a:latin typeface="Cascadia Mono" panose="020B0609020000020004" pitchFamily="49" charset="0"/>
+              </a:rPr>
+              <a:t>x</a:t>
+            </a:r>
+            <a:r>
+              <a:rPr lang="en-GB" sz="1200" dirty="0">
+                <a:solidFill>
+                  <a:srgbClr val="0000FF"/>
+                </a:solidFill>
+                <a:highlight>
+                  <a:srgbClr val="FFFFFF"/>
+                </a:highlight>
+                <a:latin typeface="Cascadia Mono" panose="020B0609020000020004" pitchFamily="49" charset="0"/>
+              </a:rPr>
+              <a:t>="http://schemas.microsoft.com/</a:t>
+            </a:r>
+            <a:r>
+              <a:rPr lang="en-GB" sz="1200" dirty="0" err="1">
+                <a:solidFill>
+                  <a:srgbClr val="0000FF"/>
+                </a:solidFill>
+                <a:highlight>
+                  <a:srgbClr val="FFFFFF"/>
+                </a:highlight>
+                <a:latin typeface="Cascadia Mono" panose="020B0609020000020004" pitchFamily="49" charset="0"/>
+              </a:rPr>
+              <a:t>winfx</a:t>
+            </a:r>
+            <a:r>
+              <a:rPr lang="en-GB" sz="1200" dirty="0">
+                <a:solidFill>
+                  <a:srgbClr val="0000FF"/>
+                </a:solidFill>
+                <a:highlight>
+                  <a:srgbClr val="FFFFFF"/>
+                </a:highlight>
+                <a:latin typeface="Cascadia Mono" panose="020B0609020000020004" pitchFamily="49" charset="0"/>
+              </a:rPr>
+              <a:t>/2006/</a:t>
+            </a:r>
+            <a:r>
+              <a:rPr lang="en-GB" sz="1200" dirty="0" err="1">
+                <a:solidFill>
+                  <a:srgbClr val="0000FF"/>
+                </a:solidFill>
+                <a:highlight>
+                  <a:srgbClr val="FFFFFF"/>
+                </a:highlight>
+                <a:latin typeface="Cascadia Mono" panose="020B0609020000020004" pitchFamily="49" charset="0"/>
+              </a:rPr>
+              <a:t>xaml</a:t>
+            </a:r>
+            <a:r>
+              <a:rPr lang="en-GB" sz="1200" dirty="0">
+                <a:solidFill>
+                  <a:srgbClr val="0000FF"/>
+                </a:solidFill>
+                <a:highlight>
+                  <a:srgbClr val="FFFFFF"/>
+                </a:highlight>
+                <a:latin typeface="Cascadia Mono" panose="020B0609020000020004" pitchFamily="49" charset="0"/>
+              </a:rPr>
+              <a:t>"</a:t>
+            </a:r>
+            <a:endParaRPr lang="en-GB" sz="1200" dirty="0">
+              <a:solidFill>
+                <a:srgbClr val="000000"/>
+              </a:solidFill>
+              <a:highlight>
+                <a:srgbClr val="FFFFFF"/>
+              </a:highlight>
+              <a:latin typeface="Cascadia Mono" panose="020B0609020000020004" pitchFamily="49" charset="0"/>
+            </a:endParaRPr>
+          </a:p>
+          <a:p>
+            <a:r>
+              <a:rPr lang="en-GB" sz="1200" dirty="0">
+                <a:solidFill>
+                  <a:srgbClr val="000000"/>
+                </a:solidFill>
+                <a:highlight>
+                  <a:srgbClr val="FFFFFF"/>
+                </a:highlight>
+                <a:latin typeface="Cascadia Mono" panose="020B0609020000020004" pitchFamily="49" charset="0"/>
+              </a:rPr>
+              <a:t>       </a:t>
+            </a:r>
+            <a:r>
+              <a:rPr lang="en-GB" sz="1200" dirty="0">
+                <a:solidFill>
+                  <a:srgbClr val="FF0000"/>
+                </a:solidFill>
+                <a:highlight>
+                  <a:srgbClr val="FFFFFF"/>
+                </a:highlight>
+                <a:latin typeface="Cascadia Mono" panose="020B0609020000020004" pitchFamily="49" charset="0"/>
+              </a:rPr>
+              <a:t> </a:t>
+            </a:r>
+            <a:r>
+              <a:rPr lang="en-GB" sz="1200" dirty="0" err="1">
+                <a:solidFill>
+                  <a:srgbClr val="FF0000"/>
+                </a:solidFill>
+                <a:highlight>
+                  <a:srgbClr val="FFFFFF"/>
+                </a:highlight>
+                <a:latin typeface="Cascadia Mono" panose="020B0609020000020004" pitchFamily="49" charset="0"/>
+              </a:rPr>
+              <a:t>xmlns</a:t>
+            </a:r>
+            <a:r>
+              <a:rPr lang="en-GB" sz="1200" dirty="0" err="1">
+                <a:solidFill>
+                  <a:srgbClr val="0000FF"/>
+                </a:solidFill>
+                <a:highlight>
+                  <a:srgbClr val="FFFFFF"/>
+                </a:highlight>
+                <a:latin typeface="Cascadia Mono" panose="020B0609020000020004" pitchFamily="49" charset="0"/>
+              </a:rPr>
+              <a:t>:</a:t>
+            </a:r>
+            <a:r>
+              <a:rPr lang="en-GB" sz="1200" dirty="0" err="1">
+                <a:solidFill>
+                  <a:srgbClr val="FF0000"/>
+                </a:solidFill>
+                <a:highlight>
+                  <a:srgbClr val="FFFFFF"/>
+                </a:highlight>
+                <a:latin typeface="Cascadia Mono" panose="020B0609020000020004" pitchFamily="49" charset="0"/>
+              </a:rPr>
+              <a:t>d</a:t>
+            </a:r>
+            <a:r>
+              <a:rPr lang="en-GB" sz="1200" dirty="0">
+                <a:solidFill>
+                  <a:srgbClr val="0000FF"/>
+                </a:solidFill>
+                <a:highlight>
+                  <a:srgbClr val="FFFFFF"/>
+                </a:highlight>
+                <a:latin typeface="Cascadia Mono" panose="020B0609020000020004" pitchFamily="49" charset="0"/>
+              </a:rPr>
+              <a:t>="http://schemas.microsoft.com/expression/blend/2008"</a:t>
+            </a:r>
+            <a:endParaRPr lang="en-GB" sz="1200" dirty="0">
+              <a:solidFill>
+                <a:srgbClr val="000000"/>
+              </a:solidFill>
+              <a:highlight>
+                <a:srgbClr val="FFFFFF"/>
+              </a:highlight>
+              <a:latin typeface="Cascadia Mono" panose="020B0609020000020004" pitchFamily="49" charset="0"/>
+            </a:endParaRPr>
+          </a:p>
+          <a:p>
+            <a:r>
+              <a:rPr lang="en-GB" sz="1200" dirty="0">
+                <a:solidFill>
+                  <a:srgbClr val="000000"/>
+                </a:solidFill>
+                <a:highlight>
+                  <a:srgbClr val="FFFFFF"/>
+                </a:highlight>
+                <a:latin typeface="Cascadia Mono" panose="020B0609020000020004" pitchFamily="49" charset="0"/>
+              </a:rPr>
+              <a:t>       </a:t>
+            </a:r>
+            <a:r>
+              <a:rPr lang="en-GB" sz="1200" dirty="0">
+                <a:solidFill>
+                  <a:srgbClr val="FF0000"/>
+                </a:solidFill>
+                <a:highlight>
+                  <a:srgbClr val="FFFFFF"/>
+                </a:highlight>
+                <a:latin typeface="Cascadia Mono" panose="020B0609020000020004" pitchFamily="49" charset="0"/>
+              </a:rPr>
+              <a:t> </a:t>
+            </a:r>
+            <a:r>
+              <a:rPr lang="en-GB" sz="1200" dirty="0" err="1">
+                <a:solidFill>
+                  <a:srgbClr val="FF0000"/>
+                </a:solidFill>
+                <a:highlight>
+                  <a:srgbClr val="FFFFFF"/>
+                </a:highlight>
+                <a:latin typeface="Cascadia Mono" panose="020B0609020000020004" pitchFamily="49" charset="0"/>
+              </a:rPr>
+              <a:t>xmlns</a:t>
+            </a:r>
+            <a:r>
+              <a:rPr lang="en-GB" sz="1200" dirty="0" err="1">
+                <a:solidFill>
+                  <a:srgbClr val="0000FF"/>
+                </a:solidFill>
+                <a:highlight>
+                  <a:srgbClr val="FFFFFF"/>
+                </a:highlight>
+                <a:latin typeface="Cascadia Mono" panose="020B0609020000020004" pitchFamily="49" charset="0"/>
+              </a:rPr>
+              <a:t>:</a:t>
+            </a:r>
+            <a:r>
+              <a:rPr lang="en-GB" sz="1200" dirty="0" err="1">
+                <a:solidFill>
+                  <a:srgbClr val="FF0000"/>
+                </a:solidFill>
+                <a:highlight>
+                  <a:srgbClr val="FFFFFF"/>
+                </a:highlight>
+                <a:latin typeface="Cascadia Mono" panose="020B0609020000020004" pitchFamily="49" charset="0"/>
+              </a:rPr>
+              <a:t>mc</a:t>
+            </a:r>
+            <a:r>
+              <a:rPr lang="en-GB" sz="1200" dirty="0">
+                <a:solidFill>
+                  <a:srgbClr val="0000FF"/>
+                </a:solidFill>
+                <a:highlight>
+                  <a:srgbClr val="FFFFFF"/>
+                </a:highlight>
+                <a:latin typeface="Cascadia Mono" panose="020B0609020000020004" pitchFamily="49" charset="0"/>
+              </a:rPr>
+              <a:t>="http://schemas.openxmlformats.org/markup-compatibility/2006"</a:t>
+            </a:r>
+            <a:endParaRPr lang="en-GB" sz="1200" dirty="0">
+              <a:solidFill>
+                <a:srgbClr val="000000"/>
+              </a:solidFill>
+              <a:highlight>
+                <a:srgbClr val="FFFFFF"/>
+              </a:highlight>
+              <a:latin typeface="Cascadia Mono" panose="020B0609020000020004" pitchFamily="49" charset="0"/>
+            </a:endParaRPr>
+          </a:p>
+          <a:p>
+            <a:r>
+              <a:rPr lang="en-GB" sz="1200" dirty="0">
+                <a:solidFill>
+                  <a:srgbClr val="000000"/>
+                </a:solidFill>
+                <a:highlight>
+                  <a:srgbClr val="FFFFFF"/>
+                </a:highlight>
+                <a:latin typeface="Cascadia Mono" panose="020B0609020000020004" pitchFamily="49" charset="0"/>
+              </a:rPr>
+              <a:t>       </a:t>
+            </a:r>
+            <a:r>
+              <a:rPr lang="en-GB" sz="1200" dirty="0">
+                <a:solidFill>
+                  <a:srgbClr val="FF0000"/>
+                </a:solidFill>
+                <a:highlight>
+                  <a:srgbClr val="FFFFFF"/>
+                </a:highlight>
+                <a:latin typeface="Cascadia Mono" panose="020B0609020000020004" pitchFamily="49" charset="0"/>
+              </a:rPr>
+              <a:t> </a:t>
+            </a:r>
+            <a:r>
+              <a:rPr lang="en-GB" sz="1200" dirty="0" err="1">
+                <a:solidFill>
+                  <a:srgbClr val="FF0000"/>
+                </a:solidFill>
+                <a:highlight>
+                  <a:srgbClr val="FFFFFF"/>
+                </a:highlight>
+                <a:latin typeface="Cascadia Mono" panose="020B0609020000020004" pitchFamily="49" charset="0"/>
+              </a:rPr>
+              <a:t>xmlns</a:t>
+            </a:r>
+            <a:r>
+              <a:rPr lang="en-GB" sz="1200" dirty="0" err="1">
+                <a:solidFill>
+                  <a:srgbClr val="0000FF"/>
+                </a:solidFill>
+                <a:highlight>
+                  <a:srgbClr val="FFFFFF"/>
+                </a:highlight>
+                <a:latin typeface="Cascadia Mono" panose="020B0609020000020004" pitchFamily="49" charset="0"/>
+              </a:rPr>
+              <a:t>:</a:t>
+            </a:r>
+            <a:r>
+              <a:rPr lang="en-GB" sz="1200" dirty="0" err="1">
+                <a:solidFill>
+                  <a:srgbClr val="FF0000"/>
+                </a:solidFill>
+                <a:highlight>
+                  <a:srgbClr val="FFFFFF"/>
+                </a:highlight>
+                <a:latin typeface="Cascadia Mono" panose="020B0609020000020004" pitchFamily="49" charset="0"/>
+              </a:rPr>
+              <a:t>local</a:t>
+            </a:r>
+            <a:r>
+              <a:rPr lang="en-GB" sz="1200" dirty="0">
+                <a:solidFill>
+                  <a:srgbClr val="0000FF"/>
+                </a:solidFill>
+                <a:highlight>
+                  <a:srgbClr val="FFFFFF"/>
+                </a:highlight>
+                <a:latin typeface="Cascadia Mono" panose="020B0609020000020004" pitchFamily="49" charset="0"/>
+              </a:rPr>
+              <a:t>="</a:t>
+            </a:r>
+            <a:r>
+              <a:rPr lang="en-GB" sz="1200" dirty="0" err="1">
+                <a:solidFill>
+                  <a:srgbClr val="0000FF"/>
+                </a:solidFill>
+                <a:highlight>
+                  <a:srgbClr val="FFFFFF"/>
+                </a:highlight>
+                <a:latin typeface="Cascadia Mono" panose="020B0609020000020004" pitchFamily="49" charset="0"/>
+              </a:rPr>
+              <a:t>clr-namespace:Simple_Calculator</a:t>
+            </a:r>
+            <a:r>
+              <a:rPr lang="en-GB" sz="1200" dirty="0">
+                <a:solidFill>
+                  <a:srgbClr val="0000FF"/>
+                </a:solidFill>
+                <a:highlight>
+                  <a:srgbClr val="FFFFFF"/>
+                </a:highlight>
+                <a:latin typeface="Cascadia Mono" panose="020B0609020000020004" pitchFamily="49" charset="0"/>
+              </a:rPr>
+              <a:t>"</a:t>
+            </a:r>
+            <a:endParaRPr lang="en-GB" sz="1200" dirty="0">
+              <a:solidFill>
+                <a:srgbClr val="000000"/>
+              </a:solidFill>
+              <a:highlight>
+                <a:srgbClr val="FFFFFF"/>
+              </a:highlight>
+              <a:latin typeface="Cascadia Mono" panose="020B0609020000020004" pitchFamily="49" charset="0"/>
+            </a:endParaRPr>
+          </a:p>
+          <a:p>
+            <a:r>
+              <a:rPr lang="en-GB" sz="1200" dirty="0">
+                <a:solidFill>
+                  <a:srgbClr val="000000"/>
+                </a:solidFill>
+                <a:highlight>
+                  <a:srgbClr val="FFFFFF"/>
+                </a:highlight>
+                <a:latin typeface="Cascadia Mono" panose="020B0609020000020004" pitchFamily="49" charset="0"/>
+              </a:rPr>
+              <a:t>       </a:t>
+            </a:r>
+            <a:r>
+              <a:rPr lang="en-GB" sz="1200" dirty="0">
+                <a:solidFill>
+                  <a:srgbClr val="FF0000"/>
+                </a:solidFill>
+                <a:highlight>
+                  <a:srgbClr val="FFFFFF"/>
+                </a:highlight>
+                <a:latin typeface="Cascadia Mono" panose="020B0609020000020004" pitchFamily="49" charset="0"/>
+              </a:rPr>
+              <a:t> </a:t>
+            </a:r>
+            <a:r>
+              <a:rPr lang="en-GB" sz="1200" dirty="0" err="1">
+                <a:solidFill>
+                  <a:srgbClr val="FF0000"/>
+                </a:solidFill>
+                <a:highlight>
+                  <a:srgbClr val="FFFFFF"/>
+                </a:highlight>
+                <a:latin typeface="Cascadia Mono" panose="020B0609020000020004" pitchFamily="49" charset="0"/>
+              </a:rPr>
+              <a:t>mc</a:t>
+            </a:r>
+            <a:r>
+              <a:rPr lang="en-GB" sz="1200" dirty="0" err="1">
+                <a:solidFill>
+                  <a:srgbClr val="0000FF"/>
+                </a:solidFill>
+                <a:highlight>
+                  <a:srgbClr val="FFFFFF"/>
+                </a:highlight>
+                <a:latin typeface="Cascadia Mono" panose="020B0609020000020004" pitchFamily="49" charset="0"/>
+              </a:rPr>
+              <a:t>:</a:t>
+            </a:r>
+            <a:r>
+              <a:rPr lang="en-GB" sz="1200" dirty="0" err="1">
+                <a:solidFill>
+                  <a:srgbClr val="FF0000"/>
+                </a:solidFill>
+                <a:highlight>
+                  <a:srgbClr val="FFFFFF"/>
+                </a:highlight>
+                <a:latin typeface="Cascadia Mono" panose="020B0609020000020004" pitchFamily="49" charset="0"/>
+              </a:rPr>
+              <a:t>Ignorable</a:t>
+            </a:r>
+            <a:r>
+              <a:rPr lang="en-GB" sz="1200" dirty="0">
+                <a:solidFill>
+                  <a:srgbClr val="0000FF"/>
+                </a:solidFill>
+                <a:highlight>
+                  <a:srgbClr val="FFFFFF"/>
+                </a:highlight>
+                <a:latin typeface="Cascadia Mono" panose="020B0609020000020004" pitchFamily="49" charset="0"/>
+              </a:rPr>
+              <a:t>="d"</a:t>
+            </a:r>
+            <a:endParaRPr lang="en-GB" sz="1200" dirty="0">
+              <a:solidFill>
+                <a:srgbClr val="000000"/>
+              </a:solidFill>
+              <a:highlight>
+                <a:srgbClr val="FFFFFF"/>
+              </a:highlight>
+              <a:latin typeface="Cascadia Mono" panose="020B0609020000020004" pitchFamily="49" charset="0"/>
+            </a:endParaRPr>
+          </a:p>
+          <a:p>
+            <a:r>
+              <a:rPr lang="en-GB" sz="1200" dirty="0">
+                <a:solidFill>
+                  <a:srgbClr val="000000"/>
+                </a:solidFill>
+                <a:highlight>
+                  <a:srgbClr val="FFFFFF"/>
+                </a:highlight>
+                <a:latin typeface="Cascadia Mono" panose="020B0609020000020004" pitchFamily="49" charset="0"/>
+              </a:rPr>
+              <a:t>       </a:t>
+            </a:r>
+            <a:r>
+              <a:rPr lang="en-GB" sz="1200" dirty="0">
+                <a:solidFill>
+                  <a:srgbClr val="FF0000"/>
+                </a:solidFill>
+                <a:highlight>
+                  <a:srgbClr val="FFFFFF"/>
+                </a:highlight>
+                <a:latin typeface="Cascadia Mono" panose="020B0609020000020004" pitchFamily="49" charset="0"/>
+              </a:rPr>
+              <a:t> Title</a:t>
+            </a:r>
+            <a:r>
+              <a:rPr lang="en-GB" sz="1200" dirty="0">
+                <a:solidFill>
+                  <a:srgbClr val="0000FF"/>
+                </a:solidFill>
+                <a:highlight>
+                  <a:srgbClr val="FFFFFF"/>
+                </a:highlight>
+                <a:latin typeface="Cascadia Mono" panose="020B0609020000020004" pitchFamily="49" charset="0"/>
+              </a:rPr>
+              <a:t>="</a:t>
+            </a:r>
+            <a:r>
+              <a:rPr lang="en-GB" sz="1200" dirty="0" err="1">
+                <a:solidFill>
+                  <a:srgbClr val="0000FF"/>
+                </a:solidFill>
+                <a:highlight>
+                  <a:srgbClr val="FFFFFF"/>
+                </a:highlight>
+                <a:latin typeface="Cascadia Mono" panose="020B0609020000020004" pitchFamily="49" charset="0"/>
+              </a:rPr>
+              <a:t>MainWindow</a:t>
+            </a:r>
+            <a:r>
+              <a:rPr lang="en-GB" sz="1200" dirty="0">
+                <a:solidFill>
+                  <a:srgbClr val="0000FF"/>
+                </a:solidFill>
+                <a:highlight>
+                  <a:srgbClr val="FFFFFF"/>
+                </a:highlight>
+                <a:latin typeface="Cascadia Mono" panose="020B0609020000020004" pitchFamily="49" charset="0"/>
+              </a:rPr>
+              <a:t>"</a:t>
+            </a:r>
+            <a:r>
+              <a:rPr lang="en-GB" sz="1200" dirty="0">
+                <a:solidFill>
+                  <a:srgbClr val="FF0000"/>
+                </a:solidFill>
+                <a:highlight>
+                  <a:srgbClr val="FFFFFF"/>
+                </a:highlight>
+                <a:latin typeface="Cascadia Mono" panose="020B0609020000020004" pitchFamily="49" charset="0"/>
+              </a:rPr>
+              <a:t> Height</a:t>
+            </a:r>
+            <a:r>
+              <a:rPr lang="en-GB" sz="1200" dirty="0">
+                <a:solidFill>
+                  <a:srgbClr val="0000FF"/>
+                </a:solidFill>
+                <a:highlight>
+                  <a:srgbClr val="FFFFFF"/>
+                </a:highlight>
+                <a:latin typeface="Cascadia Mono" panose="020B0609020000020004" pitchFamily="49" charset="0"/>
+              </a:rPr>
+              <a:t>="525"</a:t>
+            </a:r>
+            <a:r>
+              <a:rPr lang="en-GB" sz="1200" dirty="0">
+                <a:solidFill>
+                  <a:srgbClr val="FF0000"/>
+                </a:solidFill>
+                <a:highlight>
+                  <a:srgbClr val="FFFFFF"/>
+                </a:highlight>
+                <a:latin typeface="Cascadia Mono" panose="020B0609020000020004" pitchFamily="49" charset="0"/>
+              </a:rPr>
+              <a:t> Width</a:t>
+            </a:r>
+            <a:r>
+              <a:rPr lang="en-GB" sz="1200" dirty="0">
+                <a:solidFill>
+                  <a:srgbClr val="0000FF"/>
+                </a:solidFill>
+                <a:highlight>
+                  <a:srgbClr val="FFFFFF"/>
+                </a:highlight>
+                <a:latin typeface="Cascadia Mono" panose="020B0609020000020004" pitchFamily="49" charset="0"/>
+              </a:rPr>
+              <a:t>="350"&gt;</a:t>
+            </a:r>
+            <a:endParaRPr lang="en-GB" sz="1200" dirty="0">
+              <a:solidFill>
+                <a:srgbClr val="000000"/>
+              </a:solidFill>
+              <a:highlight>
+                <a:srgbClr val="FFFFFF"/>
+              </a:highlight>
+              <a:latin typeface="Cascadia Mono" panose="020B0609020000020004" pitchFamily="49" charset="0"/>
+            </a:endParaRPr>
+          </a:p>
+          <a:p>
+            <a:endParaRPr lang="en-GB" sz="1200" dirty="0">
+              <a:solidFill>
+                <a:srgbClr val="000000"/>
+              </a:solidFill>
+              <a:highlight>
+                <a:srgbClr val="FFFFFF"/>
+              </a:highlight>
+              <a:latin typeface="Cascadia Mono" panose="020B0609020000020004" pitchFamily="49" charset="0"/>
+            </a:endParaRPr>
+          </a:p>
+          <a:p>
+            <a:r>
+              <a:rPr lang="en-GB" sz="1200" dirty="0">
+                <a:solidFill>
+                  <a:srgbClr val="000000"/>
+                </a:solidFill>
+                <a:highlight>
+                  <a:srgbClr val="FFFF00"/>
+                </a:highlight>
+                <a:latin typeface="Cascadia Mono" panose="020B0609020000020004" pitchFamily="49" charset="0"/>
+              </a:rPr>
+              <a:t>    </a:t>
+            </a:r>
+            <a:r>
+              <a:rPr lang="en-GB" sz="1200" dirty="0">
+                <a:solidFill>
+                  <a:srgbClr val="0000FF"/>
+                </a:solidFill>
+                <a:highlight>
+                  <a:srgbClr val="FFFF00"/>
+                </a:highlight>
+                <a:latin typeface="Cascadia Mono" panose="020B0609020000020004" pitchFamily="49" charset="0"/>
+              </a:rPr>
+              <a:t>&lt;</a:t>
+            </a:r>
+            <a:r>
+              <a:rPr lang="en-GB" sz="1200" dirty="0" err="1">
+                <a:solidFill>
+                  <a:srgbClr val="A31515"/>
+                </a:solidFill>
+                <a:highlight>
+                  <a:srgbClr val="FFFF00"/>
+                </a:highlight>
+                <a:latin typeface="Cascadia Mono" panose="020B0609020000020004" pitchFamily="49" charset="0"/>
+              </a:rPr>
+              <a:t>Window.Resources</a:t>
+            </a:r>
+            <a:r>
+              <a:rPr lang="en-GB" sz="1200" dirty="0">
+                <a:solidFill>
+                  <a:srgbClr val="0000FF"/>
+                </a:solidFill>
+                <a:highlight>
+                  <a:srgbClr val="FFFF00"/>
+                </a:highlight>
+                <a:latin typeface="Cascadia Mono" panose="020B0609020000020004" pitchFamily="49" charset="0"/>
+              </a:rPr>
+              <a:t>&gt;</a:t>
+            </a:r>
+            <a:endParaRPr lang="en-GB" sz="1200" dirty="0">
+              <a:solidFill>
+                <a:srgbClr val="000000"/>
+              </a:solidFill>
+              <a:highlight>
+                <a:srgbClr val="FFFF00"/>
+              </a:highlight>
+              <a:latin typeface="Cascadia Mono" panose="020B0609020000020004" pitchFamily="49" charset="0"/>
+            </a:endParaRPr>
+          </a:p>
+          <a:p>
+            <a:r>
+              <a:rPr lang="en-GB" sz="1200" dirty="0">
+                <a:solidFill>
+                  <a:srgbClr val="000000"/>
+                </a:solidFill>
+                <a:highlight>
+                  <a:srgbClr val="FFFF00"/>
+                </a:highlight>
+                <a:latin typeface="Cascadia Mono" panose="020B0609020000020004" pitchFamily="49" charset="0"/>
+              </a:rPr>
+              <a:t>        </a:t>
+            </a:r>
+            <a:r>
+              <a:rPr lang="en-GB" sz="1200" dirty="0">
+                <a:solidFill>
+                  <a:srgbClr val="0000FF"/>
+                </a:solidFill>
+                <a:highlight>
+                  <a:srgbClr val="FFFF00"/>
+                </a:highlight>
+                <a:latin typeface="Cascadia Mono" panose="020B0609020000020004" pitchFamily="49" charset="0"/>
+              </a:rPr>
+              <a:t>&lt;</a:t>
+            </a:r>
+            <a:r>
+              <a:rPr lang="en-GB" sz="1200" dirty="0" err="1">
+                <a:solidFill>
+                  <a:srgbClr val="A31515"/>
+                </a:solidFill>
+                <a:highlight>
+                  <a:srgbClr val="FFFF00"/>
+                </a:highlight>
+                <a:latin typeface="Cascadia Mono" panose="020B0609020000020004" pitchFamily="49" charset="0"/>
+              </a:rPr>
+              <a:t>SolidColorBrush</a:t>
+            </a:r>
+            <a:r>
+              <a:rPr lang="en-GB" sz="1200" dirty="0">
+                <a:solidFill>
+                  <a:srgbClr val="FF0000"/>
+                </a:solidFill>
+                <a:highlight>
+                  <a:srgbClr val="FFFF00"/>
+                </a:highlight>
+                <a:latin typeface="Cascadia Mono" panose="020B0609020000020004" pitchFamily="49" charset="0"/>
+              </a:rPr>
+              <a:t> x</a:t>
+            </a:r>
+            <a:r>
+              <a:rPr lang="en-GB" sz="1200" dirty="0">
+                <a:solidFill>
+                  <a:srgbClr val="0000FF"/>
+                </a:solidFill>
+                <a:highlight>
+                  <a:srgbClr val="FFFF00"/>
+                </a:highlight>
+                <a:latin typeface="Cascadia Mono" panose="020B0609020000020004" pitchFamily="49" charset="0"/>
+              </a:rPr>
+              <a:t>:</a:t>
+            </a:r>
+            <a:r>
+              <a:rPr lang="en-GB" sz="1200" dirty="0">
+                <a:solidFill>
+                  <a:srgbClr val="FF0000"/>
+                </a:solidFill>
+                <a:highlight>
+                  <a:srgbClr val="FFFF00"/>
+                </a:highlight>
+                <a:latin typeface="Cascadia Mono" panose="020B0609020000020004" pitchFamily="49" charset="0"/>
+              </a:rPr>
+              <a:t>Key</a:t>
+            </a:r>
+            <a:r>
+              <a:rPr lang="en-GB" sz="1200" dirty="0">
+                <a:solidFill>
+                  <a:srgbClr val="0000FF"/>
+                </a:solidFill>
+                <a:highlight>
+                  <a:srgbClr val="FFFF00"/>
+                </a:highlight>
+                <a:latin typeface="Cascadia Mono" panose="020B0609020000020004" pitchFamily="49" charset="0"/>
+              </a:rPr>
+              <a:t>="numbersColor"</a:t>
+            </a:r>
+            <a:r>
+              <a:rPr lang="en-GB" sz="1200" dirty="0">
+                <a:solidFill>
+                  <a:srgbClr val="FF0000"/>
+                </a:solidFill>
+                <a:highlight>
+                  <a:srgbClr val="FFFF00"/>
+                </a:highlight>
+                <a:latin typeface="Cascadia Mono" panose="020B0609020000020004" pitchFamily="49" charset="0"/>
+              </a:rPr>
+              <a:t> </a:t>
+            </a:r>
+            <a:r>
+              <a:rPr lang="en-GB" sz="1200" dirty="0" err="1">
+                <a:solidFill>
+                  <a:srgbClr val="FF0000"/>
+                </a:solidFill>
+                <a:highlight>
+                  <a:srgbClr val="FFFF00"/>
+                </a:highlight>
+                <a:latin typeface="Cascadia Mono" panose="020B0609020000020004" pitchFamily="49" charset="0"/>
+              </a:rPr>
+              <a:t>Color</a:t>
+            </a:r>
+            <a:r>
+              <a:rPr lang="en-GB" sz="1200" dirty="0">
+                <a:solidFill>
+                  <a:srgbClr val="0000FF"/>
+                </a:solidFill>
+                <a:highlight>
+                  <a:srgbClr val="FFFF00"/>
+                </a:highlight>
+                <a:latin typeface="Cascadia Mono" panose="020B0609020000020004" pitchFamily="49" charset="0"/>
+              </a:rPr>
+              <a:t>="#444444"/&gt;</a:t>
+            </a:r>
+            <a:endParaRPr lang="en-GB" sz="1200" dirty="0">
+              <a:solidFill>
+                <a:srgbClr val="000000"/>
+              </a:solidFill>
+              <a:highlight>
+                <a:srgbClr val="FFFF00"/>
+              </a:highlight>
+              <a:latin typeface="Cascadia Mono" panose="020B0609020000020004" pitchFamily="49" charset="0"/>
+            </a:endParaRPr>
+          </a:p>
+          <a:p>
+            <a:r>
+              <a:rPr lang="en-GB" sz="1200" dirty="0">
+                <a:solidFill>
+                  <a:srgbClr val="000000"/>
+                </a:solidFill>
+                <a:highlight>
+                  <a:srgbClr val="FFFF00"/>
+                </a:highlight>
+                <a:latin typeface="Cascadia Mono" panose="020B0609020000020004" pitchFamily="49" charset="0"/>
+              </a:rPr>
+              <a:t>        </a:t>
+            </a:r>
+            <a:r>
+              <a:rPr lang="en-GB" sz="1200" dirty="0">
+                <a:solidFill>
+                  <a:srgbClr val="0000FF"/>
+                </a:solidFill>
+                <a:highlight>
+                  <a:srgbClr val="FFFF00"/>
+                </a:highlight>
+                <a:latin typeface="Cascadia Mono" panose="020B0609020000020004" pitchFamily="49" charset="0"/>
+              </a:rPr>
+              <a:t>&lt;</a:t>
+            </a:r>
+            <a:r>
+              <a:rPr lang="en-GB" sz="1200" dirty="0" err="1">
+                <a:solidFill>
+                  <a:srgbClr val="A31515"/>
+                </a:solidFill>
+                <a:highlight>
+                  <a:srgbClr val="FFFF00"/>
+                </a:highlight>
+                <a:latin typeface="Cascadia Mono" panose="020B0609020000020004" pitchFamily="49" charset="0"/>
+              </a:rPr>
+              <a:t>SolidColorBrush</a:t>
+            </a:r>
+            <a:r>
+              <a:rPr lang="en-GB" sz="1200" dirty="0">
+                <a:solidFill>
+                  <a:srgbClr val="FF0000"/>
+                </a:solidFill>
+                <a:highlight>
+                  <a:srgbClr val="FFFF00"/>
+                </a:highlight>
+                <a:latin typeface="Cascadia Mono" panose="020B0609020000020004" pitchFamily="49" charset="0"/>
+              </a:rPr>
+              <a:t> x</a:t>
+            </a:r>
+            <a:r>
+              <a:rPr lang="en-GB" sz="1200" dirty="0">
+                <a:solidFill>
+                  <a:srgbClr val="0000FF"/>
+                </a:solidFill>
+                <a:highlight>
+                  <a:srgbClr val="FFFF00"/>
+                </a:highlight>
+                <a:latin typeface="Cascadia Mono" panose="020B0609020000020004" pitchFamily="49" charset="0"/>
+              </a:rPr>
+              <a:t>:</a:t>
+            </a:r>
+            <a:r>
+              <a:rPr lang="en-GB" sz="1200" dirty="0">
+                <a:solidFill>
+                  <a:srgbClr val="FF0000"/>
+                </a:solidFill>
+                <a:highlight>
+                  <a:srgbClr val="FFFF00"/>
+                </a:highlight>
+                <a:latin typeface="Cascadia Mono" panose="020B0609020000020004" pitchFamily="49" charset="0"/>
+              </a:rPr>
+              <a:t>Key</a:t>
+            </a:r>
+            <a:r>
+              <a:rPr lang="en-GB" sz="1200" dirty="0">
+                <a:solidFill>
+                  <a:srgbClr val="0000FF"/>
+                </a:solidFill>
+                <a:highlight>
+                  <a:srgbClr val="FFFF00"/>
+                </a:highlight>
+                <a:latin typeface="Cascadia Mono" panose="020B0609020000020004" pitchFamily="49" charset="0"/>
+              </a:rPr>
+              <a:t>="operatorColor"</a:t>
+            </a:r>
+            <a:r>
+              <a:rPr lang="en-GB" sz="1200" dirty="0">
+                <a:solidFill>
+                  <a:srgbClr val="FF0000"/>
+                </a:solidFill>
+                <a:highlight>
+                  <a:srgbClr val="FFFF00"/>
+                </a:highlight>
+                <a:latin typeface="Cascadia Mono" panose="020B0609020000020004" pitchFamily="49" charset="0"/>
+              </a:rPr>
+              <a:t> </a:t>
+            </a:r>
+            <a:r>
+              <a:rPr lang="en-GB" sz="1200" dirty="0" err="1">
+                <a:solidFill>
+                  <a:srgbClr val="FF0000"/>
+                </a:solidFill>
+                <a:highlight>
+                  <a:srgbClr val="FFFF00"/>
+                </a:highlight>
+                <a:latin typeface="Cascadia Mono" panose="020B0609020000020004" pitchFamily="49" charset="0"/>
+              </a:rPr>
+              <a:t>Color</a:t>
+            </a:r>
+            <a:r>
+              <a:rPr lang="en-GB" sz="1200" dirty="0">
+                <a:solidFill>
+                  <a:srgbClr val="0000FF"/>
+                </a:solidFill>
+                <a:highlight>
+                  <a:srgbClr val="FFFF00"/>
+                </a:highlight>
+                <a:latin typeface="Cascadia Mono" panose="020B0609020000020004" pitchFamily="49" charset="0"/>
+              </a:rPr>
+              <a:t>="orange"/&gt;</a:t>
+            </a:r>
+            <a:endParaRPr lang="en-GB" sz="1200" dirty="0">
+              <a:solidFill>
+                <a:srgbClr val="000000"/>
+              </a:solidFill>
+              <a:highlight>
+                <a:srgbClr val="FFFF00"/>
+              </a:highlight>
+              <a:latin typeface="Cascadia Mono" panose="020B0609020000020004" pitchFamily="49" charset="0"/>
+            </a:endParaRPr>
+          </a:p>
+          <a:p>
+            <a:r>
+              <a:rPr lang="en-GB" sz="1200" dirty="0">
+                <a:solidFill>
+                  <a:srgbClr val="000000"/>
+                </a:solidFill>
+                <a:highlight>
+                  <a:srgbClr val="FFFF00"/>
+                </a:highlight>
+                <a:latin typeface="Cascadia Mono" panose="020B0609020000020004" pitchFamily="49" charset="0"/>
+              </a:rPr>
+              <a:t>    </a:t>
+            </a:r>
+            <a:r>
+              <a:rPr lang="en-GB" sz="1200" dirty="0">
+                <a:solidFill>
+                  <a:srgbClr val="0000FF"/>
+                </a:solidFill>
+                <a:highlight>
+                  <a:srgbClr val="FFFF00"/>
+                </a:highlight>
+                <a:latin typeface="Cascadia Mono" panose="020B0609020000020004" pitchFamily="49" charset="0"/>
+              </a:rPr>
+              <a:t>&lt;/</a:t>
+            </a:r>
+            <a:r>
+              <a:rPr lang="en-GB" sz="1200" dirty="0" err="1">
+                <a:solidFill>
+                  <a:srgbClr val="A31515"/>
+                </a:solidFill>
+                <a:highlight>
+                  <a:srgbClr val="FFFF00"/>
+                </a:highlight>
+                <a:latin typeface="Cascadia Mono" panose="020B0609020000020004" pitchFamily="49" charset="0"/>
+              </a:rPr>
+              <a:t>Window.Resources</a:t>
+            </a:r>
+            <a:r>
+              <a:rPr lang="en-GB" sz="1200" dirty="0">
+                <a:solidFill>
+                  <a:srgbClr val="0000FF"/>
+                </a:solidFill>
+                <a:highlight>
+                  <a:srgbClr val="FFFF00"/>
+                </a:highlight>
+                <a:latin typeface="Cascadia Mono" panose="020B0609020000020004" pitchFamily="49" charset="0"/>
+              </a:rPr>
+              <a:t>&gt;</a:t>
+            </a:r>
+            <a:endParaRPr lang="en-GB" sz="1200" dirty="0">
+              <a:solidFill>
+                <a:srgbClr val="000000"/>
+              </a:solidFill>
+              <a:highlight>
+                <a:srgbClr val="FFFF00"/>
+              </a:highlight>
+              <a:latin typeface="Cascadia Mono" panose="020B0609020000020004" pitchFamily="49" charset="0"/>
+            </a:endParaRPr>
+          </a:p>
+          <a:p>
+            <a:r>
+              <a:rPr lang="en-GB" sz="1200" dirty="0">
+                <a:solidFill>
+                  <a:srgbClr val="000000"/>
+                </a:solidFill>
+                <a:highlight>
+                  <a:srgbClr val="FFFFFF"/>
+                </a:highlight>
+                <a:latin typeface="Cascadia Mono" panose="020B0609020000020004" pitchFamily="49" charset="0"/>
+              </a:rPr>
+              <a:t>    </a:t>
+            </a:r>
+          </a:p>
+          <a:p>
+            <a:r>
+              <a:rPr lang="en-GB" sz="1200" dirty="0">
+                <a:solidFill>
+                  <a:srgbClr val="000000"/>
+                </a:solidFill>
+                <a:highlight>
+                  <a:srgbClr val="FFFFFF"/>
+                </a:highlight>
+                <a:latin typeface="Cascadia Mono" panose="020B0609020000020004" pitchFamily="49" charset="0"/>
+              </a:rPr>
+              <a:t>    </a:t>
+            </a:r>
+            <a:r>
+              <a:rPr lang="en-GB" sz="1200" dirty="0">
+                <a:solidFill>
+                  <a:srgbClr val="0000FF"/>
+                </a:solidFill>
+                <a:highlight>
+                  <a:srgbClr val="FFFFFF"/>
+                </a:highlight>
+                <a:latin typeface="Cascadia Mono" panose="020B0609020000020004" pitchFamily="49" charset="0"/>
+              </a:rPr>
+              <a:t>&lt;</a:t>
+            </a:r>
+            <a:r>
+              <a:rPr lang="en-GB" sz="1200" dirty="0">
+                <a:solidFill>
+                  <a:srgbClr val="A31515"/>
+                </a:solidFill>
+                <a:highlight>
+                  <a:srgbClr val="FFFFFF"/>
+                </a:highlight>
+                <a:latin typeface="Cascadia Mono" panose="020B0609020000020004" pitchFamily="49" charset="0"/>
+              </a:rPr>
+              <a:t>Grid</a:t>
+            </a:r>
+            <a:r>
+              <a:rPr lang="en-GB" sz="1200" dirty="0">
+                <a:solidFill>
+                  <a:srgbClr val="FF0000"/>
+                </a:solidFill>
+                <a:highlight>
+                  <a:srgbClr val="FFFFFF"/>
+                </a:highlight>
+                <a:latin typeface="Cascadia Mono" panose="020B0609020000020004" pitchFamily="49" charset="0"/>
+              </a:rPr>
+              <a:t> Margin</a:t>
+            </a:r>
+            <a:r>
+              <a:rPr lang="en-GB" sz="1200" dirty="0">
+                <a:solidFill>
+                  <a:srgbClr val="0000FF"/>
+                </a:solidFill>
+                <a:highlight>
+                  <a:srgbClr val="FFFFFF"/>
+                </a:highlight>
+                <a:latin typeface="Cascadia Mono" panose="020B0609020000020004" pitchFamily="49" charset="0"/>
+              </a:rPr>
+              <a:t>="10"&gt;</a:t>
+            </a:r>
+            <a:endParaRPr lang="en-GB" sz="1200" dirty="0"/>
+          </a:p>
+        </p:txBody>
+      </p:sp>
+      <p:sp>
+        <p:nvSpPr>
+          <p:cNvPr id="6" name="TextBox 5">
+            <a:extLst>
+              <a:ext uri="{FF2B5EF4-FFF2-40B4-BE49-F238E27FC236}">
+                <a16:creationId xmlns:a16="http://schemas.microsoft.com/office/drawing/2014/main" id="{0A61C89C-7324-9564-20FB-3690A0C94707}"/>
+              </a:ext>
+            </a:extLst>
+          </p:cNvPr>
+          <p:cNvSpPr txBox="1"/>
+          <p:nvPr/>
+        </p:nvSpPr>
+        <p:spPr>
+          <a:xfrm>
+            <a:off x="6380436" y="-1599039"/>
+            <a:ext cx="10154964" cy="11449288"/>
+          </a:xfrm>
+          <a:prstGeom prst="rect">
+            <a:avLst/>
+          </a:prstGeom>
+          <a:noFill/>
+        </p:spPr>
+        <p:txBody>
+          <a:bodyPr wrap="square">
+            <a:spAutoFit/>
+          </a:bodyPr>
+          <a:lstStyle/>
+          <a:p>
+            <a:r>
+              <a:rPr lang="en-GB" sz="1800" dirty="0">
+                <a:solidFill>
+                  <a:srgbClr val="000000"/>
+                </a:solidFill>
+                <a:highlight>
+                  <a:srgbClr val="FFFFFF"/>
+                </a:highlight>
+                <a:latin typeface="Cascadia Mono" panose="020B0609020000020004" pitchFamily="49" charset="0"/>
+              </a:rPr>
+              <a:t> </a:t>
+            </a:r>
+            <a:r>
+              <a:rPr lang="en-GB" sz="1800" dirty="0">
+                <a:solidFill>
+                  <a:srgbClr val="008000"/>
+                </a:solidFill>
+                <a:highlight>
+                  <a:srgbClr val="FFFFFF"/>
+                </a:highlight>
+                <a:latin typeface="Cascadia Mono" panose="020B0609020000020004" pitchFamily="49" charset="0"/>
+              </a:rPr>
+              <a:t>&lt;!-- Operation buttons --&gt;</a:t>
+            </a:r>
+            <a:endParaRPr lang="en-GB" sz="1800" dirty="0">
+              <a:solidFill>
+                <a:srgbClr val="000000"/>
+              </a:solidFill>
+              <a:highlight>
+                <a:srgbClr val="FFFFFF"/>
+              </a:highlight>
+              <a:latin typeface="Cascadia Mono" panose="020B0609020000020004" pitchFamily="49" charset="0"/>
+            </a:endParaRPr>
+          </a:p>
+          <a:p>
+            <a:r>
+              <a:rPr lang="en-GB" sz="1800" dirty="0">
+                <a:solidFill>
+                  <a:srgbClr val="000000"/>
+                </a:solidFill>
+                <a:highlight>
+                  <a:srgbClr val="FFFFFF"/>
+                </a:highlight>
+                <a:latin typeface="Cascadia Mono" panose="020B0609020000020004" pitchFamily="49" charset="0"/>
+              </a:rPr>
+              <a:t>        </a:t>
+            </a:r>
+            <a:r>
+              <a:rPr lang="en-GB" sz="1800" dirty="0">
+                <a:solidFill>
+                  <a:srgbClr val="0000FF"/>
+                </a:solidFill>
+                <a:highlight>
+                  <a:srgbClr val="FFFFFF"/>
+                </a:highlight>
+                <a:latin typeface="Cascadia Mono" panose="020B0609020000020004" pitchFamily="49" charset="0"/>
+              </a:rPr>
+              <a:t>&lt;</a:t>
+            </a:r>
+            <a:r>
+              <a:rPr lang="en-GB" sz="1800" dirty="0">
+                <a:solidFill>
+                  <a:srgbClr val="A31515"/>
+                </a:solidFill>
+                <a:highlight>
+                  <a:srgbClr val="FFFFFF"/>
+                </a:highlight>
+                <a:latin typeface="Cascadia Mono" panose="020B0609020000020004" pitchFamily="49" charset="0"/>
+              </a:rPr>
+              <a:t>Button</a:t>
+            </a:r>
+            <a:r>
+              <a:rPr lang="en-GB" sz="1800" dirty="0">
+                <a:solidFill>
+                  <a:srgbClr val="FF0000"/>
+                </a:solidFill>
+                <a:highlight>
+                  <a:srgbClr val="FFFFFF"/>
+                </a:highlight>
+                <a:latin typeface="Cascadia Mono" panose="020B0609020000020004" pitchFamily="49" charset="0"/>
+              </a:rPr>
+              <a:t> x</a:t>
+            </a:r>
+            <a:r>
+              <a:rPr lang="en-GB" sz="1800" dirty="0">
+                <a:solidFill>
+                  <a:srgbClr val="0000FF"/>
+                </a:solidFill>
+                <a:highlight>
+                  <a:srgbClr val="FFFFFF"/>
+                </a:highlight>
+                <a:latin typeface="Cascadia Mono" panose="020B0609020000020004" pitchFamily="49" charset="0"/>
+              </a:rPr>
+              <a:t>:</a:t>
+            </a:r>
+            <a:r>
+              <a:rPr lang="en-GB" sz="1800" dirty="0">
+                <a:solidFill>
+                  <a:srgbClr val="FF0000"/>
+                </a:solidFill>
+                <a:highlight>
+                  <a:srgbClr val="FFFFFF"/>
+                </a:highlight>
+                <a:latin typeface="Cascadia Mono" panose="020B0609020000020004" pitchFamily="49" charset="0"/>
+              </a:rPr>
+              <a:t>Name</a:t>
+            </a:r>
+            <a:r>
+              <a:rPr lang="en-GB" sz="1800" dirty="0">
+                <a:solidFill>
+                  <a:srgbClr val="0000FF"/>
+                </a:solidFill>
+                <a:highlight>
+                  <a:srgbClr val="FFFFFF"/>
+                </a:highlight>
+                <a:latin typeface="Cascadia Mono" panose="020B0609020000020004" pitchFamily="49" charset="0"/>
+              </a:rPr>
+              <a:t>="plusButton"</a:t>
+            </a:r>
+            <a:endParaRPr lang="en-GB" sz="1800" dirty="0">
+              <a:solidFill>
+                <a:srgbClr val="000000"/>
+              </a:solidFill>
+              <a:highlight>
+                <a:srgbClr val="FFFFFF"/>
+              </a:highlight>
+              <a:latin typeface="Cascadia Mono" panose="020B0609020000020004" pitchFamily="49" charset="0"/>
+            </a:endParaRPr>
+          </a:p>
+          <a:p>
+            <a:r>
+              <a:rPr lang="en-GB" sz="1800" dirty="0">
+                <a:solidFill>
+                  <a:srgbClr val="000000"/>
+                </a:solidFill>
+                <a:highlight>
+                  <a:srgbClr val="FFFFFF"/>
+                </a:highlight>
+                <a:latin typeface="Cascadia Mono" panose="020B0609020000020004" pitchFamily="49" charset="0"/>
+              </a:rPr>
+              <a:t>               </a:t>
+            </a:r>
+            <a:r>
+              <a:rPr lang="en-GB" sz="1800" dirty="0">
+                <a:solidFill>
+                  <a:srgbClr val="FF0000"/>
+                </a:solidFill>
+                <a:highlight>
+                  <a:srgbClr val="FFFFFF"/>
+                </a:highlight>
+                <a:latin typeface="Cascadia Mono" panose="020B0609020000020004" pitchFamily="49" charset="0"/>
+              </a:rPr>
+              <a:t> Content</a:t>
+            </a:r>
+            <a:r>
+              <a:rPr lang="en-GB" sz="1800" dirty="0">
+                <a:solidFill>
+                  <a:srgbClr val="0000FF"/>
+                </a:solidFill>
+                <a:highlight>
+                  <a:srgbClr val="FFFFFF"/>
+                </a:highlight>
+                <a:latin typeface="Cascadia Mono" panose="020B0609020000020004" pitchFamily="49" charset="0"/>
+              </a:rPr>
+              <a:t>="+"</a:t>
+            </a:r>
+            <a:endParaRPr lang="en-GB" sz="1800" dirty="0">
+              <a:solidFill>
+                <a:srgbClr val="000000"/>
+              </a:solidFill>
+              <a:highlight>
+                <a:srgbClr val="FFFFFF"/>
+              </a:highlight>
+              <a:latin typeface="Cascadia Mono" panose="020B0609020000020004" pitchFamily="49" charset="0"/>
+            </a:endParaRPr>
+          </a:p>
+          <a:p>
+            <a:r>
+              <a:rPr lang="en-GB" sz="1800" dirty="0">
+                <a:solidFill>
+                  <a:srgbClr val="000000"/>
+                </a:solidFill>
+                <a:highlight>
+                  <a:srgbClr val="FFFFFF"/>
+                </a:highlight>
+                <a:latin typeface="Cascadia Mono" panose="020B0609020000020004" pitchFamily="49" charset="0"/>
+              </a:rPr>
+              <a:t>               </a:t>
+            </a:r>
+            <a:r>
+              <a:rPr lang="en-GB" sz="1800" dirty="0">
+                <a:solidFill>
+                  <a:srgbClr val="FF0000"/>
+                </a:solidFill>
+                <a:highlight>
+                  <a:srgbClr val="FFFFFF"/>
+                </a:highlight>
+                <a:latin typeface="Cascadia Mono" panose="020B0609020000020004" pitchFamily="49" charset="0"/>
+              </a:rPr>
+              <a:t> Margin</a:t>
+            </a:r>
+            <a:r>
+              <a:rPr lang="en-GB" sz="1800" dirty="0">
+                <a:solidFill>
+                  <a:srgbClr val="0000FF"/>
+                </a:solidFill>
+                <a:highlight>
+                  <a:srgbClr val="FFFFFF"/>
+                </a:highlight>
+                <a:latin typeface="Cascadia Mono" panose="020B0609020000020004" pitchFamily="49" charset="0"/>
+              </a:rPr>
+              <a:t>="5"</a:t>
+            </a:r>
+            <a:endParaRPr lang="en-GB" sz="1800" dirty="0">
+              <a:solidFill>
+                <a:srgbClr val="000000"/>
+              </a:solidFill>
+              <a:highlight>
+                <a:srgbClr val="FFFFFF"/>
+              </a:highlight>
+              <a:latin typeface="Cascadia Mono" panose="020B0609020000020004" pitchFamily="49" charset="0"/>
+            </a:endParaRPr>
+          </a:p>
+          <a:p>
+            <a:r>
+              <a:rPr lang="en-GB" sz="1800" dirty="0">
+                <a:solidFill>
+                  <a:srgbClr val="000000"/>
+                </a:solidFill>
+                <a:highlight>
+                  <a:srgbClr val="FFFFFF"/>
+                </a:highlight>
+                <a:latin typeface="Cascadia Mono" panose="020B0609020000020004" pitchFamily="49" charset="0"/>
+              </a:rPr>
+              <a:t>               </a:t>
+            </a:r>
+            <a:r>
+              <a:rPr lang="en-GB" sz="1800" dirty="0">
+                <a:solidFill>
+                  <a:srgbClr val="FF0000"/>
+                </a:solidFill>
+                <a:highlight>
+                  <a:srgbClr val="FFFFFF"/>
+                </a:highlight>
+                <a:latin typeface="Cascadia Mono" panose="020B0609020000020004" pitchFamily="49" charset="0"/>
+              </a:rPr>
+              <a:t> </a:t>
+            </a:r>
+            <a:r>
+              <a:rPr lang="en-GB" sz="1800" dirty="0" err="1">
+                <a:solidFill>
+                  <a:srgbClr val="FF0000"/>
+                </a:solidFill>
+                <a:highlight>
+                  <a:srgbClr val="FFFFFF"/>
+                </a:highlight>
+                <a:latin typeface="Cascadia Mono" panose="020B0609020000020004" pitchFamily="49" charset="0"/>
+              </a:rPr>
+              <a:t>Grid.Row</a:t>
+            </a:r>
+            <a:r>
+              <a:rPr lang="en-GB" sz="1800" dirty="0">
+                <a:solidFill>
+                  <a:srgbClr val="0000FF"/>
+                </a:solidFill>
+                <a:highlight>
+                  <a:srgbClr val="FFFFFF"/>
+                </a:highlight>
+                <a:latin typeface="Cascadia Mono" panose="020B0609020000020004" pitchFamily="49" charset="0"/>
+              </a:rPr>
+              <a:t>="4"</a:t>
+            </a:r>
+            <a:endParaRPr lang="en-GB" sz="1800" dirty="0">
+              <a:solidFill>
+                <a:srgbClr val="000000"/>
+              </a:solidFill>
+              <a:highlight>
+                <a:srgbClr val="FFFFFF"/>
+              </a:highlight>
+              <a:latin typeface="Cascadia Mono" panose="020B0609020000020004" pitchFamily="49" charset="0"/>
+            </a:endParaRPr>
+          </a:p>
+          <a:p>
+            <a:r>
+              <a:rPr lang="en-GB" sz="1800" dirty="0">
+                <a:solidFill>
+                  <a:srgbClr val="000000"/>
+                </a:solidFill>
+                <a:highlight>
+                  <a:srgbClr val="FFFFFF"/>
+                </a:highlight>
+                <a:latin typeface="Cascadia Mono" panose="020B0609020000020004" pitchFamily="49" charset="0"/>
+              </a:rPr>
+              <a:t>               </a:t>
+            </a:r>
+            <a:r>
+              <a:rPr lang="en-GB" sz="1800" dirty="0">
+                <a:solidFill>
+                  <a:srgbClr val="FF0000"/>
+                </a:solidFill>
+                <a:highlight>
+                  <a:srgbClr val="FFFFFF"/>
+                </a:highlight>
+                <a:latin typeface="Cascadia Mono" panose="020B0609020000020004" pitchFamily="49" charset="0"/>
+              </a:rPr>
+              <a:t> </a:t>
+            </a:r>
+            <a:r>
+              <a:rPr lang="en-GB" sz="1800" dirty="0" err="1">
+                <a:solidFill>
+                  <a:srgbClr val="FF0000"/>
+                </a:solidFill>
+                <a:highlight>
+                  <a:srgbClr val="FFFFFF"/>
+                </a:highlight>
+                <a:latin typeface="Cascadia Mono" panose="020B0609020000020004" pitchFamily="49" charset="0"/>
+              </a:rPr>
+              <a:t>Grid.Column</a:t>
+            </a:r>
+            <a:r>
+              <a:rPr lang="en-GB" sz="1800" dirty="0">
+                <a:solidFill>
+                  <a:srgbClr val="0000FF"/>
+                </a:solidFill>
+                <a:highlight>
+                  <a:srgbClr val="FFFFFF"/>
+                </a:highlight>
+                <a:latin typeface="Cascadia Mono" panose="020B0609020000020004" pitchFamily="49" charset="0"/>
+              </a:rPr>
+              <a:t>="3"</a:t>
+            </a:r>
+            <a:endParaRPr lang="en-GB" sz="1800" dirty="0">
+              <a:solidFill>
+                <a:srgbClr val="000000"/>
+              </a:solidFill>
+              <a:highlight>
+                <a:srgbClr val="FFFFFF"/>
+              </a:highlight>
+              <a:latin typeface="Cascadia Mono" panose="020B0609020000020004" pitchFamily="49" charset="0"/>
+            </a:endParaRPr>
+          </a:p>
+          <a:p>
+            <a:r>
+              <a:rPr lang="en-GB" sz="1800" dirty="0">
+                <a:solidFill>
+                  <a:srgbClr val="000000"/>
+                </a:solidFill>
+                <a:highlight>
+                  <a:srgbClr val="FFFFFF"/>
+                </a:highlight>
+                <a:latin typeface="Cascadia Mono" panose="020B0609020000020004" pitchFamily="49" charset="0"/>
+              </a:rPr>
+              <a:t>               </a:t>
+            </a:r>
+            <a:r>
+              <a:rPr lang="en-GB" sz="1800" dirty="0">
+                <a:solidFill>
+                  <a:srgbClr val="FF0000"/>
+                </a:solidFill>
+                <a:highlight>
+                  <a:srgbClr val="FFFFFF"/>
+                </a:highlight>
+                <a:latin typeface="Cascadia Mono" panose="020B0609020000020004" pitchFamily="49" charset="0"/>
+              </a:rPr>
+              <a:t> Click</a:t>
+            </a:r>
+            <a:r>
+              <a:rPr lang="en-GB" sz="1800" dirty="0">
+                <a:solidFill>
+                  <a:srgbClr val="0000FF"/>
+                </a:solidFill>
+                <a:highlight>
+                  <a:srgbClr val="FFFFFF"/>
+                </a:highlight>
+                <a:latin typeface="Cascadia Mono" panose="020B0609020000020004" pitchFamily="49" charset="0"/>
+              </a:rPr>
+              <a:t>="</a:t>
+            </a:r>
+            <a:r>
+              <a:rPr lang="en-GB" sz="1800" dirty="0" err="1">
+                <a:solidFill>
+                  <a:srgbClr val="0000FF"/>
+                </a:solidFill>
+                <a:highlight>
+                  <a:srgbClr val="FFFFFF"/>
+                </a:highlight>
+                <a:latin typeface="Cascadia Mono" panose="020B0609020000020004" pitchFamily="49" charset="0"/>
+              </a:rPr>
+              <a:t>OperationButton_Click</a:t>
+            </a:r>
+            <a:r>
+              <a:rPr lang="en-GB" sz="1800" dirty="0">
+                <a:solidFill>
+                  <a:srgbClr val="0000FF"/>
+                </a:solidFill>
+                <a:highlight>
+                  <a:srgbClr val="FFFFFF"/>
+                </a:highlight>
+                <a:latin typeface="Cascadia Mono" panose="020B0609020000020004" pitchFamily="49" charset="0"/>
+              </a:rPr>
+              <a:t>"</a:t>
+            </a:r>
+            <a:endParaRPr lang="en-GB" sz="1800" dirty="0">
+              <a:solidFill>
+                <a:srgbClr val="000000"/>
+              </a:solidFill>
+              <a:highlight>
+                <a:srgbClr val="FFFFFF"/>
+              </a:highlight>
+              <a:latin typeface="Cascadia Mono" panose="020B0609020000020004" pitchFamily="49" charset="0"/>
+            </a:endParaRPr>
+          </a:p>
+          <a:p>
+            <a:r>
+              <a:rPr lang="en-GB" sz="1800" dirty="0">
+                <a:solidFill>
+                  <a:srgbClr val="000000"/>
+                </a:solidFill>
+                <a:highlight>
+                  <a:srgbClr val="FFFFFF"/>
+                </a:highlight>
+                <a:latin typeface="Cascadia Mono" panose="020B0609020000020004" pitchFamily="49" charset="0"/>
+              </a:rPr>
+              <a:t>                </a:t>
+            </a:r>
+          </a:p>
+          <a:p>
+            <a:r>
+              <a:rPr lang="en-GB" sz="1800" dirty="0">
+                <a:solidFill>
+                  <a:srgbClr val="000000"/>
+                </a:solidFill>
+                <a:highlight>
+                  <a:srgbClr val="FFFFFF"/>
+                </a:highlight>
+                <a:latin typeface="Cascadia Mono" panose="020B0609020000020004" pitchFamily="49" charset="0"/>
+              </a:rPr>
+              <a:t>               </a:t>
+            </a:r>
+            <a:r>
+              <a:rPr lang="en-GB" sz="1800" dirty="0">
+                <a:solidFill>
+                  <a:srgbClr val="FF0000"/>
+                </a:solidFill>
+                <a:highlight>
+                  <a:srgbClr val="FFFFFF"/>
+                </a:highlight>
+                <a:latin typeface="Cascadia Mono" panose="020B0609020000020004" pitchFamily="49" charset="0"/>
+              </a:rPr>
+              <a:t> </a:t>
+            </a:r>
+            <a:r>
+              <a:rPr lang="en-GB" sz="1800" dirty="0">
+                <a:solidFill>
+                  <a:srgbClr val="FF0000"/>
+                </a:solidFill>
+                <a:highlight>
+                  <a:srgbClr val="FFFF00"/>
+                </a:highlight>
+                <a:latin typeface="Cascadia Mono" panose="020B0609020000020004" pitchFamily="49" charset="0"/>
+              </a:rPr>
+              <a:t>Background</a:t>
+            </a:r>
+            <a:r>
+              <a:rPr lang="en-GB" sz="1800" dirty="0">
+                <a:solidFill>
+                  <a:srgbClr val="0000FF"/>
+                </a:solidFill>
+                <a:highlight>
+                  <a:srgbClr val="FFFF00"/>
+                </a:highlight>
+                <a:latin typeface="Cascadia Mono" panose="020B0609020000020004" pitchFamily="49" charset="0"/>
+              </a:rPr>
+              <a:t>="{</a:t>
+            </a:r>
+            <a:r>
+              <a:rPr lang="en-GB" sz="1800" dirty="0" err="1">
+                <a:solidFill>
+                  <a:srgbClr val="A31515"/>
+                </a:solidFill>
+                <a:highlight>
+                  <a:srgbClr val="FFFF00"/>
+                </a:highlight>
+                <a:latin typeface="Cascadia Mono" panose="020B0609020000020004" pitchFamily="49" charset="0"/>
+              </a:rPr>
+              <a:t>StaticResource</a:t>
+            </a:r>
+            <a:r>
+              <a:rPr lang="en-GB" sz="1800" dirty="0">
+                <a:solidFill>
+                  <a:srgbClr val="FF0000"/>
+                </a:solidFill>
+                <a:highlight>
+                  <a:srgbClr val="FFFF00"/>
+                </a:highlight>
+                <a:latin typeface="Cascadia Mono" panose="020B0609020000020004" pitchFamily="49" charset="0"/>
+              </a:rPr>
+              <a:t> </a:t>
+            </a:r>
+            <a:r>
+              <a:rPr lang="en-GB" sz="1800" dirty="0" err="1">
+                <a:solidFill>
+                  <a:srgbClr val="FF0000"/>
+                </a:solidFill>
+                <a:highlight>
+                  <a:srgbClr val="FFFF00"/>
+                </a:highlight>
+                <a:latin typeface="Cascadia Mono" panose="020B0609020000020004" pitchFamily="49" charset="0"/>
+              </a:rPr>
+              <a:t>operatorColor</a:t>
+            </a:r>
+            <a:r>
+              <a:rPr lang="en-GB" sz="1800" dirty="0">
+                <a:solidFill>
+                  <a:srgbClr val="0000FF"/>
+                </a:solidFill>
+                <a:highlight>
+                  <a:srgbClr val="FFFF00"/>
+                </a:highlight>
+                <a:latin typeface="Cascadia Mono" panose="020B0609020000020004" pitchFamily="49" charset="0"/>
+              </a:rPr>
+              <a:t>}"</a:t>
+            </a:r>
+            <a:r>
+              <a:rPr lang="en-GB" sz="1800" dirty="0">
+                <a:solidFill>
+                  <a:srgbClr val="0000FF"/>
+                </a:solidFill>
+                <a:highlight>
+                  <a:srgbClr val="FFFFFF"/>
+                </a:highlight>
+                <a:latin typeface="Cascadia Mono" panose="020B0609020000020004" pitchFamily="49" charset="0"/>
+              </a:rPr>
+              <a:t>/&gt;</a:t>
+            </a:r>
+            <a:endParaRPr lang="en-GB" sz="1800" dirty="0">
+              <a:solidFill>
+                <a:srgbClr val="000000"/>
+              </a:solidFill>
+              <a:highlight>
+                <a:srgbClr val="FFFFFF"/>
+              </a:highlight>
+              <a:latin typeface="Cascadia Mono" panose="020B0609020000020004" pitchFamily="49" charset="0"/>
+            </a:endParaRPr>
+          </a:p>
+          <a:p>
+            <a:r>
+              <a:rPr lang="en-GB" sz="1800" dirty="0">
+                <a:solidFill>
+                  <a:srgbClr val="000000"/>
+                </a:solidFill>
+                <a:highlight>
+                  <a:srgbClr val="FFFFFF"/>
+                </a:highlight>
+                <a:latin typeface="Cascadia Mono" panose="020B0609020000020004" pitchFamily="49" charset="0"/>
+              </a:rPr>
+              <a:t>        </a:t>
+            </a:r>
+            <a:r>
+              <a:rPr lang="en-GB" sz="1800" dirty="0">
+                <a:solidFill>
+                  <a:srgbClr val="0000FF"/>
+                </a:solidFill>
+                <a:highlight>
+                  <a:srgbClr val="FFFFFF"/>
+                </a:highlight>
+                <a:latin typeface="Cascadia Mono" panose="020B0609020000020004" pitchFamily="49" charset="0"/>
+              </a:rPr>
+              <a:t>&lt;</a:t>
+            </a:r>
+            <a:r>
+              <a:rPr lang="en-GB" sz="1800" dirty="0">
+                <a:solidFill>
+                  <a:srgbClr val="A31515"/>
+                </a:solidFill>
+                <a:highlight>
+                  <a:srgbClr val="FFFFFF"/>
+                </a:highlight>
+                <a:latin typeface="Cascadia Mono" panose="020B0609020000020004" pitchFamily="49" charset="0"/>
+              </a:rPr>
+              <a:t>Button</a:t>
+            </a:r>
+            <a:r>
+              <a:rPr lang="en-GB" sz="1800" dirty="0">
+                <a:solidFill>
+                  <a:srgbClr val="FF0000"/>
+                </a:solidFill>
+                <a:highlight>
+                  <a:srgbClr val="FFFFFF"/>
+                </a:highlight>
+                <a:latin typeface="Cascadia Mono" panose="020B0609020000020004" pitchFamily="49" charset="0"/>
+              </a:rPr>
+              <a:t> x</a:t>
+            </a:r>
+            <a:r>
+              <a:rPr lang="en-GB" sz="1800" dirty="0">
+                <a:solidFill>
+                  <a:srgbClr val="0000FF"/>
+                </a:solidFill>
+                <a:highlight>
+                  <a:srgbClr val="FFFFFF"/>
+                </a:highlight>
+                <a:latin typeface="Cascadia Mono" panose="020B0609020000020004" pitchFamily="49" charset="0"/>
+              </a:rPr>
+              <a:t>:</a:t>
+            </a:r>
+            <a:r>
+              <a:rPr lang="en-GB" sz="1800" dirty="0">
+                <a:solidFill>
+                  <a:srgbClr val="FF0000"/>
+                </a:solidFill>
+                <a:highlight>
+                  <a:srgbClr val="FFFFFF"/>
+                </a:highlight>
+                <a:latin typeface="Cascadia Mono" panose="020B0609020000020004" pitchFamily="49" charset="0"/>
+              </a:rPr>
+              <a:t>Name</a:t>
+            </a:r>
+            <a:r>
+              <a:rPr lang="en-GB" sz="1800" dirty="0">
+                <a:solidFill>
+                  <a:srgbClr val="0000FF"/>
+                </a:solidFill>
+                <a:highlight>
+                  <a:srgbClr val="FFFFFF"/>
+                </a:highlight>
+                <a:latin typeface="Cascadia Mono" panose="020B0609020000020004" pitchFamily="49" charset="0"/>
+              </a:rPr>
+              <a:t>="minusButton"</a:t>
+            </a:r>
+            <a:endParaRPr lang="en-GB" sz="1800" dirty="0">
+              <a:solidFill>
+                <a:srgbClr val="000000"/>
+              </a:solidFill>
+              <a:highlight>
+                <a:srgbClr val="FFFFFF"/>
+              </a:highlight>
+              <a:latin typeface="Cascadia Mono" panose="020B0609020000020004" pitchFamily="49" charset="0"/>
+            </a:endParaRPr>
+          </a:p>
+          <a:p>
+            <a:r>
+              <a:rPr lang="en-GB" sz="1800" dirty="0">
+                <a:solidFill>
+                  <a:srgbClr val="000000"/>
+                </a:solidFill>
+                <a:highlight>
+                  <a:srgbClr val="FFFFFF"/>
+                </a:highlight>
+                <a:latin typeface="Cascadia Mono" panose="020B0609020000020004" pitchFamily="49" charset="0"/>
+              </a:rPr>
+              <a:t>               </a:t>
+            </a:r>
+            <a:r>
+              <a:rPr lang="en-GB" sz="1800" dirty="0">
+                <a:solidFill>
+                  <a:srgbClr val="FF0000"/>
+                </a:solidFill>
+                <a:highlight>
+                  <a:srgbClr val="FFFFFF"/>
+                </a:highlight>
+                <a:latin typeface="Cascadia Mono" panose="020B0609020000020004" pitchFamily="49" charset="0"/>
+              </a:rPr>
+              <a:t> Content</a:t>
+            </a:r>
+            <a:r>
+              <a:rPr lang="en-GB" sz="1800" dirty="0">
+                <a:solidFill>
+                  <a:srgbClr val="0000FF"/>
+                </a:solidFill>
+                <a:highlight>
+                  <a:srgbClr val="FFFFFF"/>
+                </a:highlight>
+                <a:latin typeface="Cascadia Mono" panose="020B0609020000020004" pitchFamily="49" charset="0"/>
+              </a:rPr>
+              <a:t>="-"</a:t>
+            </a:r>
+            <a:endParaRPr lang="en-GB" sz="1800" dirty="0">
+              <a:solidFill>
+                <a:srgbClr val="000000"/>
+              </a:solidFill>
+              <a:highlight>
+                <a:srgbClr val="FFFFFF"/>
+              </a:highlight>
+              <a:latin typeface="Cascadia Mono" panose="020B0609020000020004" pitchFamily="49" charset="0"/>
+            </a:endParaRPr>
+          </a:p>
+          <a:p>
+            <a:r>
+              <a:rPr lang="en-GB" sz="1800" dirty="0">
+                <a:solidFill>
+                  <a:srgbClr val="000000"/>
+                </a:solidFill>
+                <a:highlight>
+                  <a:srgbClr val="FFFFFF"/>
+                </a:highlight>
+                <a:latin typeface="Cascadia Mono" panose="020B0609020000020004" pitchFamily="49" charset="0"/>
+              </a:rPr>
+              <a:t>               </a:t>
+            </a:r>
+            <a:r>
+              <a:rPr lang="en-GB" sz="1800" dirty="0">
+                <a:solidFill>
+                  <a:srgbClr val="FF0000"/>
+                </a:solidFill>
+                <a:highlight>
+                  <a:srgbClr val="FFFFFF"/>
+                </a:highlight>
+                <a:latin typeface="Cascadia Mono" panose="020B0609020000020004" pitchFamily="49" charset="0"/>
+              </a:rPr>
+              <a:t> Margin</a:t>
+            </a:r>
+            <a:r>
+              <a:rPr lang="en-GB" sz="1800" dirty="0">
+                <a:solidFill>
+                  <a:srgbClr val="0000FF"/>
+                </a:solidFill>
+                <a:highlight>
+                  <a:srgbClr val="FFFFFF"/>
+                </a:highlight>
+                <a:latin typeface="Cascadia Mono" panose="020B0609020000020004" pitchFamily="49" charset="0"/>
+              </a:rPr>
+              <a:t>="5"</a:t>
+            </a:r>
+            <a:endParaRPr lang="en-GB" sz="1800" dirty="0">
+              <a:solidFill>
+                <a:srgbClr val="000000"/>
+              </a:solidFill>
+              <a:highlight>
+                <a:srgbClr val="FFFFFF"/>
+              </a:highlight>
+              <a:latin typeface="Cascadia Mono" panose="020B0609020000020004" pitchFamily="49" charset="0"/>
+            </a:endParaRPr>
+          </a:p>
+          <a:p>
+            <a:r>
+              <a:rPr lang="en-GB" sz="1800" dirty="0">
+                <a:solidFill>
+                  <a:srgbClr val="000000"/>
+                </a:solidFill>
+                <a:highlight>
+                  <a:srgbClr val="FFFFFF"/>
+                </a:highlight>
+                <a:latin typeface="Cascadia Mono" panose="020B0609020000020004" pitchFamily="49" charset="0"/>
+              </a:rPr>
+              <a:t>               </a:t>
+            </a:r>
+            <a:r>
+              <a:rPr lang="en-GB" sz="1800" dirty="0">
+                <a:solidFill>
+                  <a:srgbClr val="FF0000"/>
+                </a:solidFill>
+                <a:highlight>
+                  <a:srgbClr val="FFFFFF"/>
+                </a:highlight>
+                <a:latin typeface="Cascadia Mono" panose="020B0609020000020004" pitchFamily="49" charset="0"/>
+              </a:rPr>
+              <a:t> </a:t>
+            </a:r>
+            <a:r>
+              <a:rPr lang="en-GB" sz="1800" dirty="0" err="1">
+                <a:solidFill>
+                  <a:srgbClr val="FF0000"/>
+                </a:solidFill>
+                <a:highlight>
+                  <a:srgbClr val="FFFFFF"/>
+                </a:highlight>
+                <a:latin typeface="Cascadia Mono" panose="020B0609020000020004" pitchFamily="49" charset="0"/>
+              </a:rPr>
+              <a:t>Grid.Row</a:t>
+            </a:r>
+            <a:r>
+              <a:rPr lang="en-GB" sz="1800" dirty="0">
+                <a:solidFill>
+                  <a:srgbClr val="0000FF"/>
+                </a:solidFill>
+                <a:highlight>
+                  <a:srgbClr val="FFFFFF"/>
+                </a:highlight>
+                <a:latin typeface="Cascadia Mono" panose="020B0609020000020004" pitchFamily="49" charset="0"/>
+              </a:rPr>
+              <a:t>="3"</a:t>
+            </a:r>
+            <a:endParaRPr lang="en-GB" sz="1800" dirty="0">
+              <a:solidFill>
+                <a:srgbClr val="000000"/>
+              </a:solidFill>
+              <a:highlight>
+                <a:srgbClr val="FFFFFF"/>
+              </a:highlight>
+              <a:latin typeface="Cascadia Mono" panose="020B0609020000020004" pitchFamily="49" charset="0"/>
+            </a:endParaRPr>
+          </a:p>
+          <a:p>
+            <a:r>
+              <a:rPr lang="en-GB" sz="1800" dirty="0">
+                <a:solidFill>
+                  <a:srgbClr val="000000"/>
+                </a:solidFill>
+                <a:highlight>
+                  <a:srgbClr val="FFFFFF"/>
+                </a:highlight>
+                <a:latin typeface="Cascadia Mono" panose="020B0609020000020004" pitchFamily="49" charset="0"/>
+              </a:rPr>
+              <a:t>               </a:t>
+            </a:r>
+            <a:r>
+              <a:rPr lang="en-GB" sz="1800" dirty="0">
+                <a:solidFill>
+                  <a:srgbClr val="FF0000"/>
+                </a:solidFill>
+                <a:highlight>
+                  <a:srgbClr val="FFFFFF"/>
+                </a:highlight>
+                <a:latin typeface="Cascadia Mono" panose="020B0609020000020004" pitchFamily="49" charset="0"/>
+              </a:rPr>
+              <a:t> </a:t>
+            </a:r>
+            <a:r>
+              <a:rPr lang="en-GB" sz="1800" dirty="0" err="1">
+                <a:solidFill>
+                  <a:srgbClr val="FF0000"/>
+                </a:solidFill>
+                <a:highlight>
+                  <a:srgbClr val="FFFFFF"/>
+                </a:highlight>
+                <a:latin typeface="Cascadia Mono" panose="020B0609020000020004" pitchFamily="49" charset="0"/>
+              </a:rPr>
+              <a:t>Grid.Column</a:t>
+            </a:r>
+            <a:r>
+              <a:rPr lang="en-GB" sz="1800" dirty="0">
+                <a:solidFill>
+                  <a:srgbClr val="0000FF"/>
+                </a:solidFill>
+                <a:highlight>
+                  <a:srgbClr val="FFFFFF"/>
+                </a:highlight>
+                <a:latin typeface="Cascadia Mono" panose="020B0609020000020004" pitchFamily="49" charset="0"/>
+              </a:rPr>
+              <a:t>="3"</a:t>
+            </a:r>
+            <a:endParaRPr lang="en-GB" sz="1800" dirty="0">
+              <a:solidFill>
+                <a:srgbClr val="000000"/>
+              </a:solidFill>
+              <a:highlight>
+                <a:srgbClr val="FFFFFF"/>
+              </a:highlight>
+              <a:latin typeface="Cascadia Mono" panose="020B0609020000020004" pitchFamily="49" charset="0"/>
+            </a:endParaRPr>
+          </a:p>
+          <a:p>
+            <a:r>
+              <a:rPr lang="en-GB" sz="1800" dirty="0">
+                <a:solidFill>
+                  <a:srgbClr val="000000"/>
+                </a:solidFill>
+                <a:highlight>
+                  <a:srgbClr val="FFFFFF"/>
+                </a:highlight>
+                <a:latin typeface="Cascadia Mono" panose="020B0609020000020004" pitchFamily="49" charset="0"/>
+              </a:rPr>
+              <a:t>               </a:t>
+            </a:r>
+            <a:r>
+              <a:rPr lang="en-GB" sz="1800" dirty="0">
+                <a:solidFill>
+                  <a:srgbClr val="FF0000"/>
+                </a:solidFill>
+                <a:highlight>
+                  <a:srgbClr val="FFFFFF"/>
+                </a:highlight>
+                <a:latin typeface="Cascadia Mono" panose="020B0609020000020004" pitchFamily="49" charset="0"/>
+              </a:rPr>
+              <a:t> Click</a:t>
+            </a:r>
+            <a:r>
+              <a:rPr lang="en-GB" sz="1800" dirty="0">
+                <a:solidFill>
+                  <a:srgbClr val="0000FF"/>
+                </a:solidFill>
+                <a:highlight>
+                  <a:srgbClr val="FFFFFF"/>
+                </a:highlight>
+                <a:latin typeface="Cascadia Mono" panose="020B0609020000020004" pitchFamily="49" charset="0"/>
+              </a:rPr>
+              <a:t>="</a:t>
+            </a:r>
+            <a:r>
+              <a:rPr lang="en-GB" sz="1800" dirty="0" err="1">
+                <a:solidFill>
+                  <a:srgbClr val="0000FF"/>
+                </a:solidFill>
+                <a:highlight>
+                  <a:srgbClr val="FFFFFF"/>
+                </a:highlight>
+                <a:latin typeface="Cascadia Mono" panose="020B0609020000020004" pitchFamily="49" charset="0"/>
+              </a:rPr>
+              <a:t>OperationButton_Click</a:t>
+            </a:r>
+            <a:r>
+              <a:rPr lang="en-GB" sz="1800" dirty="0">
+                <a:solidFill>
+                  <a:srgbClr val="0000FF"/>
+                </a:solidFill>
+                <a:highlight>
+                  <a:srgbClr val="FFFFFF"/>
+                </a:highlight>
+                <a:latin typeface="Cascadia Mono" panose="020B0609020000020004" pitchFamily="49" charset="0"/>
+              </a:rPr>
+              <a:t>"</a:t>
+            </a:r>
+            <a:endParaRPr lang="en-GB" sz="1800" dirty="0">
+              <a:solidFill>
+                <a:srgbClr val="000000"/>
+              </a:solidFill>
+              <a:highlight>
+                <a:srgbClr val="FFFFFF"/>
+              </a:highlight>
+              <a:latin typeface="Cascadia Mono" panose="020B0609020000020004" pitchFamily="49" charset="0"/>
+            </a:endParaRPr>
+          </a:p>
+          <a:p>
+            <a:r>
+              <a:rPr lang="en-GB" sz="1800" dirty="0">
+                <a:solidFill>
+                  <a:srgbClr val="000000"/>
+                </a:solidFill>
+                <a:highlight>
+                  <a:srgbClr val="FFFFFF"/>
+                </a:highlight>
+                <a:latin typeface="Cascadia Mono" panose="020B0609020000020004" pitchFamily="49" charset="0"/>
+              </a:rPr>
+              <a:t>                </a:t>
+            </a:r>
+          </a:p>
+          <a:p>
+            <a:r>
+              <a:rPr lang="en-GB" sz="1800" dirty="0">
+                <a:solidFill>
+                  <a:srgbClr val="000000"/>
+                </a:solidFill>
+                <a:highlight>
+                  <a:srgbClr val="FFFFFF"/>
+                </a:highlight>
+                <a:latin typeface="Cascadia Mono" panose="020B0609020000020004" pitchFamily="49" charset="0"/>
+              </a:rPr>
+              <a:t>                </a:t>
+            </a:r>
+            <a:r>
+              <a:rPr lang="en-GB" sz="1800" dirty="0">
+                <a:solidFill>
+                  <a:srgbClr val="FF0000"/>
+                </a:solidFill>
+                <a:highlight>
+                  <a:srgbClr val="FFFFFF"/>
+                </a:highlight>
+                <a:latin typeface="Cascadia Mono" panose="020B0609020000020004" pitchFamily="49" charset="0"/>
+              </a:rPr>
+              <a:t> Background</a:t>
+            </a:r>
+            <a:r>
+              <a:rPr lang="en-GB" sz="1800" dirty="0">
+                <a:solidFill>
+                  <a:srgbClr val="0000FF"/>
+                </a:solidFill>
+                <a:highlight>
+                  <a:srgbClr val="FFFFFF"/>
+                </a:highlight>
+                <a:latin typeface="Cascadia Mono" panose="020B0609020000020004" pitchFamily="49" charset="0"/>
+              </a:rPr>
+              <a:t>="{</a:t>
+            </a:r>
+            <a:r>
+              <a:rPr lang="en-GB" sz="1800" dirty="0" err="1">
+                <a:solidFill>
+                  <a:srgbClr val="A31515"/>
+                </a:solidFill>
+                <a:highlight>
+                  <a:srgbClr val="FFFFFF"/>
+                </a:highlight>
+                <a:latin typeface="Cascadia Mono" panose="020B0609020000020004" pitchFamily="49" charset="0"/>
+              </a:rPr>
+              <a:t>StaticResource</a:t>
+            </a:r>
+            <a:r>
+              <a:rPr lang="en-GB" sz="1800" dirty="0">
+                <a:solidFill>
+                  <a:srgbClr val="FF0000"/>
+                </a:solidFill>
+                <a:highlight>
+                  <a:srgbClr val="FFFFFF"/>
+                </a:highlight>
+                <a:latin typeface="Cascadia Mono" panose="020B0609020000020004" pitchFamily="49" charset="0"/>
+              </a:rPr>
+              <a:t> </a:t>
+            </a:r>
+            <a:r>
+              <a:rPr lang="en-GB" sz="1800" dirty="0" err="1">
+                <a:solidFill>
+                  <a:srgbClr val="FF0000"/>
+                </a:solidFill>
+                <a:highlight>
+                  <a:srgbClr val="FFFFFF"/>
+                </a:highlight>
+                <a:latin typeface="Cascadia Mono" panose="020B0609020000020004" pitchFamily="49" charset="0"/>
+              </a:rPr>
+              <a:t>operatorColor</a:t>
+            </a:r>
+            <a:r>
+              <a:rPr lang="en-GB" sz="1800" dirty="0">
+                <a:solidFill>
+                  <a:srgbClr val="0000FF"/>
+                </a:solidFill>
+                <a:highlight>
+                  <a:srgbClr val="FFFFFF"/>
+                </a:highlight>
+                <a:latin typeface="Cascadia Mono" panose="020B0609020000020004" pitchFamily="49" charset="0"/>
+              </a:rPr>
+              <a:t>}"/&gt;</a:t>
+            </a:r>
+            <a:endParaRPr lang="en-GB" sz="1800" dirty="0">
+              <a:solidFill>
+                <a:srgbClr val="000000"/>
+              </a:solidFill>
+              <a:highlight>
+                <a:srgbClr val="FFFFFF"/>
+              </a:highlight>
+              <a:latin typeface="Cascadia Mono" panose="020B0609020000020004" pitchFamily="49" charset="0"/>
+            </a:endParaRPr>
+          </a:p>
+          <a:p>
+            <a:r>
+              <a:rPr lang="en-GB" sz="1800" dirty="0">
+                <a:solidFill>
+                  <a:srgbClr val="000000"/>
+                </a:solidFill>
+                <a:highlight>
+                  <a:srgbClr val="FFFFFF"/>
+                </a:highlight>
+                <a:latin typeface="Cascadia Mono" panose="020B0609020000020004" pitchFamily="49" charset="0"/>
+              </a:rPr>
+              <a:t>        </a:t>
+            </a:r>
+            <a:r>
+              <a:rPr lang="en-GB" sz="1800" dirty="0">
+                <a:solidFill>
+                  <a:srgbClr val="0000FF"/>
+                </a:solidFill>
+                <a:highlight>
+                  <a:srgbClr val="FFFFFF"/>
+                </a:highlight>
+                <a:latin typeface="Cascadia Mono" panose="020B0609020000020004" pitchFamily="49" charset="0"/>
+              </a:rPr>
+              <a:t>&lt;</a:t>
+            </a:r>
+            <a:r>
+              <a:rPr lang="en-GB" sz="1800" dirty="0">
+                <a:solidFill>
+                  <a:srgbClr val="A31515"/>
+                </a:solidFill>
+                <a:highlight>
+                  <a:srgbClr val="FFFFFF"/>
+                </a:highlight>
+                <a:latin typeface="Cascadia Mono" panose="020B0609020000020004" pitchFamily="49" charset="0"/>
+              </a:rPr>
+              <a:t>Button</a:t>
+            </a:r>
+            <a:r>
+              <a:rPr lang="en-GB" sz="1800" dirty="0">
+                <a:solidFill>
+                  <a:srgbClr val="FF0000"/>
+                </a:solidFill>
+                <a:highlight>
+                  <a:srgbClr val="FFFFFF"/>
+                </a:highlight>
+                <a:latin typeface="Cascadia Mono" panose="020B0609020000020004" pitchFamily="49" charset="0"/>
+              </a:rPr>
+              <a:t> x</a:t>
+            </a:r>
+            <a:r>
+              <a:rPr lang="en-GB" sz="1800" dirty="0">
+                <a:solidFill>
+                  <a:srgbClr val="0000FF"/>
+                </a:solidFill>
+                <a:highlight>
+                  <a:srgbClr val="FFFFFF"/>
+                </a:highlight>
+                <a:latin typeface="Cascadia Mono" panose="020B0609020000020004" pitchFamily="49" charset="0"/>
+              </a:rPr>
+              <a:t>:</a:t>
+            </a:r>
+            <a:r>
+              <a:rPr lang="en-GB" sz="1800" dirty="0">
+                <a:solidFill>
+                  <a:srgbClr val="FF0000"/>
+                </a:solidFill>
+                <a:highlight>
+                  <a:srgbClr val="FFFFFF"/>
+                </a:highlight>
+                <a:latin typeface="Cascadia Mono" panose="020B0609020000020004" pitchFamily="49" charset="0"/>
+              </a:rPr>
+              <a:t>Name</a:t>
+            </a:r>
+            <a:r>
+              <a:rPr lang="en-GB" sz="1800" dirty="0">
+                <a:solidFill>
+                  <a:srgbClr val="0000FF"/>
+                </a:solidFill>
+                <a:highlight>
+                  <a:srgbClr val="FFFFFF"/>
+                </a:highlight>
+                <a:latin typeface="Cascadia Mono" panose="020B0609020000020004" pitchFamily="49" charset="0"/>
+              </a:rPr>
+              <a:t>="multiplyButton"</a:t>
+            </a:r>
+            <a:endParaRPr lang="en-GB" sz="1800" dirty="0">
+              <a:solidFill>
+                <a:srgbClr val="000000"/>
+              </a:solidFill>
+              <a:highlight>
+                <a:srgbClr val="FFFFFF"/>
+              </a:highlight>
+              <a:latin typeface="Cascadia Mono" panose="020B0609020000020004" pitchFamily="49" charset="0"/>
+            </a:endParaRPr>
+          </a:p>
+          <a:p>
+            <a:r>
+              <a:rPr lang="en-GB" sz="1800" dirty="0">
+                <a:solidFill>
+                  <a:srgbClr val="000000"/>
+                </a:solidFill>
+                <a:highlight>
+                  <a:srgbClr val="FFFFFF"/>
+                </a:highlight>
+                <a:latin typeface="Cascadia Mono" panose="020B0609020000020004" pitchFamily="49" charset="0"/>
+              </a:rPr>
+              <a:t>               </a:t>
+            </a:r>
+            <a:r>
+              <a:rPr lang="en-GB" sz="1800" dirty="0">
+                <a:solidFill>
+                  <a:srgbClr val="FF0000"/>
+                </a:solidFill>
+                <a:highlight>
+                  <a:srgbClr val="FFFFFF"/>
+                </a:highlight>
+                <a:latin typeface="Cascadia Mono" panose="020B0609020000020004" pitchFamily="49" charset="0"/>
+              </a:rPr>
+              <a:t> Content</a:t>
+            </a:r>
+            <a:r>
+              <a:rPr lang="en-GB" sz="1800" dirty="0">
+                <a:solidFill>
+                  <a:srgbClr val="0000FF"/>
+                </a:solidFill>
+                <a:highlight>
+                  <a:srgbClr val="FFFFFF"/>
+                </a:highlight>
+                <a:latin typeface="Cascadia Mono" panose="020B0609020000020004" pitchFamily="49" charset="0"/>
+              </a:rPr>
+              <a:t>="*"</a:t>
+            </a:r>
+            <a:endParaRPr lang="en-GB" sz="1800" dirty="0">
+              <a:solidFill>
+                <a:srgbClr val="000000"/>
+              </a:solidFill>
+              <a:highlight>
+                <a:srgbClr val="FFFFFF"/>
+              </a:highlight>
+              <a:latin typeface="Cascadia Mono" panose="020B0609020000020004" pitchFamily="49" charset="0"/>
+            </a:endParaRPr>
+          </a:p>
+          <a:p>
+            <a:r>
+              <a:rPr lang="en-GB" sz="1800" dirty="0">
+                <a:solidFill>
+                  <a:srgbClr val="000000"/>
+                </a:solidFill>
+                <a:highlight>
+                  <a:srgbClr val="FFFFFF"/>
+                </a:highlight>
+                <a:latin typeface="Cascadia Mono" panose="020B0609020000020004" pitchFamily="49" charset="0"/>
+              </a:rPr>
+              <a:t>               </a:t>
+            </a:r>
+            <a:r>
+              <a:rPr lang="en-GB" sz="1800" dirty="0">
+                <a:solidFill>
+                  <a:srgbClr val="FF0000"/>
+                </a:solidFill>
+                <a:highlight>
+                  <a:srgbClr val="FFFFFF"/>
+                </a:highlight>
+                <a:latin typeface="Cascadia Mono" panose="020B0609020000020004" pitchFamily="49" charset="0"/>
+              </a:rPr>
+              <a:t> Margin</a:t>
+            </a:r>
+            <a:r>
+              <a:rPr lang="en-GB" sz="1800" dirty="0">
+                <a:solidFill>
+                  <a:srgbClr val="0000FF"/>
+                </a:solidFill>
+                <a:highlight>
+                  <a:srgbClr val="FFFFFF"/>
+                </a:highlight>
+                <a:latin typeface="Cascadia Mono" panose="020B0609020000020004" pitchFamily="49" charset="0"/>
+              </a:rPr>
+              <a:t>="5"</a:t>
+            </a:r>
+            <a:endParaRPr lang="en-GB" sz="1800" dirty="0">
+              <a:solidFill>
+                <a:srgbClr val="000000"/>
+              </a:solidFill>
+              <a:highlight>
+                <a:srgbClr val="FFFFFF"/>
+              </a:highlight>
+              <a:latin typeface="Cascadia Mono" panose="020B0609020000020004" pitchFamily="49" charset="0"/>
+            </a:endParaRPr>
+          </a:p>
+          <a:p>
+            <a:r>
+              <a:rPr lang="en-GB" sz="1800" dirty="0">
+                <a:solidFill>
+                  <a:srgbClr val="000000"/>
+                </a:solidFill>
+                <a:highlight>
+                  <a:srgbClr val="FFFFFF"/>
+                </a:highlight>
+                <a:latin typeface="Cascadia Mono" panose="020B0609020000020004" pitchFamily="49" charset="0"/>
+              </a:rPr>
+              <a:t>               </a:t>
+            </a:r>
+            <a:r>
+              <a:rPr lang="en-GB" sz="1800" dirty="0">
+                <a:solidFill>
+                  <a:srgbClr val="FF0000"/>
+                </a:solidFill>
+                <a:highlight>
+                  <a:srgbClr val="FFFFFF"/>
+                </a:highlight>
+                <a:latin typeface="Cascadia Mono" panose="020B0609020000020004" pitchFamily="49" charset="0"/>
+              </a:rPr>
+              <a:t> </a:t>
+            </a:r>
+            <a:r>
+              <a:rPr lang="en-GB" sz="1800" dirty="0" err="1">
+                <a:solidFill>
+                  <a:srgbClr val="FF0000"/>
+                </a:solidFill>
+                <a:highlight>
+                  <a:srgbClr val="FFFFFF"/>
+                </a:highlight>
+                <a:latin typeface="Cascadia Mono" panose="020B0609020000020004" pitchFamily="49" charset="0"/>
+              </a:rPr>
+              <a:t>Grid.Row</a:t>
+            </a:r>
+            <a:r>
+              <a:rPr lang="en-GB" sz="1800" dirty="0">
+                <a:solidFill>
+                  <a:srgbClr val="0000FF"/>
+                </a:solidFill>
+                <a:highlight>
+                  <a:srgbClr val="FFFFFF"/>
+                </a:highlight>
+                <a:latin typeface="Cascadia Mono" panose="020B0609020000020004" pitchFamily="49" charset="0"/>
+              </a:rPr>
+              <a:t>="2"</a:t>
+            </a:r>
+            <a:endParaRPr lang="en-GB" sz="1800" dirty="0">
+              <a:solidFill>
+                <a:srgbClr val="000000"/>
+              </a:solidFill>
+              <a:highlight>
+                <a:srgbClr val="FFFFFF"/>
+              </a:highlight>
+              <a:latin typeface="Cascadia Mono" panose="020B0609020000020004" pitchFamily="49" charset="0"/>
+            </a:endParaRPr>
+          </a:p>
+          <a:p>
+            <a:r>
+              <a:rPr lang="en-GB" sz="1800" dirty="0">
+                <a:solidFill>
+                  <a:srgbClr val="000000"/>
+                </a:solidFill>
+                <a:highlight>
+                  <a:srgbClr val="FFFFFF"/>
+                </a:highlight>
+                <a:latin typeface="Cascadia Mono" panose="020B0609020000020004" pitchFamily="49" charset="0"/>
+              </a:rPr>
+              <a:t>               </a:t>
+            </a:r>
+            <a:r>
+              <a:rPr lang="en-GB" sz="1800" dirty="0">
+                <a:solidFill>
+                  <a:srgbClr val="FF0000"/>
+                </a:solidFill>
+                <a:highlight>
+                  <a:srgbClr val="FFFFFF"/>
+                </a:highlight>
+                <a:latin typeface="Cascadia Mono" panose="020B0609020000020004" pitchFamily="49" charset="0"/>
+              </a:rPr>
+              <a:t> </a:t>
+            </a:r>
+            <a:r>
+              <a:rPr lang="en-GB" sz="1800" dirty="0" err="1">
+                <a:solidFill>
+                  <a:srgbClr val="FF0000"/>
+                </a:solidFill>
+                <a:highlight>
+                  <a:srgbClr val="FFFFFF"/>
+                </a:highlight>
+                <a:latin typeface="Cascadia Mono" panose="020B0609020000020004" pitchFamily="49" charset="0"/>
+              </a:rPr>
+              <a:t>Grid.Column</a:t>
+            </a:r>
+            <a:r>
+              <a:rPr lang="en-GB" sz="1800" dirty="0">
+                <a:solidFill>
+                  <a:srgbClr val="0000FF"/>
+                </a:solidFill>
+                <a:highlight>
+                  <a:srgbClr val="FFFFFF"/>
+                </a:highlight>
+                <a:latin typeface="Cascadia Mono" panose="020B0609020000020004" pitchFamily="49" charset="0"/>
+              </a:rPr>
+              <a:t>="3"</a:t>
+            </a:r>
+            <a:endParaRPr lang="en-GB" sz="1800" dirty="0">
+              <a:solidFill>
+                <a:srgbClr val="000000"/>
+              </a:solidFill>
+              <a:highlight>
+                <a:srgbClr val="FFFFFF"/>
+              </a:highlight>
+              <a:latin typeface="Cascadia Mono" panose="020B0609020000020004" pitchFamily="49" charset="0"/>
+            </a:endParaRPr>
+          </a:p>
+          <a:p>
+            <a:r>
+              <a:rPr lang="en-GB" sz="1800" dirty="0">
+                <a:solidFill>
+                  <a:srgbClr val="000000"/>
+                </a:solidFill>
+                <a:highlight>
+                  <a:srgbClr val="FFFFFF"/>
+                </a:highlight>
+                <a:latin typeface="Cascadia Mono" panose="020B0609020000020004" pitchFamily="49" charset="0"/>
+              </a:rPr>
+              <a:t>               </a:t>
+            </a:r>
+            <a:r>
+              <a:rPr lang="en-GB" sz="1800" dirty="0">
+                <a:solidFill>
+                  <a:srgbClr val="FF0000"/>
+                </a:solidFill>
+                <a:highlight>
+                  <a:srgbClr val="FFFFFF"/>
+                </a:highlight>
+                <a:latin typeface="Cascadia Mono" panose="020B0609020000020004" pitchFamily="49" charset="0"/>
+              </a:rPr>
+              <a:t> Click</a:t>
+            </a:r>
+            <a:r>
+              <a:rPr lang="en-GB" sz="1800" dirty="0">
+                <a:solidFill>
+                  <a:srgbClr val="0000FF"/>
+                </a:solidFill>
+                <a:highlight>
+                  <a:srgbClr val="FFFFFF"/>
+                </a:highlight>
+                <a:latin typeface="Cascadia Mono" panose="020B0609020000020004" pitchFamily="49" charset="0"/>
+              </a:rPr>
+              <a:t>="</a:t>
+            </a:r>
+            <a:r>
+              <a:rPr lang="en-GB" sz="1800" dirty="0" err="1">
+                <a:solidFill>
+                  <a:srgbClr val="0000FF"/>
+                </a:solidFill>
+                <a:highlight>
+                  <a:srgbClr val="FFFFFF"/>
+                </a:highlight>
+                <a:latin typeface="Cascadia Mono" panose="020B0609020000020004" pitchFamily="49" charset="0"/>
+              </a:rPr>
+              <a:t>OperationButton_Click</a:t>
+            </a:r>
+            <a:r>
+              <a:rPr lang="en-GB" sz="1800" dirty="0">
+                <a:solidFill>
+                  <a:srgbClr val="0000FF"/>
+                </a:solidFill>
+                <a:highlight>
+                  <a:srgbClr val="FFFFFF"/>
+                </a:highlight>
+                <a:latin typeface="Cascadia Mono" panose="020B0609020000020004" pitchFamily="49" charset="0"/>
+              </a:rPr>
+              <a:t>"</a:t>
+            </a:r>
+            <a:endParaRPr lang="en-GB" sz="1800" dirty="0">
+              <a:solidFill>
+                <a:srgbClr val="000000"/>
+              </a:solidFill>
+              <a:highlight>
+                <a:srgbClr val="FFFFFF"/>
+              </a:highlight>
+              <a:latin typeface="Cascadia Mono" panose="020B0609020000020004" pitchFamily="49" charset="0"/>
+            </a:endParaRPr>
+          </a:p>
+          <a:p>
+            <a:r>
+              <a:rPr lang="en-GB" sz="1800" dirty="0">
+                <a:solidFill>
+                  <a:srgbClr val="000000"/>
+                </a:solidFill>
+                <a:highlight>
+                  <a:srgbClr val="FFFFFF"/>
+                </a:highlight>
+                <a:latin typeface="Cascadia Mono" panose="020B0609020000020004" pitchFamily="49" charset="0"/>
+              </a:rPr>
+              <a:t>                </a:t>
+            </a:r>
+          </a:p>
+          <a:p>
+            <a:r>
+              <a:rPr lang="en-GB" sz="1800" dirty="0">
+                <a:solidFill>
+                  <a:srgbClr val="000000"/>
+                </a:solidFill>
+                <a:highlight>
+                  <a:srgbClr val="FFFFFF"/>
+                </a:highlight>
+                <a:latin typeface="Cascadia Mono" panose="020B0609020000020004" pitchFamily="49" charset="0"/>
+              </a:rPr>
+              <a:t>               </a:t>
+            </a:r>
+            <a:r>
+              <a:rPr lang="en-GB" sz="1800" dirty="0">
+                <a:solidFill>
+                  <a:srgbClr val="FF0000"/>
+                </a:solidFill>
+                <a:highlight>
+                  <a:srgbClr val="FFFFFF"/>
+                </a:highlight>
+                <a:latin typeface="Cascadia Mono" panose="020B0609020000020004" pitchFamily="49" charset="0"/>
+              </a:rPr>
+              <a:t> Background</a:t>
+            </a:r>
+            <a:r>
+              <a:rPr lang="en-GB" sz="1800" dirty="0">
+                <a:solidFill>
+                  <a:srgbClr val="0000FF"/>
+                </a:solidFill>
+                <a:highlight>
+                  <a:srgbClr val="FFFFFF"/>
+                </a:highlight>
+                <a:latin typeface="Cascadia Mono" panose="020B0609020000020004" pitchFamily="49" charset="0"/>
+              </a:rPr>
+              <a:t>="{</a:t>
+            </a:r>
+            <a:r>
+              <a:rPr lang="en-GB" sz="1800" dirty="0" err="1">
+                <a:solidFill>
+                  <a:srgbClr val="A31515"/>
+                </a:solidFill>
+                <a:highlight>
+                  <a:srgbClr val="FFFFFF"/>
+                </a:highlight>
+                <a:latin typeface="Cascadia Mono" panose="020B0609020000020004" pitchFamily="49" charset="0"/>
+              </a:rPr>
+              <a:t>StaticResource</a:t>
+            </a:r>
+            <a:r>
+              <a:rPr lang="en-GB" sz="1800" dirty="0">
+                <a:solidFill>
+                  <a:srgbClr val="FF0000"/>
+                </a:solidFill>
+                <a:highlight>
+                  <a:srgbClr val="FFFFFF"/>
+                </a:highlight>
+                <a:latin typeface="Cascadia Mono" panose="020B0609020000020004" pitchFamily="49" charset="0"/>
+              </a:rPr>
+              <a:t> </a:t>
+            </a:r>
+            <a:r>
+              <a:rPr lang="en-GB" sz="1800" dirty="0" err="1">
+                <a:solidFill>
+                  <a:srgbClr val="FF0000"/>
+                </a:solidFill>
+                <a:highlight>
+                  <a:srgbClr val="FFFFFF"/>
+                </a:highlight>
+                <a:latin typeface="Cascadia Mono" panose="020B0609020000020004" pitchFamily="49" charset="0"/>
+              </a:rPr>
+              <a:t>operatorColor</a:t>
+            </a:r>
+            <a:r>
+              <a:rPr lang="en-GB" sz="1800" dirty="0">
+                <a:solidFill>
+                  <a:srgbClr val="0000FF"/>
+                </a:solidFill>
+                <a:highlight>
+                  <a:srgbClr val="FFFFFF"/>
+                </a:highlight>
+                <a:latin typeface="Cascadia Mono" panose="020B0609020000020004" pitchFamily="49" charset="0"/>
+              </a:rPr>
+              <a:t>}"/&gt;</a:t>
+            </a:r>
+            <a:endParaRPr lang="en-GB" sz="1800" dirty="0">
+              <a:solidFill>
+                <a:srgbClr val="000000"/>
+              </a:solidFill>
+              <a:highlight>
+                <a:srgbClr val="FFFFFF"/>
+              </a:highlight>
+              <a:latin typeface="Cascadia Mono" panose="020B0609020000020004" pitchFamily="49" charset="0"/>
+            </a:endParaRPr>
+          </a:p>
+          <a:p>
+            <a:r>
+              <a:rPr lang="en-GB" sz="1800" dirty="0">
+                <a:solidFill>
+                  <a:srgbClr val="000000"/>
+                </a:solidFill>
+                <a:highlight>
+                  <a:srgbClr val="FFFFFF"/>
+                </a:highlight>
+                <a:latin typeface="Cascadia Mono" panose="020B0609020000020004" pitchFamily="49" charset="0"/>
+              </a:rPr>
+              <a:t>        </a:t>
+            </a:r>
+            <a:r>
+              <a:rPr lang="en-GB" sz="1800" dirty="0">
+                <a:solidFill>
+                  <a:srgbClr val="0000FF"/>
+                </a:solidFill>
+                <a:highlight>
+                  <a:srgbClr val="FFFFFF"/>
+                </a:highlight>
+                <a:latin typeface="Cascadia Mono" panose="020B0609020000020004" pitchFamily="49" charset="0"/>
+              </a:rPr>
+              <a:t>&lt;</a:t>
+            </a:r>
+            <a:r>
+              <a:rPr lang="en-GB" sz="1800" dirty="0">
+                <a:solidFill>
+                  <a:srgbClr val="A31515"/>
+                </a:solidFill>
+                <a:highlight>
+                  <a:srgbClr val="FFFFFF"/>
+                </a:highlight>
+                <a:latin typeface="Cascadia Mono" panose="020B0609020000020004" pitchFamily="49" charset="0"/>
+              </a:rPr>
+              <a:t>Button</a:t>
+            </a:r>
+            <a:r>
+              <a:rPr lang="en-GB" sz="1800" dirty="0">
+                <a:solidFill>
+                  <a:srgbClr val="FF0000"/>
+                </a:solidFill>
+                <a:highlight>
+                  <a:srgbClr val="FFFFFF"/>
+                </a:highlight>
+                <a:latin typeface="Cascadia Mono" panose="020B0609020000020004" pitchFamily="49" charset="0"/>
+              </a:rPr>
+              <a:t> x</a:t>
+            </a:r>
+            <a:r>
+              <a:rPr lang="en-GB" sz="1800" dirty="0">
+                <a:solidFill>
+                  <a:srgbClr val="0000FF"/>
+                </a:solidFill>
+                <a:highlight>
+                  <a:srgbClr val="FFFFFF"/>
+                </a:highlight>
+                <a:latin typeface="Cascadia Mono" panose="020B0609020000020004" pitchFamily="49" charset="0"/>
+              </a:rPr>
+              <a:t>:</a:t>
+            </a:r>
+            <a:r>
+              <a:rPr lang="en-GB" sz="1800" dirty="0">
+                <a:solidFill>
+                  <a:srgbClr val="FF0000"/>
+                </a:solidFill>
+                <a:highlight>
+                  <a:srgbClr val="FFFFFF"/>
+                </a:highlight>
+                <a:latin typeface="Cascadia Mono" panose="020B0609020000020004" pitchFamily="49" charset="0"/>
+              </a:rPr>
+              <a:t>Name</a:t>
+            </a:r>
+            <a:r>
+              <a:rPr lang="en-GB" sz="1800" dirty="0">
+                <a:solidFill>
+                  <a:srgbClr val="0000FF"/>
+                </a:solidFill>
+                <a:highlight>
+                  <a:srgbClr val="FFFFFF"/>
+                </a:highlight>
+                <a:latin typeface="Cascadia Mono" panose="020B0609020000020004" pitchFamily="49" charset="0"/>
+              </a:rPr>
+              <a:t>="divideButton"</a:t>
+            </a:r>
+            <a:endParaRPr lang="en-GB" sz="1800" dirty="0">
+              <a:solidFill>
+                <a:srgbClr val="000000"/>
+              </a:solidFill>
+              <a:highlight>
+                <a:srgbClr val="FFFFFF"/>
+              </a:highlight>
+              <a:latin typeface="Cascadia Mono" panose="020B0609020000020004" pitchFamily="49" charset="0"/>
+            </a:endParaRPr>
+          </a:p>
+          <a:p>
+            <a:r>
+              <a:rPr lang="en-GB" sz="1800" dirty="0">
+                <a:solidFill>
+                  <a:srgbClr val="000000"/>
+                </a:solidFill>
+                <a:highlight>
+                  <a:srgbClr val="FFFFFF"/>
+                </a:highlight>
+                <a:latin typeface="Cascadia Mono" panose="020B0609020000020004" pitchFamily="49" charset="0"/>
+              </a:rPr>
+              <a:t>           </a:t>
+            </a:r>
+            <a:r>
+              <a:rPr lang="en-GB" sz="1800" dirty="0">
+                <a:solidFill>
+                  <a:srgbClr val="FF0000"/>
+                </a:solidFill>
+                <a:highlight>
+                  <a:srgbClr val="FFFFFF"/>
+                </a:highlight>
+                <a:latin typeface="Cascadia Mono" panose="020B0609020000020004" pitchFamily="49" charset="0"/>
+              </a:rPr>
+              <a:t> Content</a:t>
+            </a:r>
+            <a:r>
+              <a:rPr lang="en-GB" sz="1800" dirty="0">
+                <a:solidFill>
+                  <a:srgbClr val="0000FF"/>
+                </a:solidFill>
+                <a:highlight>
+                  <a:srgbClr val="FFFFFF"/>
+                </a:highlight>
+                <a:latin typeface="Cascadia Mono" panose="020B0609020000020004" pitchFamily="49" charset="0"/>
+              </a:rPr>
+              <a:t>="/"</a:t>
+            </a:r>
+            <a:endParaRPr lang="en-GB" sz="1800" dirty="0">
+              <a:solidFill>
+                <a:srgbClr val="000000"/>
+              </a:solidFill>
+              <a:highlight>
+                <a:srgbClr val="FFFFFF"/>
+              </a:highlight>
+              <a:latin typeface="Cascadia Mono" panose="020B0609020000020004" pitchFamily="49" charset="0"/>
+            </a:endParaRPr>
+          </a:p>
+          <a:p>
+            <a:r>
+              <a:rPr lang="en-GB" sz="1800" dirty="0">
+                <a:solidFill>
+                  <a:srgbClr val="000000"/>
+                </a:solidFill>
+                <a:highlight>
+                  <a:srgbClr val="FFFFFF"/>
+                </a:highlight>
+                <a:latin typeface="Cascadia Mono" panose="020B0609020000020004" pitchFamily="49" charset="0"/>
+              </a:rPr>
+              <a:t>               </a:t>
+            </a:r>
+            <a:r>
+              <a:rPr lang="en-GB" sz="1800" dirty="0">
+                <a:solidFill>
+                  <a:srgbClr val="FF0000"/>
+                </a:solidFill>
+                <a:highlight>
+                  <a:srgbClr val="FFFFFF"/>
+                </a:highlight>
+                <a:latin typeface="Cascadia Mono" panose="020B0609020000020004" pitchFamily="49" charset="0"/>
+              </a:rPr>
+              <a:t> Margin</a:t>
+            </a:r>
+            <a:r>
+              <a:rPr lang="en-GB" sz="1800" dirty="0">
+                <a:solidFill>
+                  <a:srgbClr val="0000FF"/>
+                </a:solidFill>
+                <a:highlight>
+                  <a:srgbClr val="FFFFFF"/>
+                </a:highlight>
+                <a:latin typeface="Cascadia Mono" panose="020B0609020000020004" pitchFamily="49" charset="0"/>
+              </a:rPr>
+              <a:t>="5"</a:t>
+            </a:r>
+            <a:endParaRPr lang="en-GB" sz="1800" dirty="0">
+              <a:solidFill>
+                <a:srgbClr val="000000"/>
+              </a:solidFill>
+              <a:highlight>
+                <a:srgbClr val="FFFFFF"/>
+              </a:highlight>
+              <a:latin typeface="Cascadia Mono" panose="020B0609020000020004" pitchFamily="49" charset="0"/>
+            </a:endParaRPr>
+          </a:p>
+          <a:p>
+            <a:r>
+              <a:rPr lang="en-GB" sz="1800" dirty="0">
+                <a:solidFill>
+                  <a:srgbClr val="000000"/>
+                </a:solidFill>
+                <a:highlight>
+                  <a:srgbClr val="FFFFFF"/>
+                </a:highlight>
+                <a:latin typeface="Cascadia Mono" panose="020B0609020000020004" pitchFamily="49" charset="0"/>
+              </a:rPr>
+              <a:t>               </a:t>
+            </a:r>
+            <a:r>
+              <a:rPr lang="en-GB" sz="1800" dirty="0">
+                <a:solidFill>
+                  <a:srgbClr val="FF0000"/>
+                </a:solidFill>
+                <a:highlight>
+                  <a:srgbClr val="FFFFFF"/>
+                </a:highlight>
+                <a:latin typeface="Cascadia Mono" panose="020B0609020000020004" pitchFamily="49" charset="0"/>
+              </a:rPr>
+              <a:t> </a:t>
+            </a:r>
+            <a:r>
+              <a:rPr lang="en-GB" sz="1800" dirty="0" err="1">
+                <a:solidFill>
+                  <a:srgbClr val="FF0000"/>
+                </a:solidFill>
+                <a:highlight>
+                  <a:srgbClr val="FFFFFF"/>
+                </a:highlight>
+                <a:latin typeface="Cascadia Mono" panose="020B0609020000020004" pitchFamily="49" charset="0"/>
+              </a:rPr>
+              <a:t>Grid.Row</a:t>
+            </a:r>
+            <a:r>
+              <a:rPr lang="en-GB" sz="1800" dirty="0">
+                <a:solidFill>
+                  <a:srgbClr val="0000FF"/>
+                </a:solidFill>
+                <a:highlight>
+                  <a:srgbClr val="FFFFFF"/>
+                </a:highlight>
+                <a:latin typeface="Cascadia Mono" panose="020B0609020000020004" pitchFamily="49" charset="0"/>
+              </a:rPr>
+              <a:t>="1"</a:t>
+            </a:r>
+            <a:endParaRPr lang="en-GB" sz="1800" dirty="0">
+              <a:solidFill>
+                <a:srgbClr val="000000"/>
+              </a:solidFill>
+              <a:highlight>
+                <a:srgbClr val="FFFFFF"/>
+              </a:highlight>
+              <a:latin typeface="Cascadia Mono" panose="020B0609020000020004" pitchFamily="49" charset="0"/>
+            </a:endParaRPr>
+          </a:p>
+          <a:p>
+            <a:r>
+              <a:rPr lang="en-GB" sz="1800" dirty="0">
+                <a:solidFill>
+                  <a:srgbClr val="000000"/>
+                </a:solidFill>
+                <a:highlight>
+                  <a:srgbClr val="FFFFFF"/>
+                </a:highlight>
+                <a:latin typeface="Cascadia Mono" panose="020B0609020000020004" pitchFamily="49" charset="0"/>
+              </a:rPr>
+              <a:t>               </a:t>
+            </a:r>
+            <a:r>
+              <a:rPr lang="en-GB" sz="1800" dirty="0">
+                <a:solidFill>
+                  <a:srgbClr val="FF0000"/>
+                </a:solidFill>
+                <a:highlight>
+                  <a:srgbClr val="FFFFFF"/>
+                </a:highlight>
+                <a:latin typeface="Cascadia Mono" panose="020B0609020000020004" pitchFamily="49" charset="0"/>
+              </a:rPr>
+              <a:t> </a:t>
+            </a:r>
+            <a:r>
+              <a:rPr lang="en-GB" sz="1800" dirty="0" err="1">
+                <a:solidFill>
+                  <a:srgbClr val="FF0000"/>
+                </a:solidFill>
+                <a:highlight>
+                  <a:srgbClr val="FFFFFF"/>
+                </a:highlight>
+                <a:latin typeface="Cascadia Mono" panose="020B0609020000020004" pitchFamily="49" charset="0"/>
+              </a:rPr>
+              <a:t>Grid.Column</a:t>
+            </a:r>
+            <a:r>
+              <a:rPr lang="en-GB" sz="1800" dirty="0">
+                <a:solidFill>
+                  <a:srgbClr val="0000FF"/>
+                </a:solidFill>
+                <a:highlight>
+                  <a:srgbClr val="FFFFFF"/>
+                </a:highlight>
+                <a:latin typeface="Cascadia Mono" panose="020B0609020000020004" pitchFamily="49" charset="0"/>
+              </a:rPr>
+              <a:t>="3"</a:t>
+            </a:r>
+            <a:endParaRPr lang="en-GB" sz="1800" dirty="0">
+              <a:solidFill>
+                <a:srgbClr val="000000"/>
+              </a:solidFill>
+              <a:highlight>
+                <a:srgbClr val="FFFFFF"/>
+              </a:highlight>
+              <a:latin typeface="Cascadia Mono" panose="020B0609020000020004" pitchFamily="49" charset="0"/>
+            </a:endParaRPr>
+          </a:p>
+          <a:p>
+            <a:r>
+              <a:rPr lang="en-GB" sz="1800" dirty="0">
+                <a:solidFill>
+                  <a:srgbClr val="000000"/>
+                </a:solidFill>
+                <a:highlight>
+                  <a:srgbClr val="FFFFFF"/>
+                </a:highlight>
+                <a:latin typeface="Cascadia Mono" panose="020B0609020000020004" pitchFamily="49" charset="0"/>
+              </a:rPr>
+              <a:t>               </a:t>
+            </a:r>
+            <a:r>
+              <a:rPr lang="en-GB" sz="1800" dirty="0">
+                <a:solidFill>
+                  <a:srgbClr val="FF0000"/>
+                </a:solidFill>
+                <a:highlight>
+                  <a:srgbClr val="FFFFFF"/>
+                </a:highlight>
+                <a:latin typeface="Cascadia Mono" panose="020B0609020000020004" pitchFamily="49" charset="0"/>
+              </a:rPr>
+              <a:t> Click</a:t>
+            </a:r>
+            <a:r>
+              <a:rPr lang="en-GB" sz="1800" dirty="0">
+                <a:solidFill>
+                  <a:srgbClr val="0000FF"/>
+                </a:solidFill>
+                <a:highlight>
+                  <a:srgbClr val="FFFFFF"/>
+                </a:highlight>
+                <a:latin typeface="Cascadia Mono" panose="020B0609020000020004" pitchFamily="49" charset="0"/>
+              </a:rPr>
+              <a:t>="</a:t>
+            </a:r>
+            <a:r>
+              <a:rPr lang="en-GB" sz="1800" dirty="0" err="1">
+                <a:solidFill>
+                  <a:srgbClr val="0000FF"/>
+                </a:solidFill>
+                <a:highlight>
+                  <a:srgbClr val="FFFFFF"/>
+                </a:highlight>
+                <a:latin typeface="Cascadia Mono" panose="020B0609020000020004" pitchFamily="49" charset="0"/>
+              </a:rPr>
+              <a:t>OperationButton_Click</a:t>
+            </a:r>
+            <a:r>
+              <a:rPr lang="en-GB" sz="1800" dirty="0">
+                <a:solidFill>
+                  <a:srgbClr val="0000FF"/>
+                </a:solidFill>
+                <a:highlight>
+                  <a:srgbClr val="FFFFFF"/>
+                </a:highlight>
+                <a:latin typeface="Cascadia Mono" panose="020B0609020000020004" pitchFamily="49" charset="0"/>
+              </a:rPr>
+              <a:t>"</a:t>
+            </a:r>
+            <a:endParaRPr lang="en-GB" sz="1800" dirty="0">
+              <a:solidFill>
+                <a:srgbClr val="000000"/>
+              </a:solidFill>
+              <a:highlight>
+                <a:srgbClr val="FFFFFF"/>
+              </a:highlight>
+              <a:latin typeface="Cascadia Mono" panose="020B0609020000020004" pitchFamily="49" charset="0"/>
+            </a:endParaRPr>
+          </a:p>
+          <a:p>
+            <a:r>
+              <a:rPr lang="en-GB" sz="1800" dirty="0">
+                <a:solidFill>
+                  <a:srgbClr val="000000"/>
+                </a:solidFill>
+                <a:highlight>
+                  <a:srgbClr val="FFFFFF"/>
+                </a:highlight>
+                <a:latin typeface="Cascadia Mono" panose="020B0609020000020004" pitchFamily="49" charset="0"/>
+              </a:rPr>
+              <a:t>                </a:t>
+            </a:r>
+          </a:p>
+          <a:p>
+            <a:r>
+              <a:rPr lang="en-GB" sz="1800" dirty="0">
+                <a:solidFill>
+                  <a:srgbClr val="000000"/>
+                </a:solidFill>
+                <a:highlight>
+                  <a:srgbClr val="FFFFFF"/>
+                </a:highlight>
+                <a:latin typeface="Cascadia Mono" panose="020B0609020000020004" pitchFamily="49" charset="0"/>
+              </a:rPr>
+              <a:t>               </a:t>
+            </a:r>
+            <a:r>
+              <a:rPr lang="en-GB" sz="1800" dirty="0">
+                <a:solidFill>
+                  <a:srgbClr val="FF0000"/>
+                </a:solidFill>
+                <a:highlight>
+                  <a:srgbClr val="FFFFFF"/>
+                </a:highlight>
+                <a:latin typeface="Cascadia Mono" panose="020B0609020000020004" pitchFamily="49" charset="0"/>
+              </a:rPr>
+              <a:t> Background</a:t>
+            </a:r>
+            <a:r>
+              <a:rPr lang="en-GB" sz="1800" dirty="0">
+                <a:solidFill>
+                  <a:srgbClr val="0000FF"/>
+                </a:solidFill>
+                <a:highlight>
+                  <a:srgbClr val="FFFFFF"/>
+                </a:highlight>
+                <a:latin typeface="Cascadia Mono" panose="020B0609020000020004" pitchFamily="49" charset="0"/>
+              </a:rPr>
+              <a:t>="{</a:t>
+            </a:r>
+            <a:r>
+              <a:rPr lang="en-GB" sz="1800" dirty="0" err="1">
+                <a:solidFill>
+                  <a:srgbClr val="A31515"/>
+                </a:solidFill>
+                <a:highlight>
+                  <a:srgbClr val="FFFFFF"/>
+                </a:highlight>
+                <a:latin typeface="Cascadia Mono" panose="020B0609020000020004" pitchFamily="49" charset="0"/>
+              </a:rPr>
+              <a:t>StaticResource</a:t>
+            </a:r>
+            <a:r>
+              <a:rPr lang="en-GB" sz="1800" dirty="0">
+                <a:solidFill>
+                  <a:srgbClr val="FF0000"/>
+                </a:solidFill>
+                <a:highlight>
+                  <a:srgbClr val="FFFFFF"/>
+                </a:highlight>
+                <a:latin typeface="Cascadia Mono" panose="020B0609020000020004" pitchFamily="49" charset="0"/>
+              </a:rPr>
+              <a:t> </a:t>
+            </a:r>
+            <a:r>
+              <a:rPr lang="en-GB" sz="1800" dirty="0" err="1">
+                <a:solidFill>
+                  <a:srgbClr val="FF0000"/>
+                </a:solidFill>
+                <a:highlight>
+                  <a:srgbClr val="FFFFFF"/>
+                </a:highlight>
+                <a:latin typeface="Cascadia Mono" panose="020B0609020000020004" pitchFamily="49" charset="0"/>
+              </a:rPr>
+              <a:t>operatorColor</a:t>
+            </a:r>
+            <a:r>
+              <a:rPr lang="en-GB" sz="1800" dirty="0">
+                <a:solidFill>
+                  <a:srgbClr val="0000FF"/>
+                </a:solidFill>
+                <a:highlight>
+                  <a:srgbClr val="FFFFFF"/>
+                </a:highlight>
+                <a:latin typeface="Cascadia Mono" panose="020B0609020000020004" pitchFamily="49" charset="0"/>
+              </a:rPr>
+              <a:t>}"/&gt;</a:t>
+            </a:r>
+            <a:endParaRPr lang="en-GB" sz="1800" dirty="0">
+              <a:solidFill>
+                <a:srgbClr val="000000"/>
+              </a:solidFill>
+              <a:highlight>
+                <a:srgbClr val="FFFFFF"/>
+              </a:highlight>
+              <a:latin typeface="Cascadia Mono" panose="020B0609020000020004" pitchFamily="49" charset="0"/>
+            </a:endParaRPr>
+          </a:p>
+          <a:p>
+            <a:r>
+              <a:rPr lang="en-GB" sz="1800" dirty="0">
+                <a:solidFill>
+                  <a:srgbClr val="000000"/>
+                </a:solidFill>
+                <a:highlight>
+                  <a:srgbClr val="FFFFFF"/>
+                </a:highlight>
+                <a:latin typeface="Cascadia Mono" panose="020B0609020000020004" pitchFamily="49" charset="0"/>
+              </a:rPr>
+              <a:t>        </a:t>
+            </a:r>
+          </a:p>
+          <a:p>
+            <a:r>
+              <a:rPr lang="en-GB" sz="1800" dirty="0">
+                <a:solidFill>
+                  <a:srgbClr val="000000"/>
+                </a:solidFill>
+                <a:highlight>
+                  <a:srgbClr val="FFFFFF"/>
+                </a:highlight>
+                <a:latin typeface="Cascadia Mono" panose="020B0609020000020004" pitchFamily="49" charset="0"/>
+              </a:rPr>
+              <a:t>        </a:t>
+            </a:r>
+            <a:r>
+              <a:rPr lang="en-GB" sz="1800" dirty="0">
+                <a:solidFill>
+                  <a:srgbClr val="0000FF"/>
+                </a:solidFill>
+                <a:highlight>
+                  <a:srgbClr val="FFFFFF"/>
+                </a:highlight>
+                <a:latin typeface="Cascadia Mono" panose="020B0609020000020004" pitchFamily="49" charset="0"/>
+              </a:rPr>
+              <a:t>&lt;</a:t>
+            </a:r>
+            <a:r>
+              <a:rPr lang="en-GB" sz="1800" dirty="0">
+                <a:solidFill>
+                  <a:srgbClr val="A31515"/>
+                </a:solidFill>
+                <a:highlight>
+                  <a:srgbClr val="FFFFFF"/>
+                </a:highlight>
+                <a:latin typeface="Cascadia Mono" panose="020B0609020000020004" pitchFamily="49" charset="0"/>
+              </a:rPr>
+              <a:t>Button</a:t>
+            </a:r>
+            <a:r>
+              <a:rPr lang="en-GB" sz="1800" dirty="0">
+                <a:solidFill>
+                  <a:srgbClr val="FF0000"/>
+                </a:solidFill>
+                <a:highlight>
+                  <a:srgbClr val="FFFFFF"/>
+                </a:highlight>
+                <a:latin typeface="Cascadia Mono" panose="020B0609020000020004" pitchFamily="49" charset="0"/>
+              </a:rPr>
+              <a:t> x</a:t>
+            </a:r>
+            <a:r>
+              <a:rPr lang="en-GB" sz="1800" dirty="0">
+                <a:solidFill>
+                  <a:srgbClr val="0000FF"/>
+                </a:solidFill>
+                <a:highlight>
+                  <a:srgbClr val="FFFFFF"/>
+                </a:highlight>
+                <a:latin typeface="Cascadia Mono" panose="020B0609020000020004" pitchFamily="49" charset="0"/>
+              </a:rPr>
+              <a:t>:</a:t>
+            </a:r>
+            <a:r>
+              <a:rPr lang="en-GB" sz="1800" dirty="0">
+                <a:solidFill>
+                  <a:srgbClr val="FF0000"/>
+                </a:solidFill>
+                <a:highlight>
+                  <a:srgbClr val="FFFFFF"/>
+                </a:highlight>
+                <a:latin typeface="Cascadia Mono" panose="020B0609020000020004" pitchFamily="49" charset="0"/>
+              </a:rPr>
+              <a:t>Name</a:t>
+            </a:r>
+            <a:r>
+              <a:rPr lang="en-GB" sz="1800" dirty="0">
+                <a:solidFill>
+                  <a:srgbClr val="0000FF"/>
+                </a:solidFill>
+                <a:highlight>
+                  <a:srgbClr val="FFFFFF"/>
+                </a:highlight>
+                <a:latin typeface="Cascadia Mono" panose="020B0609020000020004" pitchFamily="49" charset="0"/>
+              </a:rPr>
+              <a:t>="equalButton"</a:t>
+            </a:r>
+            <a:endParaRPr lang="en-GB" sz="1800" dirty="0">
+              <a:solidFill>
+                <a:srgbClr val="000000"/>
+              </a:solidFill>
+              <a:highlight>
+                <a:srgbClr val="FFFFFF"/>
+              </a:highlight>
+              <a:latin typeface="Cascadia Mono" panose="020B0609020000020004" pitchFamily="49" charset="0"/>
+            </a:endParaRPr>
+          </a:p>
+          <a:p>
+            <a:r>
+              <a:rPr lang="en-GB" sz="1800" dirty="0">
+                <a:solidFill>
+                  <a:srgbClr val="000000"/>
+                </a:solidFill>
+                <a:highlight>
+                  <a:srgbClr val="FFFFFF"/>
+                </a:highlight>
+                <a:latin typeface="Cascadia Mono" panose="020B0609020000020004" pitchFamily="49" charset="0"/>
+              </a:rPr>
+              <a:t>               </a:t>
+            </a:r>
+            <a:r>
+              <a:rPr lang="en-GB" sz="1800" dirty="0">
+                <a:solidFill>
+                  <a:srgbClr val="FF0000"/>
+                </a:solidFill>
+                <a:highlight>
+                  <a:srgbClr val="FFFFFF"/>
+                </a:highlight>
+                <a:latin typeface="Cascadia Mono" panose="020B0609020000020004" pitchFamily="49" charset="0"/>
+              </a:rPr>
+              <a:t> Content</a:t>
+            </a:r>
+            <a:r>
+              <a:rPr lang="en-GB" sz="1800" dirty="0">
+                <a:solidFill>
+                  <a:srgbClr val="0000FF"/>
+                </a:solidFill>
+                <a:highlight>
+                  <a:srgbClr val="FFFFFF"/>
+                </a:highlight>
+                <a:latin typeface="Cascadia Mono" panose="020B0609020000020004" pitchFamily="49" charset="0"/>
+              </a:rPr>
+              <a:t>="="</a:t>
+            </a:r>
+            <a:endParaRPr lang="en-GB" sz="1800" dirty="0">
+              <a:solidFill>
+                <a:srgbClr val="000000"/>
+              </a:solidFill>
+              <a:highlight>
+                <a:srgbClr val="FFFFFF"/>
+              </a:highlight>
+              <a:latin typeface="Cascadia Mono" panose="020B0609020000020004" pitchFamily="49" charset="0"/>
+            </a:endParaRPr>
+          </a:p>
+          <a:p>
+            <a:r>
+              <a:rPr lang="en-GB" sz="1800" dirty="0">
+                <a:solidFill>
+                  <a:srgbClr val="000000"/>
+                </a:solidFill>
+                <a:highlight>
+                  <a:srgbClr val="FFFFFF"/>
+                </a:highlight>
+                <a:latin typeface="Cascadia Mono" panose="020B0609020000020004" pitchFamily="49" charset="0"/>
+              </a:rPr>
+              <a:t>               </a:t>
+            </a:r>
+            <a:r>
+              <a:rPr lang="en-GB" sz="1800" dirty="0">
+                <a:solidFill>
+                  <a:srgbClr val="FF0000"/>
+                </a:solidFill>
+                <a:highlight>
+                  <a:srgbClr val="FFFFFF"/>
+                </a:highlight>
+                <a:latin typeface="Cascadia Mono" panose="020B0609020000020004" pitchFamily="49" charset="0"/>
+              </a:rPr>
+              <a:t> Margin</a:t>
+            </a:r>
+            <a:r>
+              <a:rPr lang="en-GB" sz="1800" dirty="0">
+                <a:solidFill>
+                  <a:srgbClr val="0000FF"/>
+                </a:solidFill>
+                <a:highlight>
+                  <a:srgbClr val="FFFFFF"/>
+                </a:highlight>
+                <a:latin typeface="Cascadia Mono" panose="020B0609020000020004" pitchFamily="49" charset="0"/>
+              </a:rPr>
+              <a:t>="5"</a:t>
+            </a:r>
+            <a:endParaRPr lang="en-GB" sz="1800" dirty="0">
+              <a:solidFill>
+                <a:srgbClr val="000000"/>
+              </a:solidFill>
+              <a:highlight>
+                <a:srgbClr val="FFFFFF"/>
+              </a:highlight>
+              <a:latin typeface="Cascadia Mono" panose="020B0609020000020004" pitchFamily="49" charset="0"/>
+            </a:endParaRPr>
+          </a:p>
+          <a:p>
+            <a:r>
+              <a:rPr lang="en-GB" sz="1800" dirty="0">
+                <a:solidFill>
+                  <a:srgbClr val="000000"/>
+                </a:solidFill>
+                <a:highlight>
+                  <a:srgbClr val="FFFFFF"/>
+                </a:highlight>
+                <a:latin typeface="Cascadia Mono" panose="020B0609020000020004" pitchFamily="49" charset="0"/>
+              </a:rPr>
+              <a:t>               </a:t>
+            </a:r>
+            <a:r>
+              <a:rPr lang="en-GB" sz="1800" dirty="0">
+                <a:solidFill>
+                  <a:srgbClr val="FF0000"/>
+                </a:solidFill>
+                <a:highlight>
+                  <a:srgbClr val="FFFFFF"/>
+                </a:highlight>
+                <a:latin typeface="Cascadia Mono" panose="020B0609020000020004" pitchFamily="49" charset="0"/>
+              </a:rPr>
+              <a:t> </a:t>
+            </a:r>
+            <a:r>
+              <a:rPr lang="en-GB" sz="1800" dirty="0" err="1">
+                <a:solidFill>
+                  <a:srgbClr val="FF0000"/>
+                </a:solidFill>
+                <a:highlight>
+                  <a:srgbClr val="FFFFFF"/>
+                </a:highlight>
+                <a:latin typeface="Cascadia Mono" panose="020B0609020000020004" pitchFamily="49" charset="0"/>
+              </a:rPr>
+              <a:t>Grid.Row</a:t>
+            </a:r>
+            <a:r>
+              <a:rPr lang="en-GB" sz="1800" dirty="0">
+                <a:solidFill>
+                  <a:srgbClr val="0000FF"/>
+                </a:solidFill>
+                <a:highlight>
+                  <a:srgbClr val="FFFFFF"/>
+                </a:highlight>
+                <a:latin typeface="Cascadia Mono" panose="020B0609020000020004" pitchFamily="49" charset="0"/>
+              </a:rPr>
+              <a:t>="5"</a:t>
+            </a:r>
+            <a:endParaRPr lang="en-GB" sz="1800" dirty="0">
+              <a:solidFill>
+                <a:srgbClr val="000000"/>
+              </a:solidFill>
+              <a:highlight>
+                <a:srgbClr val="FFFFFF"/>
+              </a:highlight>
+              <a:latin typeface="Cascadia Mono" panose="020B0609020000020004" pitchFamily="49" charset="0"/>
+            </a:endParaRPr>
+          </a:p>
+          <a:p>
+            <a:r>
+              <a:rPr lang="en-GB" sz="1800" dirty="0">
+                <a:solidFill>
+                  <a:srgbClr val="000000"/>
+                </a:solidFill>
+                <a:highlight>
+                  <a:srgbClr val="FFFFFF"/>
+                </a:highlight>
+                <a:latin typeface="Cascadia Mono" panose="020B0609020000020004" pitchFamily="49" charset="0"/>
+              </a:rPr>
+              <a:t>               </a:t>
+            </a:r>
+            <a:r>
+              <a:rPr lang="en-GB" sz="1800" dirty="0">
+                <a:solidFill>
+                  <a:srgbClr val="FF0000"/>
+                </a:solidFill>
+                <a:highlight>
+                  <a:srgbClr val="FFFFFF"/>
+                </a:highlight>
+                <a:latin typeface="Cascadia Mono" panose="020B0609020000020004" pitchFamily="49" charset="0"/>
+              </a:rPr>
+              <a:t> </a:t>
+            </a:r>
+            <a:r>
+              <a:rPr lang="en-GB" sz="1800" dirty="0" err="1">
+                <a:solidFill>
+                  <a:srgbClr val="FF0000"/>
+                </a:solidFill>
+                <a:highlight>
+                  <a:srgbClr val="FFFFFF"/>
+                </a:highlight>
+                <a:latin typeface="Cascadia Mono" panose="020B0609020000020004" pitchFamily="49" charset="0"/>
+              </a:rPr>
+              <a:t>Grid.Column</a:t>
+            </a:r>
+            <a:r>
+              <a:rPr lang="en-GB" sz="1800" dirty="0">
+                <a:solidFill>
+                  <a:srgbClr val="0000FF"/>
+                </a:solidFill>
+                <a:highlight>
+                  <a:srgbClr val="FFFFFF"/>
+                </a:highlight>
+                <a:latin typeface="Cascadia Mono" panose="020B0609020000020004" pitchFamily="49" charset="0"/>
+              </a:rPr>
+              <a:t>="4"</a:t>
+            </a:r>
+            <a:endParaRPr lang="en-GB" sz="1800" dirty="0">
+              <a:solidFill>
+                <a:srgbClr val="000000"/>
+              </a:solidFill>
+              <a:highlight>
+                <a:srgbClr val="FFFFFF"/>
+              </a:highlight>
+              <a:latin typeface="Cascadia Mono" panose="020B0609020000020004" pitchFamily="49" charset="0"/>
+            </a:endParaRPr>
+          </a:p>
+          <a:p>
+            <a:r>
+              <a:rPr lang="en-GB" sz="1800" dirty="0">
+                <a:solidFill>
+                  <a:srgbClr val="000000"/>
+                </a:solidFill>
+                <a:highlight>
+                  <a:srgbClr val="FFFFFF"/>
+                </a:highlight>
+                <a:latin typeface="Cascadia Mono" panose="020B0609020000020004" pitchFamily="49" charset="0"/>
+              </a:rPr>
+              <a:t>                </a:t>
+            </a:r>
+          </a:p>
+          <a:p>
+            <a:r>
+              <a:rPr lang="en-GB" sz="1800" dirty="0">
+                <a:solidFill>
+                  <a:srgbClr val="000000"/>
+                </a:solidFill>
+                <a:highlight>
+                  <a:srgbClr val="FFFFFF"/>
+                </a:highlight>
+                <a:latin typeface="Cascadia Mono" panose="020B0609020000020004" pitchFamily="49" charset="0"/>
+              </a:rPr>
+              <a:t>               </a:t>
+            </a:r>
+            <a:r>
+              <a:rPr lang="en-GB" sz="1800" dirty="0">
+                <a:solidFill>
+                  <a:srgbClr val="FF0000"/>
+                </a:solidFill>
+                <a:highlight>
+                  <a:srgbClr val="FFFFFF"/>
+                </a:highlight>
+                <a:latin typeface="Cascadia Mono" panose="020B0609020000020004" pitchFamily="49" charset="0"/>
+              </a:rPr>
+              <a:t> Background</a:t>
+            </a:r>
+            <a:r>
+              <a:rPr lang="en-GB" sz="1800" dirty="0">
+                <a:solidFill>
+                  <a:srgbClr val="0000FF"/>
+                </a:solidFill>
+                <a:highlight>
+                  <a:srgbClr val="FFFFFF"/>
+                </a:highlight>
+                <a:latin typeface="Cascadia Mono" panose="020B0609020000020004" pitchFamily="49" charset="0"/>
+              </a:rPr>
+              <a:t>="{</a:t>
+            </a:r>
+            <a:r>
+              <a:rPr lang="en-GB" sz="1800" dirty="0" err="1">
+                <a:solidFill>
+                  <a:srgbClr val="A31515"/>
+                </a:solidFill>
+                <a:highlight>
+                  <a:srgbClr val="FFFFFF"/>
+                </a:highlight>
+                <a:latin typeface="Cascadia Mono" panose="020B0609020000020004" pitchFamily="49" charset="0"/>
+              </a:rPr>
+              <a:t>StaticResource</a:t>
+            </a:r>
+            <a:r>
+              <a:rPr lang="en-GB" sz="1800" dirty="0">
+                <a:solidFill>
+                  <a:srgbClr val="FF0000"/>
+                </a:solidFill>
+                <a:highlight>
+                  <a:srgbClr val="FFFFFF"/>
+                </a:highlight>
+                <a:latin typeface="Cascadia Mono" panose="020B0609020000020004" pitchFamily="49" charset="0"/>
+              </a:rPr>
+              <a:t> </a:t>
+            </a:r>
+            <a:r>
+              <a:rPr lang="en-GB" sz="1800" dirty="0" err="1">
+                <a:solidFill>
+                  <a:srgbClr val="FF0000"/>
+                </a:solidFill>
+                <a:highlight>
+                  <a:srgbClr val="FFFFFF"/>
+                </a:highlight>
+                <a:latin typeface="Cascadia Mono" panose="020B0609020000020004" pitchFamily="49" charset="0"/>
+              </a:rPr>
+              <a:t>operatorColor</a:t>
+            </a:r>
+            <a:r>
+              <a:rPr lang="en-GB" sz="1800" dirty="0">
+                <a:solidFill>
+                  <a:srgbClr val="0000FF"/>
+                </a:solidFill>
+                <a:highlight>
+                  <a:srgbClr val="FFFFFF"/>
+                </a:highlight>
+                <a:latin typeface="Cascadia Mono" panose="020B0609020000020004" pitchFamily="49" charset="0"/>
+              </a:rPr>
+              <a:t>}"/&gt;</a:t>
+            </a:r>
+            <a:endParaRPr lang="en-GB" dirty="0"/>
+          </a:p>
+        </p:txBody>
+      </p:sp>
+      <p:pic>
+        <p:nvPicPr>
+          <p:cNvPr id="8" name="Picture 7">
+            <a:extLst>
+              <a:ext uri="{FF2B5EF4-FFF2-40B4-BE49-F238E27FC236}">
+                <a16:creationId xmlns:a16="http://schemas.microsoft.com/office/drawing/2014/main" id="{40AD403B-4AEB-D718-3B84-D6CA245EE65A}"/>
+              </a:ext>
+            </a:extLst>
+          </p:cNvPr>
+          <p:cNvPicPr>
+            <a:picLocks noChangeAspect="1"/>
+          </p:cNvPicPr>
+          <p:nvPr/>
+        </p:nvPicPr>
+        <p:blipFill>
+          <a:blip r:embed="rId2"/>
+          <a:stretch>
+            <a:fillRect/>
+          </a:stretch>
+        </p:blipFill>
+        <p:spPr>
+          <a:xfrm>
+            <a:off x="852237" y="3923957"/>
+            <a:ext cx="3591426" cy="4915586"/>
+          </a:xfrm>
+          <a:prstGeom prst="rect">
+            <a:avLst/>
+          </a:prstGeom>
+        </p:spPr>
+      </p:pic>
     </p:spTree>
     <p:extLst>
       <p:ext uri="{BB962C8B-B14F-4D97-AF65-F5344CB8AC3E}">
@@ -26789,6 +32741,1041 @@
           <a:chExt cx="0" cy="0"/>
         </a:xfrm>
       </p:grpSpPr>
+      <p:sp>
+        <p:nvSpPr>
+          <p:cNvPr id="2" name="TextBox 1">
+            <a:extLst>
+              <a:ext uri="{FF2B5EF4-FFF2-40B4-BE49-F238E27FC236}">
+                <a16:creationId xmlns:a16="http://schemas.microsoft.com/office/drawing/2014/main" id="{4E2B32D5-C162-A490-FC1C-ABF185BB9844}"/>
+              </a:ext>
+            </a:extLst>
+          </p:cNvPr>
+          <p:cNvSpPr txBox="1"/>
+          <p:nvPr/>
+        </p:nvSpPr>
+        <p:spPr>
+          <a:xfrm>
+            <a:off x="246750" y="186656"/>
+            <a:ext cx="2877647" cy="646331"/>
+          </a:xfrm>
+          <a:prstGeom prst="rect">
+            <a:avLst/>
+          </a:prstGeom>
+          <a:noFill/>
+        </p:spPr>
+        <p:txBody>
+          <a:bodyPr wrap="none" rtlCol="0">
+            <a:spAutoFit/>
+          </a:bodyPr>
+          <a:lstStyle/>
+          <a:p>
+            <a:r>
+              <a:rPr lang="en-GB" dirty="0"/>
+              <a:t>Application wide resources</a:t>
+            </a:r>
+          </a:p>
+          <a:p>
+            <a:endParaRPr lang="en-GB" dirty="0"/>
+          </a:p>
+        </p:txBody>
+      </p:sp>
+      <p:sp>
+        <p:nvSpPr>
+          <p:cNvPr id="4" name="TextBox 3">
+            <a:extLst>
+              <a:ext uri="{FF2B5EF4-FFF2-40B4-BE49-F238E27FC236}">
+                <a16:creationId xmlns:a16="http://schemas.microsoft.com/office/drawing/2014/main" id="{C1125299-9B88-2CED-9308-15C06F5C0189}"/>
+              </a:ext>
+            </a:extLst>
+          </p:cNvPr>
+          <p:cNvSpPr txBox="1"/>
+          <p:nvPr/>
+        </p:nvSpPr>
+        <p:spPr>
+          <a:xfrm>
+            <a:off x="246750" y="1028343"/>
+            <a:ext cx="6096000" cy="4801314"/>
+          </a:xfrm>
+          <a:prstGeom prst="rect">
+            <a:avLst/>
+          </a:prstGeom>
+          <a:noFill/>
+        </p:spPr>
+        <p:txBody>
+          <a:bodyPr wrap="square">
+            <a:spAutoFit/>
+          </a:bodyPr>
+          <a:lstStyle/>
+          <a:p>
+            <a:r>
+              <a:rPr lang="en-GB" sz="1800" dirty="0">
+                <a:solidFill>
+                  <a:srgbClr val="0000FF"/>
+                </a:solidFill>
+                <a:highlight>
+                  <a:srgbClr val="FFFFFF"/>
+                </a:highlight>
+                <a:latin typeface="Cascadia Mono" panose="020B0609020000020004" pitchFamily="49" charset="0"/>
+              </a:rPr>
+              <a:t>&lt;</a:t>
+            </a:r>
+            <a:r>
+              <a:rPr lang="en-GB" sz="1800" dirty="0">
+                <a:solidFill>
+                  <a:srgbClr val="A31515"/>
+                </a:solidFill>
+                <a:highlight>
+                  <a:srgbClr val="FFFF00"/>
+                </a:highlight>
+                <a:latin typeface="Cascadia Mono" panose="020B0609020000020004" pitchFamily="49" charset="0"/>
+              </a:rPr>
+              <a:t>Application</a:t>
+            </a:r>
+            <a:r>
+              <a:rPr lang="en-GB" sz="1800" dirty="0">
+                <a:solidFill>
+                  <a:srgbClr val="FF0000"/>
+                </a:solidFill>
+                <a:highlight>
+                  <a:srgbClr val="FFFFFF"/>
+                </a:highlight>
+                <a:latin typeface="Cascadia Mono" panose="020B0609020000020004" pitchFamily="49" charset="0"/>
+              </a:rPr>
+              <a:t> x</a:t>
+            </a:r>
+            <a:r>
+              <a:rPr lang="en-GB" sz="1800" dirty="0">
+                <a:solidFill>
+                  <a:srgbClr val="0000FF"/>
+                </a:solidFill>
+                <a:highlight>
+                  <a:srgbClr val="FFFFFF"/>
+                </a:highlight>
+                <a:latin typeface="Cascadia Mono" panose="020B0609020000020004" pitchFamily="49" charset="0"/>
+              </a:rPr>
+              <a:t>:</a:t>
+            </a:r>
+            <a:r>
+              <a:rPr lang="en-GB" sz="1800" dirty="0">
+                <a:solidFill>
+                  <a:srgbClr val="FF0000"/>
+                </a:solidFill>
+                <a:highlight>
+                  <a:srgbClr val="FFFFFF"/>
+                </a:highlight>
+                <a:latin typeface="Cascadia Mono" panose="020B0609020000020004" pitchFamily="49" charset="0"/>
+              </a:rPr>
+              <a:t>Class</a:t>
+            </a:r>
+            <a:r>
+              <a:rPr lang="en-GB" sz="1800" dirty="0">
+                <a:solidFill>
+                  <a:srgbClr val="0000FF"/>
+                </a:solidFill>
+                <a:highlight>
+                  <a:srgbClr val="FFFFFF"/>
+                </a:highlight>
+                <a:latin typeface="Cascadia Mono" panose="020B0609020000020004" pitchFamily="49" charset="0"/>
+              </a:rPr>
+              <a:t>="Simple_Calculator.App"</a:t>
+            </a:r>
+            <a:endParaRPr lang="en-GB" sz="1800" dirty="0">
+              <a:solidFill>
+                <a:srgbClr val="000000"/>
+              </a:solidFill>
+              <a:highlight>
+                <a:srgbClr val="FFFFFF"/>
+              </a:highlight>
+              <a:latin typeface="Cascadia Mono" panose="020B0609020000020004" pitchFamily="49" charset="0"/>
+            </a:endParaRPr>
+          </a:p>
+          <a:p>
+            <a:r>
+              <a:rPr lang="en-GB" sz="1800" dirty="0">
+                <a:solidFill>
+                  <a:srgbClr val="000000"/>
+                </a:solidFill>
+                <a:highlight>
+                  <a:srgbClr val="FFFFFF"/>
+                </a:highlight>
+                <a:latin typeface="Cascadia Mono" panose="020B0609020000020004" pitchFamily="49" charset="0"/>
+              </a:rPr>
+              <a:t>            </a:t>
+            </a:r>
+            <a:r>
+              <a:rPr lang="en-GB" sz="1800" dirty="0">
+                <a:solidFill>
+                  <a:srgbClr val="FF0000"/>
+                </a:solidFill>
+                <a:highlight>
+                  <a:srgbClr val="FFFFFF"/>
+                </a:highlight>
+                <a:latin typeface="Cascadia Mono" panose="020B0609020000020004" pitchFamily="49" charset="0"/>
+              </a:rPr>
+              <a:t> </a:t>
+            </a:r>
+            <a:r>
+              <a:rPr lang="en-GB" sz="1800" dirty="0" err="1">
+                <a:solidFill>
+                  <a:srgbClr val="FF0000"/>
+                </a:solidFill>
+                <a:highlight>
+                  <a:srgbClr val="FFFFFF"/>
+                </a:highlight>
+                <a:latin typeface="Cascadia Mono" panose="020B0609020000020004" pitchFamily="49" charset="0"/>
+              </a:rPr>
+              <a:t>xmlns</a:t>
+            </a:r>
+            <a:r>
+              <a:rPr lang="en-GB" sz="1800" dirty="0">
+                <a:solidFill>
+                  <a:srgbClr val="0000FF"/>
+                </a:solidFill>
+                <a:highlight>
+                  <a:srgbClr val="FFFFFF"/>
+                </a:highlight>
+                <a:latin typeface="Cascadia Mono" panose="020B0609020000020004" pitchFamily="49" charset="0"/>
+              </a:rPr>
+              <a:t>="http://schemas.microsoft.com/</a:t>
+            </a:r>
+            <a:r>
+              <a:rPr lang="en-GB" sz="1800" dirty="0" err="1">
+                <a:solidFill>
+                  <a:srgbClr val="0000FF"/>
+                </a:solidFill>
+                <a:highlight>
+                  <a:srgbClr val="FFFFFF"/>
+                </a:highlight>
+                <a:latin typeface="Cascadia Mono" panose="020B0609020000020004" pitchFamily="49" charset="0"/>
+              </a:rPr>
+              <a:t>winfx</a:t>
+            </a:r>
+            <a:r>
+              <a:rPr lang="en-GB" sz="1800" dirty="0">
+                <a:solidFill>
+                  <a:srgbClr val="0000FF"/>
+                </a:solidFill>
+                <a:highlight>
+                  <a:srgbClr val="FFFFFF"/>
+                </a:highlight>
+                <a:latin typeface="Cascadia Mono" panose="020B0609020000020004" pitchFamily="49" charset="0"/>
+              </a:rPr>
+              <a:t>/2006/</a:t>
+            </a:r>
+            <a:r>
+              <a:rPr lang="en-GB" sz="1800" dirty="0" err="1">
+                <a:solidFill>
+                  <a:srgbClr val="0000FF"/>
+                </a:solidFill>
+                <a:highlight>
+                  <a:srgbClr val="FFFFFF"/>
+                </a:highlight>
+                <a:latin typeface="Cascadia Mono" panose="020B0609020000020004" pitchFamily="49" charset="0"/>
+              </a:rPr>
+              <a:t>xaml</a:t>
+            </a:r>
+            <a:r>
+              <a:rPr lang="en-GB" sz="1800" dirty="0">
+                <a:solidFill>
+                  <a:srgbClr val="0000FF"/>
+                </a:solidFill>
+                <a:highlight>
+                  <a:srgbClr val="FFFFFF"/>
+                </a:highlight>
+                <a:latin typeface="Cascadia Mono" panose="020B0609020000020004" pitchFamily="49" charset="0"/>
+              </a:rPr>
+              <a:t>/presentation"</a:t>
+            </a:r>
+            <a:endParaRPr lang="en-GB" sz="1800" dirty="0">
+              <a:solidFill>
+                <a:srgbClr val="000000"/>
+              </a:solidFill>
+              <a:highlight>
+                <a:srgbClr val="FFFFFF"/>
+              </a:highlight>
+              <a:latin typeface="Cascadia Mono" panose="020B0609020000020004" pitchFamily="49" charset="0"/>
+            </a:endParaRPr>
+          </a:p>
+          <a:p>
+            <a:r>
+              <a:rPr lang="en-GB" sz="1800" dirty="0">
+                <a:solidFill>
+                  <a:srgbClr val="000000"/>
+                </a:solidFill>
+                <a:highlight>
+                  <a:srgbClr val="FFFFFF"/>
+                </a:highlight>
+                <a:latin typeface="Cascadia Mono" panose="020B0609020000020004" pitchFamily="49" charset="0"/>
+              </a:rPr>
+              <a:t>            </a:t>
+            </a:r>
+            <a:r>
+              <a:rPr lang="en-GB" sz="1800" dirty="0">
+                <a:solidFill>
+                  <a:srgbClr val="FF0000"/>
+                </a:solidFill>
+                <a:highlight>
+                  <a:srgbClr val="FFFFFF"/>
+                </a:highlight>
+                <a:latin typeface="Cascadia Mono" panose="020B0609020000020004" pitchFamily="49" charset="0"/>
+              </a:rPr>
+              <a:t> </a:t>
+            </a:r>
+            <a:r>
+              <a:rPr lang="en-GB" sz="1800" dirty="0" err="1">
+                <a:solidFill>
+                  <a:srgbClr val="FF0000"/>
+                </a:solidFill>
+                <a:highlight>
+                  <a:srgbClr val="FFFFFF"/>
+                </a:highlight>
+                <a:latin typeface="Cascadia Mono" panose="020B0609020000020004" pitchFamily="49" charset="0"/>
+              </a:rPr>
+              <a:t>xmlns</a:t>
+            </a:r>
+            <a:r>
+              <a:rPr lang="en-GB" sz="1800" dirty="0" err="1">
+                <a:solidFill>
+                  <a:srgbClr val="0000FF"/>
+                </a:solidFill>
+                <a:highlight>
+                  <a:srgbClr val="FFFFFF"/>
+                </a:highlight>
+                <a:latin typeface="Cascadia Mono" panose="020B0609020000020004" pitchFamily="49" charset="0"/>
+              </a:rPr>
+              <a:t>:</a:t>
+            </a:r>
+            <a:r>
+              <a:rPr lang="en-GB" sz="1800" dirty="0" err="1">
+                <a:solidFill>
+                  <a:srgbClr val="FF0000"/>
+                </a:solidFill>
+                <a:highlight>
+                  <a:srgbClr val="FFFFFF"/>
+                </a:highlight>
+                <a:latin typeface="Cascadia Mono" panose="020B0609020000020004" pitchFamily="49" charset="0"/>
+              </a:rPr>
+              <a:t>x</a:t>
+            </a:r>
+            <a:r>
+              <a:rPr lang="en-GB" sz="1800" dirty="0">
+                <a:solidFill>
+                  <a:srgbClr val="0000FF"/>
+                </a:solidFill>
+                <a:highlight>
+                  <a:srgbClr val="FFFFFF"/>
+                </a:highlight>
+                <a:latin typeface="Cascadia Mono" panose="020B0609020000020004" pitchFamily="49" charset="0"/>
+              </a:rPr>
+              <a:t>="http://schemas.microsoft.com/</a:t>
+            </a:r>
+            <a:r>
+              <a:rPr lang="en-GB" sz="1800" dirty="0" err="1">
+                <a:solidFill>
+                  <a:srgbClr val="0000FF"/>
+                </a:solidFill>
+                <a:highlight>
+                  <a:srgbClr val="FFFFFF"/>
+                </a:highlight>
+                <a:latin typeface="Cascadia Mono" panose="020B0609020000020004" pitchFamily="49" charset="0"/>
+              </a:rPr>
+              <a:t>winfx</a:t>
+            </a:r>
+            <a:r>
+              <a:rPr lang="en-GB" sz="1800" dirty="0">
+                <a:solidFill>
+                  <a:srgbClr val="0000FF"/>
+                </a:solidFill>
+                <a:highlight>
+                  <a:srgbClr val="FFFFFF"/>
+                </a:highlight>
+                <a:latin typeface="Cascadia Mono" panose="020B0609020000020004" pitchFamily="49" charset="0"/>
+              </a:rPr>
+              <a:t>/2006/</a:t>
+            </a:r>
+            <a:r>
+              <a:rPr lang="en-GB" sz="1800" dirty="0" err="1">
+                <a:solidFill>
+                  <a:srgbClr val="0000FF"/>
+                </a:solidFill>
+                <a:highlight>
+                  <a:srgbClr val="FFFFFF"/>
+                </a:highlight>
+                <a:latin typeface="Cascadia Mono" panose="020B0609020000020004" pitchFamily="49" charset="0"/>
+              </a:rPr>
+              <a:t>xaml</a:t>
+            </a:r>
+            <a:r>
+              <a:rPr lang="en-GB" sz="1800" dirty="0">
+                <a:solidFill>
+                  <a:srgbClr val="0000FF"/>
+                </a:solidFill>
+                <a:highlight>
+                  <a:srgbClr val="FFFFFF"/>
+                </a:highlight>
+                <a:latin typeface="Cascadia Mono" panose="020B0609020000020004" pitchFamily="49" charset="0"/>
+              </a:rPr>
+              <a:t>"</a:t>
+            </a:r>
+            <a:endParaRPr lang="en-GB" sz="1800" dirty="0">
+              <a:solidFill>
+                <a:srgbClr val="000000"/>
+              </a:solidFill>
+              <a:highlight>
+                <a:srgbClr val="FFFFFF"/>
+              </a:highlight>
+              <a:latin typeface="Cascadia Mono" panose="020B0609020000020004" pitchFamily="49" charset="0"/>
+            </a:endParaRPr>
+          </a:p>
+          <a:p>
+            <a:r>
+              <a:rPr lang="en-GB" sz="1800" dirty="0">
+                <a:solidFill>
+                  <a:srgbClr val="000000"/>
+                </a:solidFill>
+                <a:highlight>
+                  <a:srgbClr val="FFFFFF"/>
+                </a:highlight>
+                <a:latin typeface="Cascadia Mono" panose="020B0609020000020004" pitchFamily="49" charset="0"/>
+              </a:rPr>
+              <a:t>            </a:t>
+            </a:r>
+            <a:r>
+              <a:rPr lang="en-GB" sz="1800" dirty="0">
+                <a:solidFill>
+                  <a:srgbClr val="FF0000"/>
+                </a:solidFill>
+                <a:highlight>
+                  <a:srgbClr val="FFFFFF"/>
+                </a:highlight>
+                <a:latin typeface="Cascadia Mono" panose="020B0609020000020004" pitchFamily="49" charset="0"/>
+              </a:rPr>
+              <a:t> </a:t>
+            </a:r>
+            <a:r>
+              <a:rPr lang="en-GB" sz="1800" dirty="0" err="1">
+                <a:solidFill>
+                  <a:srgbClr val="FF0000"/>
+                </a:solidFill>
+                <a:highlight>
+                  <a:srgbClr val="FFFFFF"/>
+                </a:highlight>
+                <a:latin typeface="Cascadia Mono" panose="020B0609020000020004" pitchFamily="49" charset="0"/>
+              </a:rPr>
+              <a:t>xmlns</a:t>
+            </a:r>
+            <a:r>
+              <a:rPr lang="en-GB" sz="1800" dirty="0" err="1">
+                <a:solidFill>
+                  <a:srgbClr val="0000FF"/>
+                </a:solidFill>
+                <a:highlight>
+                  <a:srgbClr val="FFFFFF"/>
+                </a:highlight>
+                <a:latin typeface="Cascadia Mono" panose="020B0609020000020004" pitchFamily="49" charset="0"/>
+              </a:rPr>
+              <a:t>:</a:t>
+            </a:r>
+            <a:r>
+              <a:rPr lang="en-GB" sz="1800" dirty="0" err="1">
+                <a:solidFill>
+                  <a:srgbClr val="FF0000"/>
+                </a:solidFill>
+                <a:highlight>
+                  <a:srgbClr val="FFFFFF"/>
+                </a:highlight>
+                <a:latin typeface="Cascadia Mono" panose="020B0609020000020004" pitchFamily="49" charset="0"/>
+              </a:rPr>
+              <a:t>local</a:t>
+            </a:r>
+            <a:r>
+              <a:rPr lang="en-GB" sz="1800" dirty="0">
+                <a:solidFill>
+                  <a:srgbClr val="0000FF"/>
+                </a:solidFill>
+                <a:highlight>
+                  <a:srgbClr val="FFFFFF"/>
+                </a:highlight>
+                <a:latin typeface="Cascadia Mono" panose="020B0609020000020004" pitchFamily="49" charset="0"/>
+              </a:rPr>
+              <a:t>="</a:t>
+            </a:r>
+            <a:r>
+              <a:rPr lang="en-GB" sz="1800" dirty="0" err="1">
+                <a:solidFill>
+                  <a:srgbClr val="0000FF"/>
+                </a:solidFill>
+                <a:highlight>
+                  <a:srgbClr val="FFFFFF"/>
+                </a:highlight>
+                <a:latin typeface="Cascadia Mono" panose="020B0609020000020004" pitchFamily="49" charset="0"/>
+              </a:rPr>
+              <a:t>clr-namespace:Simple_Calculator</a:t>
+            </a:r>
+            <a:r>
+              <a:rPr lang="en-GB" sz="1800" dirty="0">
+                <a:solidFill>
+                  <a:srgbClr val="0000FF"/>
+                </a:solidFill>
+                <a:highlight>
+                  <a:srgbClr val="FFFFFF"/>
+                </a:highlight>
+                <a:latin typeface="Cascadia Mono" panose="020B0609020000020004" pitchFamily="49" charset="0"/>
+              </a:rPr>
+              <a:t>"</a:t>
+            </a:r>
+            <a:endParaRPr lang="en-GB" sz="1800" dirty="0">
+              <a:solidFill>
+                <a:srgbClr val="000000"/>
+              </a:solidFill>
+              <a:highlight>
+                <a:srgbClr val="FFFFFF"/>
+              </a:highlight>
+              <a:latin typeface="Cascadia Mono" panose="020B0609020000020004" pitchFamily="49" charset="0"/>
+            </a:endParaRPr>
+          </a:p>
+          <a:p>
+            <a:r>
+              <a:rPr lang="en-GB" sz="1800" dirty="0">
+                <a:solidFill>
+                  <a:srgbClr val="000000"/>
+                </a:solidFill>
+                <a:highlight>
+                  <a:srgbClr val="FFFFFF"/>
+                </a:highlight>
+                <a:latin typeface="Cascadia Mono" panose="020B0609020000020004" pitchFamily="49" charset="0"/>
+              </a:rPr>
+              <a:t>            </a:t>
+            </a:r>
+            <a:r>
+              <a:rPr lang="en-GB" sz="1800" dirty="0">
+                <a:solidFill>
+                  <a:srgbClr val="FF0000"/>
+                </a:solidFill>
+                <a:highlight>
+                  <a:srgbClr val="FFFFFF"/>
+                </a:highlight>
+                <a:latin typeface="Cascadia Mono" panose="020B0609020000020004" pitchFamily="49" charset="0"/>
+              </a:rPr>
+              <a:t> </a:t>
+            </a:r>
+            <a:r>
+              <a:rPr lang="en-GB" sz="1800" dirty="0" err="1">
+                <a:solidFill>
+                  <a:srgbClr val="FF0000"/>
+                </a:solidFill>
+                <a:highlight>
+                  <a:srgbClr val="FFFFFF"/>
+                </a:highlight>
+                <a:latin typeface="Cascadia Mono" panose="020B0609020000020004" pitchFamily="49" charset="0"/>
+              </a:rPr>
+              <a:t>StartupUri</a:t>
+            </a:r>
+            <a:r>
+              <a:rPr lang="en-GB" sz="1800" dirty="0">
+                <a:solidFill>
+                  <a:srgbClr val="0000FF"/>
+                </a:solidFill>
+                <a:highlight>
+                  <a:srgbClr val="FFFFFF"/>
+                </a:highlight>
+                <a:latin typeface="Cascadia Mono" panose="020B0609020000020004" pitchFamily="49" charset="0"/>
+              </a:rPr>
+              <a:t>="</a:t>
+            </a:r>
+            <a:r>
+              <a:rPr lang="en-GB" sz="1800" dirty="0" err="1">
+                <a:solidFill>
+                  <a:srgbClr val="0000FF"/>
+                </a:solidFill>
+                <a:highlight>
+                  <a:srgbClr val="FFFFFF"/>
+                </a:highlight>
+                <a:latin typeface="Cascadia Mono" panose="020B0609020000020004" pitchFamily="49" charset="0"/>
+              </a:rPr>
+              <a:t>MainWindow.xaml</a:t>
+            </a:r>
+            <a:r>
+              <a:rPr lang="en-GB" sz="1800" dirty="0">
+                <a:solidFill>
+                  <a:srgbClr val="0000FF"/>
+                </a:solidFill>
+                <a:highlight>
+                  <a:srgbClr val="FFFFFF"/>
+                </a:highlight>
+                <a:latin typeface="Cascadia Mono" panose="020B0609020000020004" pitchFamily="49" charset="0"/>
+              </a:rPr>
+              <a:t>"&gt;</a:t>
+            </a:r>
+            <a:endParaRPr lang="en-GB" sz="1800" dirty="0">
+              <a:solidFill>
+                <a:srgbClr val="000000"/>
+              </a:solidFill>
+              <a:highlight>
+                <a:srgbClr val="FFFFFF"/>
+              </a:highlight>
+              <a:latin typeface="Cascadia Mono" panose="020B0609020000020004" pitchFamily="49" charset="0"/>
+            </a:endParaRPr>
+          </a:p>
+          <a:p>
+            <a:r>
+              <a:rPr lang="en-GB" sz="1800" dirty="0">
+                <a:solidFill>
+                  <a:srgbClr val="000000"/>
+                </a:solidFill>
+                <a:highlight>
+                  <a:srgbClr val="FFFFFF"/>
+                </a:highlight>
+                <a:latin typeface="Cascadia Mono" panose="020B0609020000020004" pitchFamily="49" charset="0"/>
+              </a:rPr>
+              <a:t>    </a:t>
+            </a:r>
+            <a:r>
+              <a:rPr lang="en-GB" sz="1800" dirty="0">
+                <a:solidFill>
+                  <a:srgbClr val="0000FF"/>
+                </a:solidFill>
+                <a:highlight>
+                  <a:srgbClr val="FFFFFF"/>
+                </a:highlight>
+                <a:latin typeface="Cascadia Mono" panose="020B0609020000020004" pitchFamily="49" charset="0"/>
+              </a:rPr>
+              <a:t>&lt;</a:t>
+            </a:r>
+            <a:r>
+              <a:rPr lang="en-GB" sz="1800" dirty="0" err="1">
+                <a:solidFill>
+                  <a:srgbClr val="A31515"/>
+                </a:solidFill>
+                <a:highlight>
+                  <a:srgbClr val="FFFFFF"/>
+                </a:highlight>
+                <a:latin typeface="Cascadia Mono" panose="020B0609020000020004" pitchFamily="49" charset="0"/>
+              </a:rPr>
+              <a:t>Application.Resources</a:t>
+            </a:r>
+            <a:r>
+              <a:rPr lang="en-GB" sz="1800" dirty="0">
+                <a:solidFill>
+                  <a:srgbClr val="0000FF"/>
+                </a:solidFill>
+                <a:highlight>
+                  <a:srgbClr val="FFFFFF"/>
+                </a:highlight>
+                <a:latin typeface="Cascadia Mono" panose="020B0609020000020004" pitchFamily="49" charset="0"/>
+              </a:rPr>
+              <a:t>&gt;</a:t>
+            </a:r>
+            <a:endParaRPr lang="en-GB" sz="1800" dirty="0">
+              <a:solidFill>
+                <a:srgbClr val="000000"/>
+              </a:solidFill>
+              <a:highlight>
+                <a:srgbClr val="FFFFFF"/>
+              </a:highlight>
+              <a:latin typeface="Cascadia Mono" panose="020B0609020000020004" pitchFamily="49" charset="0"/>
+            </a:endParaRPr>
+          </a:p>
+          <a:p>
+            <a:r>
+              <a:rPr lang="en-GB" sz="1800" dirty="0">
+                <a:solidFill>
+                  <a:srgbClr val="000000"/>
+                </a:solidFill>
+                <a:highlight>
+                  <a:srgbClr val="FFFFFF"/>
+                </a:highlight>
+                <a:latin typeface="Cascadia Mono" panose="020B0609020000020004" pitchFamily="49" charset="0"/>
+              </a:rPr>
+              <a:t>        </a:t>
+            </a:r>
+            <a:r>
+              <a:rPr lang="en-GB" sz="1800" dirty="0">
+                <a:solidFill>
+                  <a:srgbClr val="0000FF"/>
+                </a:solidFill>
+                <a:highlight>
+                  <a:srgbClr val="FFFFFF"/>
+                </a:highlight>
+                <a:latin typeface="Cascadia Mono" panose="020B0609020000020004" pitchFamily="49" charset="0"/>
+              </a:rPr>
+              <a:t>&lt;</a:t>
+            </a:r>
+            <a:r>
+              <a:rPr lang="en-GB" sz="1800" dirty="0" err="1">
+                <a:solidFill>
+                  <a:srgbClr val="A31515"/>
+                </a:solidFill>
+                <a:highlight>
+                  <a:srgbClr val="FFFFFF"/>
+                </a:highlight>
+                <a:latin typeface="Cascadia Mono" panose="020B0609020000020004" pitchFamily="49" charset="0"/>
+              </a:rPr>
+              <a:t>SolidColorBrush</a:t>
+            </a:r>
+            <a:r>
+              <a:rPr lang="en-GB" sz="1800" dirty="0">
+                <a:solidFill>
+                  <a:srgbClr val="FF0000"/>
+                </a:solidFill>
+                <a:highlight>
+                  <a:srgbClr val="FFFFFF"/>
+                </a:highlight>
+                <a:latin typeface="Cascadia Mono" panose="020B0609020000020004" pitchFamily="49" charset="0"/>
+              </a:rPr>
+              <a:t> x</a:t>
+            </a:r>
+            <a:r>
+              <a:rPr lang="en-GB" sz="1800" dirty="0">
+                <a:solidFill>
+                  <a:srgbClr val="0000FF"/>
+                </a:solidFill>
+                <a:highlight>
+                  <a:srgbClr val="FFFFFF"/>
+                </a:highlight>
+                <a:latin typeface="Cascadia Mono" panose="020B0609020000020004" pitchFamily="49" charset="0"/>
+              </a:rPr>
+              <a:t>:</a:t>
+            </a:r>
+            <a:r>
+              <a:rPr lang="en-GB" sz="1800" dirty="0">
+                <a:solidFill>
+                  <a:srgbClr val="FF0000"/>
+                </a:solidFill>
+                <a:highlight>
+                  <a:srgbClr val="FFFFFF"/>
+                </a:highlight>
+                <a:latin typeface="Cascadia Mono" panose="020B0609020000020004" pitchFamily="49" charset="0"/>
+              </a:rPr>
+              <a:t>Key</a:t>
+            </a:r>
+            <a:r>
+              <a:rPr lang="en-GB" sz="1800" dirty="0">
+                <a:solidFill>
+                  <a:srgbClr val="0000FF"/>
+                </a:solidFill>
+                <a:highlight>
+                  <a:srgbClr val="FFFFFF"/>
+                </a:highlight>
+                <a:latin typeface="Cascadia Mono" panose="020B0609020000020004" pitchFamily="49" charset="0"/>
+              </a:rPr>
+              <a:t>="numbersColor"</a:t>
+            </a:r>
+            <a:r>
+              <a:rPr lang="en-GB" sz="1800" dirty="0">
+                <a:solidFill>
+                  <a:srgbClr val="FF0000"/>
+                </a:solidFill>
+                <a:highlight>
+                  <a:srgbClr val="FFFFFF"/>
+                </a:highlight>
+                <a:latin typeface="Cascadia Mono" panose="020B0609020000020004" pitchFamily="49" charset="0"/>
+              </a:rPr>
+              <a:t> </a:t>
+            </a:r>
+            <a:r>
+              <a:rPr lang="en-GB" sz="1800" dirty="0" err="1">
+                <a:solidFill>
+                  <a:srgbClr val="FF0000"/>
+                </a:solidFill>
+                <a:highlight>
+                  <a:srgbClr val="FFFFFF"/>
+                </a:highlight>
+                <a:latin typeface="Cascadia Mono" panose="020B0609020000020004" pitchFamily="49" charset="0"/>
+              </a:rPr>
+              <a:t>Color</a:t>
+            </a:r>
+            <a:r>
+              <a:rPr lang="en-GB" sz="1800" dirty="0">
+                <a:solidFill>
+                  <a:srgbClr val="0000FF"/>
+                </a:solidFill>
+                <a:highlight>
+                  <a:srgbClr val="FFFFFF"/>
+                </a:highlight>
+                <a:latin typeface="Cascadia Mono" panose="020B0609020000020004" pitchFamily="49" charset="0"/>
+              </a:rPr>
+              <a:t>="#666666"/&gt;</a:t>
+            </a:r>
+            <a:endParaRPr lang="en-GB" sz="1800" dirty="0">
+              <a:solidFill>
+                <a:srgbClr val="000000"/>
+              </a:solidFill>
+              <a:highlight>
+                <a:srgbClr val="FFFFFF"/>
+              </a:highlight>
+              <a:latin typeface="Cascadia Mono" panose="020B0609020000020004" pitchFamily="49" charset="0"/>
+            </a:endParaRPr>
+          </a:p>
+          <a:p>
+            <a:r>
+              <a:rPr lang="en-GB" sz="1800" dirty="0">
+                <a:solidFill>
+                  <a:srgbClr val="000000"/>
+                </a:solidFill>
+                <a:highlight>
+                  <a:srgbClr val="FFFFFF"/>
+                </a:highlight>
+                <a:latin typeface="Cascadia Mono" panose="020B0609020000020004" pitchFamily="49" charset="0"/>
+              </a:rPr>
+              <a:t>        </a:t>
+            </a:r>
+            <a:r>
+              <a:rPr lang="en-GB" sz="1800" dirty="0">
+                <a:solidFill>
+                  <a:srgbClr val="0000FF"/>
+                </a:solidFill>
+                <a:highlight>
+                  <a:srgbClr val="FFFFFF"/>
+                </a:highlight>
+                <a:latin typeface="Cascadia Mono" panose="020B0609020000020004" pitchFamily="49" charset="0"/>
+              </a:rPr>
+              <a:t>&lt;</a:t>
+            </a:r>
+            <a:r>
+              <a:rPr lang="en-GB" sz="1800" dirty="0" err="1">
+                <a:solidFill>
+                  <a:srgbClr val="A31515"/>
+                </a:solidFill>
+                <a:highlight>
+                  <a:srgbClr val="FFFFFF"/>
+                </a:highlight>
+                <a:latin typeface="Cascadia Mono" panose="020B0609020000020004" pitchFamily="49" charset="0"/>
+              </a:rPr>
+              <a:t>SolidColorBrush</a:t>
+            </a:r>
+            <a:r>
+              <a:rPr lang="en-GB" sz="1800" dirty="0">
+                <a:solidFill>
+                  <a:srgbClr val="FF0000"/>
+                </a:solidFill>
+                <a:highlight>
+                  <a:srgbClr val="FFFFFF"/>
+                </a:highlight>
+                <a:latin typeface="Cascadia Mono" panose="020B0609020000020004" pitchFamily="49" charset="0"/>
+              </a:rPr>
+              <a:t> x</a:t>
+            </a:r>
+            <a:r>
+              <a:rPr lang="en-GB" sz="1800" dirty="0">
+                <a:solidFill>
+                  <a:srgbClr val="0000FF"/>
+                </a:solidFill>
+                <a:highlight>
+                  <a:srgbClr val="FFFFFF"/>
+                </a:highlight>
+                <a:latin typeface="Cascadia Mono" panose="020B0609020000020004" pitchFamily="49" charset="0"/>
+              </a:rPr>
+              <a:t>:</a:t>
+            </a:r>
+            <a:r>
+              <a:rPr lang="en-GB" sz="1800" dirty="0">
+                <a:solidFill>
+                  <a:srgbClr val="FF0000"/>
+                </a:solidFill>
+                <a:highlight>
+                  <a:srgbClr val="FFFFFF"/>
+                </a:highlight>
+                <a:latin typeface="Cascadia Mono" panose="020B0609020000020004" pitchFamily="49" charset="0"/>
+              </a:rPr>
+              <a:t>Key</a:t>
+            </a:r>
+            <a:r>
+              <a:rPr lang="en-GB" sz="1800" dirty="0">
+                <a:solidFill>
+                  <a:srgbClr val="0000FF"/>
+                </a:solidFill>
+                <a:highlight>
+                  <a:srgbClr val="FFFFFF"/>
+                </a:highlight>
+                <a:latin typeface="Cascadia Mono" panose="020B0609020000020004" pitchFamily="49" charset="0"/>
+              </a:rPr>
+              <a:t>="operatorColor"</a:t>
+            </a:r>
+            <a:r>
+              <a:rPr lang="en-GB" sz="1800" dirty="0">
+                <a:solidFill>
+                  <a:srgbClr val="FF0000"/>
+                </a:solidFill>
+                <a:highlight>
+                  <a:srgbClr val="FFFFFF"/>
+                </a:highlight>
+                <a:latin typeface="Cascadia Mono" panose="020B0609020000020004" pitchFamily="49" charset="0"/>
+              </a:rPr>
+              <a:t> </a:t>
+            </a:r>
+            <a:r>
+              <a:rPr lang="en-GB" sz="1800" dirty="0" err="1">
+                <a:solidFill>
+                  <a:srgbClr val="FF0000"/>
+                </a:solidFill>
+                <a:highlight>
+                  <a:srgbClr val="FFFFFF"/>
+                </a:highlight>
+                <a:latin typeface="Cascadia Mono" panose="020B0609020000020004" pitchFamily="49" charset="0"/>
+              </a:rPr>
+              <a:t>Color</a:t>
+            </a:r>
+            <a:r>
+              <a:rPr lang="en-GB" sz="1800" dirty="0">
+                <a:solidFill>
+                  <a:srgbClr val="0000FF"/>
+                </a:solidFill>
+                <a:highlight>
+                  <a:srgbClr val="FFFFFF"/>
+                </a:highlight>
+                <a:latin typeface="Cascadia Mono" panose="020B0609020000020004" pitchFamily="49" charset="0"/>
+              </a:rPr>
+              <a:t>="Green"/&gt;</a:t>
+            </a:r>
+            <a:endParaRPr lang="en-GB" sz="1800" dirty="0">
+              <a:solidFill>
+                <a:srgbClr val="000000"/>
+              </a:solidFill>
+              <a:highlight>
+                <a:srgbClr val="FFFFFF"/>
+              </a:highlight>
+              <a:latin typeface="Cascadia Mono" panose="020B0609020000020004" pitchFamily="49" charset="0"/>
+            </a:endParaRPr>
+          </a:p>
+          <a:p>
+            <a:r>
+              <a:rPr lang="en-GB" sz="1800" dirty="0">
+                <a:solidFill>
+                  <a:srgbClr val="000000"/>
+                </a:solidFill>
+                <a:highlight>
+                  <a:srgbClr val="FFFFFF"/>
+                </a:highlight>
+                <a:latin typeface="Cascadia Mono" panose="020B0609020000020004" pitchFamily="49" charset="0"/>
+              </a:rPr>
+              <a:t>    </a:t>
+            </a:r>
+            <a:r>
+              <a:rPr lang="en-GB" sz="1800" dirty="0">
+                <a:solidFill>
+                  <a:srgbClr val="0000FF"/>
+                </a:solidFill>
+                <a:highlight>
+                  <a:srgbClr val="FFFFFF"/>
+                </a:highlight>
+                <a:latin typeface="Cascadia Mono" panose="020B0609020000020004" pitchFamily="49" charset="0"/>
+              </a:rPr>
+              <a:t>&lt;/</a:t>
+            </a:r>
+            <a:r>
+              <a:rPr lang="en-GB" sz="1800" dirty="0" err="1">
+                <a:solidFill>
+                  <a:srgbClr val="A31515"/>
+                </a:solidFill>
+                <a:highlight>
+                  <a:srgbClr val="FFFFFF"/>
+                </a:highlight>
+                <a:latin typeface="Cascadia Mono" panose="020B0609020000020004" pitchFamily="49" charset="0"/>
+              </a:rPr>
+              <a:t>Application.Resources</a:t>
+            </a:r>
+            <a:r>
+              <a:rPr lang="en-GB" sz="1800" dirty="0">
+                <a:solidFill>
+                  <a:srgbClr val="0000FF"/>
+                </a:solidFill>
+                <a:highlight>
+                  <a:srgbClr val="FFFFFF"/>
+                </a:highlight>
+                <a:latin typeface="Cascadia Mono" panose="020B0609020000020004" pitchFamily="49" charset="0"/>
+              </a:rPr>
+              <a:t>&gt;</a:t>
+            </a:r>
+            <a:endParaRPr lang="en-GB" sz="1800" dirty="0">
+              <a:solidFill>
+                <a:srgbClr val="000000"/>
+              </a:solidFill>
+              <a:highlight>
+                <a:srgbClr val="FFFFFF"/>
+              </a:highlight>
+              <a:latin typeface="Cascadia Mono" panose="020B0609020000020004" pitchFamily="49" charset="0"/>
+            </a:endParaRPr>
+          </a:p>
+          <a:p>
+            <a:r>
+              <a:rPr lang="en-GB" sz="1800" dirty="0">
+                <a:solidFill>
+                  <a:srgbClr val="0000FF"/>
+                </a:solidFill>
+                <a:highlight>
+                  <a:srgbClr val="FFFFFF"/>
+                </a:highlight>
+                <a:latin typeface="Cascadia Mono" panose="020B0609020000020004" pitchFamily="49" charset="0"/>
+              </a:rPr>
+              <a:t>&lt;/</a:t>
+            </a:r>
+            <a:r>
+              <a:rPr lang="en-GB" sz="1800" dirty="0">
+                <a:solidFill>
+                  <a:srgbClr val="A31515"/>
+                </a:solidFill>
+                <a:highlight>
+                  <a:srgbClr val="FFFFFF"/>
+                </a:highlight>
+                <a:latin typeface="Cascadia Mono" panose="020B0609020000020004" pitchFamily="49" charset="0"/>
+              </a:rPr>
+              <a:t>Application</a:t>
+            </a:r>
+            <a:r>
+              <a:rPr lang="en-GB" sz="1800" dirty="0">
+                <a:solidFill>
+                  <a:srgbClr val="0000FF"/>
+                </a:solidFill>
+                <a:highlight>
+                  <a:srgbClr val="FFFFFF"/>
+                </a:highlight>
+                <a:latin typeface="Cascadia Mono" panose="020B0609020000020004" pitchFamily="49" charset="0"/>
+              </a:rPr>
+              <a:t>&gt;</a:t>
+            </a:r>
+            <a:endParaRPr lang="en-GB" sz="1800" dirty="0">
+              <a:solidFill>
+                <a:srgbClr val="000000"/>
+              </a:solidFill>
+              <a:highlight>
+                <a:srgbClr val="FFFFFF"/>
+              </a:highlight>
+              <a:latin typeface="Cascadia Mono" panose="020B0609020000020004" pitchFamily="49" charset="0"/>
+            </a:endParaRPr>
+          </a:p>
+        </p:txBody>
+      </p:sp>
+      <p:pic>
+        <p:nvPicPr>
+          <p:cNvPr id="6" name="Picture 5">
+            <a:extLst>
+              <a:ext uri="{FF2B5EF4-FFF2-40B4-BE49-F238E27FC236}">
+                <a16:creationId xmlns:a16="http://schemas.microsoft.com/office/drawing/2014/main" id="{EA210742-BBE9-EDBF-8EF6-5A064DE9526C}"/>
+              </a:ext>
+            </a:extLst>
+          </p:cNvPr>
+          <p:cNvPicPr>
+            <a:picLocks noChangeAspect="1"/>
+          </p:cNvPicPr>
+          <p:nvPr/>
+        </p:nvPicPr>
+        <p:blipFill>
+          <a:blip r:embed="rId2"/>
+          <a:stretch>
+            <a:fillRect/>
+          </a:stretch>
+        </p:blipFill>
+        <p:spPr>
+          <a:xfrm>
+            <a:off x="7305431" y="1790506"/>
+            <a:ext cx="3486637" cy="2781688"/>
+          </a:xfrm>
+          <a:prstGeom prst="rect">
+            <a:avLst/>
+          </a:prstGeom>
+        </p:spPr>
+      </p:pic>
     </p:spTree>
     <p:extLst>
       <p:ext uri="{BB962C8B-B14F-4D97-AF65-F5344CB8AC3E}">
